--- a/资料/PPT.pptx
+++ b/资料/PPT.pptx
@@ -18,8 +18,10 @@
     <p:sldId id="264" r:id="rId12"/>
     <p:sldId id="265" r:id="rId13"/>
     <p:sldId id="268" r:id="rId14"/>
-    <p:sldId id="262" r:id="rId15"/>
-    <p:sldId id="261" r:id="rId16"/>
+    <p:sldId id="271" r:id="rId15"/>
+    <p:sldId id="262" r:id="rId16"/>
+    <p:sldId id="272" r:id="rId17"/>
+    <p:sldId id="261" r:id="rId18"/>
   </p:sldIdLst>
   <p:sldSz cx="12192000" cy="6858000"/>
   <p:notesSz cx="6858000" cy="9144000"/>
@@ -7558,7 +7560,7 @@
         </p:blipFill>
         <p:spPr>
           <a:xfrm>
-            <a:off x="3631627" y="1729124"/>
+            <a:off x="3595955" y="1434955"/>
             <a:ext cx="8118064" cy="4242818"/>
           </a:xfrm>
           <a:prstGeom prst="rect">
@@ -7601,6 +7603,116 @@
           <p:cNvPr id="2" name="标题 1">
             <a:extLst>
               <a:ext uri="{FF2B5EF4-FFF2-40B4-BE49-F238E27FC236}">
+                <a16:creationId xmlns:a16="http://schemas.microsoft.com/office/drawing/2014/main" id="{04ACBACB-3276-17B2-E304-DCF05273CBDD}"/>
+              </a:ext>
+            </a:extLst>
+          </p:cNvPr>
+          <p:cNvSpPr>
+            <a:spLocks noGrp="1"/>
+          </p:cNvSpPr>
+          <p:nvPr>
+            <p:ph type="title"/>
+          </p:nvPr>
+        </p:nvSpPr>
+        <p:spPr>
+          <a:xfrm>
+            <a:off x="477981" y="1122363"/>
+            <a:ext cx="4023360" cy="3204134"/>
+          </a:xfrm>
+        </p:spPr>
+        <p:txBody>
+          <a:bodyPr vert="horz" lIns="91440" tIns="45720" rIns="91440" bIns="45720" rtlCol="0" anchor="b">
+            <a:normAutofit/>
+          </a:bodyPr>
+          <a:lstStyle/>
+          <a:p>
+            <a:pPr>
+              <a:lnSpc>
+                <a:spcPct val="90000"/>
+              </a:lnSpc>
+            </a:pPr>
+            <a:r>
+              <a:rPr lang="en-US" altLang="zh-CN" sz="4800" dirty="0"/>
+              <a:t>Actor</a:t>
+            </a:r>
+            <a:r>
+              <a:rPr lang="zh-CN" altLang="en-US" sz="4800" dirty="0"/>
+              <a:t>模型</a:t>
+            </a:r>
+          </a:p>
+        </p:txBody>
+      </p:sp>
+      <p:pic>
+        <p:nvPicPr>
+          <p:cNvPr id="4" name="图片 3" descr="图示&#10;&#10;描述已自动生成">
+            <a:extLst>
+              <a:ext uri="{FF2B5EF4-FFF2-40B4-BE49-F238E27FC236}">
+                <a16:creationId xmlns:a16="http://schemas.microsoft.com/office/drawing/2014/main" id="{7DCE73EC-C7B1-5FC2-60E5-73F9BF6AC679}"/>
+              </a:ext>
+            </a:extLst>
+          </p:cNvPr>
+          <p:cNvPicPr>
+            <a:picLocks noChangeAspect="1"/>
+          </p:cNvPicPr>
+          <p:nvPr/>
+        </p:nvPicPr>
+        <p:blipFill>
+          <a:blip r:embed="rId2">
+            <a:extLst>
+              <a:ext uri="{28A0092B-C50C-407E-A947-70E740481C1C}">
+                <a14:useLocalDpi xmlns:a14="http://schemas.microsoft.com/office/drawing/2010/main" val="0"/>
+              </a:ext>
+            </a:extLst>
+          </a:blip>
+          <a:stretch>
+            <a:fillRect/>
+          </a:stretch>
+        </p:blipFill>
+        <p:spPr>
+          <a:xfrm>
+            <a:off x="3595955" y="1434955"/>
+            <a:ext cx="8118064" cy="4242818"/>
+          </a:xfrm>
+          <a:prstGeom prst="rect">
+            <a:avLst/>
+          </a:prstGeom>
+        </p:spPr>
+      </p:pic>
+    </p:spTree>
+    <p:extLst>
+      <p:ext uri="{BB962C8B-B14F-4D97-AF65-F5344CB8AC3E}">
+        <p14:creationId xmlns:p14="http://schemas.microsoft.com/office/powerpoint/2010/main" val="1332716781"/>
+      </p:ext>
+    </p:extLst>
+  </p:cSld>
+  <p:clrMapOvr>
+    <a:masterClrMapping/>
+  </p:clrMapOvr>
+</p:sld>
+</file>
+
+<file path=ppt/slides/slide15.xml><?xml version="1.0" encoding="utf-8"?>
+<p:sld xmlns:a="http://schemas.openxmlformats.org/drawingml/2006/main" xmlns:r="http://schemas.openxmlformats.org/officeDocument/2006/relationships" xmlns:p="http://schemas.openxmlformats.org/presentationml/2006/main">
+  <p:cSld>
+    <p:spTree>
+      <p:nvGrpSpPr>
+        <p:cNvPr id="1" name=""/>
+        <p:cNvGrpSpPr/>
+        <p:nvPr/>
+      </p:nvGrpSpPr>
+      <p:grpSpPr>
+        <a:xfrm>
+          <a:off x="0" y="0"/>
+          <a:ext cx="0" cy="0"/>
+          <a:chOff x="0" y="0"/>
+          <a:chExt cx="0" cy="0"/>
+        </a:xfrm>
+      </p:grpSpPr>
+      <p:sp>
+        <p:nvSpPr>
+          <p:cNvPr id="2" name="标题 1">
+            <a:extLst>
+              <a:ext uri="{FF2B5EF4-FFF2-40B4-BE49-F238E27FC236}">
                 <a16:creationId xmlns:a16="http://schemas.microsoft.com/office/drawing/2014/main" id="{D055B6B4-8675-EDB6-4599-D84DD09DBB8C}"/>
               </a:ext>
             </a:extLst>
@@ -7732,7 +7844,3613 @@
 </p:sld>
 </file>
 
-<file path=ppt/slides/slide15.xml><?xml version="1.0" encoding="utf-8"?>
+<file path=ppt/slides/slide16.xml><?xml version="1.0" encoding="utf-8"?>
+<p:sld xmlns:a="http://schemas.openxmlformats.org/drawingml/2006/main" xmlns:r="http://schemas.openxmlformats.org/officeDocument/2006/relationships" xmlns:p="http://schemas.openxmlformats.org/presentationml/2006/main">
+  <p:cSld>
+    <p:bg>
+      <p:bgPr>
+        <a:solidFill>
+          <a:schemeClr val="bg1"/>
+        </a:solidFill>
+        <a:effectLst/>
+      </p:bgPr>
+    </p:bg>
+    <p:spTree>
+      <p:nvGrpSpPr>
+        <p:cNvPr id="1" name=""/>
+        <p:cNvGrpSpPr/>
+        <p:nvPr/>
+      </p:nvGrpSpPr>
+      <p:grpSpPr>
+        <a:xfrm>
+          <a:off x="0" y="0"/>
+          <a:ext cx="0" cy="0"/>
+          <a:chOff x="0" y="0"/>
+          <a:chExt cx="0" cy="0"/>
+        </a:xfrm>
+      </p:grpSpPr>
+      <p:sp useBgFill="1">
+        <p:nvSpPr>
+          <p:cNvPr id="9" name="Rectangle 8">
+            <a:extLst>
+              <a:ext uri="{FF2B5EF4-FFF2-40B4-BE49-F238E27FC236}">
+                <a16:creationId xmlns:a16="http://schemas.microsoft.com/office/drawing/2014/main" id="{81D377EB-C9D2-4ED0-86A6-740A297E3EAC}"/>
+              </a:ext>
+              <a:ext uri="{C183D7F6-B498-43B3-948B-1728B52AA6E4}">
+                <adec:decorative xmlns:adec="http://schemas.microsoft.com/office/drawing/2017/decorative" val="1"/>
+              </a:ext>
+            </a:extLst>
+          </p:cNvPr>
+          <p:cNvSpPr>
+            <a:spLocks noGrp="1" noRot="1" noChangeAspect="1" noMove="1" noResize="1" noEditPoints="1" noAdjustHandles="1" noChangeArrowheads="1" noChangeShapeType="1" noTextEdit="1"/>
+          </p:cNvSpPr>
+          <p:nvPr>
+            <p:extLst>
+              <p:ext uri="{386F3935-93C4-4BCD-93E2-E3B085C9AB24}">
+                <p16:designElem xmlns:p16="http://schemas.microsoft.com/office/powerpoint/2015/main" val="1"/>
+              </p:ext>
+            </p:extLst>
+          </p:nvPr>
+        </p:nvSpPr>
+        <p:spPr>
+          <a:xfrm>
+            <a:off x="0" y="0"/>
+            <a:ext cx="12192000" cy="6858000"/>
+          </a:xfrm>
+          <a:prstGeom prst="rect">
+            <a:avLst/>
+          </a:prstGeom>
+          <a:ln>
+            <a:noFill/>
+          </a:ln>
+        </p:spPr>
+        <p:style>
+          <a:lnRef idx="2">
+            <a:schemeClr val="accent1">
+              <a:shade val="50000"/>
+            </a:schemeClr>
+          </a:lnRef>
+          <a:fillRef idx="1">
+            <a:schemeClr val="accent1"/>
+          </a:fillRef>
+          <a:effectRef idx="0">
+            <a:schemeClr val="accent1"/>
+          </a:effectRef>
+          <a:fontRef idx="minor">
+            <a:schemeClr val="lt1"/>
+          </a:fontRef>
+        </p:style>
+        <p:txBody>
+          <a:bodyPr rtlCol="0" anchor="ctr"/>
+          <a:lstStyle/>
+          <a:p>
+            <a:pPr algn="ctr"/>
+            <a:endParaRPr lang="en-US"/>
+          </a:p>
+        </p:txBody>
+      </p:sp>
+      <p:sp>
+        <p:nvSpPr>
+          <p:cNvPr id="2" name="标题 1">
+            <a:extLst>
+              <a:ext uri="{FF2B5EF4-FFF2-40B4-BE49-F238E27FC236}">
+                <a16:creationId xmlns:a16="http://schemas.microsoft.com/office/drawing/2014/main" id="{D055B6B4-8675-EDB6-4599-D84DD09DBB8C}"/>
+              </a:ext>
+            </a:extLst>
+          </p:cNvPr>
+          <p:cNvSpPr>
+            <a:spLocks noGrp="1"/>
+          </p:cNvSpPr>
+          <p:nvPr>
+            <p:ph type="title"/>
+          </p:nvPr>
+        </p:nvSpPr>
+        <p:spPr>
+          <a:xfrm>
+            <a:off x="841248" y="685800"/>
+            <a:ext cx="10506456" cy="1157005"/>
+          </a:xfrm>
+        </p:spPr>
+        <p:txBody>
+          <a:bodyPr anchor="b">
+            <a:normAutofit/>
+          </a:bodyPr>
+          <a:lstStyle/>
+          <a:p>
+            <a:r>
+              <a:rPr lang="zh-CN" altLang="en-US" sz="4800"/>
+              <a:t>事件池</a:t>
+            </a:r>
+            <a:r>
+              <a:rPr lang="en-US" altLang="zh-CN" sz="4800"/>
+              <a:t>——QP</a:t>
+            </a:r>
+            <a:r>
+              <a:rPr lang="zh-CN" altLang="en-US" sz="4800"/>
+              <a:t>的内存管理机制</a:t>
+            </a:r>
+          </a:p>
+        </p:txBody>
+      </p:sp>
+      <p:sp>
+        <p:nvSpPr>
+          <p:cNvPr id="11" name="Rectangle 10">
+            <a:extLst>
+              <a:ext uri="{FF2B5EF4-FFF2-40B4-BE49-F238E27FC236}">
+                <a16:creationId xmlns:a16="http://schemas.microsoft.com/office/drawing/2014/main" id="{066346BE-FDB4-4772-A696-0719490ABD64}"/>
+              </a:ext>
+              <a:ext uri="{C183D7F6-B498-43B3-948B-1728B52AA6E4}">
+                <adec:decorative xmlns:adec="http://schemas.microsoft.com/office/drawing/2017/decorative" val="1"/>
+              </a:ext>
+            </a:extLst>
+          </p:cNvPr>
+          <p:cNvSpPr>
+            <a:spLocks noGrp="1" noRot="1" noChangeAspect="1" noMove="1" noResize="1" noEditPoints="1" noAdjustHandles="1" noChangeArrowheads="1" noChangeShapeType="1" noTextEdit="1"/>
+          </p:cNvSpPr>
+          <p:nvPr>
+            <p:extLst>
+              <p:ext uri="{386F3935-93C4-4BCD-93E2-E3B085C9AB24}">
+                <p16:designElem xmlns:p16="http://schemas.microsoft.com/office/powerpoint/2015/main" val="1"/>
+              </p:ext>
+            </p:extLst>
+          </p:nvPr>
+        </p:nvSpPr>
+        <p:spPr>
+          <a:xfrm rot="5400000">
+            <a:off x="1120140" y="34093"/>
+            <a:ext cx="146304" cy="704088"/>
+          </a:xfrm>
+          <a:prstGeom prst="rect">
+            <a:avLst/>
+          </a:prstGeom>
+          <a:solidFill>
+            <a:schemeClr val="accent1"/>
+          </a:solidFill>
+          <a:ln>
+            <a:noFill/>
+          </a:ln>
+        </p:spPr>
+        <p:style>
+          <a:lnRef idx="2">
+            <a:schemeClr val="accent1">
+              <a:shade val="50000"/>
+            </a:schemeClr>
+          </a:lnRef>
+          <a:fillRef idx="1">
+            <a:schemeClr val="accent1"/>
+          </a:fillRef>
+          <a:effectRef idx="0">
+            <a:schemeClr val="accent1"/>
+          </a:effectRef>
+          <a:fontRef idx="minor">
+            <a:schemeClr val="lt1"/>
+          </a:fontRef>
+        </p:style>
+        <p:txBody>
+          <a:bodyPr rtlCol="0" anchor="ctr"/>
+          <a:lstStyle/>
+          <a:p>
+            <a:pPr marL="0" marR="0" lvl="0" indent="0" algn="ctr" defTabSz="914400" rtl="0" eaLnBrk="1" fontAlgn="auto" latinLnBrk="0" hangingPunct="1">
+              <a:lnSpc>
+                <a:spcPct val="100000"/>
+              </a:lnSpc>
+              <a:spcBef>
+                <a:spcPts val="0"/>
+              </a:spcBef>
+              <a:spcAft>
+                <a:spcPts val="0"/>
+              </a:spcAft>
+              <a:buClrTx/>
+              <a:buSzTx/>
+              <a:buFontTx/>
+              <a:buNone/>
+              <a:tabLst/>
+              <a:defRPr/>
+            </a:pPr>
+            <a:endParaRPr kumimoji="0" lang="en-US" sz="1800" b="0" i="0" u="none" strike="noStrike" kern="1200" cap="none" spc="0" normalizeH="0" baseline="0" noProof="0">
+              <a:ln>
+                <a:noFill/>
+              </a:ln>
+              <a:solidFill>
+                <a:prstClr val="white"/>
+              </a:solidFill>
+              <a:effectLst/>
+              <a:uLnTx/>
+              <a:uFillTx/>
+              <a:latin typeface="Calibri" panose="020F0502020204030204"/>
+              <a:ea typeface="+mn-ea"/>
+              <a:cs typeface="+mn-cs"/>
+            </a:endParaRPr>
+          </a:p>
+        </p:txBody>
+      </p:sp>
+      <p:sp>
+        <p:nvSpPr>
+          <p:cNvPr id="13" name="Rectangle 12">
+            <a:extLst>
+              <a:ext uri="{FF2B5EF4-FFF2-40B4-BE49-F238E27FC236}">
+                <a16:creationId xmlns:a16="http://schemas.microsoft.com/office/drawing/2014/main" id="{FB92FFCE-0C90-454E-AA25-D4EE9A6C39C5}"/>
+              </a:ext>
+              <a:ext uri="{C183D7F6-B498-43B3-948B-1728B52AA6E4}">
+                <adec:decorative xmlns:adec="http://schemas.microsoft.com/office/drawing/2017/decorative" val="1"/>
+              </a:ext>
+            </a:extLst>
+          </p:cNvPr>
+          <p:cNvSpPr>
+            <a:spLocks noGrp="1" noRot="1" noChangeAspect="1" noMove="1" noResize="1" noEditPoints="1" noAdjustHandles="1" noChangeArrowheads="1" noChangeShapeType="1" noTextEdit="1"/>
+          </p:cNvSpPr>
+          <p:nvPr>
+            <p:extLst>
+              <p:ext uri="{386F3935-93C4-4BCD-93E2-E3B085C9AB24}">
+                <p16:designElem xmlns:p16="http://schemas.microsoft.com/office/powerpoint/2015/main" val="1"/>
+              </p:ext>
+            </p:extLst>
+          </p:nvPr>
+        </p:nvSpPr>
+        <p:spPr>
+          <a:xfrm>
+            <a:off x="841248" y="1958056"/>
+            <a:ext cx="10506456" cy="18288"/>
+          </a:xfrm>
+          <a:prstGeom prst="rect">
+            <a:avLst/>
+          </a:prstGeom>
+          <a:solidFill>
+            <a:schemeClr val="tx2">
+              <a:lumMod val="25000"/>
+              <a:lumOff val="75000"/>
+            </a:schemeClr>
+          </a:solidFill>
+          <a:ln w="3175">
+            <a:noFill/>
+          </a:ln>
+          <a:effectLst/>
+        </p:spPr>
+        <p:style>
+          <a:lnRef idx="2">
+            <a:schemeClr val="accent1">
+              <a:shade val="50000"/>
+            </a:schemeClr>
+          </a:lnRef>
+          <a:fillRef idx="1">
+            <a:schemeClr val="accent1"/>
+          </a:fillRef>
+          <a:effectRef idx="0">
+            <a:schemeClr val="accent1"/>
+          </a:effectRef>
+          <a:fontRef idx="minor">
+            <a:schemeClr val="lt1"/>
+          </a:fontRef>
+        </p:style>
+        <p:txBody>
+          <a:bodyPr rtlCol="0" anchor="ctr"/>
+          <a:lstStyle/>
+          <a:p>
+            <a:pPr marL="0" marR="0" lvl="0" indent="0" algn="ctr" defTabSz="914400" rtl="0" eaLnBrk="1" fontAlgn="auto" latinLnBrk="0" hangingPunct="1">
+              <a:lnSpc>
+                <a:spcPct val="100000"/>
+              </a:lnSpc>
+              <a:spcBef>
+                <a:spcPts val="0"/>
+              </a:spcBef>
+              <a:spcAft>
+                <a:spcPts val="0"/>
+              </a:spcAft>
+              <a:buClrTx/>
+              <a:buSzTx/>
+              <a:buFontTx/>
+              <a:buNone/>
+              <a:tabLst/>
+              <a:defRPr/>
+            </a:pPr>
+            <a:endParaRPr kumimoji="0" lang="en-US" sz="1800" b="0" i="0" u="none" strike="noStrike" kern="1200" cap="none" spc="0" normalizeH="0" baseline="0" noProof="0">
+              <a:ln>
+                <a:noFill/>
+              </a:ln>
+              <a:solidFill>
+                <a:prstClr val="white"/>
+              </a:solidFill>
+              <a:effectLst/>
+              <a:uLnTx/>
+              <a:uFillTx/>
+              <a:latin typeface="Calibri" panose="020F0502020204030204"/>
+              <a:ea typeface="+mn-ea"/>
+              <a:cs typeface="+mn-cs"/>
+            </a:endParaRPr>
+          </a:p>
+        </p:txBody>
+      </p:sp>
+      <p:graphicFrame>
+        <p:nvGraphicFramePr>
+          <p:cNvPr id="4" name="内容占位符 3">
+            <a:extLst>
+              <a:ext uri="{FF2B5EF4-FFF2-40B4-BE49-F238E27FC236}">
+                <a16:creationId xmlns:a16="http://schemas.microsoft.com/office/drawing/2014/main" id="{FE12B7D5-CCA3-2607-D02C-F9284E233516}"/>
+              </a:ext>
+            </a:extLst>
+          </p:cNvPr>
+          <p:cNvGraphicFramePr>
+            <a:graphicFrameLocks noGrp="1"/>
+          </p:cNvGraphicFramePr>
+          <p:nvPr>
+            <p:ph idx="1"/>
+            <p:extLst>
+              <p:ext uri="{D42A27DB-BD31-4B8C-83A1-F6EECF244321}">
+                <p14:modId xmlns:p14="http://schemas.microsoft.com/office/powerpoint/2010/main" val="2539020742"/>
+              </p:ext>
+            </p:extLst>
+          </p:nvPr>
+        </p:nvGraphicFramePr>
+        <p:xfrm>
+          <a:off x="2181691" y="2666990"/>
+          <a:ext cx="7819476" cy="3133472"/>
+        </p:xfrm>
+        <a:graphic>
+          <a:graphicData uri="http://schemas.openxmlformats.org/drawingml/2006/table">
+            <a:tbl>
+              <a:tblPr/>
+              <a:tblGrid>
+                <a:gridCol w="1118722">
+                  <a:extLst>
+                    <a:ext uri="{9D8B030D-6E8A-4147-A177-3AD203B41FA5}">
+                      <a16:colId xmlns:a16="http://schemas.microsoft.com/office/drawing/2014/main" val="118984951"/>
+                    </a:ext>
+                  </a:extLst>
+                </a:gridCol>
+                <a:gridCol w="1068050">
+                  <a:extLst>
+                    <a:ext uri="{9D8B030D-6E8A-4147-A177-3AD203B41FA5}">
+                      <a16:colId xmlns:a16="http://schemas.microsoft.com/office/drawing/2014/main" val="2573483866"/>
+                    </a:ext>
+                  </a:extLst>
+                </a:gridCol>
+                <a:gridCol w="469392">
+                  <a:extLst>
+                    <a:ext uri="{9D8B030D-6E8A-4147-A177-3AD203B41FA5}">
+                      <a16:colId xmlns:a16="http://schemas.microsoft.com/office/drawing/2014/main" val="4260550866"/>
+                    </a:ext>
+                  </a:extLst>
+                </a:gridCol>
+                <a:gridCol w="469392">
+                  <a:extLst>
+                    <a:ext uri="{9D8B030D-6E8A-4147-A177-3AD203B41FA5}">
+                      <a16:colId xmlns:a16="http://schemas.microsoft.com/office/drawing/2014/main" val="2936545867"/>
+                    </a:ext>
+                  </a:extLst>
+                </a:gridCol>
+                <a:gridCol w="469392">
+                  <a:extLst>
+                    <a:ext uri="{9D8B030D-6E8A-4147-A177-3AD203B41FA5}">
+                      <a16:colId xmlns:a16="http://schemas.microsoft.com/office/drawing/2014/main" val="862526357"/>
+                    </a:ext>
+                  </a:extLst>
+                </a:gridCol>
+                <a:gridCol w="469392">
+                  <a:extLst>
+                    <a:ext uri="{9D8B030D-6E8A-4147-A177-3AD203B41FA5}">
+                      <a16:colId xmlns:a16="http://schemas.microsoft.com/office/drawing/2014/main" val="3743520479"/>
+                    </a:ext>
+                  </a:extLst>
+                </a:gridCol>
+                <a:gridCol w="469392">
+                  <a:extLst>
+                    <a:ext uri="{9D8B030D-6E8A-4147-A177-3AD203B41FA5}">
+                      <a16:colId xmlns:a16="http://schemas.microsoft.com/office/drawing/2014/main" val="947318469"/>
+                    </a:ext>
+                  </a:extLst>
+                </a:gridCol>
+                <a:gridCol w="469392">
+                  <a:extLst>
+                    <a:ext uri="{9D8B030D-6E8A-4147-A177-3AD203B41FA5}">
+                      <a16:colId xmlns:a16="http://schemas.microsoft.com/office/drawing/2014/main" val="3189464662"/>
+                    </a:ext>
+                  </a:extLst>
+                </a:gridCol>
+                <a:gridCol w="469392">
+                  <a:extLst>
+                    <a:ext uri="{9D8B030D-6E8A-4147-A177-3AD203B41FA5}">
+                      <a16:colId xmlns:a16="http://schemas.microsoft.com/office/drawing/2014/main" val="2070399586"/>
+                    </a:ext>
+                  </a:extLst>
+                </a:gridCol>
+                <a:gridCol w="469392">
+                  <a:extLst>
+                    <a:ext uri="{9D8B030D-6E8A-4147-A177-3AD203B41FA5}">
+                      <a16:colId xmlns:a16="http://schemas.microsoft.com/office/drawing/2014/main" val="1359187769"/>
+                    </a:ext>
+                  </a:extLst>
+                </a:gridCol>
+                <a:gridCol w="469392">
+                  <a:extLst>
+                    <a:ext uri="{9D8B030D-6E8A-4147-A177-3AD203B41FA5}">
+                      <a16:colId xmlns:a16="http://schemas.microsoft.com/office/drawing/2014/main" val="3753649434"/>
+                    </a:ext>
+                  </a:extLst>
+                </a:gridCol>
+                <a:gridCol w="469392">
+                  <a:extLst>
+                    <a:ext uri="{9D8B030D-6E8A-4147-A177-3AD203B41FA5}">
+                      <a16:colId xmlns:a16="http://schemas.microsoft.com/office/drawing/2014/main" val="1132251325"/>
+                    </a:ext>
+                  </a:extLst>
+                </a:gridCol>
+                <a:gridCol w="469392">
+                  <a:extLst>
+                    <a:ext uri="{9D8B030D-6E8A-4147-A177-3AD203B41FA5}">
+                      <a16:colId xmlns:a16="http://schemas.microsoft.com/office/drawing/2014/main" val="3602724565"/>
+                    </a:ext>
+                  </a:extLst>
+                </a:gridCol>
+                <a:gridCol w="469392">
+                  <a:extLst>
+                    <a:ext uri="{9D8B030D-6E8A-4147-A177-3AD203B41FA5}">
+                      <a16:colId xmlns:a16="http://schemas.microsoft.com/office/drawing/2014/main" val="1790528293"/>
+                    </a:ext>
+                  </a:extLst>
+                </a:gridCol>
+              </a:tblGrid>
+              <a:tr h="690584">
+                <a:tc>
+                  <a:txBody>
+                    <a:bodyPr/>
+                    <a:lstStyle/>
+                    <a:p>
+                      <a:pPr algn="l" fontAlgn="ctr">
+                        <a:spcBef>
+                          <a:spcPts val="0"/>
+                        </a:spcBef>
+                        <a:spcAft>
+                          <a:spcPts val="0"/>
+                        </a:spcAft>
+                      </a:pPr>
+                      <a:r>
+                        <a:rPr lang="zh-CN" altLang="en-US" sz="2000" b="0" i="0" u="none" strike="noStrike">
+                          <a:solidFill>
+                            <a:srgbClr val="000000"/>
+                          </a:solidFill>
+                          <a:effectLst/>
+                          <a:latin typeface="宋体" panose="02010600030101010101" pitchFamily="2" charset="-122"/>
+                          <a:ea typeface="宋体" panose="02010600030101010101" pitchFamily="2" charset="-122"/>
+                        </a:rPr>
+                        <a:t>小事件池</a:t>
+                      </a:r>
+                      <a:endParaRPr lang="zh-CN" altLang="en-US" sz="3300" b="0" i="0" u="none" strike="noStrike">
+                        <a:effectLst/>
+                        <a:latin typeface="Arial" panose="020B0604020202020204" pitchFamily="34" charset="0"/>
+                      </a:endParaRPr>
+                    </a:p>
+                  </a:txBody>
+                  <a:tcPr marL="8848" marR="8848" marT="8848" marB="0" anchor="ctr">
+                    <a:lnL>
+                      <a:noFill/>
+                    </a:lnL>
+                    <a:lnR>
+                      <a:noFill/>
+                    </a:lnR>
+                    <a:lnT>
+                      <a:noFill/>
+                    </a:lnT>
+                    <a:lnB>
+                      <a:noFill/>
+                    </a:lnB>
+                  </a:tcPr>
+                </a:tc>
+                <a:tc>
+                  <a:txBody>
+                    <a:bodyPr/>
+                    <a:lstStyle/>
+                    <a:p>
+                      <a:pPr algn="l" fontAlgn="ctr">
+                        <a:spcBef>
+                          <a:spcPts val="0"/>
+                        </a:spcBef>
+                        <a:spcAft>
+                          <a:spcPts val="0"/>
+                        </a:spcAft>
+                      </a:pPr>
+                      <a:endParaRPr lang="zh-CN" altLang="en-US" sz="3300" b="0" i="0" u="none" strike="noStrike">
+                        <a:effectLst/>
+                        <a:latin typeface="Arial" panose="020B0604020202020204" pitchFamily="34" charset="0"/>
+                      </a:endParaRPr>
+                    </a:p>
+                  </a:txBody>
+                  <a:tcPr marL="8848" marR="8848" marT="8848" marB="0" anchor="ctr">
+                    <a:lnL>
+                      <a:noFill/>
+                    </a:lnL>
+                    <a:lnR w="6350" cap="flat" cmpd="sng" algn="ctr">
+                      <a:solidFill>
+                        <a:srgbClr val="000000"/>
+                      </a:solidFill>
+                      <a:prstDash val="solid"/>
+                      <a:round/>
+                      <a:headEnd type="none" w="med" len="med"/>
+                      <a:tailEnd type="none" w="med" len="med"/>
+                    </a:lnR>
+                    <a:lnT>
+                      <a:noFill/>
+                    </a:lnT>
+                    <a:lnB>
+                      <a:noFill/>
+                    </a:lnB>
+                  </a:tcPr>
+                </a:tc>
+                <a:tc>
+                  <a:txBody>
+                    <a:bodyPr/>
+                    <a:lstStyle/>
+                    <a:p>
+                      <a:pPr algn="ctr" fontAlgn="ctr">
+                        <a:spcBef>
+                          <a:spcPts val="0"/>
+                        </a:spcBef>
+                        <a:spcAft>
+                          <a:spcPts val="0"/>
+                        </a:spcAft>
+                      </a:pPr>
+                      <a:r>
+                        <a:rPr lang="en-US" sz="2000" b="0" i="0" u="none" strike="noStrike">
+                          <a:solidFill>
+                            <a:srgbClr val="000000"/>
+                          </a:solidFill>
+                          <a:effectLst/>
+                          <a:latin typeface="宋体" panose="02010600030101010101" pitchFamily="2" charset="-122"/>
+                          <a:ea typeface="宋体" panose="02010600030101010101" pitchFamily="2" charset="-122"/>
+                        </a:rPr>
+                        <a:t>32</a:t>
+                      </a:r>
+                      <a:endParaRPr lang="en-US" altLang="zh-CN" sz="3300" b="0" i="0" u="none" strike="noStrike">
+                        <a:effectLst/>
+                        <a:latin typeface="Arial" panose="020B0604020202020204" pitchFamily="34" charset="0"/>
+                      </a:endParaRPr>
+                    </a:p>
+                  </a:txBody>
+                  <a:tcPr marL="8848" marR="8848" marT="8848" marB="0" anchor="ctr">
+                    <a:lnL w="6350" cap="flat" cmpd="sng" algn="ctr">
+                      <a:solidFill>
+                        <a:srgbClr val="000000"/>
+                      </a:solidFill>
+                      <a:prstDash val="solid"/>
+                      <a:round/>
+                      <a:headEnd type="none" w="med" len="med"/>
+                      <a:tailEnd type="none" w="med" len="med"/>
+                    </a:lnL>
+                    <a:lnR w="6350" cap="flat" cmpd="sng" algn="ctr">
+                      <a:solidFill>
+                        <a:srgbClr val="000000"/>
+                      </a:solidFill>
+                      <a:prstDash val="solid"/>
+                      <a:round/>
+                      <a:headEnd type="none" w="med" len="med"/>
+                      <a:tailEnd type="none" w="med" len="med"/>
+                    </a:lnR>
+                    <a:lnT w="6350" cap="flat" cmpd="sng" algn="ctr">
+                      <a:solidFill>
+                        <a:srgbClr val="000000"/>
+                      </a:solidFill>
+                      <a:prstDash val="solid"/>
+                      <a:round/>
+                      <a:headEnd type="none" w="med" len="med"/>
+                      <a:tailEnd type="none" w="med" len="med"/>
+                    </a:lnT>
+                    <a:lnB w="6350" cap="flat" cmpd="sng" algn="ctr">
+                      <a:solidFill>
+                        <a:srgbClr val="000000"/>
+                      </a:solidFill>
+                      <a:prstDash val="solid"/>
+                      <a:round/>
+                      <a:headEnd type="none" w="med" len="med"/>
+                      <a:tailEnd type="none" w="med" len="med"/>
+                    </a:lnB>
+                    <a:solidFill>
+                      <a:srgbClr val="92D050"/>
+                    </a:solidFill>
+                  </a:tcPr>
+                </a:tc>
+                <a:tc>
+                  <a:txBody>
+                    <a:bodyPr/>
+                    <a:lstStyle/>
+                    <a:p>
+                      <a:pPr algn="ctr" fontAlgn="ctr">
+                        <a:spcBef>
+                          <a:spcPts val="0"/>
+                        </a:spcBef>
+                        <a:spcAft>
+                          <a:spcPts val="0"/>
+                        </a:spcAft>
+                      </a:pPr>
+                      <a:r>
+                        <a:rPr lang="en-US" sz="2000" b="0" i="0" u="none" strike="noStrike">
+                          <a:solidFill>
+                            <a:srgbClr val="000000"/>
+                          </a:solidFill>
+                          <a:effectLst/>
+                          <a:latin typeface="宋体" panose="02010600030101010101" pitchFamily="2" charset="-122"/>
+                          <a:ea typeface="宋体" panose="02010600030101010101" pitchFamily="2" charset="-122"/>
+                        </a:rPr>
+                        <a:t>32</a:t>
+                      </a:r>
+                      <a:endParaRPr lang="en-US" altLang="zh-CN" sz="3300" b="0" i="0" u="none" strike="noStrike">
+                        <a:effectLst/>
+                        <a:latin typeface="Arial" panose="020B0604020202020204" pitchFamily="34" charset="0"/>
+                      </a:endParaRPr>
+                    </a:p>
+                  </a:txBody>
+                  <a:tcPr marL="8848" marR="8848" marT="8848" marB="0" anchor="ctr">
+                    <a:lnL w="6350" cap="flat" cmpd="sng" algn="ctr">
+                      <a:solidFill>
+                        <a:srgbClr val="000000"/>
+                      </a:solidFill>
+                      <a:prstDash val="solid"/>
+                      <a:round/>
+                      <a:headEnd type="none" w="med" len="med"/>
+                      <a:tailEnd type="none" w="med" len="med"/>
+                    </a:lnL>
+                    <a:lnR w="6350" cap="flat" cmpd="sng" algn="ctr">
+                      <a:solidFill>
+                        <a:srgbClr val="000000"/>
+                      </a:solidFill>
+                      <a:prstDash val="solid"/>
+                      <a:round/>
+                      <a:headEnd type="none" w="med" len="med"/>
+                      <a:tailEnd type="none" w="med" len="med"/>
+                    </a:lnR>
+                    <a:lnT w="6350" cap="flat" cmpd="sng" algn="ctr">
+                      <a:solidFill>
+                        <a:srgbClr val="000000"/>
+                      </a:solidFill>
+                      <a:prstDash val="solid"/>
+                      <a:round/>
+                      <a:headEnd type="none" w="med" len="med"/>
+                      <a:tailEnd type="none" w="med" len="med"/>
+                    </a:lnT>
+                    <a:lnB w="6350" cap="flat" cmpd="sng" algn="ctr">
+                      <a:solidFill>
+                        <a:srgbClr val="000000"/>
+                      </a:solidFill>
+                      <a:prstDash val="solid"/>
+                      <a:round/>
+                      <a:headEnd type="none" w="med" len="med"/>
+                      <a:tailEnd type="none" w="med" len="med"/>
+                    </a:lnB>
+                    <a:solidFill>
+                      <a:srgbClr val="92D050"/>
+                    </a:solidFill>
+                  </a:tcPr>
+                </a:tc>
+                <a:tc>
+                  <a:txBody>
+                    <a:bodyPr/>
+                    <a:lstStyle/>
+                    <a:p>
+                      <a:pPr algn="ctr" fontAlgn="ctr">
+                        <a:spcBef>
+                          <a:spcPts val="0"/>
+                        </a:spcBef>
+                        <a:spcAft>
+                          <a:spcPts val="0"/>
+                        </a:spcAft>
+                      </a:pPr>
+                      <a:r>
+                        <a:rPr lang="en-US" sz="2000" b="0" i="0" u="none" strike="noStrike">
+                          <a:solidFill>
+                            <a:srgbClr val="000000"/>
+                          </a:solidFill>
+                          <a:effectLst/>
+                          <a:latin typeface="宋体" panose="02010600030101010101" pitchFamily="2" charset="-122"/>
+                          <a:ea typeface="宋体" panose="02010600030101010101" pitchFamily="2" charset="-122"/>
+                        </a:rPr>
+                        <a:t>32</a:t>
+                      </a:r>
+                      <a:endParaRPr lang="en-US" altLang="zh-CN" sz="3300" b="0" i="0" u="none" strike="noStrike">
+                        <a:effectLst/>
+                        <a:latin typeface="Arial" panose="020B0604020202020204" pitchFamily="34" charset="0"/>
+                      </a:endParaRPr>
+                    </a:p>
+                  </a:txBody>
+                  <a:tcPr marL="8848" marR="8848" marT="8848" marB="0" anchor="ctr">
+                    <a:lnL w="6350" cap="flat" cmpd="sng" algn="ctr">
+                      <a:solidFill>
+                        <a:srgbClr val="000000"/>
+                      </a:solidFill>
+                      <a:prstDash val="solid"/>
+                      <a:round/>
+                      <a:headEnd type="none" w="med" len="med"/>
+                      <a:tailEnd type="none" w="med" len="med"/>
+                    </a:lnL>
+                    <a:lnR w="6350" cap="flat" cmpd="sng" algn="ctr">
+                      <a:solidFill>
+                        <a:srgbClr val="000000"/>
+                      </a:solidFill>
+                      <a:prstDash val="solid"/>
+                      <a:round/>
+                      <a:headEnd type="none" w="med" len="med"/>
+                      <a:tailEnd type="none" w="med" len="med"/>
+                    </a:lnR>
+                    <a:lnT w="6350" cap="flat" cmpd="sng" algn="ctr">
+                      <a:solidFill>
+                        <a:srgbClr val="000000"/>
+                      </a:solidFill>
+                      <a:prstDash val="solid"/>
+                      <a:round/>
+                      <a:headEnd type="none" w="med" len="med"/>
+                      <a:tailEnd type="none" w="med" len="med"/>
+                    </a:lnT>
+                    <a:lnB w="6350" cap="flat" cmpd="sng" algn="ctr">
+                      <a:solidFill>
+                        <a:srgbClr val="000000"/>
+                      </a:solidFill>
+                      <a:prstDash val="solid"/>
+                      <a:round/>
+                      <a:headEnd type="none" w="med" len="med"/>
+                      <a:tailEnd type="none" w="med" len="med"/>
+                    </a:lnB>
+                  </a:tcPr>
+                </a:tc>
+                <a:tc>
+                  <a:txBody>
+                    <a:bodyPr/>
+                    <a:lstStyle/>
+                    <a:p>
+                      <a:pPr algn="ctr" fontAlgn="ctr">
+                        <a:spcBef>
+                          <a:spcPts val="0"/>
+                        </a:spcBef>
+                        <a:spcAft>
+                          <a:spcPts val="0"/>
+                        </a:spcAft>
+                      </a:pPr>
+                      <a:r>
+                        <a:rPr lang="en-US" sz="2000" b="0" i="0" u="none" strike="noStrike">
+                          <a:solidFill>
+                            <a:srgbClr val="000000"/>
+                          </a:solidFill>
+                          <a:effectLst/>
+                          <a:latin typeface="宋体" panose="02010600030101010101" pitchFamily="2" charset="-122"/>
+                          <a:ea typeface="宋体" panose="02010600030101010101" pitchFamily="2" charset="-122"/>
+                        </a:rPr>
+                        <a:t>32</a:t>
+                      </a:r>
+                      <a:endParaRPr lang="en-US" altLang="zh-CN" sz="3300" b="0" i="0" u="none" strike="noStrike">
+                        <a:effectLst/>
+                        <a:latin typeface="Arial" panose="020B0604020202020204" pitchFamily="34" charset="0"/>
+                      </a:endParaRPr>
+                    </a:p>
+                  </a:txBody>
+                  <a:tcPr marL="8848" marR="8848" marT="8848" marB="0" anchor="ctr">
+                    <a:lnL w="6350" cap="flat" cmpd="sng" algn="ctr">
+                      <a:solidFill>
+                        <a:srgbClr val="000000"/>
+                      </a:solidFill>
+                      <a:prstDash val="solid"/>
+                      <a:round/>
+                      <a:headEnd type="none" w="med" len="med"/>
+                      <a:tailEnd type="none" w="med" len="med"/>
+                    </a:lnL>
+                    <a:lnR w="6350" cap="flat" cmpd="sng" algn="ctr">
+                      <a:solidFill>
+                        <a:srgbClr val="000000"/>
+                      </a:solidFill>
+                      <a:prstDash val="solid"/>
+                      <a:round/>
+                      <a:headEnd type="none" w="med" len="med"/>
+                      <a:tailEnd type="none" w="med" len="med"/>
+                    </a:lnR>
+                    <a:lnT w="6350" cap="flat" cmpd="sng" algn="ctr">
+                      <a:solidFill>
+                        <a:srgbClr val="000000"/>
+                      </a:solidFill>
+                      <a:prstDash val="solid"/>
+                      <a:round/>
+                      <a:headEnd type="none" w="med" len="med"/>
+                      <a:tailEnd type="none" w="med" len="med"/>
+                    </a:lnT>
+                    <a:lnB w="6350" cap="flat" cmpd="sng" algn="ctr">
+                      <a:solidFill>
+                        <a:srgbClr val="000000"/>
+                      </a:solidFill>
+                      <a:prstDash val="solid"/>
+                      <a:round/>
+                      <a:headEnd type="none" w="med" len="med"/>
+                      <a:tailEnd type="none" w="med" len="med"/>
+                    </a:lnB>
+                  </a:tcPr>
+                </a:tc>
+                <a:tc>
+                  <a:txBody>
+                    <a:bodyPr/>
+                    <a:lstStyle/>
+                    <a:p>
+                      <a:pPr algn="ctr" fontAlgn="ctr">
+                        <a:spcBef>
+                          <a:spcPts val="0"/>
+                        </a:spcBef>
+                        <a:spcAft>
+                          <a:spcPts val="0"/>
+                        </a:spcAft>
+                      </a:pPr>
+                      <a:r>
+                        <a:rPr lang="en-US" sz="2000" b="0" i="0" u="none" strike="noStrike">
+                          <a:solidFill>
+                            <a:srgbClr val="000000"/>
+                          </a:solidFill>
+                          <a:effectLst/>
+                          <a:latin typeface="宋体" panose="02010600030101010101" pitchFamily="2" charset="-122"/>
+                          <a:ea typeface="宋体" panose="02010600030101010101" pitchFamily="2" charset="-122"/>
+                        </a:rPr>
+                        <a:t>32</a:t>
+                      </a:r>
+                      <a:endParaRPr lang="en-US" altLang="zh-CN" sz="3300" b="0" i="0" u="none" strike="noStrike">
+                        <a:effectLst/>
+                        <a:latin typeface="Arial" panose="020B0604020202020204" pitchFamily="34" charset="0"/>
+                      </a:endParaRPr>
+                    </a:p>
+                  </a:txBody>
+                  <a:tcPr marL="8848" marR="8848" marT="8848" marB="0" anchor="ctr">
+                    <a:lnL w="6350" cap="flat" cmpd="sng" algn="ctr">
+                      <a:solidFill>
+                        <a:srgbClr val="000000"/>
+                      </a:solidFill>
+                      <a:prstDash val="solid"/>
+                      <a:round/>
+                      <a:headEnd type="none" w="med" len="med"/>
+                      <a:tailEnd type="none" w="med" len="med"/>
+                    </a:lnL>
+                    <a:lnR w="6350" cap="flat" cmpd="sng" algn="ctr">
+                      <a:solidFill>
+                        <a:srgbClr val="000000"/>
+                      </a:solidFill>
+                      <a:prstDash val="solid"/>
+                      <a:round/>
+                      <a:headEnd type="none" w="med" len="med"/>
+                      <a:tailEnd type="none" w="med" len="med"/>
+                    </a:lnR>
+                    <a:lnT w="6350" cap="flat" cmpd="sng" algn="ctr">
+                      <a:solidFill>
+                        <a:srgbClr val="000000"/>
+                      </a:solidFill>
+                      <a:prstDash val="solid"/>
+                      <a:round/>
+                      <a:headEnd type="none" w="med" len="med"/>
+                      <a:tailEnd type="none" w="med" len="med"/>
+                    </a:lnT>
+                    <a:lnB w="6350" cap="flat" cmpd="sng" algn="ctr">
+                      <a:solidFill>
+                        <a:srgbClr val="000000"/>
+                      </a:solidFill>
+                      <a:prstDash val="solid"/>
+                      <a:round/>
+                      <a:headEnd type="none" w="med" len="med"/>
+                      <a:tailEnd type="none" w="med" len="med"/>
+                    </a:lnB>
+                  </a:tcPr>
+                </a:tc>
+                <a:tc>
+                  <a:txBody>
+                    <a:bodyPr/>
+                    <a:lstStyle/>
+                    <a:p>
+                      <a:pPr algn="ctr" fontAlgn="ctr">
+                        <a:spcBef>
+                          <a:spcPts val="0"/>
+                        </a:spcBef>
+                        <a:spcAft>
+                          <a:spcPts val="0"/>
+                        </a:spcAft>
+                      </a:pPr>
+                      <a:r>
+                        <a:rPr lang="en-US" sz="2000" b="0" i="0" u="none" strike="noStrike">
+                          <a:solidFill>
+                            <a:srgbClr val="000000"/>
+                          </a:solidFill>
+                          <a:effectLst/>
+                          <a:latin typeface="宋体" panose="02010600030101010101" pitchFamily="2" charset="-122"/>
+                          <a:ea typeface="宋体" panose="02010600030101010101" pitchFamily="2" charset="-122"/>
+                        </a:rPr>
+                        <a:t>32</a:t>
+                      </a:r>
+                      <a:endParaRPr lang="en-US" altLang="zh-CN" sz="3300" b="0" i="0" u="none" strike="noStrike">
+                        <a:effectLst/>
+                        <a:latin typeface="Arial" panose="020B0604020202020204" pitchFamily="34" charset="0"/>
+                      </a:endParaRPr>
+                    </a:p>
+                  </a:txBody>
+                  <a:tcPr marL="8848" marR="8848" marT="8848" marB="0" anchor="ctr">
+                    <a:lnL w="6350" cap="flat" cmpd="sng" algn="ctr">
+                      <a:solidFill>
+                        <a:srgbClr val="000000"/>
+                      </a:solidFill>
+                      <a:prstDash val="solid"/>
+                      <a:round/>
+                      <a:headEnd type="none" w="med" len="med"/>
+                      <a:tailEnd type="none" w="med" len="med"/>
+                    </a:lnL>
+                    <a:lnR w="6350" cap="flat" cmpd="sng" algn="ctr">
+                      <a:solidFill>
+                        <a:srgbClr val="000000"/>
+                      </a:solidFill>
+                      <a:prstDash val="solid"/>
+                      <a:round/>
+                      <a:headEnd type="none" w="med" len="med"/>
+                      <a:tailEnd type="none" w="med" len="med"/>
+                    </a:lnR>
+                    <a:lnT w="6350" cap="flat" cmpd="sng" algn="ctr">
+                      <a:solidFill>
+                        <a:srgbClr val="000000"/>
+                      </a:solidFill>
+                      <a:prstDash val="solid"/>
+                      <a:round/>
+                      <a:headEnd type="none" w="med" len="med"/>
+                      <a:tailEnd type="none" w="med" len="med"/>
+                    </a:lnT>
+                    <a:lnB w="6350" cap="flat" cmpd="sng" algn="ctr">
+                      <a:solidFill>
+                        <a:srgbClr val="000000"/>
+                      </a:solidFill>
+                      <a:prstDash val="solid"/>
+                      <a:round/>
+                      <a:headEnd type="none" w="med" len="med"/>
+                      <a:tailEnd type="none" w="med" len="med"/>
+                    </a:lnB>
+                  </a:tcPr>
+                </a:tc>
+                <a:tc>
+                  <a:txBody>
+                    <a:bodyPr/>
+                    <a:lstStyle/>
+                    <a:p>
+                      <a:pPr algn="ctr" fontAlgn="ctr">
+                        <a:spcBef>
+                          <a:spcPts val="0"/>
+                        </a:spcBef>
+                        <a:spcAft>
+                          <a:spcPts val="0"/>
+                        </a:spcAft>
+                      </a:pPr>
+                      <a:r>
+                        <a:rPr lang="en-US" sz="2000" b="0" i="0" u="none" strike="noStrike">
+                          <a:solidFill>
+                            <a:srgbClr val="000000"/>
+                          </a:solidFill>
+                          <a:effectLst/>
+                          <a:latin typeface="宋体" panose="02010600030101010101" pitchFamily="2" charset="-122"/>
+                          <a:ea typeface="宋体" panose="02010600030101010101" pitchFamily="2" charset="-122"/>
+                        </a:rPr>
+                        <a:t>32</a:t>
+                      </a:r>
+                      <a:endParaRPr lang="en-US" altLang="zh-CN" sz="3300" b="0" i="0" u="none" strike="noStrike">
+                        <a:effectLst/>
+                        <a:latin typeface="Arial" panose="020B0604020202020204" pitchFamily="34" charset="0"/>
+                      </a:endParaRPr>
+                    </a:p>
+                  </a:txBody>
+                  <a:tcPr marL="8848" marR="8848" marT="8848" marB="0" anchor="ctr">
+                    <a:lnL w="6350" cap="flat" cmpd="sng" algn="ctr">
+                      <a:solidFill>
+                        <a:srgbClr val="000000"/>
+                      </a:solidFill>
+                      <a:prstDash val="solid"/>
+                      <a:round/>
+                      <a:headEnd type="none" w="med" len="med"/>
+                      <a:tailEnd type="none" w="med" len="med"/>
+                    </a:lnL>
+                    <a:lnR w="6350" cap="flat" cmpd="sng" algn="ctr">
+                      <a:solidFill>
+                        <a:srgbClr val="000000"/>
+                      </a:solidFill>
+                      <a:prstDash val="solid"/>
+                      <a:round/>
+                      <a:headEnd type="none" w="med" len="med"/>
+                      <a:tailEnd type="none" w="med" len="med"/>
+                    </a:lnR>
+                    <a:lnT w="6350" cap="flat" cmpd="sng" algn="ctr">
+                      <a:solidFill>
+                        <a:srgbClr val="000000"/>
+                      </a:solidFill>
+                      <a:prstDash val="solid"/>
+                      <a:round/>
+                      <a:headEnd type="none" w="med" len="med"/>
+                      <a:tailEnd type="none" w="med" len="med"/>
+                    </a:lnT>
+                    <a:lnB w="6350" cap="flat" cmpd="sng" algn="ctr">
+                      <a:solidFill>
+                        <a:srgbClr val="000000"/>
+                      </a:solidFill>
+                      <a:prstDash val="solid"/>
+                      <a:round/>
+                      <a:headEnd type="none" w="med" len="med"/>
+                      <a:tailEnd type="none" w="med" len="med"/>
+                    </a:lnB>
+                  </a:tcPr>
+                </a:tc>
+                <a:tc>
+                  <a:txBody>
+                    <a:bodyPr/>
+                    <a:lstStyle/>
+                    <a:p>
+                      <a:pPr algn="ctr" fontAlgn="ctr">
+                        <a:spcBef>
+                          <a:spcPts val="0"/>
+                        </a:spcBef>
+                        <a:spcAft>
+                          <a:spcPts val="0"/>
+                        </a:spcAft>
+                      </a:pPr>
+                      <a:r>
+                        <a:rPr lang="en-US" sz="2000" b="0" i="0" u="none" strike="noStrike">
+                          <a:solidFill>
+                            <a:srgbClr val="000000"/>
+                          </a:solidFill>
+                          <a:effectLst/>
+                          <a:latin typeface="宋体" panose="02010600030101010101" pitchFamily="2" charset="-122"/>
+                          <a:ea typeface="宋体" panose="02010600030101010101" pitchFamily="2" charset="-122"/>
+                        </a:rPr>
+                        <a:t>32</a:t>
+                      </a:r>
+                      <a:endParaRPr lang="en-US" altLang="zh-CN" sz="3300" b="0" i="0" u="none" strike="noStrike">
+                        <a:effectLst/>
+                        <a:latin typeface="Arial" panose="020B0604020202020204" pitchFamily="34" charset="0"/>
+                      </a:endParaRPr>
+                    </a:p>
+                  </a:txBody>
+                  <a:tcPr marL="8848" marR="8848" marT="8848" marB="0" anchor="ctr">
+                    <a:lnL w="6350" cap="flat" cmpd="sng" algn="ctr">
+                      <a:solidFill>
+                        <a:srgbClr val="000000"/>
+                      </a:solidFill>
+                      <a:prstDash val="solid"/>
+                      <a:round/>
+                      <a:headEnd type="none" w="med" len="med"/>
+                      <a:tailEnd type="none" w="med" len="med"/>
+                    </a:lnL>
+                    <a:lnR w="6350" cap="flat" cmpd="sng" algn="ctr">
+                      <a:solidFill>
+                        <a:srgbClr val="000000"/>
+                      </a:solidFill>
+                      <a:prstDash val="solid"/>
+                      <a:round/>
+                      <a:headEnd type="none" w="med" len="med"/>
+                      <a:tailEnd type="none" w="med" len="med"/>
+                    </a:lnR>
+                    <a:lnT w="6350" cap="flat" cmpd="sng" algn="ctr">
+                      <a:solidFill>
+                        <a:srgbClr val="000000"/>
+                      </a:solidFill>
+                      <a:prstDash val="solid"/>
+                      <a:round/>
+                      <a:headEnd type="none" w="med" len="med"/>
+                      <a:tailEnd type="none" w="med" len="med"/>
+                    </a:lnT>
+                    <a:lnB w="6350" cap="flat" cmpd="sng" algn="ctr">
+                      <a:solidFill>
+                        <a:srgbClr val="000000"/>
+                      </a:solidFill>
+                      <a:prstDash val="solid"/>
+                      <a:round/>
+                      <a:headEnd type="none" w="med" len="med"/>
+                      <a:tailEnd type="none" w="med" len="med"/>
+                    </a:lnB>
+                  </a:tcPr>
+                </a:tc>
+                <a:tc>
+                  <a:txBody>
+                    <a:bodyPr/>
+                    <a:lstStyle/>
+                    <a:p>
+                      <a:pPr algn="ctr" fontAlgn="ctr">
+                        <a:spcBef>
+                          <a:spcPts val="0"/>
+                        </a:spcBef>
+                        <a:spcAft>
+                          <a:spcPts val="0"/>
+                        </a:spcAft>
+                      </a:pPr>
+                      <a:r>
+                        <a:rPr lang="en-US" sz="2000" b="0" i="0" u="none" strike="noStrike">
+                          <a:solidFill>
+                            <a:srgbClr val="000000"/>
+                          </a:solidFill>
+                          <a:effectLst/>
+                          <a:latin typeface="宋体" panose="02010600030101010101" pitchFamily="2" charset="-122"/>
+                          <a:ea typeface="宋体" panose="02010600030101010101" pitchFamily="2" charset="-122"/>
+                        </a:rPr>
+                        <a:t>32</a:t>
+                      </a:r>
+                      <a:endParaRPr lang="en-US" altLang="zh-CN" sz="3300" b="0" i="0" u="none" strike="noStrike">
+                        <a:effectLst/>
+                        <a:latin typeface="Arial" panose="020B0604020202020204" pitchFamily="34" charset="0"/>
+                      </a:endParaRPr>
+                    </a:p>
+                  </a:txBody>
+                  <a:tcPr marL="8848" marR="8848" marT="8848" marB="0" anchor="ctr">
+                    <a:lnL w="6350" cap="flat" cmpd="sng" algn="ctr">
+                      <a:solidFill>
+                        <a:srgbClr val="000000"/>
+                      </a:solidFill>
+                      <a:prstDash val="solid"/>
+                      <a:round/>
+                      <a:headEnd type="none" w="med" len="med"/>
+                      <a:tailEnd type="none" w="med" len="med"/>
+                    </a:lnL>
+                    <a:lnR w="6350" cap="flat" cmpd="sng" algn="ctr">
+                      <a:solidFill>
+                        <a:srgbClr val="000000"/>
+                      </a:solidFill>
+                      <a:prstDash val="solid"/>
+                      <a:round/>
+                      <a:headEnd type="none" w="med" len="med"/>
+                      <a:tailEnd type="none" w="med" len="med"/>
+                    </a:lnR>
+                    <a:lnT w="6350" cap="flat" cmpd="sng" algn="ctr">
+                      <a:solidFill>
+                        <a:srgbClr val="000000"/>
+                      </a:solidFill>
+                      <a:prstDash val="solid"/>
+                      <a:round/>
+                      <a:headEnd type="none" w="med" len="med"/>
+                      <a:tailEnd type="none" w="med" len="med"/>
+                    </a:lnT>
+                    <a:lnB w="6350" cap="flat" cmpd="sng" algn="ctr">
+                      <a:solidFill>
+                        <a:srgbClr val="000000"/>
+                      </a:solidFill>
+                      <a:prstDash val="solid"/>
+                      <a:round/>
+                      <a:headEnd type="none" w="med" len="med"/>
+                      <a:tailEnd type="none" w="med" len="med"/>
+                    </a:lnB>
+                  </a:tcPr>
+                </a:tc>
+                <a:tc>
+                  <a:txBody>
+                    <a:bodyPr/>
+                    <a:lstStyle/>
+                    <a:p>
+                      <a:pPr algn="ctr" fontAlgn="ctr">
+                        <a:spcBef>
+                          <a:spcPts val="0"/>
+                        </a:spcBef>
+                        <a:spcAft>
+                          <a:spcPts val="0"/>
+                        </a:spcAft>
+                      </a:pPr>
+                      <a:r>
+                        <a:rPr lang="en-US" sz="2000" b="0" i="0" u="none" strike="noStrike">
+                          <a:solidFill>
+                            <a:srgbClr val="000000"/>
+                          </a:solidFill>
+                          <a:effectLst/>
+                          <a:latin typeface="宋体" panose="02010600030101010101" pitchFamily="2" charset="-122"/>
+                          <a:ea typeface="宋体" panose="02010600030101010101" pitchFamily="2" charset="-122"/>
+                        </a:rPr>
+                        <a:t>32</a:t>
+                      </a:r>
+                      <a:endParaRPr lang="en-US" altLang="zh-CN" sz="3300" b="0" i="0" u="none" strike="noStrike">
+                        <a:effectLst/>
+                        <a:latin typeface="Arial" panose="020B0604020202020204" pitchFamily="34" charset="0"/>
+                      </a:endParaRPr>
+                    </a:p>
+                  </a:txBody>
+                  <a:tcPr marL="8848" marR="8848" marT="8848" marB="0" anchor="ctr">
+                    <a:lnL w="6350" cap="flat" cmpd="sng" algn="ctr">
+                      <a:solidFill>
+                        <a:srgbClr val="000000"/>
+                      </a:solidFill>
+                      <a:prstDash val="solid"/>
+                      <a:round/>
+                      <a:headEnd type="none" w="med" len="med"/>
+                      <a:tailEnd type="none" w="med" len="med"/>
+                    </a:lnL>
+                    <a:lnR w="6350" cap="flat" cmpd="sng" algn="ctr">
+                      <a:solidFill>
+                        <a:srgbClr val="000000"/>
+                      </a:solidFill>
+                      <a:prstDash val="solid"/>
+                      <a:round/>
+                      <a:headEnd type="none" w="med" len="med"/>
+                      <a:tailEnd type="none" w="med" len="med"/>
+                    </a:lnR>
+                    <a:lnT w="6350" cap="flat" cmpd="sng" algn="ctr">
+                      <a:solidFill>
+                        <a:srgbClr val="000000"/>
+                      </a:solidFill>
+                      <a:prstDash val="solid"/>
+                      <a:round/>
+                      <a:headEnd type="none" w="med" len="med"/>
+                      <a:tailEnd type="none" w="med" len="med"/>
+                    </a:lnT>
+                    <a:lnB w="6350" cap="flat" cmpd="sng" algn="ctr">
+                      <a:solidFill>
+                        <a:srgbClr val="000000"/>
+                      </a:solidFill>
+                      <a:prstDash val="solid"/>
+                      <a:round/>
+                      <a:headEnd type="none" w="med" len="med"/>
+                      <a:tailEnd type="none" w="med" len="med"/>
+                    </a:lnB>
+                  </a:tcPr>
+                </a:tc>
+                <a:tc>
+                  <a:txBody>
+                    <a:bodyPr/>
+                    <a:lstStyle/>
+                    <a:p>
+                      <a:pPr algn="ctr" fontAlgn="ctr">
+                        <a:spcBef>
+                          <a:spcPts val="0"/>
+                        </a:spcBef>
+                        <a:spcAft>
+                          <a:spcPts val="0"/>
+                        </a:spcAft>
+                      </a:pPr>
+                      <a:r>
+                        <a:rPr lang="en-US" sz="2000" b="0" i="0" u="none" strike="noStrike">
+                          <a:solidFill>
+                            <a:srgbClr val="000000"/>
+                          </a:solidFill>
+                          <a:effectLst/>
+                          <a:latin typeface="宋体" panose="02010600030101010101" pitchFamily="2" charset="-122"/>
+                          <a:ea typeface="宋体" panose="02010600030101010101" pitchFamily="2" charset="-122"/>
+                        </a:rPr>
+                        <a:t>32</a:t>
+                      </a:r>
+                      <a:endParaRPr lang="en-US" altLang="zh-CN" sz="3300" b="0" i="0" u="none" strike="noStrike">
+                        <a:effectLst/>
+                        <a:latin typeface="Arial" panose="020B0604020202020204" pitchFamily="34" charset="0"/>
+                      </a:endParaRPr>
+                    </a:p>
+                  </a:txBody>
+                  <a:tcPr marL="8848" marR="8848" marT="8848" marB="0" anchor="ctr">
+                    <a:lnL w="6350" cap="flat" cmpd="sng" algn="ctr">
+                      <a:solidFill>
+                        <a:srgbClr val="000000"/>
+                      </a:solidFill>
+                      <a:prstDash val="solid"/>
+                      <a:round/>
+                      <a:headEnd type="none" w="med" len="med"/>
+                      <a:tailEnd type="none" w="med" len="med"/>
+                    </a:lnL>
+                    <a:lnR w="6350" cap="flat" cmpd="sng" algn="ctr">
+                      <a:solidFill>
+                        <a:srgbClr val="000000"/>
+                      </a:solidFill>
+                      <a:prstDash val="solid"/>
+                      <a:round/>
+                      <a:headEnd type="none" w="med" len="med"/>
+                      <a:tailEnd type="none" w="med" len="med"/>
+                    </a:lnR>
+                    <a:lnT w="6350" cap="flat" cmpd="sng" algn="ctr">
+                      <a:solidFill>
+                        <a:srgbClr val="000000"/>
+                      </a:solidFill>
+                      <a:prstDash val="solid"/>
+                      <a:round/>
+                      <a:headEnd type="none" w="med" len="med"/>
+                      <a:tailEnd type="none" w="med" len="med"/>
+                    </a:lnT>
+                    <a:lnB w="6350" cap="flat" cmpd="sng" algn="ctr">
+                      <a:solidFill>
+                        <a:srgbClr val="000000"/>
+                      </a:solidFill>
+                      <a:prstDash val="solid"/>
+                      <a:round/>
+                      <a:headEnd type="none" w="med" len="med"/>
+                      <a:tailEnd type="none" w="med" len="med"/>
+                    </a:lnB>
+                  </a:tcPr>
+                </a:tc>
+                <a:tc>
+                  <a:txBody>
+                    <a:bodyPr/>
+                    <a:lstStyle/>
+                    <a:p>
+                      <a:pPr algn="ctr" fontAlgn="ctr">
+                        <a:spcBef>
+                          <a:spcPts val="0"/>
+                        </a:spcBef>
+                        <a:spcAft>
+                          <a:spcPts val="0"/>
+                        </a:spcAft>
+                      </a:pPr>
+                      <a:r>
+                        <a:rPr lang="en-US" sz="2000" b="0" i="0" u="none" strike="noStrike">
+                          <a:solidFill>
+                            <a:srgbClr val="000000"/>
+                          </a:solidFill>
+                          <a:effectLst/>
+                          <a:latin typeface="宋体" panose="02010600030101010101" pitchFamily="2" charset="-122"/>
+                          <a:ea typeface="宋体" panose="02010600030101010101" pitchFamily="2" charset="-122"/>
+                        </a:rPr>
+                        <a:t>32</a:t>
+                      </a:r>
+                      <a:endParaRPr lang="en-US" altLang="zh-CN" sz="3300" b="0" i="0" u="none" strike="noStrike">
+                        <a:effectLst/>
+                        <a:latin typeface="Arial" panose="020B0604020202020204" pitchFamily="34" charset="0"/>
+                      </a:endParaRPr>
+                    </a:p>
+                  </a:txBody>
+                  <a:tcPr marL="8848" marR="8848" marT="8848" marB="0" anchor="ctr">
+                    <a:lnL w="6350" cap="flat" cmpd="sng" algn="ctr">
+                      <a:solidFill>
+                        <a:srgbClr val="000000"/>
+                      </a:solidFill>
+                      <a:prstDash val="solid"/>
+                      <a:round/>
+                      <a:headEnd type="none" w="med" len="med"/>
+                      <a:tailEnd type="none" w="med" len="med"/>
+                    </a:lnL>
+                    <a:lnR w="6350" cap="flat" cmpd="sng" algn="ctr">
+                      <a:solidFill>
+                        <a:srgbClr val="000000"/>
+                      </a:solidFill>
+                      <a:prstDash val="solid"/>
+                      <a:round/>
+                      <a:headEnd type="none" w="med" len="med"/>
+                      <a:tailEnd type="none" w="med" len="med"/>
+                    </a:lnR>
+                    <a:lnT w="6350" cap="flat" cmpd="sng" algn="ctr">
+                      <a:solidFill>
+                        <a:srgbClr val="000000"/>
+                      </a:solidFill>
+                      <a:prstDash val="solid"/>
+                      <a:round/>
+                      <a:headEnd type="none" w="med" len="med"/>
+                      <a:tailEnd type="none" w="med" len="med"/>
+                    </a:lnT>
+                    <a:lnB w="6350" cap="flat" cmpd="sng" algn="ctr">
+                      <a:solidFill>
+                        <a:srgbClr val="000000"/>
+                      </a:solidFill>
+                      <a:prstDash val="solid"/>
+                      <a:round/>
+                      <a:headEnd type="none" w="med" len="med"/>
+                      <a:tailEnd type="none" w="med" len="med"/>
+                    </a:lnB>
+                  </a:tcPr>
+                </a:tc>
+                <a:extLst>
+                  <a:ext uri="{0D108BD9-81ED-4DB2-BD59-A6C34878D82A}">
+                    <a16:rowId xmlns:a16="http://schemas.microsoft.com/office/drawing/2014/main" val="1766404485"/>
+                  </a:ext>
+                </a:extLst>
+              </a:tr>
+              <a:tr h="679408">
+                <a:tc>
+                  <a:txBody>
+                    <a:bodyPr/>
+                    <a:lstStyle/>
+                    <a:p>
+                      <a:pPr algn="l" fontAlgn="ctr">
+                        <a:spcBef>
+                          <a:spcPts val="0"/>
+                        </a:spcBef>
+                        <a:spcAft>
+                          <a:spcPts val="0"/>
+                        </a:spcAft>
+                      </a:pPr>
+                      <a:endParaRPr lang="zh-CN" altLang="en-US" sz="3300" b="0" i="0" u="none" strike="noStrike">
+                        <a:effectLst/>
+                        <a:latin typeface="Arial" panose="020B0604020202020204" pitchFamily="34" charset="0"/>
+                      </a:endParaRPr>
+                    </a:p>
+                  </a:txBody>
+                  <a:tcPr marL="8848" marR="8848" marT="8848" marB="0" anchor="ctr">
+                    <a:lnL>
+                      <a:noFill/>
+                    </a:lnL>
+                    <a:lnR>
+                      <a:noFill/>
+                    </a:lnR>
+                    <a:lnT>
+                      <a:noFill/>
+                    </a:lnT>
+                    <a:lnB>
+                      <a:noFill/>
+                    </a:lnB>
+                  </a:tcPr>
+                </a:tc>
+                <a:tc>
+                  <a:txBody>
+                    <a:bodyPr/>
+                    <a:lstStyle/>
+                    <a:p>
+                      <a:pPr algn="l" fontAlgn="ctr">
+                        <a:spcBef>
+                          <a:spcPts val="0"/>
+                        </a:spcBef>
+                        <a:spcAft>
+                          <a:spcPts val="0"/>
+                        </a:spcAft>
+                      </a:pPr>
+                      <a:endParaRPr lang="zh-CN" altLang="en-US" sz="3300" b="0" i="0" u="none" strike="noStrike">
+                        <a:effectLst/>
+                        <a:latin typeface="Arial" panose="020B0604020202020204" pitchFamily="34" charset="0"/>
+                      </a:endParaRPr>
+                    </a:p>
+                  </a:txBody>
+                  <a:tcPr marL="8848" marR="8848" marT="8848" marB="0" anchor="ctr">
+                    <a:lnL>
+                      <a:noFill/>
+                    </a:lnL>
+                    <a:lnR>
+                      <a:noFill/>
+                    </a:lnR>
+                    <a:lnT>
+                      <a:noFill/>
+                    </a:lnT>
+                    <a:lnB>
+                      <a:noFill/>
+                    </a:lnB>
+                  </a:tcPr>
+                </a:tc>
+                <a:tc>
+                  <a:txBody>
+                    <a:bodyPr/>
+                    <a:lstStyle/>
+                    <a:p>
+                      <a:pPr algn="l" fontAlgn="ctr">
+                        <a:spcBef>
+                          <a:spcPts val="0"/>
+                        </a:spcBef>
+                        <a:spcAft>
+                          <a:spcPts val="0"/>
+                        </a:spcAft>
+                      </a:pPr>
+                      <a:endParaRPr lang="zh-CN" altLang="en-US" sz="3300" b="0" i="0" u="none" strike="noStrike">
+                        <a:effectLst/>
+                        <a:latin typeface="Arial" panose="020B0604020202020204" pitchFamily="34" charset="0"/>
+                      </a:endParaRPr>
+                    </a:p>
+                  </a:txBody>
+                  <a:tcPr marL="8848" marR="8848" marT="8848" marB="0" anchor="ctr">
+                    <a:lnL>
+                      <a:noFill/>
+                    </a:lnL>
+                    <a:lnR>
+                      <a:noFill/>
+                    </a:lnR>
+                    <a:lnT w="6350" cap="flat" cmpd="sng" algn="ctr">
+                      <a:solidFill>
+                        <a:srgbClr val="000000"/>
+                      </a:solidFill>
+                      <a:prstDash val="solid"/>
+                      <a:round/>
+                      <a:headEnd type="none" w="med" len="med"/>
+                      <a:tailEnd type="none" w="med" len="med"/>
+                    </a:lnT>
+                    <a:lnB w="6350" cap="flat" cmpd="sng" algn="ctr">
+                      <a:solidFill>
+                        <a:srgbClr val="000000"/>
+                      </a:solidFill>
+                      <a:prstDash val="solid"/>
+                      <a:round/>
+                      <a:headEnd type="none" w="med" len="med"/>
+                      <a:tailEnd type="none" w="med" len="med"/>
+                    </a:lnB>
+                  </a:tcPr>
+                </a:tc>
+                <a:tc>
+                  <a:txBody>
+                    <a:bodyPr/>
+                    <a:lstStyle/>
+                    <a:p>
+                      <a:pPr algn="l" fontAlgn="ctr">
+                        <a:spcBef>
+                          <a:spcPts val="0"/>
+                        </a:spcBef>
+                        <a:spcAft>
+                          <a:spcPts val="0"/>
+                        </a:spcAft>
+                      </a:pPr>
+                      <a:endParaRPr lang="zh-CN" altLang="en-US" sz="3300" b="0" i="0" u="none" strike="noStrike">
+                        <a:effectLst/>
+                        <a:latin typeface="Arial" panose="020B0604020202020204" pitchFamily="34" charset="0"/>
+                      </a:endParaRPr>
+                    </a:p>
+                  </a:txBody>
+                  <a:tcPr marL="8848" marR="8848" marT="8848" marB="0" anchor="ctr">
+                    <a:lnL>
+                      <a:noFill/>
+                    </a:lnL>
+                    <a:lnR>
+                      <a:noFill/>
+                    </a:lnR>
+                    <a:lnT w="6350" cap="flat" cmpd="sng" algn="ctr">
+                      <a:solidFill>
+                        <a:srgbClr val="000000"/>
+                      </a:solidFill>
+                      <a:prstDash val="solid"/>
+                      <a:round/>
+                      <a:headEnd type="none" w="med" len="med"/>
+                      <a:tailEnd type="none" w="med" len="med"/>
+                    </a:lnT>
+                    <a:lnB w="6350" cap="flat" cmpd="sng" algn="ctr">
+                      <a:solidFill>
+                        <a:srgbClr val="000000"/>
+                      </a:solidFill>
+                      <a:prstDash val="solid"/>
+                      <a:round/>
+                      <a:headEnd type="none" w="med" len="med"/>
+                      <a:tailEnd type="none" w="med" len="med"/>
+                    </a:lnB>
+                  </a:tcPr>
+                </a:tc>
+                <a:tc>
+                  <a:txBody>
+                    <a:bodyPr/>
+                    <a:lstStyle/>
+                    <a:p>
+                      <a:pPr algn="l" fontAlgn="ctr">
+                        <a:spcBef>
+                          <a:spcPts val="0"/>
+                        </a:spcBef>
+                        <a:spcAft>
+                          <a:spcPts val="0"/>
+                        </a:spcAft>
+                      </a:pPr>
+                      <a:endParaRPr lang="zh-CN" altLang="en-US" sz="3300" b="0" i="0" u="none" strike="noStrike">
+                        <a:effectLst/>
+                        <a:latin typeface="Arial" panose="020B0604020202020204" pitchFamily="34" charset="0"/>
+                      </a:endParaRPr>
+                    </a:p>
+                  </a:txBody>
+                  <a:tcPr marL="8848" marR="8848" marT="8848" marB="0" anchor="ctr">
+                    <a:lnL>
+                      <a:noFill/>
+                    </a:lnL>
+                    <a:lnR>
+                      <a:noFill/>
+                    </a:lnR>
+                    <a:lnT w="6350" cap="flat" cmpd="sng" algn="ctr">
+                      <a:solidFill>
+                        <a:srgbClr val="000000"/>
+                      </a:solidFill>
+                      <a:prstDash val="solid"/>
+                      <a:round/>
+                      <a:headEnd type="none" w="med" len="med"/>
+                      <a:tailEnd type="none" w="med" len="med"/>
+                    </a:lnT>
+                    <a:lnB w="6350" cap="flat" cmpd="sng" algn="ctr">
+                      <a:solidFill>
+                        <a:srgbClr val="000000"/>
+                      </a:solidFill>
+                      <a:prstDash val="solid"/>
+                      <a:round/>
+                      <a:headEnd type="none" w="med" len="med"/>
+                      <a:tailEnd type="none" w="med" len="med"/>
+                    </a:lnB>
+                  </a:tcPr>
+                </a:tc>
+                <a:tc>
+                  <a:txBody>
+                    <a:bodyPr/>
+                    <a:lstStyle/>
+                    <a:p>
+                      <a:pPr algn="l" fontAlgn="ctr">
+                        <a:spcBef>
+                          <a:spcPts val="0"/>
+                        </a:spcBef>
+                        <a:spcAft>
+                          <a:spcPts val="0"/>
+                        </a:spcAft>
+                      </a:pPr>
+                      <a:endParaRPr lang="zh-CN" altLang="en-US" sz="3300" b="0" i="0" u="none" strike="noStrike">
+                        <a:effectLst/>
+                        <a:latin typeface="Arial" panose="020B0604020202020204" pitchFamily="34" charset="0"/>
+                      </a:endParaRPr>
+                    </a:p>
+                  </a:txBody>
+                  <a:tcPr marL="8848" marR="8848" marT="8848" marB="0" anchor="ctr">
+                    <a:lnL>
+                      <a:noFill/>
+                    </a:lnL>
+                    <a:lnR>
+                      <a:noFill/>
+                    </a:lnR>
+                    <a:lnT w="6350" cap="flat" cmpd="sng" algn="ctr">
+                      <a:solidFill>
+                        <a:srgbClr val="000000"/>
+                      </a:solidFill>
+                      <a:prstDash val="solid"/>
+                      <a:round/>
+                      <a:headEnd type="none" w="med" len="med"/>
+                      <a:tailEnd type="none" w="med" len="med"/>
+                    </a:lnT>
+                    <a:lnB w="6350" cap="flat" cmpd="sng" algn="ctr">
+                      <a:solidFill>
+                        <a:srgbClr val="000000"/>
+                      </a:solidFill>
+                      <a:prstDash val="solid"/>
+                      <a:round/>
+                      <a:headEnd type="none" w="med" len="med"/>
+                      <a:tailEnd type="none" w="med" len="med"/>
+                    </a:lnB>
+                  </a:tcPr>
+                </a:tc>
+                <a:tc>
+                  <a:txBody>
+                    <a:bodyPr/>
+                    <a:lstStyle/>
+                    <a:p>
+                      <a:pPr algn="l" fontAlgn="ctr">
+                        <a:spcBef>
+                          <a:spcPts val="0"/>
+                        </a:spcBef>
+                        <a:spcAft>
+                          <a:spcPts val="0"/>
+                        </a:spcAft>
+                      </a:pPr>
+                      <a:endParaRPr lang="zh-CN" altLang="en-US" sz="3300" b="0" i="0" u="none" strike="noStrike">
+                        <a:effectLst/>
+                        <a:latin typeface="Arial" panose="020B0604020202020204" pitchFamily="34" charset="0"/>
+                      </a:endParaRPr>
+                    </a:p>
+                  </a:txBody>
+                  <a:tcPr marL="8848" marR="8848" marT="8848" marB="0" anchor="ctr">
+                    <a:lnL>
+                      <a:noFill/>
+                    </a:lnL>
+                    <a:lnR>
+                      <a:noFill/>
+                    </a:lnR>
+                    <a:lnT w="6350" cap="flat" cmpd="sng" algn="ctr">
+                      <a:solidFill>
+                        <a:srgbClr val="000000"/>
+                      </a:solidFill>
+                      <a:prstDash val="solid"/>
+                      <a:round/>
+                      <a:headEnd type="none" w="med" len="med"/>
+                      <a:tailEnd type="none" w="med" len="med"/>
+                    </a:lnT>
+                    <a:lnB w="6350" cap="flat" cmpd="sng" algn="ctr">
+                      <a:solidFill>
+                        <a:srgbClr val="000000"/>
+                      </a:solidFill>
+                      <a:prstDash val="solid"/>
+                      <a:round/>
+                      <a:headEnd type="none" w="med" len="med"/>
+                      <a:tailEnd type="none" w="med" len="med"/>
+                    </a:lnB>
+                  </a:tcPr>
+                </a:tc>
+                <a:tc>
+                  <a:txBody>
+                    <a:bodyPr/>
+                    <a:lstStyle/>
+                    <a:p>
+                      <a:pPr algn="l" fontAlgn="ctr">
+                        <a:spcBef>
+                          <a:spcPts val="0"/>
+                        </a:spcBef>
+                        <a:spcAft>
+                          <a:spcPts val="0"/>
+                        </a:spcAft>
+                      </a:pPr>
+                      <a:endParaRPr lang="zh-CN" altLang="en-US" sz="3300" b="0" i="0" u="none" strike="noStrike">
+                        <a:effectLst/>
+                        <a:latin typeface="Arial" panose="020B0604020202020204" pitchFamily="34" charset="0"/>
+                      </a:endParaRPr>
+                    </a:p>
+                  </a:txBody>
+                  <a:tcPr marL="8848" marR="8848" marT="8848" marB="0" anchor="ctr">
+                    <a:lnL>
+                      <a:noFill/>
+                    </a:lnL>
+                    <a:lnR>
+                      <a:noFill/>
+                    </a:lnR>
+                    <a:lnT w="6350" cap="flat" cmpd="sng" algn="ctr">
+                      <a:solidFill>
+                        <a:srgbClr val="000000"/>
+                      </a:solidFill>
+                      <a:prstDash val="solid"/>
+                      <a:round/>
+                      <a:headEnd type="none" w="med" len="med"/>
+                      <a:tailEnd type="none" w="med" len="med"/>
+                    </a:lnT>
+                    <a:lnB w="6350" cap="flat" cmpd="sng" algn="ctr">
+                      <a:solidFill>
+                        <a:srgbClr val="000000"/>
+                      </a:solidFill>
+                      <a:prstDash val="solid"/>
+                      <a:round/>
+                      <a:headEnd type="none" w="med" len="med"/>
+                      <a:tailEnd type="none" w="med" len="med"/>
+                    </a:lnB>
+                  </a:tcPr>
+                </a:tc>
+                <a:tc>
+                  <a:txBody>
+                    <a:bodyPr/>
+                    <a:lstStyle/>
+                    <a:p>
+                      <a:pPr algn="l" fontAlgn="ctr">
+                        <a:spcBef>
+                          <a:spcPts val="0"/>
+                        </a:spcBef>
+                        <a:spcAft>
+                          <a:spcPts val="0"/>
+                        </a:spcAft>
+                      </a:pPr>
+                      <a:endParaRPr lang="zh-CN" altLang="en-US" sz="3300" b="0" i="0" u="none" strike="noStrike">
+                        <a:effectLst/>
+                        <a:latin typeface="Arial" panose="020B0604020202020204" pitchFamily="34" charset="0"/>
+                      </a:endParaRPr>
+                    </a:p>
+                  </a:txBody>
+                  <a:tcPr marL="8848" marR="8848" marT="8848" marB="0" anchor="ctr">
+                    <a:lnL>
+                      <a:noFill/>
+                    </a:lnL>
+                    <a:lnR>
+                      <a:noFill/>
+                    </a:lnR>
+                    <a:lnT w="6350" cap="flat" cmpd="sng" algn="ctr">
+                      <a:solidFill>
+                        <a:srgbClr val="000000"/>
+                      </a:solidFill>
+                      <a:prstDash val="solid"/>
+                      <a:round/>
+                      <a:headEnd type="none" w="med" len="med"/>
+                      <a:tailEnd type="none" w="med" len="med"/>
+                    </a:lnT>
+                    <a:lnB w="6350" cap="flat" cmpd="sng" algn="ctr">
+                      <a:solidFill>
+                        <a:srgbClr val="000000"/>
+                      </a:solidFill>
+                      <a:prstDash val="solid"/>
+                      <a:round/>
+                      <a:headEnd type="none" w="med" len="med"/>
+                      <a:tailEnd type="none" w="med" len="med"/>
+                    </a:lnB>
+                  </a:tcPr>
+                </a:tc>
+                <a:tc>
+                  <a:txBody>
+                    <a:bodyPr/>
+                    <a:lstStyle/>
+                    <a:p>
+                      <a:pPr algn="l" fontAlgn="ctr">
+                        <a:spcBef>
+                          <a:spcPts val="0"/>
+                        </a:spcBef>
+                        <a:spcAft>
+                          <a:spcPts val="0"/>
+                        </a:spcAft>
+                      </a:pPr>
+                      <a:endParaRPr lang="zh-CN" altLang="en-US" sz="3300" b="0" i="0" u="none" strike="noStrike">
+                        <a:effectLst/>
+                        <a:latin typeface="Arial" panose="020B0604020202020204" pitchFamily="34" charset="0"/>
+                      </a:endParaRPr>
+                    </a:p>
+                  </a:txBody>
+                  <a:tcPr marL="8848" marR="8848" marT="8848" marB="0" anchor="ctr">
+                    <a:lnL>
+                      <a:noFill/>
+                    </a:lnL>
+                    <a:lnR>
+                      <a:noFill/>
+                    </a:lnR>
+                    <a:lnT w="6350" cap="flat" cmpd="sng" algn="ctr">
+                      <a:solidFill>
+                        <a:srgbClr val="000000"/>
+                      </a:solidFill>
+                      <a:prstDash val="solid"/>
+                      <a:round/>
+                      <a:headEnd type="none" w="med" len="med"/>
+                      <a:tailEnd type="none" w="med" len="med"/>
+                    </a:lnT>
+                    <a:lnB w="6350" cap="flat" cmpd="sng" algn="ctr">
+                      <a:solidFill>
+                        <a:srgbClr val="000000"/>
+                      </a:solidFill>
+                      <a:prstDash val="solid"/>
+                      <a:round/>
+                      <a:headEnd type="none" w="med" len="med"/>
+                      <a:tailEnd type="none" w="med" len="med"/>
+                    </a:lnB>
+                  </a:tcPr>
+                </a:tc>
+                <a:tc>
+                  <a:txBody>
+                    <a:bodyPr/>
+                    <a:lstStyle/>
+                    <a:p>
+                      <a:pPr algn="l" fontAlgn="ctr">
+                        <a:spcBef>
+                          <a:spcPts val="0"/>
+                        </a:spcBef>
+                        <a:spcAft>
+                          <a:spcPts val="0"/>
+                        </a:spcAft>
+                      </a:pPr>
+                      <a:endParaRPr lang="zh-CN" altLang="en-US" sz="3300" b="0" i="0" u="none" strike="noStrike" dirty="0">
+                        <a:effectLst/>
+                        <a:latin typeface="Arial" panose="020B0604020202020204" pitchFamily="34" charset="0"/>
+                      </a:endParaRPr>
+                    </a:p>
+                  </a:txBody>
+                  <a:tcPr marL="8848" marR="8848" marT="8848" marB="0" anchor="ctr">
+                    <a:lnL>
+                      <a:noFill/>
+                    </a:lnL>
+                    <a:lnR>
+                      <a:noFill/>
+                    </a:lnR>
+                    <a:lnT w="6350" cap="flat" cmpd="sng" algn="ctr">
+                      <a:solidFill>
+                        <a:srgbClr val="000000"/>
+                      </a:solidFill>
+                      <a:prstDash val="solid"/>
+                      <a:round/>
+                      <a:headEnd type="none" w="med" len="med"/>
+                      <a:tailEnd type="none" w="med" len="med"/>
+                    </a:lnT>
+                    <a:lnB w="6350" cap="flat" cmpd="sng" algn="ctr">
+                      <a:solidFill>
+                        <a:srgbClr val="000000"/>
+                      </a:solidFill>
+                      <a:prstDash val="solid"/>
+                      <a:round/>
+                      <a:headEnd type="none" w="med" len="med"/>
+                      <a:tailEnd type="none" w="med" len="med"/>
+                    </a:lnB>
+                  </a:tcPr>
+                </a:tc>
+                <a:tc>
+                  <a:txBody>
+                    <a:bodyPr/>
+                    <a:lstStyle/>
+                    <a:p>
+                      <a:pPr algn="l" fontAlgn="ctr">
+                        <a:spcBef>
+                          <a:spcPts val="0"/>
+                        </a:spcBef>
+                        <a:spcAft>
+                          <a:spcPts val="0"/>
+                        </a:spcAft>
+                      </a:pPr>
+                      <a:endParaRPr lang="zh-CN" altLang="en-US" sz="3300" b="0" i="0" u="none" strike="noStrike">
+                        <a:effectLst/>
+                        <a:latin typeface="Arial" panose="020B0604020202020204" pitchFamily="34" charset="0"/>
+                      </a:endParaRPr>
+                    </a:p>
+                  </a:txBody>
+                  <a:tcPr marL="8848" marR="8848" marT="8848" marB="0" anchor="ctr">
+                    <a:lnL>
+                      <a:noFill/>
+                    </a:lnL>
+                    <a:lnR>
+                      <a:noFill/>
+                    </a:lnR>
+                    <a:lnT w="6350" cap="flat" cmpd="sng" algn="ctr">
+                      <a:solidFill>
+                        <a:srgbClr val="000000"/>
+                      </a:solidFill>
+                      <a:prstDash val="solid"/>
+                      <a:round/>
+                      <a:headEnd type="none" w="med" len="med"/>
+                      <a:tailEnd type="none" w="med" len="med"/>
+                    </a:lnT>
+                    <a:lnB w="6350" cap="flat" cmpd="sng" algn="ctr">
+                      <a:solidFill>
+                        <a:srgbClr val="000000"/>
+                      </a:solidFill>
+                      <a:prstDash val="solid"/>
+                      <a:round/>
+                      <a:headEnd type="none" w="med" len="med"/>
+                      <a:tailEnd type="none" w="med" len="med"/>
+                    </a:lnB>
+                  </a:tcPr>
+                </a:tc>
+                <a:tc>
+                  <a:txBody>
+                    <a:bodyPr/>
+                    <a:lstStyle/>
+                    <a:p>
+                      <a:pPr algn="l" fontAlgn="ctr">
+                        <a:spcBef>
+                          <a:spcPts val="0"/>
+                        </a:spcBef>
+                        <a:spcAft>
+                          <a:spcPts val="0"/>
+                        </a:spcAft>
+                      </a:pPr>
+                      <a:endParaRPr lang="zh-CN" altLang="en-US" sz="3300" b="0" i="0" u="none" strike="noStrike">
+                        <a:effectLst/>
+                        <a:latin typeface="Arial" panose="020B0604020202020204" pitchFamily="34" charset="0"/>
+                      </a:endParaRPr>
+                    </a:p>
+                  </a:txBody>
+                  <a:tcPr marL="8848" marR="8848" marT="8848" marB="0" anchor="ctr">
+                    <a:lnL>
+                      <a:noFill/>
+                    </a:lnL>
+                    <a:lnR>
+                      <a:noFill/>
+                    </a:lnR>
+                    <a:lnT w="6350" cap="flat" cmpd="sng" algn="ctr">
+                      <a:solidFill>
+                        <a:srgbClr val="000000"/>
+                      </a:solidFill>
+                      <a:prstDash val="solid"/>
+                      <a:round/>
+                      <a:headEnd type="none" w="med" len="med"/>
+                      <a:tailEnd type="none" w="med" len="med"/>
+                    </a:lnT>
+                    <a:lnB w="6350" cap="flat" cmpd="sng" algn="ctr">
+                      <a:solidFill>
+                        <a:srgbClr val="000000"/>
+                      </a:solidFill>
+                      <a:prstDash val="solid"/>
+                      <a:round/>
+                      <a:headEnd type="none" w="med" len="med"/>
+                      <a:tailEnd type="none" w="med" len="med"/>
+                    </a:lnB>
+                  </a:tcPr>
+                </a:tc>
+                <a:tc>
+                  <a:txBody>
+                    <a:bodyPr/>
+                    <a:lstStyle/>
+                    <a:p>
+                      <a:pPr algn="l" fontAlgn="ctr">
+                        <a:spcBef>
+                          <a:spcPts val="0"/>
+                        </a:spcBef>
+                        <a:spcAft>
+                          <a:spcPts val="0"/>
+                        </a:spcAft>
+                      </a:pPr>
+                      <a:endParaRPr lang="zh-CN" altLang="en-US" sz="3300" b="0" i="0" u="none" strike="noStrike">
+                        <a:effectLst/>
+                        <a:latin typeface="Arial" panose="020B0604020202020204" pitchFamily="34" charset="0"/>
+                      </a:endParaRPr>
+                    </a:p>
+                  </a:txBody>
+                  <a:tcPr marL="8848" marR="8848" marT="8848" marB="0" anchor="ctr">
+                    <a:lnL>
+                      <a:noFill/>
+                    </a:lnL>
+                    <a:lnR>
+                      <a:noFill/>
+                    </a:lnR>
+                    <a:lnT w="6350" cap="flat" cmpd="sng" algn="ctr">
+                      <a:solidFill>
+                        <a:srgbClr val="000000"/>
+                      </a:solidFill>
+                      <a:prstDash val="solid"/>
+                      <a:round/>
+                      <a:headEnd type="none" w="med" len="med"/>
+                      <a:tailEnd type="none" w="med" len="med"/>
+                    </a:lnT>
+                    <a:lnB w="6350" cap="flat" cmpd="sng" algn="ctr">
+                      <a:solidFill>
+                        <a:srgbClr val="000000"/>
+                      </a:solidFill>
+                      <a:prstDash val="solid"/>
+                      <a:round/>
+                      <a:headEnd type="none" w="med" len="med"/>
+                      <a:tailEnd type="none" w="med" len="med"/>
+                    </a:lnB>
+                  </a:tcPr>
+                </a:tc>
+                <a:extLst>
+                  <a:ext uri="{0D108BD9-81ED-4DB2-BD59-A6C34878D82A}">
+                    <a16:rowId xmlns:a16="http://schemas.microsoft.com/office/drawing/2014/main" val="780974705"/>
+                  </a:ext>
+                </a:extLst>
+              </a:tr>
+              <a:tr h="542036">
+                <a:tc>
+                  <a:txBody>
+                    <a:bodyPr/>
+                    <a:lstStyle/>
+                    <a:p>
+                      <a:pPr algn="l" fontAlgn="ctr">
+                        <a:spcBef>
+                          <a:spcPts val="0"/>
+                        </a:spcBef>
+                        <a:spcAft>
+                          <a:spcPts val="0"/>
+                        </a:spcAft>
+                      </a:pPr>
+                      <a:r>
+                        <a:rPr lang="zh-CN" altLang="en-US" sz="2000" b="0" i="0" u="none" strike="noStrike">
+                          <a:solidFill>
+                            <a:srgbClr val="000000"/>
+                          </a:solidFill>
+                          <a:effectLst/>
+                          <a:latin typeface="宋体" panose="02010600030101010101" pitchFamily="2" charset="-122"/>
+                          <a:ea typeface="宋体" panose="02010600030101010101" pitchFamily="2" charset="-122"/>
+                        </a:rPr>
+                        <a:t>中</a:t>
+                      </a:r>
+                      <a:endParaRPr lang="zh-CN" altLang="en-US" sz="3300" b="0" i="0" u="none" strike="noStrike">
+                        <a:effectLst/>
+                        <a:latin typeface="Arial" panose="020B0604020202020204" pitchFamily="34" charset="0"/>
+                      </a:endParaRPr>
+                    </a:p>
+                  </a:txBody>
+                  <a:tcPr marL="8848" marR="8848" marT="8848" marB="0" anchor="ctr">
+                    <a:lnL>
+                      <a:noFill/>
+                    </a:lnL>
+                    <a:lnR>
+                      <a:noFill/>
+                    </a:lnR>
+                    <a:lnT>
+                      <a:noFill/>
+                    </a:lnT>
+                    <a:lnB>
+                      <a:noFill/>
+                    </a:lnB>
+                  </a:tcPr>
+                </a:tc>
+                <a:tc>
+                  <a:txBody>
+                    <a:bodyPr/>
+                    <a:lstStyle/>
+                    <a:p>
+                      <a:pPr algn="l" fontAlgn="ctr">
+                        <a:spcBef>
+                          <a:spcPts val="0"/>
+                        </a:spcBef>
+                        <a:spcAft>
+                          <a:spcPts val="0"/>
+                        </a:spcAft>
+                      </a:pPr>
+                      <a:endParaRPr lang="zh-CN" altLang="en-US" sz="3300" b="0" i="0" u="none" strike="noStrike" dirty="0">
+                        <a:effectLst/>
+                        <a:latin typeface="Arial" panose="020B0604020202020204" pitchFamily="34" charset="0"/>
+                      </a:endParaRPr>
+                    </a:p>
+                  </a:txBody>
+                  <a:tcPr marL="8848" marR="8848" marT="8848" marB="0" anchor="ctr">
+                    <a:lnL>
+                      <a:noFill/>
+                    </a:lnL>
+                    <a:lnR w="6350" cap="flat" cmpd="sng" algn="ctr">
+                      <a:solidFill>
+                        <a:srgbClr val="000000"/>
+                      </a:solidFill>
+                      <a:prstDash val="solid"/>
+                      <a:round/>
+                      <a:headEnd type="none" w="med" len="med"/>
+                      <a:tailEnd type="none" w="med" len="med"/>
+                    </a:lnR>
+                    <a:lnT>
+                      <a:noFill/>
+                    </a:lnT>
+                    <a:lnB>
+                      <a:noFill/>
+                    </a:lnB>
+                  </a:tcPr>
+                </a:tc>
+                <a:tc gridSpan="2">
+                  <a:txBody>
+                    <a:bodyPr/>
+                    <a:lstStyle/>
+                    <a:p>
+                      <a:pPr algn="ctr" fontAlgn="ctr">
+                        <a:spcBef>
+                          <a:spcPts val="0"/>
+                        </a:spcBef>
+                        <a:spcAft>
+                          <a:spcPts val="0"/>
+                        </a:spcAft>
+                      </a:pPr>
+                      <a:r>
+                        <a:rPr lang="en-US" sz="2000" b="0" i="0" u="none" strike="noStrike">
+                          <a:solidFill>
+                            <a:srgbClr val="000000"/>
+                          </a:solidFill>
+                          <a:effectLst/>
+                          <a:latin typeface="宋体" panose="02010600030101010101" pitchFamily="2" charset="-122"/>
+                          <a:ea typeface="宋体" panose="02010600030101010101" pitchFamily="2" charset="-122"/>
+                        </a:rPr>
+                        <a:t>64</a:t>
+                      </a:r>
+                      <a:endParaRPr lang="en-US" altLang="zh-CN" sz="3300" b="0" i="0" u="none" strike="noStrike">
+                        <a:effectLst/>
+                        <a:latin typeface="Arial" panose="020B0604020202020204" pitchFamily="34" charset="0"/>
+                      </a:endParaRPr>
+                    </a:p>
+                  </a:txBody>
+                  <a:tcPr marL="167640" marR="167640" marT="83820" marB="83820">
+                    <a:lnL w="6350" cap="flat" cmpd="sng" algn="ctr">
+                      <a:solidFill>
+                        <a:srgbClr val="000000"/>
+                      </a:solidFill>
+                      <a:prstDash val="solid"/>
+                      <a:round/>
+                      <a:headEnd type="none" w="med" len="med"/>
+                      <a:tailEnd type="none" w="med" len="med"/>
+                    </a:lnL>
+                    <a:lnR w="6350" cap="flat" cmpd="sng" algn="ctr">
+                      <a:solidFill>
+                        <a:srgbClr val="000000"/>
+                      </a:solidFill>
+                      <a:prstDash val="solid"/>
+                      <a:round/>
+                      <a:headEnd type="none" w="med" len="med"/>
+                      <a:tailEnd type="none" w="med" len="med"/>
+                    </a:lnR>
+                    <a:lnT w="6350" cap="flat" cmpd="sng" algn="ctr">
+                      <a:solidFill>
+                        <a:srgbClr val="000000"/>
+                      </a:solidFill>
+                      <a:prstDash val="solid"/>
+                      <a:round/>
+                      <a:headEnd type="none" w="med" len="med"/>
+                      <a:tailEnd type="none" w="med" len="med"/>
+                    </a:lnT>
+                    <a:lnB w="6350" cap="flat" cmpd="sng" algn="ctr">
+                      <a:solidFill>
+                        <a:srgbClr val="000000"/>
+                      </a:solidFill>
+                      <a:prstDash val="solid"/>
+                      <a:round/>
+                      <a:headEnd type="none" w="med" len="med"/>
+                      <a:tailEnd type="none" w="med" len="med"/>
+                    </a:lnB>
+                    <a:solidFill>
+                      <a:srgbClr val="92D050"/>
+                    </a:solidFill>
+                  </a:tcPr>
+                </a:tc>
+                <a:tc hMerge="1">
+                  <a:txBody>
+                    <a:bodyPr/>
+                    <a:lstStyle/>
+                    <a:p>
+                      <a:endParaRPr lang="zh-CN" altLang="en-US"/>
+                    </a:p>
+                  </a:txBody>
+                  <a:tcPr/>
+                </a:tc>
+                <a:tc gridSpan="2">
+                  <a:txBody>
+                    <a:bodyPr/>
+                    <a:lstStyle/>
+                    <a:p>
+                      <a:pPr algn="ctr" fontAlgn="ctr">
+                        <a:spcBef>
+                          <a:spcPts val="0"/>
+                        </a:spcBef>
+                        <a:spcAft>
+                          <a:spcPts val="0"/>
+                        </a:spcAft>
+                      </a:pPr>
+                      <a:r>
+                        <a:rPr lang="en-US" sz="2000" b="0" i="0" u="none" strike="noStrike">
+                          <a:solidFill>
+                            <a:srgbClr val="000000"/>
+                          </a:solidFill>
+                          <a:effectLst/>
+                          <a:latin typeface="宋体" panose="02010600030101010101" pitchFamily="2" charset="-122"/>
+                          <a:ea typeface="宋体" panose="02010600030101010101" pitchFamily="2" charset="-122"/>
+                        </a:rPr>
+                        <a:t>64</a:t>
+                      </a:r>
+                      <a:endParaRPr lang="en-US" altLang="zh-CN" sz="3300" b="0" i="0" u="none" strike="noStrike">
+                        <a:effectLst/>
+                        <a:latin typeface="Arial" panose="020B0604020202020204" pitchFamily="34" charset="0"/>
+                      </a:endParaRPr>
+                    </a:p>
+                  </a:txBody>
+                  <a:tcPr marL="167640" marR="167640" marT="83820" marB="83820">
+                    <a:lnL w="6350" cap="flat" cmpd="sng" algn="ctr">
+                      <a:solidFill>
+                        <a:srgbClr val="000000"/>
+                      </a:solidFill>
+                      <a:prstDash val="solid"/>
+                      <a:round/>
+                      <a:headEnd type="none" w="med" len="med"/>
+                      <a:tailEnd type="none" w="med" len="med"/>
+                    </a:lnL>
+                    <a:lnR w="6350" cap="flat" cmpd="sng" algn="ctr">
+                      <a:solidFill>
+                        <a:srgbClr val="000000"/>
+                      </a:solidFill>
+                      <a:prstDash val="solid"/>
+                      <a:round/>
+                      <a:headEnd type="none" w="med" len="med"/>
+                      <a:tailEnd type="none" w="med" len="med"/>
+                    </a:lnR>
+                    <a:lnT w="6350" cap="flat" cmpd="sng" algn="ctr">
+                      <a:solidFill>
+                        <a:srgbClr val="000000"/>
+                      </a:solidFill>
+                      <a:prstDash val="solid"/>
+                      <a:round/>
+                      <a:headEnd type="none" w="med" len="med"/>
+                      <a:tailEnd type="none" w="med" len="med"/>
+                    </a:lnT>
+                    <a:lnB w="6350" cap="flat" cmpd="sng" algn="ctr">
+                      <a:solidFill>
+                        <a:srgbClr val="000000"/>
+                      </a:solidFill>
+                      <a:prstDash val="solid"/>
+                      <a:round/>
+                      <a:headEnd type="none" w="med" len="med"/>
+                      <a:tailEnd type="none" w="med" len="med"/>
+                    </a:lnB>
+                    <a:solidFill>
+                      <a:srgbClr val="92D050"/>
+                    </a:solidFill>
+                  </a:tcPr>
+                </a:tc>
+                <a:tc hMerge="1">
+                  <a:txBody>
+                    <a:bodyPr/>
+                    <a:lstStyle/>
+                    <a:p>
+                      <a:endParaRPr lang="zh-CN" altLang="en-US"/>
+                    </a:p>
+                  </a:txBody>
+                  <a:tcPr/>
+                </a:tc>
+                <a:tc gridSpan="2">
+                  <a:txBody>
+                    <a:bodyPr/>
+                    <a:lstStyle/>
+                    <a:p>
+                      <a:pPr algn="ctr" fontAlgn="ctr">
+                        <a:spcBef>
+                          <a:spcPts val="0"/>
+                        </a:spcBef>
+                        <a:spcAft>
+                          <a:spcPts val="0"/>
+                        </a:spcAft>
+                      </a:pPr>
+                      <a:r>
+                        <a:rPr lang="en-US" sz="2000" b="0" i="0" u="none" strike="noStrike">
+                          <a:solidFill>
+                            <a:srgbClr val="000000"/>
+                          </a:solidFill>
+                          <a:effectLst/>
+                          <a:latin typeface="宋体" panose="02010600030101010101" pitchFamily="2" charset="-122"/>
+                          <a:ea typeface="宋体" panose="02010600030101010101" pitchFamily="2" charset="-122"/>
+                        </a:rPr>
+                        <a:t>64</a:t>
+                      </a:r>
+                      <a:endParaRPr lang="en-US" altLang="zh-CN" sz="3300" b="0" i="0" u="none" strike="noStrike">
+                        <a:effectLst/>
+                        <a:latin typeface="Arial" panose="020B0604020202020204" pitchFamily="34" charset="0"/>
+                      </a:endParaRPr>
+                    </a:p>
+                  </a:txBody>
+                  <a:tcPr marL="167640" marR="167640" marT="83820" marB="83820">
+                    <a:lnL w="6350" cap="flat" cmpd="sng" algn="ctr">
+                      <a:solidFill>
+                        <a:srgbClr val="000000"/>
+                      </a:solidFill>
+                      <a:prstDash val="solid"/>
+                      <a:round/>
+                      <a:headEnd type="none" w="med" len="med"/>
+                      <a:tailEnd type="none" w="med" len="med"/>
+                    </a:lnL>
+                    <a:lnR w="6350" cap="flat" cmpd="sng" algn="ctr">
+                      <a:solidFill>
+                        <a:srgbClr val="000000"/>
+                      </a:solidFill>
+                      <a:prstDash val="solid"/>
+                      <a:round/>
+                      <a:headEnd type="none" w="med" len="med"/>
+                      <a:tailEnd type="none" w="med" len="med"/>
+                    </a:lnR>
+                    <a:lnT w="6350" cap="flat" cmpd="sng" algn="ctr">
+                      <a:solidFill>
+                        <a:srgbClr val="000000"/>
+                      </a:solidFill>
+                      <a:prstDash val="solid"/>
+                      <a:round/>
+                      <a:headEnd type="none" w="med" len="med"/>
+                      <a:tailEnd type="none" w="med" len="med"/>
+                    </a:lnT>
+                    <a:lnB w="6350" cap="flat" cmpd="sng" algn="ctr">
+                      <a:solidFill>
+                        <a:srgbClr val="000000"/>
+                      </a:solidFill>
+                      <a:prstDash val="solid"/>
+                      <a:round/>
+                      <a:headEnd type="none" w="med" len="med"/>
+                      <a:tailEnd type="none" w="med" len="med"/>
+                    </a:lnB>
+                  </a:tcPr>
+                </a:tc>
+                <a:tc hMerge="1">
+                  <a:txBody>
+                    <a:bodyPr/>
+                    <a:lstStyle/>
+                    <a:p>
+                      <a:endParaRPr lang="zh-CN" altLang="en-US"/>
+                    </a:p>
+                  </a:txBody>
+                  <a:tcPr/>
+                </a:tc>
+                <a:tc gridSpan="2">
+                  <a:txBody>
+                    <a:bodyPr/>
+                    <a:lstStyle/>
+                    <a:p>
+                      <a:pPr algn="ctr" fontAlgn="ctr">
+                        <a:spcBef>
+                          <a:spcPts val="0"/>
+                        </a:spcBef>
+                        <a:spcAft>
+                          <a:spcPts val="0"/>
+                        </a:spcAft>
+                      </a:pPr>
+                      <a:r>
+                        <a:rPr lang="en-US" sz="2000" b="0" i="0" u="none" strike="noStrike">
+                          <a:solidFill>
+                            <a:srgbClr val="000000"/>
+                          </a:solidFill>
+                          <a:effectLst/>
+                          <a:latin typeface="宋体" panose="02010600030101010101" pitchFamily="2" charset="-122"/>
+                          <a:ea typeface="宋体" panose="02010600030101010101" pitchFamily="2" charset="-122"/>
+                        </a:rPr>
+                        <a:t>64</a:t>
+                      </a:r>
+                      <a:endParaRPr lang="en-US" altLang="zh-CN" sz="3300" b="0" i="0" u="none" strike="noStrike">
+                        <a:effectLst/>
+                        <a:latin typeface="Arial" panose="020B0604020202020204" pitchFamily="34" charset="0"/>
+                      </a:endParaRPr>
+                    </a:p>
+                  </a:txBody>
+                  <a:tcPr marL="167640" marR="167640" marT="83820" marB="83820">
+                    <a:lnL w="6350" cap="flat" cmpd="sng" algn="ctr">
+                      <a:solidFill>
+                        <a:srgbClr val="000000"/>
+                      </a:solidFill>
+                      <a:prstDash val="solid"/>
+                      <a:round/>
+                      <a:headEnd type="none" w="med" len="med"/>
+                      <a:tailEnd type="none" w="med" len="med"/>
+                    </a:lnL>
+                    <a:lnR w="6350" cap="flat" cmpd="sng" algn="ctr">
+                      <a:solidFill>
+                        <a:srgbClr val="000000"/>
+                      </a:solidFill>
+                      <a:prstDash val="solid"/>
+                      <a:round/>
+                      <a:headEnd type="none" w="med" len="med"/>
+                      <a:tailEnd type="none" w="med" len="med"/>
+                    </a:lnR>
+                    <a:lnT w="6350" cap="flat" cmpd="sng" algn="ctr">
+                      <a:solidFill>
+                        <a:srgbClr val="000000"/>
+                      </a:solidFill>
+                      <a:prstDash val="solid"/>
+                      <a:round/>
+                      <a:headEnd type="none" w="med" len="med"/>
+                      <a:tailEnd type="none" w="med" len="med"/>
+                    </a:lnT>
+                    <a:lnB w="6350" cap="flat" cmpd="sng" algn="ctr">
+                      <a:solidFill>
+                        <a:srgbClr val="000000"/>
+                      </a:solidFill>
+                      <a:prstDash val="solid"/>
+                      <a:round/>
+                      <a:headEnd type="none" w="med" len="med"/>
+                      <a:tailEnd type="none" w="med" len="med"/>
+                    </a:lnB>
+                  </a:tcPr>
+                </a:tc>
+                <a:tc hMerge="1">
+                  <a:txBody>
+                    <a:bodyPr/>
+                    <a:lstStyle/>
+                    <a:p>
+                      <a:endParaRPr lang="zh-CN" altLang="en-US"/>
+                    </a:p>
+                  </a:txBody>
+                  <a:tcPr/>
+                </a:tc>
+                <a:tc gridSpan="2">
+                  <a:txBody>
+                    <a:bodyPr/>
+                    <a:lstStyle/>
+                    <a:p>
+                      <a:pPr algn="ctr" fontAlgn="ctr">
+                        <a:spcBef>
+                          <a:spcPts val="0"/>
+                        </a:spcBef>
+                        <a:spcAft>
+                          <a:spcPts val="0"/>
+                        </a:spcAft>
+                      </a:pPr>
+                      <a:r>
+                        <a:rPr lang="en-US" sz="2000" b="0" i="0" u="none" strike="noStrike">
+                          <a:solidFill>
+                            <a:srgbClr val="000000"/>
+                          </a:solidFill>
+                          <a:effectLst/>
+                          <a:latin typeface="宋体" panose="02010600030101010101" pitchFamily="2" charset="-122"/>
+                          <a:ea typeface="宋体" panose="02010600030101010101" pitchFamily="2" charset="-122"/>
+                        </a:rPr>
+                        <a:t>64</a:t>
+                      </a:r>
+                      <a:endParaRPr lang="en-US" altLang="zh-CN" sz="3300" b="0" i="0" u="none" strike="noStrike">
+                        <a:effectLst/>
+                        <a:latin typeface="Arial" panose="020B0604020202020204" pitchFamily="34" charset="0"/>
+                      </a:endParaRPr>
+                    </a:p>
+                  </a:txBody>
+                  <a:tcPr marL="167640" marR="167640" marT="83820" marB="83820">
+                    <a:lnL w="6350" cap="flat" cmpd="sng" algn="ctr">
+                      <a:solidFill>
+                        <a:srgbClr val="000000"/>
+                      </a:solidFill>
+                      <a:prstDash val="solid"/>
+                      <a:round/>
+                      <a:headEnd type="none" w="med" len="med"/>
+                      <a:tailEnd type="none" w="med" len="med"/>
+                    </a:lnL>
+                    <a:lnR w="6350" cap="flat" cmpd="sng" algn="ctr">
+                      <a:solidFill>
+                        <a:srgbClr val="000000"/>
+                      </a:solidFill>
+                      <a:prstDash val="solid"/>
+                      <a:round/>
+                      <a:headEnd type="none" w="med" len="med"/>
+                      <a:tailEnd type="none" w="med" len="med"/>
+                    </a:lnR>
+                    <a:lnT w="6350" cap="flat" cmpd="sng" algn="ctr">
+                      <a:solidFill>
+                        <a:srgbClr val="000000"/>
+                      </a:solidFill>
+                      <a:prstDash val="solid"/>
+                      <a:round/>
+                      <a:headEnd type="none" w="med" len="med"/>
+                      <a:tailEnd type="none" w="med" len="med"/>
+                    </a:lnT>
+                    <a:lnB w="6350" cap="flat" cmpd="sng" algn="ctr">
+                      <a:solidFill>
+                        <a:srgbClr val="000000"/>
+                      </a:solidFill>
+                      <a:prstDash val="solid"/>
+                      <a:round/>
+                      <a:headEnd type="none" w="med" len="med"/>
+                      <a:tailEnd type="none" w="med" len="med"/>
+                    </a:lnB>
+                  </a:tcPr>
+                </a:tc>
+                <a:tc hMerge="1">
+                  <a:txBody>
+                    <a:bodyPr/>
+                    <a:lstStyle/>
+                    <a:p>
+                      <a:endParaRPr lang="zh-CN" altLang="en-US"/>
+                    </a:p>
+                  </a:txBody>
+                  <a:tcPr/>
+                </a:tc>
+                <a:tc gridSpan="2">
+                  <a:txBody>
+                    <a:bodyPr/>
+                    <a:lstStyle/>
+                    <a:p>
+                      <a:pPr algn="ctr" fontAlgn="ctr">
+                        <a:spcBef>
+                          <a:spcPts val="0"/>
+                        </a:spcBef>
+                        <a:spcAft>
+                          <a:spcPts val="0"/>
+                        </a:spcAft>
+                      </a:pPr>
+                      <a:r>
+                        <a:rPr lang="en-US" sz="2000" b="0" i="0" u="none" strike="noStrike">
+                          <a:solidFill>
+                            <a:srgbClr val="000000"/>
+                          </a:solidFill>
+                          <a:effectLst/>
+                          <a:latin typeface="宋体" panose="02010600030101010101" pitchFamily="2" charset="-122"/>
+                          <a:ea typeface="宋体" panose="02010600030101010101" pitchFamily="2" charset="-122"/>
+                        </a:rPr>
+                        <a:t>64</a:t>
+                      </a:r>
+                      <a:endParaRPr lang="en-US" altLang="zh-CN" sz="3300" b="0" i="0" u="none" strike="noStrike">
+                        <a:effectLst/>
+                        <a:latin typeface="Arial" panose="020B0604020202020204" pitchFamily="34" charset="0"/>
+                      </a:endParaRPr>
+                    </a:p>
+                  </a:txBody>
+                  <a:tcPr marL="167640" marR="167640" marT="83820" marB="83820">
+                    <a:lnL w="6350" cap="flat" cmpd="sng" algn="ctr">
+                      <a:solidFill>
+                        <a:srgbClr val="000000"/>
+                      </a:solidFill>
+                      <a:prstDash val="solid"/>
+                      <a:round/>
+                      <a:headEnd type="none" w="med" len="med"/>
+                      <a:tailEnd type="none" w="med" len="med"/>
+                    </a:lnL>
+                    <a:lnR w="6350" cap="flat" cmpd="sng" algn="ctr">
+                      <a:solidFill>
+                        <a:srgbClr val="000000"/>
+                      </a:solidFill>
+                      <a:prstDash val="solid"/>
+                      <a:round/>
+                      <a:headEnd type="none" w="med" len="med"/>
+                      <a:tailEnd type="none" w="med" len="med"/>
+                    </a:lnR>
+                    <a:lnT w="6350" cap="flat" cmpd="sng" algn="ctr">
+                      <a:solidFill>
+                        <a:srgbClr val="000000"/>
+                      </a:solidFill>
+                      <a:prstDash val="solid"/>
+                      <a:round/>
+                      <a:headEnd type="none" w="med" len="med"/>
+                      <a:tailEnd type="none" w="med" len="med"/>
+                    </a:lnT>
+                    <a:lnB w="6350" cap="flat" cmpd="sng" algn="ctr">
+                      <a:solidFill>
+                        <a:srgbClr val="000000"/>
+                      </a:solidFill>
+                      <a:prstDash val="solid"/>
+                      <a:round/>
+                      <a:headEnd type="none" w="med" len="med"/>
+                      <a:tailEnd type="none" w="med" len="med"/>
+                    </a:lnB>
+                  </a:tcPr>
+                </a:tc>
+                <a:tc hMerge="1">
+                  <a:txBody>
+                    <a:bodyPr/>
+                    <a:lstStyle/>
+                    <a:p>
+                      <a:endParaRPr lang="zh-CN" altLang="en-US"/>
+                    </a:p>
+                  </a:txBody>
+                  <a:tcPr/>
+                </a:tc>
+                <a:extLst>
+                  <a:ext uri="{0D108BD9-81ED-4DB2-BD59-A6C34878D82A}">
+                    <a16:rowId xmlns:a16="http://schemas.microsoft.com/office/drawing/2014/main" val="4229588900"/>
+                  </a:ext>
+                </a:extLst>
+              </a:tr>
+              <a:tr h="679408">
+                <a:tc>
+                  <a:txBody>
+                    <a:bodyPr/>
+                    <a:lstStyle/>
+                    <a:p>
+                      <a:pPr algn="l" fontAlgn="ctr">
+                        <a:spcBef>
+                          <a:spcPts val="0"/>
+                        </a:spcBef>
+                        <a:spcAft>
+                          <a:spcPts val="0"/>
+                        </a:spcAft>
+                      </a:pPr>
+                      <a:endParaRPr lang="zh-CN" altLang="en-US" sz="3300" b="0" i="0" u="none" strike="noStrike">
+                        <a:effectLst/>
+                        <a:latin typeface="Arial" panose="020B0604020202020204" pitchFamily="34" charset="0"/>
+                      </a:endParaRPr>
+                    </a:p>
+                  </a:txBody>
+                  <a:tcPr marL="8848" marR="8848" marT="8848" marB="0" anchor="ctr">
+                    <a:lnL>
+                      <a:noFill/>
+                    </a:lnL>
+                    <a:lnR>
+                      <a:noFill/>
+                    </a:lnR>
+                    <a:lnT>
+                      <a:noFill/>
+                    </a:lnT>
+                    <a:lnB>
+                      <a:noFill/>
+                    </a:lnB>
+                  </a:tcPr>
+                </a:tc>
+                <a:tc>
+                  <a:txBody>
+                    <a:bodyPr/>
+                    <a:lstStyle/>
+                    <a:p>
+                      <a:pPr algn="l" fontAlgn="ctr">
+                        <a:spcBef>
+                          <a:spcPts val="0"/>
+                        </a:spcBef>
+                        <a:spcAft>
+                          <a:spcPts val="0"/>
+                        </a:spcAft>
+                      </a:pPr>
+                      <a:endParaRPr lang="zh-CN" altLang="en-US" sz="3300" b="0" i="0" u="none" strike="noStrike">
+                        <a:effectLst/>
+                        <a:latin typeface="Arial" panose="020B0604020202020204" pitchFamily="34" charset="0"/>
+                      </a:endParaRPr>
+                    </a:p>
+                  </a:txBody>
+                  <a:tcPr marL="8848" marR="8848" marT="8848" marB="0" anchor="ctr">
+                    <a:lnL>
+                      <a:noFill/>
+                    </a:lnL>
+                    <a:lnR>
+                      <a:noFill/>
+                    </a:lnR>
+                    <a:lnT>
+                      <a:noFill/>
+                    </a:lnT>
+                    <a:lnB>
+                      <a:noFill/>
+                    </a:lnB>
+                  </a:tcPr>
+                </a:tc>
+                <a:tc>
+                  <a:txBody>
+                    <a:bodyPr/>
+                    <a:lstStyle/>
+                    <a:p>
+                      <a:pPr algn="l" fontAlgn="ctr">
+                        <a:spcBef>
+                          <a:spcPts val="0"/>
+                        </a:spcBef>
+                        <a:spcAft>
+                          <a:spcPts val="0"/>
+                        </a:spcAft>
+                      </a:pPr>
+                      <a:endParaRPr lang="zh-CN" altLang="en-US" sz="3300" b="0" i="0" u="none" strike="noStrike">
+                        <a:effectLst/>
+                        <a:latin typeface="Arial" panose="020B0604020202020204" pitchFamily="34" charset="0"/>
+                      </a:endParaRPr>
+                    </a:p>
+                  </a:txBody>
+                  <a:tcPr marL="8848" marR="8848" marT="8848" marB="0" anchor="ctr">
+                    <a:lnL>
+                      <a:noFill/>
+                    </a:lnL>
+                    <a:lnR>
+                      <a:noFill/>
+                    </a:lnR>
+                    <a:lnT w="6350" cap="flat" cmpd="sng" algn="ctr">
+                      <a:solidFill>
+                        <a:srgbClr val="000000"/>
+                      </a:solidFill>
+                      <a:prstDash val="solid"/>
+                      <a:round/>
+                      <a:headEnd type="none" w="med" len="med"/>
+                      <a:tailEnd type="none" w="med" len="med"/>
+                    </a:lnT>
+                    <a:lnB w="6350" cap="flat" cmpd="sng" algn="ctr">
+                      <a:solidFill>
+                        <a:srgbClr val="000000"/>
+                      </a:solidFill>
+                      <a:prstDash val="solid"/>
+                      <a:round/>
+                      <a:headEnd type="none" w="med" len="med"/>
+                      <a:tailEnd type="none" w="med" len="med"/>
+                    </a:lnB>
+                  </a:tcPr>
+                </a:tc>
+                <a:tc>
+                  <a:txBody>
+                    <a:bodyPr/>
+                    <a:lstStyle/>
+                    <a:p>
+                      <a:pPr algn="l" fontAlgn="ctr">
+                        <a:spcBef>
+                          <a:spcPts val="0"/>
+                        </a:spcBef>
+                        <a:spcAft>
+                          <a:spcPts val="0"/>
+                        </a:spcAft>
+                      </a:pPr>
+                      <a:endParaRPr lang="zh-CN" altLang="en-US" sz="3300" b="0" i="0" u="none" strike="noStrike">
+                        <a:effectLst/>
+                        <a:latin typeface="Arial" panose="020B0604020202020204" pitchFamily="34" charset="0"/>
+                      </a:endParaRPr>
+                    </a:p>
+                  </a:txBody>
+                  <a:tcPr marL="8848" marR="8848" marT="8848" marB="0" anchor="ctr">
+                    <a:lnL>
+                      <a:noFill/>
+                    </a:lnL>
+                    <a:lnR>
+                      <a:noFill/>
+                    </a:lnR>
+                    <a:lnT w="6350" cap="flat" cmpd="sng" algn="ctr">
+                      <a:solidFill>
+                        <a:srgbClr val="000000"/>
+                      </a:solidFill>
+                      <a:prstDash val="solid"/>
+                      <a:round/>
+                      <a:headEnd type="none" w="med" len="med"/>
+                      <a:tailEnd type="none" w="med" len="med"/>
+                    </a:lnT>
+                    <a:lnB w="6350" cap="flat" cmpd="sng" algn="ctr">
+                      <a:solidFill>
+                        <a:srgbClr val="000000"/>
+                      </a:solidFill>
+                      <a:prstDash val="solid"/>
+                      <a:round/>
+                      <a:headEnd type="none" w="med" len="med"/>
+                      <a:tailEnd type="none" w="med" len="med"/>
+                    </a:lnB>
+                  </a:tcPr>
+                </a:tc>
+                <a:tc>
+                  <a:txBody>
+                    <a:bodyPr/>
+                    <a:lstStyle/>
+                    <a:p>
+                      <a:pPr algn="l" fontAlgn="ctr">
+                        <a:spcBef>
+                          <a:spcPts val="0"/>
+                        </a:spcBef>
+                        <a:spcAft>
+                          <a:spcPts val="0"/>
+                        </a:spcAft>
+                      </a:pPr>
+                      <a:endParaRPr lang="zh-CN" altLang="en-US" sz="3300" b="0" i="0" u="none" strike="noStrike">
+                        <a:effectLst/>
+                        <a:latin typeface="Arial" panose="020B0604020202020204" pitchFamily="34" charset="0"/>
+                      </a:endParaRPr>
+                    </a:p>
+                  </a:txBody>
+                  <a:tcPr marL="8848" marR="8848" marT="8848" marB="0" anchor="ctr">
+                    <a:lnL>
+                      <a:noFill/>
+                    </a:lnL>
+                    <a:lnR>
+                      <a:noFill/>
+                    </a:lnR>
+                    <a:lnT w="6350" cap="flat" cmpd="sng" algn="ctr">
+                      <a:solidFill>
+                        <a:srgbClr val="000000"/>
+                      </a:solidFill>
+                      <a:prstDash val="solid"/>
+                      <a:round/>
+                      <a:headEnd type="none" w="med" len="med"/>
+                      <a:tailEnd type="none" w="med" len="med"/>
+                    </a:lnT>
+                    <a:lnB w="6350" cap="flat" cmpd="sng" algn="ctr">
+                      <a:solidFill>
+                        <a:srgbClr val="000000"/>
+                      </a:solidFill>
+                      <a:prstDash val="solid"/>
+                      <a:round/>
+                      <a:headEnd type="none" w="med" len="med"/>
+                      <a:tailEnd type="none" w="med" len="med"/>
+                    </a:lnB>
+                  </a:tcPr>
+                </a:tc>
+                <a:tc>
+                  <a:txBody>
+                    <a:bodyPr/>
+                    <a:lstStyle/>
+                    <a:p>
+                      <a:pPr algn="l" fontAlgn="ctr">
+                        <a:spcBef>
+                          <a:spcPts val="0"/>
+                        </a:spcBef>
+                        <a:spcAft>
+                          <a:spcPts val="0"/>
+                        </a:spcAft>
+                      </a:pPr>
+                      <a:endParaRPr lang="zh-CN" altLang="en-US" sz="3300" b="0" i="0" u="none" strike="noStrike">
+                        <a:effectLst/>
+                        <a:latin typeface="Arial" panose="020B0604020202020204" pitchFamily="34" charset="0"/>
+                      </a:endParaRPr>
+                    </a:p>
+                  </a:txBody>
+                  <a:tcPr marL="8848" marR="8848" marT="8848" marB="0" anchor="ctr">
+                    <a:lnL>
+                      <a:noFill/>
+                    </a:lnL>
+                    <a:lnR>
+                      <a:noFill/>
+                    </a:lnR>
+                    <a:lnT w="6350" cap="flat" cmpd="sng" algn="ctr">
+                      <a:solidFill>
+                        <a:srgbClr val="000000"/>
+                      </a:solidFill>
+                      <a:prstDash val="solid"/>
+                      <a:round/>
+                      <a:headEnd type="none" w="med" len="med"/>
+                      <a:tailEnd type="none" w="med" len="med"/>
+                    </a:lnT>
+                    <a:lnB w="6350" cap="flat" cmpd="sng" algn="ctr">
+                      <a:solidFill>
+                        <a:srgbClr val="000000"/>
+                      </a:solidFill>
+                      <a:prstDash val="solid"/>
+                      <a:round/>
+                      <a:headEnd type="none" w="med" len="med"/>
+                      <a:tailEnd type="none" w="med" len="med"/>
+                    </a:lnB>
+                  </a:tcPr>
+                </a:tc>
+                <a:tc>
+                  <a:txBody>
+                    <a:bodyPr/>
+                    <a:lstStyle/>
+                    <a:p>
+                      <a:pPr algn="l" fontAlgn="ctr">
+                        <a:spcBef>
+                          <a:spcPts val="0"/>
+                        </a:spcBef>
+                        <a:spcAft>
+                          <a:spcPts val="0"/>
+                        </a:spcAft>
+                      </a:pPr>
+                      <a:endParaRPr lang="zh-CN" altLang="en-US" sz="3300" b="0" i="0" u="none" strike="noStrike">
+                        <a:effectLst/>
+                        <a:latin typeface="Arial" panose="020B0604020202020204" pitchFamily="34" charset="0"/>
+                      </a:endParaRPr>
+                    </a:p>
+                  </a:txBody>
+                  <a:tcPr marL="8848" marR="8848" marT="8848" marB="0" anchor="ctr">
+                    <a:lnL>
+                      <a:noFill/>
+                    </a:lnL>
+                    <a:lnR>
+                      <a:noFill/>
+                    </a:lnR>
+                    <a:lnT w="6350" cap="flat" cmpd="sng" algn="ctr">
+                      <a:solidFill>
+                        <a:srgbClr val="000000"/>
+                      </a:solidFill>
+                      <a:prstDash val="solid"/>
+                      <a:round/>
+                      <a:headEnd type="none" w="med" len="med"/>
+                      <a:tailEnd type="none" w="med" len="med"/>
+                    </a:lnT>
+                    <a:lnB w="6350" cap="flat" cmpd="sng" algn="ctr">
+                      <a:solidFill>
+                        <a:srgbClr val="000000"/>
+                      </a:solidFill>
+                      <a:prstDash val="solid"/>
+                      <a:round/>
+                      <a:headEnd type="none" w="med" len="med"/>
+                      <a:tailEnd type="none" w="med" len="med"/>
+                    </a:lnB>
+                  </a:tcPr>
+                </a:tc>
+                <a:tc>
+                  <a:txBody>
+                    <a:bodyPr/>
+                    <a:lstStyle/>
+                    <a:p>
+                      <a:pPr algn="l" fontAlgn="ctr">
+                        <a:spcBef>
+                          <a:spcPts val="0"/>
+                        </a:spcBef>
+                        <a:spcAft>
+                          <a:spcPts val="0"/>
+                        </a:spcAft>
+                      </a:pPr>
+                      <a:endParaRPr lang="zh-CN" altLang="en-US" sz="3300" b="0" i="0" u="none" strike="noStrike">
+                        <a:effectLst/>
+                        <a:latin typeface="Arial" panose="020B0604020202020204" pitchFamily="34" charset="0"/>
+                      </a:endParaRPr>
+                    </a:p>
+                  </a:txBody>
+                  <a:tcPr marL="8848" marR="8848" marT="8848" marB="0" anchor="ctr">
+                    <a:lnL>
+                      <a:noFill/>
+                    </a:lnL>
+                    <a:lnR>
+                      <a:noFill/>
+                    </a:lnR>
+                    <a:lnT w="6350" cap="flat" cmpd="sng" algn="ctr">
+                      <a:solidFill>
+                        <a:srgbClr val="000000"/>
+                      </a:solidFill>
+                      <a:prstDash val="solid"/>
+                      <a:round/>
+                      <a:headEnd type="none" w="med" len="med"/>
+                      <a:tailEnd type="none" w="med" len="med"/>
+                    </a:lnT>
+                    <a:lnB w="6350" cap="flat" cmpd="sng" algn="ctr">
+                      <a:solidFill>
+                        <a:srgbClr val="000000"/>
+                      </a:solidFill>
+                      <a:prstDash val="solid"/>
+                      <a:round/>
+                      <a:headEnd type="none" w="med" len="med"/>
+                      <a:tailEnd type="none" w="med" len="med"/>
+                    </a:lnB>
+                  </a:tcPr>
+                </a:tc>
+                <a:tc>
+                  <a:txBody>
+                    <a:bodyPr/>
+                    <a:lstStyle/>
+                    <a:p>
+                      <a:pPr algn="l" fontAlgn="ctr">
+                        <a:spcBef>
+                          <a:spcPts val="0"/>
+                        </a:spcBef>
+                        <a:spcAft>
+                          <a:spcPts val="0"/>
+                        </a:spcAft>
+                      </a:pPr>
+                      <a:endParaRPr lang="zh-CN" altLang="en-US" sz="3300" b="0" i="0" u="none" strike="noStrike">
+                        <a:effectLst/>
+                        <a:latin typeface="Arial" panose="020B0604020202020204" pitchFamily="34" charset="0"/>
+                      </a:endParaRPr>
+                    </a:p>
+                  </a:txBody>
+                  <a:tcPr marL="8848" marR="8848" marT="8848" marB="0" anchor="ctr">
+                    <a:lnL>
+                      <a:noFill/>
+                    </a:lnL>
+                    <a:lnR>
+                      <a:noFill/>
+                    </a:lnR>
+                    <a:lnT w="6350" cap="flat" cmpd="sng" algn="ctr">
+                      <a:solidFill>
+                        <a:srgbClr val="000000"/>
+                      </a:solidFill>
+                      <a:prstDash val="solid"/>
+                      <a:round/>
+                      <a:headEnd type="none" w="med" len="med"/>
+                      <a:tailEnd type="none" w="med" len="med"/>
+                    </a:lnT>
+                    <a:lnB w="6350" cap="flat" cmpd="sng" algn="ctr">
+                      <a:solidFill>
+                        <a:srgbClr val="000000"/>
+                      </a:solidFill>
+                      <a:prstDash val="solid"/>
+                      <a:round/>
+                      <a:headEnd type="none" w="med" len="med"/>
+                      <a:tailEnd type="none" w="med" len="med"/>
+                    </a:lnB>
+                  </a:tcPr>
+                </a:tc>
+                <a:tc>
+                  <a:txBody>
+                    <a:bodyPr/>
+                    <a:lstStyle/>
+                    <a:p>
+                      <a:pPr algn="l" fontAlgn="ctr">
+                        <a:spcBef>
+                          <a:spcPts val="0"/>
+                        </a:spcBef>
+                        <a:spcAft>
+                          <a:spcPts val="0"/>
+                        </a:spcAft>
+                      </a:pPr>
+                      <a:endParaRPr lang="zh-CN" altLang="en-US" sz="3300" b="0" i="0" u="none" strike="noStrike">
+                        <a:effectLst/>
+                        <a:latin typeface="Arial" panose="020B0604020202020204" pitchFamily="34" charset="0"/>
+                      </a:endParaRPr>
+                    </a:p>
+                  </a:txBody>
+                  <a:tcPr marL="8848" marR="8848" marT="8848" marB="0" anchor="ctr">
+                    <a:lnL>
+                      <a:noFill/>
+                    </a:lnL>
+                    <a:lnR>
+                      <a:noFill/>
+                    </a:lnR>
+                    <a:lnT w="6350" cap="flat" cmpd="sng" algn="ctr">
+                      <a:solidFill>
+                        <a:srgbClr val="000000"/>
+                      </a:solidFill>
+                      <a:prstDash val="solid"/>
+                      <a:round/>
+                      <a:headEnd type="none" w="med" len="med"/>
+                      <a:tailEnd type="none" w="med" len="med"/>
+                    </a:lnT>
+                    <a:lnB w="6350" cap="flat" cmpd="sng" algn="ctr">
+                      <a:solidFill>
+                        <a:srgbClr val="000000"/>
+                      </a:solidFill>
+                      <a:prstDash val="solid"/>
+                      <a:round/>
+                      <a:headEnd type="none" w="med" len="med"/>
+                      <a:tailEnd type="none" w="med" len="med"/>
+                    </a:lnB>
+                  </a:tcPr>
+                </a:tc>
+                <a:tc>
+                  <a:txBody>
+                    <a:bodyPr/>
+                    <a:lstStyle/>
+                    <a:p>
+                      <a:pPr algn="l" fontAlgn="ctr">
+                        <a:spcBef>
+                          <a:spcPts val="0"/>
+                        </a:spcBef>
+                        <a:spcAft>
+                          <a:spcPts val="0"/>
+                        </a:spcAft>
+                      </a:pPr>
+                      <a:endParaRPr lang="zh-CN" altLang="en-US" sz="3300" b="0" i="0" u="none" strike="noStrike">
+                        <a:effectLst/>
+                        <a:latin typeface="Arial" panose="020B0604020202020204" pitchFamily="34" charset="0"/>
+                      </a:endParaRPr>
+                    </a:p>
+                  </a:txBody>
+                  <a:tcPr marL="8848" marR="8848" marT="8848" marB="0" anchor="ctr">
+                    <a:lnL>
+                      <a:noFill/>
+                    </a:lnL>
+                    <a:lnR>
+                      <a:noFill/>
+                    </a:lnR>
+                    <a:lnT w="6350" cap="flat" cmpd="sng" algn="ctr">
+                      <a:solidFill>
+                        <a:srgbClr val="000000"/>
+                      </a:solidFill>
+                      <a:prstDash val="solid"/>
+                      <a:round/>
+                      <a:headEnd type="none" w="med" len="med"/>
+                      <a:tailEnd type="none" w="med" len="med"/>
+                    </a:lnT>
+                    <a:lnB w="6350" cap="flat" cmpd="sng" algn="ctr">
+                      <a:solidFill>
+                        <a:srgbClr val="000000"/>
+                      </a:solidFill>
+                      <a:prstDash val="solid"/>
+                      <a:round/>
+                      <a:headEnd type="none" w="med" len="med"/>
+                      <a:tailEnd type="none" w="med" len="med"/>
+                    </a:lnB>
+                  </a:tcPr>
+                </a:tc>
+                <a:tc>
+                  <a:txBody>
+                    <a:bodyPr/>
+                    <a:lstStyle/>
+                    <a:p>
+                      <a:pPr algn="l" fontAlgn="ctr">
+                        <a:spcBef>
+                          <a:spcPts val="0"/>
+                        </a:spcBef>
+                        <a:spcAft>
+                          <a:spcPts val="0"/>
+                        </a:spcAft>
+                      </a:pPr>
+                      <a:endParaRPr lang="zh-CN" altLang="en-US" sz="3300" b="0" i="0" u="none" strike="noStrike">
+                        <a:effectLst/>
+                        <a:latin typeface="Arial" panose="020B0604020202020204" pitchFamily="34" charset="0"/>
+                      </a:endParaRPr>
+                    </a:p>
+                  </a:txBody>
+                  <a:tcPr marL="8848" marR="8848" marT="8848" marB="0" anchor="ctr">
+                    <a:lnL>
+                      <a:noFill/>
+                    </a:lnL>
+                    <a:lnR>
+                      <a:noFill/>
+                    </a:lnR>
+                    <a:lnT w="6350" cap="flat" cmpd="sng" algn="ctr">
+                      <a:solidFill>
+                        <a:srgbClr val="000000"/>
+                      </a:solidFill>
+                      <a:prstDash val="solid"/>
+                      <a:round/>
+                      <a:headEnd type="none" w="med" len="med"/>
+                      <a:tailEnd type="none" w="med" len="med"/>
+                    </a:lnT>
+                    <a:lnB w="6350" cap="flat" cmpd="sng" algn="ctr">
+                      <a:solidFill>
+                        <a:srgbClr val="000000"/>
+                      </a:solidFill>
+                      <a:prstDash val="solid"/>
+                      <a:round/>
+                      <a:headEnd type="none" w="med" len="med"/>
+                      <a:tailEnd type="none" w="med" len="med"/>
+                    </a:lnB>
+                  </a:tcPr>
+                </a:tc>
+                <a:tc>
+                  <a:txBody>
+                    <a:bodyPr/>
+                    <a:lstStyle/>
+                    <a:p>
+                      <a:pPr algn="l" fontAlgn="ctr">
+                        <a:spcBef>
+                          <a:spcPts val="0"/>
+                        </a:spcBef>
+                        <a:spcAft>
+                          <a:spcPts val="0"/>
+                        </a:spcAft>
+                      </a:pPr>
+                      <a:endParaRPr lang="zh-CN" altLang="en-US" sz="3300" b="0" i="0" u="none" strike="noStrike">
+                        <a:effectLst/>
+                        <a:latin typeface="Arial" panose="020B0604020202020204" pitchFamily="34" charset="0"/>
+                      </a:endParaRPr>
+                    </a:p>
+                  </a:txBody>
+                  <a:tcPr marL="8848" marR="8848" marT="8848" marB="0" anchor="ctr">
+                    <a:lnL>
+                      <a:noFill/>
+                    </a:lnL>
+                    <a:lnR>
+                      <a:noFill/>
+                    </a:lnR>
+                    <a:lnT w="6350" cap="flat" cmpd="sng" algn="ctr">
+                      <a:solidFill>
+                        <a:srgbClr val="000000"/>
+                      </a:solidFill>
+                      <a:prstDash val="solid"/>
+                      <a:round/>
+                      <a:headEnd type="none" w="med" len="med"/>
+                      <a:tailEnd type="none" w="med" len="med"/>
+                    </a:lnT>
+                    <a:lnB w="6350" cap="flat" cmpd="sng" algn="ctr">
+                      <a:solidFill>
+                        <a:srgbClr val="000000"/>
+                      </a:solidFill>
+                      <a:prstDash val="solid"/>
+                      <a:round/>
+                      <a:headEnd type="none" w="med" len="med"/>
+                      <a:tailEnd type="none" w="med" len="med"/>
+                    </a:lnB>
+                  </a:tcPr>
+                </a:tc>
+                <a:tc>
+                  <a:txBody>
+                    <a:bodyPr/>
+                    <a:lstStyle/>
+                    <a:p>
+                      <a:pPr algn="l" fontAlgn="ctr">
+                        <a:spcBef>
+                          <a:spcPts val="0"/>
+                        </a:spcBef>
+                        <a:spcAft>
+                          <a:spcPts val="0"/>
+                        </a:spcAft>
+                      </a:pPr>
+                      <a:endParaRPr lang="zh-CN" altLang="en-US" sz="3300" b="0" i="0" u="none" strike="noStrike">
+                        <a:effectLst/>
+                        <a:latin typeface="Arial" panose="020B0604020202020204" pitchFamily="34" charset="0"/>
+                      </a:endParaRPr>
+                    </a:p>
+                  </a:txBody>
+                  <a:tcPr marL="8848" marR="8848" marT="8848" marB="0" anchor="ctr">
+                    <a:lnL>
+                      <a:noFill/>
+                    </a:lnL>
+                    <a:lnR>
+                      <a:noFill/>
+                    </a:lnR>
+                    <a:lnT w="6350" cap="flat" cmpd="sng" algn="ctr">
+                      <a:solidFill>
+                        <a:srgbClr val="000000"/>
+                      </a:solidFill>
+                      <a:prstDash val="solid"/>
+                      <a:round/>
+                      <a:headEnd type="none" w="med" len="med"/>
+                      <a:tailEnd type="none" w="med" len="med"/>
+                    </a:lnT>
+                    <a:lnB w="6350" cap="flat" cmpd="sng" algn="ctr">
+                      <a:solidFill>
+                        <a:srgbClr val="000000"/>
+                      </a:solidFill>
+                      <a:prstDash val="solid"/>
+                      <a:round/>
+                      <a:headEnd type="none" w="med" len="med"/>
+                      <a:tailEnd type="none" w="med" len="med"/>
+                    </a:lnB>
+                  </a:tcPr>
+                </a:tc>
+                <a:extLst>
+                  <a:ext uri="{0D108BD9-81ED-4DB2-BD59-A6C34878D82A}">
+                    <a16:rowId xmlns:a16="http://schemas.microsoft.com/office/drawing/2014/main" val="3673093539"/>
+                  </a:ext>
+                </a:extLst>
+              </a:tr>
+              <a:tr h="542036">
+                <a:tc>
+                  <a:txBody>
+                    <a:bodyPr/>
+                    <a:lstStyle/>
+                    <a:p>
+                      <a:pPr algn="l" fontAlgn="ctr">
+                        <a:spcBef>
+                          <a:spcPts val="0"/>
+                        </a:spcBef>
+                        <a:spcAft>
+                          <a:spcPts val="0"/>
+                        </a:spcAft>
+                      </a:pPr>
+                      <a:r>
+                        <a:rPr lang="zh-CN" altLang="en-US" sz="2000" b="0" i="0" u="none" strike="noStrike">
+                          <a:solidFill>
+                            <a:srgbClr val="000000"/>
+                          </a:solidFill>
+                          <a:effectLst/>
+                          <a:latin typeface="宋体" panose="02010600030101010101" pitchFamily="2" charset="-122"/>
+                          <a:ea typeface="宋体" panose="02010600030101010101" pitchFamily="2" charset="-122"/>
+                        </a:rPr>
+                        <a:t>大</a:t>
+                      </a:r>
+                      <a:endParaRPr lang="zh-CN" altLang="en-US" sz="3300" b="0" i="0" u="none" strike="noStrike">
+                        <a:effectLst/>
+                        <a:latin typeface="Arial" panose="020B0604020202020204" pitchFamily="34" charset="0"/>
+                      </a:endParaRPr>
+                    </a:p>
+                  </a:txBody>
+                  <a:tcPr marL="8848" marR="8848" marT="8848" marB="0" anchor="ctr">
+                    <a:lnL>
+                      <a:noFill/>
+                    </a:lnL>
+                    <a:lnR>
+                      <a:noFill/>
+                    </a:lnR>
+                    <a:lnT>
+                      <a:noFill/>
+                    </a:lnT>
+                    <a:lnB>
+                      <a:noFill/>
+                    </a:lnB>
+                  </a:tcPr>
+                </a:tc>
+                <a:tc>
+                  <a:txBody>
+                    <a:bodyPr/>
+                    <a:lstStyle/>
+                    <a:p>
+                      <a:pPr algn="l" fontAlgn="ctr">
+                        <a:spcBef>
+                          <a:spcPts val="0"/>
+                        </a:spcBef>
+                        <a:spcAft>
+                          <a:spcPts val="0"/>
+                        </a:spcAft>
+                      </a:pPr>
+                      <a:endParaRPr lang="zh-CN" altLang="en-US" sz="3300" b="0" i="0" u="none" strike="noStrike">
+                        <a:effectLst/>
+                        <a:latin typeface="Arial" panose="020B0604020202020204" pitchFamily="34" charset="0"/>
+                      </a:endParaRPr>
+                    </a:p>
+                  </a:txBody>
+                  <a:tcPr marL="8848" marR="8848" marT="8848" marB="0" anchor="ctr">
+                    <a:lnL>
+                      <a:noFill/>
+                    </a:lnL>
+                    <a:lnR w="6350" cap="flat" cmpd="sng" algn="ctr">
+                      <a:solidFill>
+                        <a:srgbClr val="000000"/>
+                      </a:solidFill>
+                      <a:prstDash val="solid"/>
+                      <a:round/>
+                      <a:headEnd type="none" w="med" len="med"/>
+                      <a:tailEnd type="none" w="med" len="med"/>
+                    </a:lnR>
+                    <a:lnT>
+                      <a:noFill/>
+                    </a:lnT>
+                    <a:lnB>
+                      <a:noFill/>
+                    </a:lnB>
+                  </a:tcPr>
+                </a:tc>
+                <a:tc gridSpan="4">
+                  <a:txBody>
+                    <a:bodyPr/>
+                    <a:lstStyle/>
+                    <a:p>
+                      <a:pPr algn="ctr" fontAlgn="ctr">
+                        <a:spcBef>
+                          <a:spcPts val="0"/>
+                        </a:spcBef>
+                        <a:spcAft>
+                          <a:spcPts val="0"/>
+                        </a:spcAft>
+                      </a:pPr>
+                      <a:r>
+                        <a:rPr lang="en-US" sz="2000" b="0" i="0" u="none" strike="noStrike">
+                          <a:solidFill>
+                            <a:srgbClr val="000000"/>
+                          </a:solidFill>
+                          <a:effectLst/>
+                          <a:latin typeface="宋体" panose="02010600030101010101" pitchFamily="2" charset="-122"/>
+                          <a:ea typeface="宋体" panose="02010600030101010101" pitchFamily="2" charset="-122"/>
+                        </a:rPr>
+                        <a:t>128</a:t>
+                      </a:r>
+                      <a:endParaRPr lang="en-US" altLang="zh-CN" sz="3300" b="0" i="0" u="none" strike="noStrike">
+                        <a:effectLst/>
+                        <a:latin typeface="Arial" panose="020B0604020202020204" pitchFamily="34" charset="0"/>
+                      </a:endParaRPr>
+                    </a:p>
+                  </a:txBody>
+                  <a:tcPr marL="167640" marR="167640" marT="83820" marB="83820">
+                    <a:lnL w="6350" cap="flat" cmpd="sng" algn="ctr">
+                      <a:solidFill>
+                        <a:srgbClr val="000000"/>
+                      </a:solidFill>
+                      <a:prstDash val="solid"/>
+                      <a:round/>
+                      <a:headEnd type="none" w="med" len="med"/>
+                      <a:tailEnd type="none" w="med" len="med"/>
+                    </a:lnL>
+                    <a:lnR w="6350" cap="flat" cmpd="sng" algn="ctr">
+                      <a:solidFill>
+                        <a:srgbClr val="000000"/>
+                      </a:solidFill>
+                      <a:prstDash val="solid"/>
+                      <a:round/>
+                      <a:headEnd type="none" w="med" len="med"/>
+                      <a:tailEnd type="none" w="med" len="med"/>
+                    </a:lnR>
+                    <a:lnT w="6350" cap="flat" cmpd="sng" algn="ctr">
+                      <a:solidFill>
+                        <a:srgbClr val="000000"/>
+                      </a:solidFill>
+                      <a:prstDash val="solid"/>
+                      <a:round/>
+                      <a:headEnd type="none" w="med" len="med"/>
+                      <a:tailEnd type="none" w="med" len="med"/>
+                    </a:lnT>
+                    <a:lnB w="6350" cap="flat" cmpd="sng" algn="ctr">
+                      <a:solidFill>
+                        <a:srgbClr val="000000"/>
+                      </a:solidFill>
+                      <a:prstDash val="solid"/>
+                      <a:round/>
+                      <a:headEnd type="none" w="med" len="med"/>
+                      <a:tailEnd type="none" w="med" len="med"/>
+                    </a:lnB>
+                    <a:solidFill>
+                      <a:srgbClr val="92D050"/>
+                    </a:solidFill>
+                  </a:tcPr>
+                </a:tc>
+                <a:tc hMerge="1">
+                  <a:txBody>
+                    <a:bodyPr/>
+                    <a:lstStyle/>
+                    <a:p>
+                      <a:endParaRPr lang="zh-CN" altLang="en-US"/>
+                    </a:p>
+                  </a:txBody>
+                  <a:tcPr/>
+                </a:tc>
+                <a:tc hMerge="1">
+                  <a:txBody>
+                    <a:bodyPr/>
+                    <a:lstStyle/>
+                    <a:p>
+                      <a:endParaRPr lang="zh-CN" altLang="en-US"/>
+                    </a:p>
+                  </a:txBody>
+                  <a:tcPr/>
+                </a:tc>
+                <a:tc hMerge="1">
+                  <a:txBody>
+                    <a:bodyPr/>
+                    <a:lstStyle/>
+                    <a:p>
+                      <a:endParaRPr lang="zh-CN" altLang="en-US"/>
+                    </a:p>
+                  </a:txBody>
+                  <a:tcPr/>
+                </a:tc>
+                <a:tc gridSpan="4">
+                  <a:txBody>
+                    <a:bodyPr/>
+                    <a:lstStyle/>
+                    <a:p>
+                      <a:pPr algn="ctr" fontAlgn="ctr">
+                        <a:spcBef>
+                          <a:spcPts val="0"/>
+                        </a:spcBef>
+                        <a:spcAft>
+                          <a:spcPts val="0"/>
+                        </a:spcAft>
+                      </a:pPr>
+                      <a:r>
+                        <a:rPr lang="zh-CN" altLang="en-US" sz="2000" b="0" i="0" u="none" strike="noStrike">
+                          <a:solidFill>
+                            <a:srgbClr val="000000"/>
+                          </a:solidFill>
+                          <a:effectLst/>
+                          <a:latin typeface="宋体" panose="02010600030101010101" pitchFamily="2" charset="-122"/>
+                          <a:ea typeface="宋体" panose="02010600030101010101" pitchFamily="2" charset="-122"/>
+                        </a:rPr>
+                        <a:t>　</a:t>
+                      </a:r>
+                      <a:endParaRPr lang="zh-CN" altLang="en-US" sz="3300" b="0" i="0" u="none" strike="noStrike">
+                        <a:effectLst/>
+                        <a:latin typeface="Arial" panose="020B0604020202020204" pitchFamily="34" charset="0"/>
+                      </a:endParaRPr>
+                    </a:p>
+                  </a:txBody>
+                  <a:tcPr marL="167640" marR="167640" marT="83820" marB="83820">
+                    <a:lnL w="6350" cap="flat" cmpd="sng" algn="ctr">
+                      <a:solidFill>
+                        <a:srgbClr val="000000"/>
+                      </a:solidFill>
+                      <a:prstDash val="solid"/>
+                      <a:round/>
+                      <a:headEnd type="none" w="med" len="med"/>
+                      <a:tailEnd type="none" w="med" len="med"/>
+                    </a:lnL>
+                    <a:lnR w="6350" cap="flat" cmpd="sng" algn="ctr">
+                      <a:solidFill>
+                        <a:srgbClr val="000000"/>
+                      </a:solidFill>
+                      <a:prstDash val="solid"/>
+                      <a:round/>
+                      <a:headEnd type="none" w="med" len="med"/>
+                      <a:tailEnd type="none" w="med" len="med"/>
+                    </a:lnR>
+                    <a:lnT w="6350" cap="flat" cmpd="sng" algn="ctr">
+                      <a:solidFill>
+                        <a:srgbClr val="000000"/>
+                      </a:solidFill>
+                      <a:prstDash val="solid"/>
+                      <a:round/>
+                      <a:headEnd type="none" w="med" len="med"/>
+                      <a:tailEnd type="none" w="med" len="med"/>
+                    </a:lnT>
+                    <a:lnB w="6350" cap="flat" cmpd="sng" algn="ctr">
+                      <a:solidFill>
+                        <a:srgbClr val="000000"/>
+                      </a:solidFill>
+                      <a:prstDash val="solid"/>
+                      <a:round/>
+                      <a:headEnd type="none" w="med" len="med"/>
+                      <a:tailEnd type="none" w="med" len="med"/>
+                    </a:lnB>
+                  </a:tcPr>
+                </a:tc>
+                <a:tc hMerge="1">
+                  <a:txBody>
+                    <a:bodyPr/>
+                    <a:lstStyle/>
+                    <a:p>
+                      <a:endParaRPr lang="zh-CN" altLang="en-US"/>
+                    </a:p>
+                  </a:txBody>
+                  <a:tcPr/>
+                </a:tc>
+                <a:tc hMerge="1">
+                  <a:txBody>
+                    <a:bodyPr/>
+                    <a:lstStyle/>
+                    <a:p>
+                      <a:endParaRPr lang="zh-CN" altLang="en-US"/>
+                    </a:p>
+                  </a:txBody>
+                  <a:tcPr/>
+                </a:tc>
+                <a:tc hMerge="1">
+                  <a:txBody>
+                    <a:bodyPr/>
+                    <a:lstStyle/>
+                    <a:p>
+                      <a:endParaRPr lang="zh-CN" altLang="en-US"/>
+                    </a:p>
+                  </a:txBody>
+                  <a:tcPr/>
+                </a:tc>
+                <a:tc gridSpan="4">
+                  <a:txBody>
+                    <a:bodyPr/>
+                    <a:lstStyle/>
+                    <a:p>
+                      <a:pPr algn="ctr" fontAlgn="ctr">
+                        <a:spcBef>
+                          <a:spcPts val="0"/>
+                        </a:spcBef>
+                        <a:spcAft>
+                          <a:spcPts val="0"/>
+                        </a:spcAft>
+                      </a:pPr>
+                      <a:r>
+                        <a:rPr lang="zh-CN" altLang="en-US" sz="2000" b="0" i="0" u="none" strike="noStrike" dirty="0">
+                          <a:solidFill>
+                            <a:srgbClr val="000000"/>
+                          </a:solidFill>
+                          <a:effectLst/>
+                          <a:latin typeface="宋体" panose="02010600030101010101" pitchFamily="2" charset="-122"/>
+                          <a:ea typeface="宋体" panose="02010600030101010101" pitchFamily="2" charset="-122"/>
+                        </a:rPr>
+                        <a:t>　</a:t>
+                      </a:r>
+                      <a:endParaRPr lang="zh-CN" altLang="en-US" sz="3300" b="0" i="0" u="none" strike="noStrike" dirty="0">
+                        <a:effectLst/>
+                        <a:latin typeface="Arial" panose="020B0604020202020204" pitchFamily="34" charset="0"/>
+                      </a:endParaRPr>
+                    </a:p>
+                  </a:txBody>
+                  <a:tcPr marL="167640" marR="167640" marT="83820" marB="83820">
+                    <a:lnL w="6350" cap="flat" cmpd="sng" algn="ctr">
+                      <a:solidFill>
+                        <a:srgbClr val="000000"/>
+                      </a:solidFill>
+                      <a:prstDash val="solid"/>
+                      <a:round/>
+                      <a:headEnd type="none" w="med" len="med"/>
+                      <a:tailEnd type="none" w="med" len="med"/>
+                    </a:lnL>
+                    <a:lnR w="6350" cap="flat" cmpd="sng" algn="ctr">
+                      <a:solidFill>
+                        <a:srgbClr val="000000"/>
+                      </a:solidFill>
+                      <a:prstDash val="solid"/>
+                      <a:round/>
+                      <a:headEnd type="none" w="med" len="med"/>
+                      <a:tailEnd type="none" w="med" len="med"/>
+                    </a:lnR>
+                    <a:lnT w="6350" cap="flat" cmpd="sng" algn="ctr">
+                      <a:solidFill>
+                        <a:srgbClr val="000000"/>
+                      </a:solidFill>
+                      <a:prstDash val="solid"/>
+                      <a:round/>
+                      <a:headEnd type="none" w="med" len="med"/>
+                      <a:tailEnd type="none" w="med" len="med"/>
+                    </a:lnT>
+                    <a:lnB w="6350" cap="flat" cmpd="sng" algn="ctr">
+                      <a:solidFill>
+                        <a:srgbClr val="000000"/>
+                      </a:solidFill>
+                      <a:prstDash val="solid"/>
+                      <a:round/>
+                      <a:headEnd type="none" w="med" len="med"/>
+                      <a:tailEnd type="none" w="med" len="med"/>
+                    </a:lnB>
+                  </a:tcPr>
+                </a:tc>
+                <a:tc hMerge="1">
+                  <a:txBody>
+                    <a:bodyPr/>
+                    <a:lstStyle/>
+                    <a:p>
+                      <a:endParaRPr lang="zh-CN" altLang="en-US"/>
+                    </a:p>
+                  </a:txBody>
+                  <a:tcPr/>
+                </a:tc>
+                <a:tc hMerge="1">
+                  <a:txBody>
+                    <a:bodyPr/>
+                    <a:lstStyle/>
+                    <a:p>
+                      <a:endParaRPr lang="zh-CN" altLang="en-US"/>
+                    </a:p>
+                  </a:txBody>
+                  <a:tcPr/>
+                </a:tc>
+                <a:tc hMerge="1">
+                  <a:txBody>
+                    <a:bodyPr/>
+                    <a:lstStyle/>
+                    <a:p>
+                      <a:endParaRPr lang="zh-CN" altLang="en-US"/>
+                    </a:p>
+                  </a:txBody>
+                  <a:tcPr/>
+                </a:tc>
+                <a:extLst>
+                  <a:ext uri="{0D108BD9-81ED-4DB2-BD59-A6C34878D82A}">
+                    <a16:rowId xmlns:a16="http://schemas.microsoft.com/office/drawing/2014/main" val="2021920163"/>
+                  </a:ext>
+                </a:extLst>
+              </a:tr>
+            </a:tbl>
+          </a:graphicData>
+        </a:graphic>
+      </p:graphicFrame>
+    </p:spTree>
+    <p:extLst>
+      <p:ext uri="{BB962C8B-B14F-4D97-AF65-F5344CB8AC3E}">
+        <p14:creationId xmlns:p14="http://schemas.microsoft.com/office/powerpoint/2010/main" val="472274205"/>
+      </p:ext>
+    </p:extLst>
+  </p:cSld>
+  <p:clrMapOvr>
+    <a:masterClrMapping/>
+  </p:clrMapOvr>
+</p:sld>
+</file>
+
+<file path=ppt/slides/slide17.xml><?xml version="1.0" encoding="utf-8"?>
 <p:sld xmlns:a="http://schemas.openxmlformats.org/drawingml/2006/main" xmlns:r="http://schemas.openxmlformats.org/officeDocument/2006/relationships" xmlns:p="http://schemas.openxmlformats.org/presentationml/2006/main">
   <p:cSld>
     <p:spTree>

--- a/资料/PPT.pptx
+++ b/资料/PPT.pptx
@@ -1,8 +1,8 @@
 
 <file path=ppt/presentation.xml><?xml version="1.0" encoding="utf-8"?>
-<p:presentation xmlns:a="http://schemas.openxmlformats.org/drawingml/2006/main" xmlns:r="http://schemas.openxmlformats.org/officeDocument/2006/relationships" xmlns:p="http://schemas.openxmlformats.org/presentationml/2006/main" saveSubsetFonts="1">
+<p:presentation xmlns:a="http://schemas.openxmlformats.org/drawingml/2006/main" xmlns:r="http://schemas.openxmlformats.org/officeDocument/2006/relationships" xmlns:p="http://schemas.openxmlformats.org/presentationml/2006/main">
   <p:sldMasterIdLst>
-    <p:sldMasterId id="2147483673" r:id="rId1"/>
+    <p:sldMasterId id="2147483648" r:id="rId1"/>
   </p:sldMasterIdLst>
   <p:sldIdLst>
     <p:sldId id="256" r:id="rId2"/>
@@ -22,9 +22,14 @@
     <p:sldId id="262" r:id="rId16"/>
     <p:sldId id="272" r:id="rId17"/>
     <p:sldId id="261" r:id="rId18"/>
+    <p:sldId id="273" r:id="rId19"/>
+    <p:sldId id="274" r:id="rId20"/>
   </p:sldIdLst>
   <p:sldSz cx="12192000" cy="6858000"/>
   <p:notesSz cx="6858000" cy="9144000"/>
+  <p:custDataLst>
+    <p:tags r:id="rId21"/>
+  </p:custDataLst>
   <p:defaultTextStyle>
     <a:defPPr>
       <a:defRPr lang="zh-CN"/>
@@ -147,13 +152,7 @@
       </p:grpSpPr>
       <p:sp>
         <p:nvSpPr>
-          <p:cNvPr id="2" name="Title 1">
-            <a:extLst>
-              <a:ext uri="{FF2B5EF4-FFF2-40B4-BE49-F238E27FC236}">
-                <a16:creationId xmlns:a16="http://schemas.microsoft.com/office/drawing/2014/main" id="{E0EB8136-4330-4480-80D9-0F6FD970617C}"/>
-              </a:ext>
-            </a:extLst>
-          </p:cNvPr>
+          <p:cNvPr id="2" name="Title 1"/>
           <p:cNvSpPr>
             <a:spLocks noGrp="1"/>
           </p:cNvSpPr>
@@ -184,13 +183,7 @@
       </p:sp>
       <p:sp>
         <p:nvSpPr>
-          <p:cNvPr id="3" name="Subtitle 2">
-            <a:extLst>
-              <a:ext uri="{FF2B5EF4-FFF2-40B4-BE49-F238E27FC236}">
-                <a16:creationId xmlns:a16="http://schemas.microsoft.com/office/drawing/2014/main" id="{566E5739-DD96-45FB-B609-3E3447A52FED}"/>
-              </a:ext>
-            </a:extLst>
-          </p:cNvPr>
+          <p:cNvPr id="3" name="Subtitle 2"/>
           <p:cNvSpPr>
             <a:spLocks noGrp="1"/>
           </p:cNvSpPr>
@@ -256,13 +249,7 @@
       </p:sp>
       <p:sp>
         <p:nvSpPr>
-          <p:cNvPr id="4" name="Date Placeholder 3">
-            <a:extLst>
-              <a:ext uri="{FF2B5EF4-FFF2-40B4-BE49-F238E27FC236}">
-                <a16:creationId xmlns:a16="http://schemas.microsoft.com/office/drawing/2014/main" id="{1B9FF558-51F9-42A2-9944-DBE23DA8B224}"/>
-              </a:ext>
-            </a:extLst>
-          </p:cNvPr>
+          <p:cNvPr id="4" name="Date Placeholder 3"/>
           <p:cNvSpPr>
             <a:spLocks noGrp="1"/>
           </p:cNvSpPr>
@@ -282,7 +269,7 @@
           <a:p>
             <a:fld id="{02AC24A9-CCB6-4F8D-B8DB-C2F3692CFA5A}" type="datetimeFigureOut">
               <a:rPr lang="en-US" smtClean="0"/>
-              <a:t>7/2/2022</a:t>
+              <a:t>7/7/2022</a:t>
             </a:fld>
             <a:endParaRPr lang="en-US" dirty="0"/>
           </a:p>
@@ -290,13 +277,7 @@
       </p:sp>
       <p:sp>
         <p:nvSpPr>
-          <p:cNvPr id="5" name="Footer Placeholder 4">
-            <a:extLst>
-              <a:ext uri="{FF2B5EF4-FFF2-40B4-BE49-F238E27FC236}">
-                <a16:creationId xmlns:a16="http://schemas.microsoft.com/office/drawing/2014/main" id="{8B8C0E86-A7F7-4BDC-A637-254E5252DED5}"/>
-              </a:ext>
-            </a:extLst>
-          </p:cNvPr>
+          <p:cNvPr id="5" name="Footer Placeholder 4"/>
           <p:cNvSpPr>
             <a:spLocks noGrp="1"/>
           </p:cNvSpPr>
@@ -315,13 +296,7 @@
       </p:sp>
       <p:sp>
         <p:nvSpPr>
-          <p:cNvPr id="6" name="Slide Number Placeholder 5">
-            <a:extLst>
-              <a:ext uri="{FF2B5EF4-FFF2-40B4-BE49-F238E27FC236}">
-                <a16:creationId xmlns:a16="http://schemas.microsoft.com/office/drawing/2014/main" id="{C3D10ADE-E9DA-4E57-BF57-1CCB65219839}"/>
-              </a:ext>
-            </a:extLst>
-          </p:cNvPr>
+          <p:cNvPr id="6" name="Slide Number Placeholder 5"/>
           <p:cNvSpPr>
             <a:spLocks noGrp="1"/>
           </p:cNvSpPr>
@@ -349,13 +324,7 @@
       </p:sp>
       <p:sp>
         <p:nvSpPr>
-          <p:cNvPr id="8" name="Rectangle 7">
-            <a:extLst>
-              <a:ext uri="{FF2B5EF4-FFF2-40B4-BE49-F238E27FC236}">
-                <a16:creationId xmlns:a16="http://schemas.microsoft.com/office/drawing/2014/main" id="{8D06CE56-3881-4ADA-8CEF-D18B02C242A3}"/>
-              </a:ext>
-            </a:extLst>
-          </p:cNvPr>
+          <p:cNvPr id="8" name="Rectangle 7"/>
           <p:cNvSpPr/>
           <p:nvPr/>
         </p:nvSpPr>
@@ -408,7 +377,6 @@
               <a:buSzTx/>
               <a:buFontTx/>
               <a:buNone/>
-              <a:tabLst/>
               <a:defRPr/>
             </a:pPr>
             <a:endParaRPr kumimoji="0" lang="en-US" sz="1800" b="0" i="0" u="none" strike="noStrike" kern="1200" cap="none" spc="0" normalizeH="0" baseline="0" noProof="0">
@@ -430,13 +398,7 @@
       </p:sp>
       <p:sp>
         <p:nvSpPr>
-          <p:cNvPr id="10" name="Rectangle 9">
-            <a:extLst>
-              <a:ext uri="{FF2B5EF4-FFF2-40B4-BE49-F238E27FC236}">
-                <a16:creationId xmlns:a16="http://schemas.microsoft.com/office/drawing/2014/main" id="{79F3C543-62EC-4433-9C93-A2CD8764E9B4}"/>
-              </a:ext>
-            </a:extLst>
-          </p:cNvPr>
+          <p:cNvPr id="10" name="Rectangle 9"/>
           <p:cNvSpPr/>
           <p:nvPr/>
         </p:nvSpPr>
@@ -493,7 +455,6 @@
               <a:buSzTx/>
               <a:buFontTx/>
               <a:buNone/>
-              <a:tabLst/>
               <a:defRPr/>
             </a:pPr>
             <a:endParaRPr kumimoji="0" lang="en-US" sz="1800" b="0" i="0" u="none" strike="noStrike" kern="1200" cap="none" spc="0" normalizeH="0" baseline="0" noProof="0">
@@ -514,11 +475,6 @@
         </p:txBody>
       </p:sp>
     </p:spTree>
-    <p:extLst>
-      <p:ext uri="{BB962C8B-B14F-4D97-AF65-F5344CB8AC3E}">
-        <p14:creationId xmlns:p14="http://schemas.microsoft.com/office/powerpoint/2010/main" val="3875907902"/>
-      </p:ext>
-    </p:extLst>
   </p:cSld>
   <p:clrMapOvr>
     <a:masterClrMapping/>
@@ -545,13 +501,7 @@
       </p:grpSpPr>
       <p:sp>
         <p:nvSpPr>
-          <p:cNvPr id="2" name="Title 1">
-            <a:extLst>
-              <a:ext uri="{FF2B5EF4-FFF2-40B4-BE49-F238E27FC236}">
-                <a16:creationId xmlns:a16="http://schemas.microsoft.com/office/drawing/2014/main" id="{90B32C18-E430-4EC7-BD7C-99D86D012231}"/>
-              </a:ext>
-            </a:extLst>
-          </p:cNvPr>
+          <p:cNvPr id="2" name="Title 1"/>
           <p:cNvSpPr>
             <a:spLocks noGrp="1"/>
           </p:cNvSpPr>
@@ -574,13 +524,7 @@
       </p:sp>
       <p:sp>
         <p:nvSpPr>
-          <p:cNvPr id="3" name="Vertical Text Placeholder 2">
-            <a:extLst>
-              <a:ext uri="{FF2B5EF4-FFF2-40B4-BE49-F238E27FC236}">
-                <a16:creationId xmlns:a16="http://schemas.microsoft.com/office/drawing/2014/main" id="{8FC5012F-7119-4D94-9717-3862E1C9384E}"/>
-              </a:ext>
-            </a:extLst>
-          </p:cNvPr>
+          <p:cNvPr id="3" name="Vertical Text Placeholder 2"/>
           <p:cNvSpPr>
             <a:spLocks noGrp="1"/>
           </p:cNvSpPr>
@@ -631,13 +575,7 @@
       </p:sp>
       <p:sp>
         <p:nvSpPr>
-          <p:cNvPr id="4" name="Date Placeholder 3">
-            <a:extLst>
-              <a:ext uri="{FF2B5EF4-FFF2-40B4-BE49-F238E27FC236}">
-                <a16:creationId xmlns:a16="http://schemas.microsoft.com/office/drawing/2014/main" id="{19ED9A4A-D287-4207-9037-70DB007A1707}"/>
-              </a:ext>
-            </a:extLst>
-          </p:cNvPr>
+          <p:cNvPr id="4" name="Date Placeholder 3"/>
           <p:cNvSpPr>
             <a:spLocks noGrp="1"/>
           </p:cNvSpPr>
@@ -652,7 +590,7 @@
           <a:p>
             <a:fld id="{02AC24A9-CCB6-4F8D-B8DB-C2F3692CFA5A}" type="datetimeFigureOut">
               <a:rPr lang="en-US" smtClean="0"/>
-              <a:t>7/2/2022</a:t>
+              <a:t>7/7/2022</a:t>
             </a:fld>
             <a:endParaRPr lang="en-US"/>
           </a:p>
@@ -660,13 +598,7 @@
       </p:sp>
       <p:sp>
         <p:nvSpPr>
-          <p:cNvPr id="5" name="Footer Placeholder 4">
-            <a:extLst>
-              <a:ext uri="{FF2B5EF4-FFF2-40B4-BE49-F238E27FC236}">
-                <a16:creationId xmlns:a16="http://schemas.microsoft.com/office/drawing/2014/main" id="{61ECFCAC-80DB-43BB-B3F1-AC22BACEE360}"/>
-              </a:ext>
-            </a:extLst>
-          </p:cNvPr>
+          <p:cNvPr id="5" name="Footer Placeholder 4"/>
           <p:cNvSpPr>
             <a:spLocks noGrp="1"/>
           </p:cNvSpPr>
@@ -685,13 +617,7 @@
       </p:sp>
       <p:sp>
         <p:nvSpPr>
-          <p:cNvPr id="6" name="Slide Number Placeholder 5">
-            <a:extLst>
-              <a:ext uri="{FF2B5EF4-FFF2-40B4-BE49-F238E27FC236}">
-                <a16:creationId xmlns:a16="http://schemas.microsoft.com/office/drawing/2014/main" id="{D7679730-3487-4D94-A0DC-C21684963AB3}"/>
-              </a:ext>
-            </a:extLst>
-          </p:cNvPr>
+          <p:cNvPr id="6" name="Slide Number Placeholder 5"/>
           <p:cNvSpPr>
             <a:spLocks noGrp="1"/>
           </p:cNvSpPr>
@@ -713,11 +639,6 @@
         </p:txBody>
       </p:sp>
     </p:spTree>
-    <p:extLst>
-      <p:ext uri="{BB962C8B-B14F-4D97-AF65-F5344CB8AC3E}">
-        <p14:creationId xmlns:p14="http://schemas.microsoft.com/office/powerpoint/2010/main" val="1596142991"/>
-      </p:ext>
-    </p:extLst>
   </p:cSld>
   <p:clrMapOvr>
     <a:masterClrMapping/>
@@ -744,13 +665,7 @@
       </p:grpSpPr>
       <p:sp>
         <p:nvSpPr>
-          <p:cNvPr id="2" name="Vertical Title 1">
-            <a:extLst>
-              <a:ext uri="{FF2B5EF4-FFF2-40B4-BE49-F238E27FC236}">
-                <a16:creationId xmlns:a16="http://schemas.microsoft.com/office/drawing/2014/main" id="{B543C89D-929E-4CD1-BCCC-72A14C0335D6}"/>
-              </a:ext>
-            </a:extLst>
-          </p:cNvPr>
+          <p:cNvPr id="2" name="Vertical Title 1"/>
           <p:cNvSpPr>
             <a:spLocks noGrp="1"/>
           </p:cNvSpPr>
@@ -778,13 +693,7 @@
       </p:sp>
       <p:sp>
         <p:nvSpPr>
-          <p:cNvPr id="3" name="Vertical Text Placeholder 2">
-            <a:extLst>
-              <a:ext uri="{FF2B5EF4-FFF2-40B4-BE49-F238E27FC236}">
-                <a16:creationId xmlns:a16="http://schemas.microsoft.com/office/drawing/2014/main" id="{FED450EA-A577-4B76-A12F-650BEB20FD8D}"/>
-              </a:ext>
-            </a:extLst>
-          </p:cNvPr>
+          <p:cNvPr id="3" name="Vertical Text Placeholder 2"/>
           <p:cNvSpPr>
             <a:spLocks noGrp="1"/>
           </p:cNvSpPr>
@@ -840,13 +749,7 @@
       </p:sp>
       <p:sp>
         <p:nvSpPr>
-          <p:cNvPr id="4" name="Date Placeholder 3">
-            <a:extLst>
-              <a:ext uri="{FF2B5EF4-FFF2-40B4-BE49-F238E27FC236}">
-                <a16:creationId xmlns:a16="http://schemas.microsoft.com/office/drawing/2014/main" id="{41D2603B-9ACE-4FA9-805B-9B91EB63DF7D}"/>
-              </a:ext>
-            </a:extLst>
-          </p:cNvPr>
+          <p:cNvPr id="4" name="Date Placeholder 3"/>
           <p:cNvSpPr>
             <a:spLocks noGrp="1"/>
           </p:cNvSpPr>
@@ -861,7 +764,7 @@
           <a:p>
             <a:fld id="{02AC24A9-CCB6-4F8D-B8DB-C2F3692CFA5A}" type="datetimeFigureOut">
               <a:rPr lang="en-US" smtClean="0"/>
-              <a:t>7/2/2022</a:t>
+              <a:t>7/7/2022</a:t>
             </a:fld>
             <a:endParaRPr lang="en-US"/>
           </a:p>
@@ -869,13 +772,7 @@
       </p:sp>
       <p:sp>
         <p:nvSpPr>
-          <p:cNvPr id="5" name="Footer Placeholder 4">
-            <a:extLst>
-              <a:ext uri="{FF2B5EF4-FFF2-40B4-BE49-F238E27FC236}">
-                <a16:creationId xmlns:a16="http://schemas.microsoft.com/office/drawing/2014/main" id="{7ECE18AC-D6A9-4A61-885D-68E2B684A438}"/>
-              </a:ext>
-            </a:extLst>
-          </p:cNvPr>
+          <p:cNvPr id="5" name="Footer Placeholder 4"/>
           <p:cNvSpPr>
             <a:spLocks noGrp="1"/>
           </p:cNvSpPr>
@@ -894,13 +791,7 @@
       </p:sp>
       <p:sp>
         <p:nvSpPr>
-          <p:cNvPr id="6" name="Slide Number Placeholder 5">
-            <a:extLst>
-              <a:ext uri="{FF2B5EF4-FFF2-40B4-BE49-F238E27FC236}">
-                <a16:creationId xmlns:a16="http://schemas.microsoft.com/office/drawing/2014/main" id="{75197AE4-AA47-4E14-8FFE-171FAE47F49E}"/>
-              </a:ext>
-            </a:extLst>
-          </p:cNvPr>
+          <p:cNvPr id="6" name="Slide Number Placeholder 5"/>
           <p:cNvSpPr>
             <a:spLocks noGrp="1"/>
           </p:cNvSpPr>
@@ -922,11 +813,6 @@
         </p:txBody>
       </p:sp>
     </p:spTree>
-    <p:extLst>
-      <p:ext uri="{BB962C8B-B14F-4D97-AF65-F5344CB8AC3E}">
-        <p14:creationId xmlns:p14="http://schemas.microsoft.com/office/powerpoint/2010/main" val="635168824"/>
-      </p:ext>
-    </p:extLst>
   </p:cSld>
   <p:clrMapOvr>
     <a:masterClrMapping/>
@@ -953,13 +839,7 @@
       </p:grpSpPr>
       <p:sp useBgFill="1">
         <p:nvSpPr>
-          <p:cNvPr id="8" name="Rectangle 7">
-            <a:extLst>
-              <a:ext uri="{FF2B5EF4-FFF2-40B4-BE49-F238E27FC236}">
-                <a16:creationId xmlns:a16="http://schemas.microsoft.com/office/drawing/2014/main" id="{2D6FBB9D-1CAA-4D05-AB33-BABDFE17B843}"/>
-              </a:ext>
-            </a:extLst>
-          </p:cNvPr>
+          <p:cNvPr id="8" name="Rectangle 7"/>
           <p:cNvSpPr/>
           <p:nvPr/>
         </p:nvSpPr>
@@ -1022,7 +902,6 @@
               <a:buSzTx/>
               <a:buFontTx/>
               <a:buNone/>
-              <a:tabLst/>
               <a:defRPr/>
             </a:pPr>
             <a:endParaRPr kumimoji="0" lang="en-US" sz="1800" b="0" i="0" u="none" strike="noStrike" kern="1200" cap="none" spc="0" normalizeH="0" baseline="0" noProof="0">
@@ -1044,13 +923,7 @@
       </p:sp>
       <p:sp useBgFill="1">
         <p:nvSpPr>
-          <p:cNvPr id="10" name="Rectangle 9">
-            <a:extLst>
-              <a:ext uri="{FF2B5EF4-FFF2-40B4-BE49-F238E27FC236}">
-                <a16:creationId xmlns:a16="http://schemas.microsoft.com/office/drawing/2014/main" id="{04727B71-B4B6-4823-80A1-68C40B475118}"/>
-              </a:ext>
-            </a:extLst>
-          </p:cNvPr>
+          <p:cNvPr id="10" name="Rectangle 9"/>
           <p:cNvSpPr/>
           <p:nvPr/>
         </p:nvSpPr>
@@ -1101,7 +974,6 @@
               <a:buSzTx/>
               <a:buFontTx/>
               <a:buNone/>
-              <a:tabLst/>
               <a:defRPr/>
             </a:pPr>
             <a:endParaRPr kumimoji="0" lang="en-US" sz="1800" b="0" i="0" u="none" strike="noStrike" kern="1200" cap="none" spc="0" normalizeH="0" baseline="0" noProof="0">
@@ -1123,13 +995,7 @@
       </p:sp>
       <p:sp>
         <p:nvSpPr>
-          <p:cNvPr id="12" name="Rectangle 11">
-            <a:extLst>
-              <a:ext uri="{FF2B5EF4-FFF2-40B4-BE49-F238E27FC236}">
-                <a16:creationId xmlns:a16="http://schemas.microsoft.com/office/drawing/2014/main" id="{79A6DB05-9FB5-4B07-8675-74C23D4FD89D}"/>
-              </a:ext>
-            </a:extLst>
-          </p:cNvPr>
+          <p:cNvPr id="12" name="Rectangle 11"/>
           <p:cNvSpPr/>
           <p:nvPr/>
         </p:nvSpPr>
@@ -1182,7 +1048,6 @@
               <a:buSzTx/>
               <a:buFontTx/>
               <a:buNone/>
-              <a:tabLst/>
               <a:defRPr/>
             </a:pPr>
             <a:endParaRPr kumimoji="0" lang="en-US" sz="1800" b="0" i="0" u="none" strike="noStrike" kern="1200" cap="none" spc="0" normalizeH="0" baseline="0" noProof="0">
@@ -1204,13 +1069,7 @@
       </p:sp>
       <p:sp>
         <p:nvSpPr>
-          <p:cNvPr id="2" name="Title 1">
-            <a:extLst>
-              <a:ext uri="{FF2B5EF4-FFF2-40B4-BE49-F238E27FC236}">
-                <a16:creationId xmlns:a16="http://schemas.microsoft.com/office/drawing/2014/main" id="{48D358CF-0758-490A-A084-C46443B9ABE8}"/>
-              </a:ext>
-            </a:extLst>
-          </p:cNvPr>
+          <p:cNvPr id="2" name="Title 1"/>
           <p:cNvSpPr>
             <a:spLocks noGrp="1"/>
           </p:cNvSpPr>
@@ -1243,13 +1102,7 @@
       </p:sp>
       <p:sp>
         <p:nvSpPr>
-          <p:cNvPr id="3" name="Content Placeholder 2">
-            <a:extLst>
-              <a:ext uri="{FF2B5EF4-FFF2-40B4-BE49-F238E27FC236}">
-                <a16:creationId xmlns:a16="http://schemas.microsoft.com/office/drawing/2014/main" id="{21671183-B3CE-4F45-92FB-98290CA0E2CA}"/>
-              </a:ext>
-            </a:extLst>
-          </p:cNvPr>
+          <p:cNvPr id="3" name="Content Placeholder 2"/>
           <p:cNvSpPr>
             <a:spLocks noGrp="1"/>
           </p:cNvSpPr>
@@ -1305,13 +1158,7 @@
       </p:sp>
       <p:sp>
         <p:nvSpPr>
-          <p:cNvPr id="4" name="Date Placeholder 3">
-            <a:extLst>
-              <a:ext uri="{FF2B5EF4-FFF2-40B4-BE49-F238E27FC236}">
-                <a16:creationId xmlns:a16="http://schemas.microsoft.com/office/drawing/2014/main" id="{3D7DED67-27EC-4D43-A21C-093C1DB04813}"/>
-              </a:ext>
-            </a:extLst>
-          </p:cNvPr>
+          <p:cNvPr id="4" name="Date Placeholder 3"/>
           <p:cNvSpPr>
             <a:spLocks noGrp="1"/>
           </p:cNvSpPr>
@@ -1331,7 +1178,7 @@
           <a:p>
             <a:fld id="{02AC24A9-CCB6-4F8D-B8DB-C2F3692CFA5A}" type="datetimeFigureOut">
               <a:rPr lang="en-US" smtClean="0"/>
-              <a:t>7/2/2022</a:t>
+              <a:t>7/7/2022</a:t>
             </a:fld>
             <a:endParaRPr lang="en-US"/>
           </a:p>
@@ -1339,13 +1186,7 @@
       </p:sp>
       <p:sp>
         <p:nvSpPr>
-          <p:cNvPr id="5" name="Footer Placeholder 4">
-            <a:extLst>
-              <a:ext uri="{FF2B5EF4-FFF2-40B4-BE49-F238E27FC236}">
-                <a16:creationId xmlns:a16="http://schemas.microsoft.com/office/drawing/2014/main" id="{36747CE3-4890-4BC1-94DB-5D49D02C9933}"/>
-              </a:ext>
-            </a:extLst>
-          </p:cNvPr>
+          <p:cNvPr id="5" name="Footer Placeholder 4"/>
           <p:cNvSpPr>
             <a:spLocks noGrp="1"/>
           </p:cNvSpPr>
@@ -1364,13 +1205,7 @@
       </p:sp>
       <p:sp>
         <p:nvSpPr>
-          <p:cNvPr id="6" name="Slide Number Placeholder 5">
-            <a:extLst>
-              <a:ext uri="{FF2B5EF4-FFF2-40B4-BE49-F238E27FC236}">
-                <a16:creationId xmlns:a16="http://schemas.microsoft.com/office/drawing/2014/main" id="{093C5AD3-D79A-4D46-B25B-822FE0252511}"/>
-              </a:ext>
-            </a:extLst>
-          </p:cNvPr>
+          <p:cNvPr id="6" name="Slide Number Placeholder 5"/>
           <p:cNvSpPr>
             <a:spLocks noGrp="1"/>
           </p:cNvSpPr>
@@ -1397,11 +1232,6 @@
         </p:txBody>
       </p:sp>
     </p:spTree>
-    <p:extLst>
-      <p:ext uri="{BB962C8B-B14F-4D97-AF65-F5344CB8AC3E}">
-        <p14:creationId xmlns:p14="http://schemas.microsoft.com/office/powerpoint/2010/main" val="2694678124"/>
-      </p:ext>
-    </p:extLst>
   </p:cSld>
   <p:clrMapOvr>
     <a:masterClrMapping/>
@@ -1428,13 +1258,7 @@
       </p:grpSpPr>
       <p:sp useBgFill="1">
         <p:nvSpPr>
-          <p:cNvPr id="8" name="Rectangle 7">
-            <a:extLst>
-              <a:ext uri="{FF2B5EF4-FFF2-40B4-BE49-F238E27FC236}">
-                <a16:creationId xmlns:a16="http://schemas.microsoft.com/office/drawing/2014/main" id="{85AEDC5C-2E87-49C6-AB07-A95E5F39ED8E}"/>
-              </a:ext>
-            </a:extLst>
-          </p:cNvPr>
+          <p:cNvPr id="8" name="Rectangle 7"/>
           <p:cNvSpPr/>
           <p:nvPr/>
         </p:nvSpPr>
@@ -1497,7 +1321,6 @@
               <a:buSzTx/>
               <a:buFontTx/>
               <a:buNone/>
-              <a:tabLst/>
               <a:defRPr/>
             </a:pPr>
             <a:endParaRPr kumimoji="0" lang="en-US" sz="1800" b="0" i="0" u="none" strike="noStrike" kern="1200" cap="none" spc="0" normalizeH="0" baseline="0" noProof="0" dirty="0">
@@ -1519,13 +1342,7 @@
       </p:sp>
       <p:sp>
         <p:nvSpPr>
-          <p:cNvPr id="10" name="Rectangle 9">
-            <a:extLst>
-              <a:ext uri="{FF2B5EF4-FFF2-40B4-BE49-F238E27FC236}">
-                <a16:creationId xmlns:a16="http://schemas.microsoft.com/office/drawing/2014/main" id="{A57D88DE-E462-4C8A-BF99-609390DFB781}"/>
-              </a:ext>
-            </a:extLst>
-          </p:cNvPr>
+          <p:cNvPr id="10" name="Rectangle 9"/>
           <p:cNvSpPr/>
           <p:nvPr/>
         </p:nvSpPr>
@@ -1578,7 +1395,6 @@
               <a:buSzTx/>
               <a:buFontTx/>
               <a:buNone/>
-              <a:tabLst/>
               <a:defRPr/>
             </a:pPr>
             <a:endParaRPr kumimoji="0" lang="en-US" sz="1800" b="0" i="0" u="none" strike="noStrike" kern="1200" cap="none" spc="0" normalizeH="0" baseline="0" noProof="0">
@@ -1600,13 +1416,7 @@
       </p:sp>
       <p:sp>
         <p:nvSpPr>
-          <p:cNvPr id="2" name="Title 1">
-            <a:extLst>
-              <a:ext uri="{FF2B5EF4-FFF2-40B4-BE49-F238E27FC236}">
-                <a16:creationId xmlns:a16="http://schemas.microsoft.com/office/drawing/2014/main" id="{B8E44900-E8BF-4B12-8BCB-41076E2B68C7}"/>
-              </a:ext>
-            </a:extLst>
-          </p:cNvPr>
+          <p:cNvPr id="2" name="Title 1"/>
           <p:cNvSpPr>
             <a:spLocks noGrp="1"/>
           </p:cNvSpPr>
@@ -1639,13 +1449,7 @@
       </p:sp>
       <p:sp>
         <p:nvSpPr>
-          <p:cNvPr id="3" name="Text Placeholder 2">
-            <a:extLst>
-              <a:ext uri="{FF2B5EF4-FFF2-40B4-BE49-F238E27FC236}">
-                <a16:creationId xmlns:a16="http://schemas.microsoft.com/office/drawing/2014/main" id="{917741F9-B00F-4463-A257-6B66DABD9B4E}"/>
-              </a:ext>
-            </a:extLst>
-          </p:cNvPr>
+          <p:cNvPr id="3" name="Text Placeholder 2"/>
           <p:cNvSpPr>
             <a:spLocks noGrp="1"/>
           </p:cNvSpPr>
@@ -1764,13 +1568,7 @@
       </p:sp>
       <p:sp>
         <p:nvSpPr>
-          <p:cNvPr id="4" name="Date Placeholder 3">
-            <a:extLst>
-              <a:ext uri="{FF2B5EF4-FFF2-40B4-BE49-F238E27FC236}">
-                <a16:creationId xmlns:a16="http://schemas.microsoft.com/office/drawing/2014/main" id="{D48BFA7D-4401-4285-802B-1579165F0D6D}"/>
-              </a:ext>
-            </a:extLst>
-          </p:cNvPr>
+          <p:cNvPr id="4" name="Date Placeholder 3"/>
           <p:cNvSpPr>
             <a:spLocks noGrp="1"/>
           </p:cNvSpPr>
@@ -1785,7 +1583,7 @@
           <a:p>
             <a:fld id="{02AC24A9-CCB6-4F8D-B8DB-C2F3692CFA5A}" type="datetimeFigureOut">
               <a:rPr lang="en-US" smtClean="0"/>
-              <a:t>7/2/2022</a:t>
+              <a:t>7/7/2022</a:t>
             </a:fld>
             <a:endParaRPr lang="en-US"/>
           </a:p>
@@ -1793,13 +1591,7 @@
       </p:sp>
       <p:sp>
         <p:nvSpPr>
-          <p:cNvPr id="5" name="Footer Placeholder 4">
-            <a:extLst>
-              <a:ext uri="{FF2B5EF4-FFF2-40B4-BE49-F238E27FC236}">
-                <a16:creationId xmlns:a16="http://schemas.microsoft.com/office/drawing/2014/main" id="{49A909C5-AA19-4195-8376-9002D5DF4651}"/>
-              </a:ext>
-            </a:extLst>
-          </p:cNvPr>
+          <p:cNvPr id="5" name="Footer Placeholder 4"/>
           <p:cNvSpPr>
             <a:spLocks noGrp="1"/>
           </p:cNvSpPr>
@@ -1818,13 +1610,7 @@
       </p:sp>
       <p:sp>
         <p:nvSpPr>
-          <p:cNvPr id="6" name="Slide Number Placeholder 5">
-            <a:extLst>
-              <a:ext uri="{FF2B5EF4-FFF2-40B4-BE49-F238E27FC236}">
-                <a16:creationId xmlns:a16="http://schemas.microsoft.com/office/drawing/2014/main" id="{53AC3F32-46E0-47C8-8565-5969A475FDB0}"/>
-              </a:ext>
-            </a:extLst>
-          </p:cNvPr>
+          <p:cNvPr id="6" name="Slide Number Placeholder 5"/>
           <p:cNvSpPr>
             <a:spLocks noGrp="1"/>
           </p:cNvSpPr>
@@ -1846,11 +1632,6 @@
         </p:txBody>
       </p:sp>
     </p:spTree>
-    <p:extLst>
-      <p:ext uri="{BB962C8B-B14F-4D97-AF65-F5344CB8AC3E}">
-        <p14:creationId xmlns:p14="http://schemas.microsoft.com/office/powerpoint/2010/main" val="1950900120"/>
-      </p:ext>
-    </p:extLst>
   </p:cSld>
   <p:clrMapOvr>
     <a:masterClrMapping/>
@@ -1877,13 +1658,7 @@
       </p:grpSpPr>
       <p:sp useBgFill="1">
         <p:nvSpPr>
-          <p:cNvPr id="9" name="Rectangle 8">
-            <a:extLst>
-              <a:ext uri="{FF2B5EF4-FFF2-40B4-BE49-F238E27FC236}">
-                <a16:creationId xmlns:a16="http://schemas.microsoft.com/office/drawing/2014/main" id="{2076262E-36A0-40C6-ADE6-90CD9FB9B9EA}"/>
-              </a:ext>
-            </a:extLst>
-          </p:cNvPr>
+          <p:cNvPr id="9" name="Rectangle 8"/>
           <p:cNvSpPr/>
           <p:nvPr/>
         </p:nvSpPr>
@@ -1946,7 +1721,6 @@
               <a:buSzTx/>
               <a:buFontTx/>
               <a:buNone/>
-              <a:tabLst/>
               <a:defRPr/>
             </a:pPr>
             <a:endParaRPr kumimoji="0" lang="en-US" sz="1800" b="0" i="0" u="none" strike="noStrike" kern="1200" cap="none" spc="0" normalizeH="0" baseline="0" noProof="0">
@@ -1968,13 +1742,7 @@
       </p:sp>
       <p:sp useBgFill="1">
         <p:nvSpPr>
-          <p:cNvPr id="11" name="Rectangle 10">
-            <a:extLst>
-              <a:ext uri="{FF2B5EF4-FFF2-40B4-BE49-F238E27FC236}">
-                <a16:creationId xmlns:a16="http://schemas.microsoft.com/office/drawing/2014/main" id="{42677A9B-4D1D-4D80-912C-24570140A650}"/>
-              </a:ext>
-            </a:extLst>
-          </p:cNvPr>
+          <p:cNvPr id="11" name="Rectangle 10"/>
           <p:cNvSpPr/>
           <p:nvPr/>
         </p:nvSpPr>
@@ -2025,7 +1793,6 @@
               <a:buSzTx/>
               <a:buFontTx/>
               <a:buNone/>
-              <a:tabLst/>
               <a:defRPr/>
             </a:pPr>
             <a:endParaRPr kumimoji="0" lang="en-US" sz="1800" b="0" i="0" u="none" strike="noStrike" kern="1200" cap="none" spc="0" normalizeH="0" baseline="0" noProof="0">
@@ -2047,13 +1814,7 @@
       </p:sp>
       <p:sp>
         <p:nvSpPr>
-          <p:cNvPr id="13" name="Rectangle 12">
-            <a:extLst>
-              <a:ext uri="{FF2B5EF4-FFF2-40B4-BE49-F238E27FC236}">
-                <a16:creationId xmlns:a16="http://schemas.microsoft.com/office/drawing/2014/main" id="{03DC8C98-510F-48C9-82B2-9E4F760A68DF}"/>
-              </a:ext>
-            </a:extLst>
-          </p:cNvPr>
+          <p:cNvPr id="13" name="Rectangle 12"/>
           <p:cNvSpPr/>
           <p:nvPr/>
         </p:nvSpPr>
@@ -2106,7 +1867,6 @@
               <a:buSzTx/>
               <a:buFontTx/>
               <a:buNone/>
-              <a:tabLst/>
               <a:defRPr/>
             </a:pPr>
             <a:endParaRPr kumimoji="0" lang="en-US" sz="1800" b="0" i="0" u="none" strike="noStrike" kern="1200" cap="none" spc="0" normalizeH="0" baseline="0" noProof="0">
@@ -2128,13 +1888,7 @@
       </p:sp>
       <p:sp>
         <p:nvSpPr>
-          <p:cNvPr id="2" name="Title 1">
-            <a:extLst>
-              <a:ext uri="{FF2B5EF4-FFF2-40B4-BE49-F238E27FC236}">
-                <a16:creationId xmlns:a16="http://schemas.microsoft.com/office/drawing/2014/main" id="{17A078AE-0BC3-48F9-87EC-2DB0CCE7E2AE}"/>
-              </a:ext>
-            </a:extLst>
-          </p:cNvPr>
+          <p:cNvPr id="2" name="Title 1"/>
           <p:cNvSpPr>
             <a:spLocks noGrp="1"/>
           </p:cNvSpPr>
@@ -2167,13 +1921,7 @@
       </p:sp>
       <p:sp>
         <p:nvSpPr>
-          <p:cNvPr id="3" name="Content Placeholder 2">
-            <a:extLst>
-              <a:ext uri="{FF2B5EF4-FFF2-40B4-BE49-F238E27FC236}">
-                <a16:creationId xmlns:a16="http://schemas.microsoft.com/office/drawing/2014/main" id="{292A20DF-0829-4336-B59F-FF9D7AA9D8B6}"/>
-              </a:ext>
-            </a:extLst>
-          </p:cNvPr>
+          <p:cNvPr id="3" name="Content Placeholder 2"/>
           <p:cNvSpPr>
             <a:spLocks noGrp="1"/>
           </p:cNvSpPr>
@@ -2229,13 +1977,7 @@
       </p:sp>
       <p:sp>
         <p:nvSpPr>
-          <p:cNvPr id="4" name="Content Placeholder 3">
-            <a:extLst>
-              <a:ext uri="{FF2B5EF4-FFF2-40B4-BE49-F238E27FC236}">
-                <a16:creationId xmlns:a16="http://schemas.microsoft.com/office/drawing/2014/main" id="{7935D01C-CF67-4DF6-B96C-FFC9D5BF847B}"/>
-              </a:ext>
-            </a:extLst>
-          </p:cNvPr>
+          <p:cNvPr id="4" name="Content Placeholder 3"/>
           <p:cNvSpPr>
             <a:spLocks noGrp="1"/>
           </p:cNvSpPr>
@@ -2291,13 +2033,7 @@
       </p:sp>
       <p:sp>
         <p:nvSpPr>
-          <p:cNvPr id="5" name="Date Placeholder 4">
-            <a:extLst>
-              <a:ext uri="{FF2B5EF4-FFF2-40B4-BE49-F238E27FC236}">
-                <a16:creationId xmlns:a16="http://schemas.microsoft.com/office/drawing/2014/main" id="{29BBD797-6031-4F82-8726-EAB757027FF5}"/>
-              </a:ext>
-            </a:extLst>
-          </p:cNvPr>
+          <p:cNvPr id="5" name="Date Placeholder 4"/>
           <p:cNvSpPr>
             <a:spLocks noGrp="1"/>
           </p:cNvSpPr>
@@ -2317,7 +2053,7 @@
           <a:p>
             <a:fld id="{02AC24A9-CCB6-4F8D-B8DB-C2F3692CFA5A}" type="datetimeFigureOut">
               <a:rPr lang="en-US" smtClean="0"/>
-              <a:t>7/2/2022</a:t>
+              <a:t>7/7/2022</a:t>
             </a:fld>
             <a:endParaRPr lang="en-US"/>
           </a:p>
@@ -2325,13 +2061,7 @@
       </p:sp>
       <p:sp>
         <p:nvSpPr>
-          <p:cNvPr id="6" name="Footer Placeholder 5">
-            <a:extLst>
-              <a:ext uri="{FF2B5EF4-FFF2-40B4-BE49-F238E27FC236}">
-                <a16:creationId xmlns:a16="http://schemas.microsoft.com/office/drawing/2014/main" id="{76B3F71C-B897-4909-A75E-8716AD49C156}"/>
-              </a:ext>
-            </a:extLst>
-          </p:cNvPr>
+          <p:cNvPr id="6" name="Footer Placeholder 5"/>
           <p:cNvSpPr>
             <a:spLocks noGrp="1"/>
           </p:cNvSpPr>
@@ -2350,13 +2080,7 @@
       </p:sp>
       <p:sp>
         <p:nvSpPr>
-          <p:cNvPr id="7" name="Slide Number Placeholder 6">
-            <a:extLst>
-              <a:ext uri="{FF2B5EF4-FFF2-40B4-BE49-F238E27FC236}">
-                <a16:creationId xmlns:a16="http://schemas.microsoft.com/office/drawing/2014/main" id="{4F78BC14-5BB1-405F-A6F3-C07230F085C8}"/>
-              </a:ext>
-            </a:extLst>
-          </p:cNvPr>
+          <p:cNvPr id="7" name="Slide Number Placeholder 6"/>
           <p:cNvSpPr>
             <a:spLocks noGrp="1"/>
           </p:cNvSpPr>
@@ -2383,11 +2107,6 @@
         </p:txBody>
       </p:sp>
     </p:spTree>
-    <p:extLst>
-      <p:ext uri="{BB962C8B-B14F-4D97-AF65-F5344CB8AC3E}">
-        <p14:creationId xmlns:p14="http://schemas.microsoft.com/office/powerpoint/2010/main" val="3429479395"/>
-      </p:ext>
-    </p:extLst>
   </p:cSld>
   <p:clrMapOvr>
     <a:masterClrMapping/>
@@ -2414,13 +2133,7 @@
       </p:grpSpPr>
       <p:sp useBgFill="1">
         <p:nvSpPr>
-          <p:cNvPr id="11" name="Rectangle 10">
-            <a:extLst>
-              <a:ext uri="{FF2B5EF4-FFF2-40B4-BE49-F238E27FC236}">
-                <a16:creationId xmlns:a16="http://schemas.microsoft.com/office/drawing/2014/main" id="{6B671BDE-E45C-41A1-9B98-4A607D703855}"/>
-              </a:ext>
-            </a:extLst>
-          </p:cNvPr>
+          <p:cNvPr id="11" name="Rectangle 10"/>
           <p:cNvSpPr/>
           <p:nvPr/>
         </p:nvSpPr>
@@ -2483,7 +2196,6 @@
               <a:buSzTx/>
               <a:buFontTx/>
               <a:buNone/>
-              <a:tabLst/>
               <a:defRPr/>
             </a:pPr>
             <a:endParaRPr kumimoji="0" lang="en-US" sz="1800" b="0" i="0" u="none" strike="noStrike" kern="1200" cap="none" spc="0" normalizeH="0" baseline="0" noProof="0">
@@ -2505,13 +2217,7 @@
       </p:sp>
       <p:sp useBgFill="1">
         <p:nvSpPr>
-          <p:cNvPr id="13" name="Rectangle 12">
-            <a:extLst>
-              <a:ext uri="{FF2B5EF4-FFF2-40B4-BE49-F238E27FC236}">
-                <a16:creationId xmlns:a16="http://schemas.microsoft.com/office/drawing/2014/main" id="{299500CE-917A-4D03-A7DF-71D8EBBC1537}"/>
-              </a:ext>
-            </a:extLst>
-          </p:cNvPr>
+          <p:cNvPr id="13" name="Rectangle 12"/>
           <p:cNvSpPr/>
           <p:nvPr/>
         </p:nvSpPr>
@@ -2562,7 +2268,6 @@
               <a:buSzTx/>
               <a:buFontTx/>
               <a:buNone/>
-              <a:tabLst/>
               <a:defRPr/>
             </a:pPr>
             <a:endParaRPr kumimoji="0" lang="en-US" sz="1800" b="0" i="0" u="none" strike="noStrike" kern="1200" cap="none" spc="0" normalizeH="0" baseline="0" noProof="0" dirty="0">
@@ -2584,13 +2289,7 @@
       </p:sp>
       <p:sp>
         <p:nvSpPr>
-          <p:cNvPr id="15" name="Rectangle 14">
-            <a:extLst>
-              <a:ext uri="{FF2B5EF4-FFF2-40B4-BE49-F238E27FC236}">
-                <a16:creationId xmlns:a16="http://schemas.microsoft.com/office/drawing/2014/main" id="{C3D0D377-28B0-417D-886B-9483AF064975}"/>
-              </a:ext>
-            </a:extLst>
-          </p:cNvPr>
+          <p:cNvPr id="15" name="Rectangle 14"/>
           <p:cNvSpPr/>
           <p:nvPr/>
         </p:nvSpPr>
@@ -2643,7 +2342,6 @@
               <a:buSzTx/>
               <a:buFontTx/>
               <a:buNone/>
-              <a:tabLst/>
               <a:defRPr/>
             </a:pPr>
             <a:endParaRPr kumimoji="0" lang="en-US" sz="1800" b="0" i="0" u="none" strike="noStrike" kern="1200" cap="none" spc="0" normalizeH="0" baseline="0" noProof="0">
@@ -2665,13 +2363,7 @@
       </p:sp>
       <p:sp>
         <p:nvSpPr>
-          <p:cNvPr id="2" name="Title 1">
-            <a:extLst>
-              <a:ext uri="{FF2B5EF4-FFF2-40B4-BE49-F238E27FC236}">
-                <a16:creationId xmlns:a16="http://schemas.microsoft.com/office/drawing/2014/main" id="{0F8F91F8-0767-40B5-A3AA-72931FC192EA}"/>
-              </a:ext>
-            </a:extLst>
-          </p:cNvPr>
+          <p:cNvPr id="2" name="Title 1"/>
           <p:cNvSpPr>
             <a:spLocks noGrp="1"/>
           </p:cNvSpPr>
@@ -2704,13 +2396,7 @@
       </p:sp>
       <p:sp>
         <p:nvSpPr>
-          <p:cNvPr id="3" name="Text Placeholder 2">
-            <a:extLst>
-              <a:ext uri="{FF2B5EF4-FFF2-40B4-BE49-F238E27FC236}">
-                <a16:creationId xmlns:a16="http://schemas.microsoft.com/office/drawing/2014/main" id="{AAAE0554-8BEE-4BF6-9519-51B8475D35E1}"/>
-              </a:ext>
-            </a:extLst>
-          </p:cNvPr>
+          <p:cNvPr id="3" name="Text Placeholder 2"/>
           <p:cNvSpPr>
             <a:spLocks noGrp="1"/>
           </p:cNvSpPr>
@@ -2775,13 +2461,7 @@
       </p:sp>
       <p:sp>
         <p:nvSpPr>
-          <p:cNvPr id="4" name="Content Placeholder 3">
-            <a:extLst>
-              <a:ext uri="{FF2B5EF4-FFF2-40B4-BE49-F238E27FC236}">
-                <a16:creationId xmlns:a16="http://schemas.microsoft.com/office/drawing/2014/main" id="{FD4A358D-C930-48E0-B372-06A826B74C47}"/>
-              </a:ext>
-            </a:extLst>
-          </p:cNvPr>
+          <p:cNvPr id="4" name="Content Placeholder 3"/>
           <p:cNvSpPr>
             <a:spLocks noGrp="1"/>
           </p:cNvSpPr>
@@ -2847,13 +2527,7 @@
       </p:sp>
       <p:sp>
         <p:nvSpPr>
-          <p:cNvPr id="5" name="Text Placeholder 4">
-            <a:extLst>
-              <a:ext uri="{FF2B5EF4-FFF2-40B4-BE49-F238E27FC236}">
-                <a16:creationId xmlns:a16="http://schemas.microsoft.com/office/drawing/2014/main" id="{83B6615E-4966-4150-83B6-C47591B36383}"/>
-              </a:ext>
-            </a:extLst>
-          </p:cNvPr>
+          <p:cNvPr id="5" name="Text Placeholder 4"/>
           <p:cNvSpPr>
             <a:spLocks noGrp="1"/>
           </p:cNvSpPr>
@@ -2918,13 +2592,7 @@
       </p:sp>
       <p:sp>
         <p:nvSpPr>
-          <p:cNvPr id="6" name="Content Placeholder 5">
-            <a:extLst>
-              <a:ext uri="{FF2B5EF4-FFF2-40B4-BE49-F238E27FC236}">
-                <a16:creationId xmlns:a16="http://schemas.microsoft.com/office/drawing/2014/main" id="{BD409F6B-C17B-4B4F-9F35-5068BDC4E2FD}"/>
-              </a:ext>
-            </a:extLst>
-          </p:cNvPr>
+          <p:cNvPr id="6" name="Content Placeholder 5"/>
           <p:cNvSpPr>
             <a:spLocks noGrp="1"/>
           </p:cNvSpPr>
@@ -2990,13 +2658,7 @@
       </p:sp>
       <p:sp>
         <p:nvSpPr>
-          <p:cNvPr id="7" name="Date Placeholder 6">
-            <a:extLst>
-              <a:ext uri="{FF2B5EF4-FFF2-40B4-BE49-F238E27FC236}">
-                <a16:creationId xmlns:a16="http://schemas.microsoft.com/office/drawing/2014/main" id="{C8BC356D-052B-4A9B-8B2F-6665FD325AB3}"/>
-              </a:ext>
-            </a:extLst>
-          </p:cNvPr>
+          <p:cNvPr id="7" name="Date Placeholder 6"/>
           <p:cNvSpPr>
             <a:spLocks noGrp="1"/>
           </p:cNvSpPr>
@@ -3016,7 +2678,7 @@
           <a:p>
             <a:fld id="{02AC24A9-CCB6-4F8D-B8DB-C2F3692CFA5A}" type="datetimeFigureOut">
               <a:rPr lang="en-US" smtClean="0"/>
-              <a:t>7/2/2022</a:t>
+              <a:t>7/7/2022</a:t>
             </a:fld>
             <a:endParaRPr lang="en-US"/>
           </a:p>
@@ -3024,13 +2686,7 @@
       </p:sp>
       <p:sp>
         <p:nvSpPr>
-          <p:cNvPr id="8" name="Footer Placeholder 7">
-            <a:extLst>
-              <a:ext uri="{FF2B5EF4-FFF2-40B4-BE49-F238E27FC236}">
-                <a16:creationId xmlns:a16="http://schemas.microsoft.com/office/drawing/2014/main" id="{69C5E5FA-26A9-467C-93E3-8476142D1D46}"/>
-              </a:ext>
-            </a:extLst>
-          </p:cNvPr>
+          <p:cNvPr id="8" name="Footer Placeholder 7"/>
           <p:cNvSpPr>
             <a:spLocks noGrp="1"/>
           </p:cNvSpPr>
@@ -3049,13 +2705,7 @@
       </p:sp>
       <p:sp>
         <p:nvSpPr>
-          <p:cNvPr id="9" name="Slide Number Placeholder 8">
-            <a:extLst>
-              <a:ext uri="{FF2B5EF4-FFF2-40B4-BE49-F238E27FC236}">
-                <a16:creationId xmlns:a16="http://schemas.microsoft.com/office/drawing/2014/main" id="{D279E50C-1E40-4B48-871B-E392428D20A3}"/>
-              </a:ext>
-            </a:extLst>
-          </p:cNvPr>
+          <p:cNvPr id="9" name="Slide Number Placeholder 8"/>
           <p:cNvSpPr>
             <a:spLocks noGrp="1"/>
           </p:cNvSpPr>
@@ -3082,11 +2732,6 @@
         </p:txBody>
       </p:sp>
     </p:spTree>
-    <p:extLst>
-      <p:ext uri="{BB962C8B-B14F-4D97-AF65-F5344CB8AC3E}">
-        <p14:creationId xmlns:p14="http://schemas.microsoft.com/office/powerpoint/2010/main" val="1308591395"/>
-      </p:ext>
-    </p:extLst>
   </p:cSld>
   <p:clrMapOvr>
     <a:masterClrMapping/>
@@ -3113,13 +2758,7 @@
       </p:grpSpPr>
       <p:sp useBgFill="1">
         <p:nvSpPr>
-          <p:cNvPr id="7" name="Rectangle 6">
-            <a:extLst>
-              <a:ext uri="{FF2B5EF4-FFF2-40B4-BE49-F238E27FC236}">
-                <a16:creationId xmlns:a16="http://schemas.microsoft.com/office/drawing/2014/main" id="{8C0689C4-0DB3-408B-A956-40326B4AE4C4}"/>
-              </a:ext>
-            </a:extLst>
-          </p:cNvPr>
+          <p:cNvPr id="7" name="Rectangle 6"/>
           <p:cNvSpPr/>
           <p:nvPr/>
         </p:nvSpPr>
@@ -3182,7 +2821,6 @@
               <a:buSzTx/>
               <a:buFontTx/>
               <a:buNone/>
-              <a:tabLst/>
               <a:defRPr/>
             </a:pPr>
             <a:endParaRPr kumimoji="0" lang="en-US" sz="1800" b="0" i="0" u="none" strike="noStrike" kern="1200" cap="none" spc="0" normalizeH="0" baseline="0" noProof="0">
@@ -3204,13 +2842,7 @@
       </p:sp>
       <p:sp>
         <p:nvSpPr>
-          <p:cNvPr id="9" name="Rectangle 8">
-            <a:extLst>
-              <a:ext uri="{FF2B5EF4-FFF2-40B4-BE49-F238E27FC236}">
-                <a16:creationId xmlns:a16="http://schemas.microsoft.com/office/drawing/2014/main" id="{56E1D10E-1C30-41BF-8C3B-C460C9B5597B}"/>
-              </a:ext>
-            </a:extLst>
-          </p:cNvPr>
+          <p:cNvPr id="9" name="Rectangle 8"/>
           <p:cNvSpPr/>
           <p:nvPr/>
         </p:nvSpPr>
@@ -3263,7 +2895,6 @@
               <a:buSzTx/>
               <a:buFontTx/>
               <a:buNone/>
-              <a:tabLst/>
               <a:defRPr/>
             </a:pPr>
             <a:endParaRPr kumimoji="0" lang="en-US" sz="1800" b="0" i="0" u="none" strike="noStrike" kern="1200" cap="none" spc="0" normalizeH="0" baseline="0" noProof="0">
@@ -3285,13 +2916,7 @@
       </p:sp>
       <p:sp>
         <p:nvSpPr>
-          <p:cNvPr id="2" name="Title 1">
-            <a:extLst>
-              <a:ext uri="{FF2B5EF4-FFF2-40B4-BE49-F238E27FC236}">
-                <a16:creationId xmlns:a16="http://schemas.microsoft.com/office/drawing/2014/main" id="{779454F2-0EE5-4888-AF4C-82F825E6226E}"/>
-              </a:ext>
-            </a:extLst>
-          </p:cNvPr>
+          <p:cNvPr id="2" name="Title 1"/>
           <p:cNvSpPr>
             <a:spLocks noGrp="1"/>
           </p:cNvSpPr>
@@ -3324,13 +2949,7 @@
       </p:sp>
       <p:sp>
         <p:nvSpPr>
-          <p:cNvPr id="3" name="Date Placeholder 2">
-            <a:extLst>
-              <a:ext uri="{FF2B5EF4-FFF2-40B4-BE49-F238E27FC236}">
-                <a16:creationId xmlns:a16="http://schemas.microsoft.com/office/drawing/2014/main" id="{67C91241-A315-4643-91E5-CF2C25CC903A}"/>
-              </a:ext>
-            </a:extLst>
-          </p:cNvPr>
+          <p:cNvPr id="3" name="Date Placeholder 2"/>
           <p:cNvSpPr>
             <a:spLocks noGrp="1"/>
           </p:cNvSpPr>
@@ -3345,7 +2964,7 @@
           <a:p>
             <a:fld id="{02AC24A9-CCB6-4F8D-B8DB-C2F3692CFA5A}" type="datetimeFigureOut">
               <a:rPr lang="en-US" smtClean="0"/>
-              <a:t>7/2/2022</a:t>
+              <a:t>7/7/2022</a:t>
             </a:fld>
             <a:endParaRPr lang="en-US"/>
           </a:p>
@@ -3353,13 +2972,7 @@
       </p:sp>
       <p:sp>
         <p:nvSpPr>
-          <p:cNvPr id="4" name="Footer Placeholder 3">
-            <a:extLst>
-              <a:ext uri="{FF2B5EF4-FFF2-40B4-BE49-F238E27FC236}">
-                <a16:creationId xmlns:a16="http://schemas.microsoft.com/office/drawing/2014/main" id="{22706D86-5479-487D-94C8-76093D84F377}"/>
-              </a:ext>
-            </a:extLst>
-          </p:cNvPr>
+          <p:cNvPr id="4" name="Footer Placeholder 3"/>
           <p:cNvSpPr>
             <a:spLocks noGrp="1"/>
           </p:cNvSpPr>
@@ -3378,13 +2991,7 @@
       </p:sp>
       <p:sp>
         <p:nvSpPr>
-          <p:cNvPr id="5" name="Slide Number Placeholder 4">
-            <a:extLst>
-              <a:ext uri="{FF2B5EF4-FFF2-40B4-BE49-F238E27FC236}">
-                <a16:creationId xmlns:a16="http://schemas.microsoft.com/office/drawing/2014/main" id="{A7739411-CED6-43D4-868D-A65C4161A72B}"/>
-              </a:ext>
-            </a:extLst>
-          </p:cNvPr>
+          <p:cNvPr id="5" name="Slide Number Placeholder 4"/>
           <p:cNvSpPr>
             <a:spLocks noGrp="1"/>
           </p:cNvSpPr>
@@ -3406,11 +3013,6 @@
         </p:txBody>
       </p:sp>
     </p:spTree>
-    <p:extLst>
-      <p:ext uri="{BB962C8B-B14F-4D97-AF65-F5344CB8AC3E}">
-        <p14:creationId xmlns:p14="http://schemas.microsoft.com/office/powerpoint/2010/main" val="645169824"/>
-      </p:ext>
-    </p:extLst>
   </p:cSld>
   <p:clrMapOvr>
     <a:masterClrMapping/>
@@ -3437,13 +3039,7 @@
       </p:grpSpPr>
       <p:sp>
         <p:nvSpPr>
-          <p:cNvPr id="2" name="Date Placeholder 1">
-            <a:extLst>
-              <a:ext uri="{FF2B5EF4-FFF2-40B4-BE49-F238E27FC236}">
-                <a16:creationId xmlns:a16="http://schemas.microsoft.com/office/drawing/2014/main" id="{EAC447E0-1D4D-4EF2-B81B-4B2400EE3EDB}"/>
-              </a:ext>
-            </a:extLst>
-          </p:cNvPr>
+          <p:cNvPr id="2" name="Date Placeholder 1"/>
           <p:cNvSpPr>
             <a:spLocks noGrp="1"/>
           </p:cNvSpPr>
@@ -3458,7 +3054,7 @@
           <a:p>
             <a:fld id="{02AC24A9-CCB6-4F8D-B8DB-C2F3692CFA5A}" type="datetimeFigureOut">
               <a:rPr lang="en-US" smtClean="0"/>
-              <a:t>7/2/2022</a:t>
+              <a:t>7/7/2022</a:t>
             </a:fld>
             <a:endParaRPr lang="en-US"/>
           </a:p>
@@ -3466,13 +3062,7 @@
       </p:sp>
       <p:sp>
         <p:nvSpPr>
-          <p:cNvPr id="3" name="Footer Placeholder 2">
-            <a:extLst>
-              <a:ext uri="{FF2B5EF4-FFF2-40B4-BE49-F238E27FC236}">
-                <a16:creationId xmlns:a16="http://schemas.microsoft.com/office/drawing/2014/main" id="{C9984CA0-2A78-4600-9F3D-19B09E790FE8}"/>
-              </a:ext>
-            </a:extLst>
-          </p:cNvPr>
+          <p:cNvPr id="3" name="Footer Placeholder 2"/>
           <p:cNvSpPr>
             <a:spLocks noGrp="1"/>
           </p:cNvSpPr>
@@ -3491,13 +3081,7 @@
       </p:sp>
       <p:sp>
         <p:nvSpPr>
-          <p:cNvPr id="4" name="Slide Number Placeholder 3">
-            <a:extLst>
-              <a:ext uri="{FF2B5EF4-FFF2-40B4-BE49-F238E27FC236}">
-                <a16:creationId xmlns:a16="http://schemas.microsoft.com/office/drawing/2014/main" id="{38440955-B18E-49D3-AE7B-B331200E34C5}"/>
-              </a:ext>
-            </a:extLst>
-          </p:cNvPr>
+          <p:cNvPr id="4" name="Slide Number Placeholder 3"/>
           <p:cNvSpPr>
             <a:spLocks noGrp="1"/>
           </p:cNvSpPr>
@@ -3519,11 +3103,6 @@
         </p:txBody>
       </p:sp>
     </p:spTree>
-    <p:extLst>
-      <p:ext uri="{BB962C8B-B14F-4D97-AF65-F5344CB8AC3E}">
-        <p14:creationId xmlns:p14="http://schemas.microsoft.com/office/powerpoint/2010/main" val="2093720394"/>
-      </p:ext>
-    </p:extLst>
   </p:cSld>
   <p:clrMapOvr>
     <a:masterClrMapping/>
@@ -3550,13 +3129,7 @@
       </p:grpSpPr>
       <p:sp useBgFill="1">
         <p:nvSpPr>
-          <p:cNvPr id="9" name="Rectangle 8">
-            <a:extLst>
-              <a:ext uri="{FF2B5EF4-FFF2-40B4-BE49-F238E27FC236}">
-                <a16:creationId xmlns:a16="http://schemas.microsoft.com/office/drawing/2014/main" id="{1FA417FE-CD1A-486F-A4AC-E4000A2FB18E}"/>
-              </a:ext>
-            </a:extLst>
-          </p:cNvPr>
+          <p:cNvPr id="9" name="Rectangle 8"/>
           <p:cNvSpPr/>
           <p:nvPr/>
         </p:nvSpPr>
@@ -3619,7 +3192,6 @@
               <a:buSzTx/>
               <a:buFontTx/>
               <a:buNone/>
-              <a:tabLst/>
               <a:defRPr/>
             </a:pPr>
             <a:endParaRPr kumimoji="0" lang="en-US" sz="1800" b="0" i="0" u="none" strike="noStrike" kern="1200" cap="none" spc="0" normalizeH="0" baseline="0" noProof="0">
@@ -3641,13 +3213,7 @@
       </p:sp>
       <p:sp>
         <p:nvSpPr>
-          <p:cNvPr id="11" name="Rectangle 10">
-            <a:extLst>
-              <a:ext uri="{FF2B5EF4-FFF2-40B4-BE49-F238E27FC236}">
-                <a16:creationId xmlns:a16="http://schemas.microsoft.com/office/drawing/2014/main" id="{1318F0F5-812B-472C-9408-B80F2553F5E0}"/>
-              </a:ext>
-            </a:extLst>
-          </p:cNvPr>
+          <p:cNvPr id="11" name="Rectangle 10"/>
           <p:cNvSpPr/>
           <p:nvPr/>
         </p:nvSpPr>
@@ -3700,7 +3266,6 @@
               <a:buSzTx/>
               <a:buFontTx/>
               <a:buNone/>
-              <a:tabLst/>
               <a:defRPr/>
             </a:pPr>
             <a:endParaRPr kumimoji="0" lang="en-US" sz="1800" b="0" i="0" u="none" strike="noStrike" kern="1200" cap="none" spc="0" normalizeH="0" baseline="0" noProof="0">
@@ -3722,13 +3287,7 @@
       </p:sp>
       <p:sp>
         <p:nvSpPr>
-          <p:cNvPr id="2" name="Title 1">
-            <a:extLst>
-              <a:ext uri="{FF2B5EF4-FFF2-40B4-BE49-F238E27FC236}">
-                <a16:creationId xmlns:a16="http://schemas.microsoft.com/office/drawing/2014/main" id="{47F7751B-CD8F-4F5B-A903-1DCE5D1E8306}"/>
-              </a:ext>
-            </a:extLst>
-          </p:cNvPr>
+          <p:cNvPr id="2" name="Title 1"/>
           <p:cNvSpPr>
             <a:spLocks noGrp="1"/>
           </p:cNvSpPr>
@@ -3764,13 +3323,7 @@
       </p:sp>
       <p:sp>
         <p:nvSpPr>
-          <p:cNvPr id="3" name="Content Placeholder 2">
-            <a:extLst>
-              <a:ext uri="{FF2B5EF4-FFF2-40B4-BE49-F238E27FC236}">
-                <a16:creationId xmlns:a16="http://schemas.microsoft.com/office/drawing/2014/main" id="{EFA55C8A-A0BB-441D-976F-EB56D4382DB6}"/>
-              </a:ext>
-            </a:extLst>
-          </p:cNvPr>
+          <p:cNvPr id="3" name="Content Placeholder 2"/>
           <p:cNvSpPr>
             <a:spLocks noGrp="1"/>
           </p:cNvSpPr>
@@ -3854,13 +3407,7 @@
       </p:sp>
       <p:sp>
         <p:nvSpPr>
-          <p:cNvPr id="4" name="Text Placeholder 3">
-            <a:extLst>
-              <a:ext uri="{FF2B5EF4-FFF2-40B4-BE49-F238E27FC236}">
-                <a16:creationId xmlns:a16="http://schemas.microsoft.com/office/drawing/2014/main" id="{37DE6A51-A2E5-4BFA-B571-9FDFE1BBFB44}"/>
-              </a:ext>
-            </a:extLst>
-          </p:cNvPr>
+          <p:cNvPr id="4" name="Text Placeholder 3"/>
           <p:cNvSpPr>
             <a:spLocks noGrp="1"/>
           </p:cNvSpPr>
@@ -3927,13 +3474,7 @@
       </p:sp>
       <p:sp>
         <p:nvSpPr>
-          <p:cNvPr id="5" name="Date Placeholder 4">
-            <a:extLst>
-              <a:ext uri="{FF2B5EF4-FFF2-40B4-BE49-F238E27FC236}">
-                <a16:creationId xmlns:a16="http://schemas.microsoft.com/office/drawing/2014/main" id="{3D92778A-DD4C-4651-9C53-8B0C44CD8805}"/>
-              </a:ext>
-            </a:extLst>
-          </p:cNvPr>
+          <p:cNvPr id="5" name="Date Placeholder 4"/>
           <p:cNvSpPr>
             <a:spLocks noGrp="1"/>
           </p:cNvSpPr>
@@ -3953,7 +3494,7 @@
           <a:p>
             <a:fld id="{02AC24A9-CCB6-4F8D-B8DB-C2F3692CFA5A}" type="datetimeFigureOut">
               <a:rPr lang="en-US" smtClean="0"/>
-              <a:t>7/2/2022</a:t>
+              <a:t>7/7/2022</a:t>
             </a:fld>
             <a:endParaRPr lang="en-US" dirty="0"/>
           </a:p>
@@ -3961,13 +3502,7 @@
       </p:sp>
       <p:sp>
         <p:nvSpPr>
-          <p:cNvPr id="6" name="Footer Placeholder 5">
-            <a:extLst>
-              <a:ext uri="{FF2B5EF4-FFF2-40B4-BE49-F238E27FC236}">
-                <a16:creationId xmlns:a16="http://schemas.microsoft.com/office/drawing/2014/main" id="{9D6C7F66-2DFA-4146-BE1A-CE2890FE45E2}"/>
-              </a:ext>
-            </a:extLst>
-          </p:cNvPr>
+          <p:cNvPr id="6" name="Footer Placeholder 5"/>
           <p:cNvSpPr>
             <a:spLocks noGrp="1"/>
           </p:cNvSpPr>
@@ -3986,13 +3521,7 @@
       </p:sp>
       <p:sp>
         <p:nvSpPr>
-          <p:cNvPr id="7" name="Slide Number Placeholder 6">
-            <a:extLst>
-              <a:ext uri="{FF2B5EF4-FFF2-40B4-BE49-F238E27FC236}">
-                <a16:creationId xmlns:a16="http://schemas.microsoft.com/office/drawing/2014/main" id="{D285D185-B1B6-4D62-81BE-BE82C80ACA6C}"/>
-              </a:ext>
-            </a:extLst>
-          </p:cNvPr>
+          <p:cNvPr id="7" name="Slide Number Placeholder 6"/>
           <p:cNvSpPr>
             <a:spLocks noGrp="1"/>
           </p:cNvSpPr>
@@ -4014,11 +3543,6 @@
         </p:txBody>
       </p:sp>
     </p:spTree>
-    <p:extLst>
-      <p:ext uri="{BB962C8B-B14F-4D97-AF65-F5344CB8AC3E}">
-        <p14:creationId xmlns:p14="http://schemas.microsoft.com/office/powerpoint/2010/main" val="3204953541"/>
-      </p:ext>
-    </p:extLst>
   </p:cSld>
   <p:clrMapOvr>
     <a:masterClrMapping/>
@@ -4045,13 +3569,7 @@
       </p:grpSpPr>
       <p:sp useBgFill="1">
         <p:nvSpPr>
-          <p:cNvPr id="9" name="Rectangle 8">
-            <a:extLst>
-              <a:ext uri="{FF2B5EF4-FFF2-40B4-BE49-F238E27FC236}">
-                <a16:creationId xmlns:a16="http://schemas.microsoft.com/office/drawing/2014/main" id="{168B77B5-211C-456E-B79F-306CC3619347}"/>
-              </a:ext>
-            </a:extLst>
-          </p:cNvPr>
+          <p:cNvPr id="9" name="Rectangle 8"/>
           <p:cNvSpPr/>
           <p:nvPr/>
         </p:nvSpPr>
@@ -4114,7 +3632,6 @@
               <a:buSzTx/>
               <a:buFontTx/>
               <a:buNone/>
-              <a:tabLst/>
               <a:defRPr/>
             </a:pPr>
             <a:endParaRPr kumimoji="0" lang="en-US" sz="1800" b="0" i="0" u="none" strike="noStrike" kern="1200" cap="none" spc="0" normalizeH="0" baseline="0" noProof="0">
@@ -4136,13 +3653,7 @@
       </p:sp>
       <p:sp>
         <p:nvSpPr>
-          <p:cNvPr id="11" name="Rectangle 10">
-            <a:extLst>
-              <a:ext uri="{FF2B5EF4-FFF2-40B4-BE49-F238E27FC236}">
-                <a16:creationId xmlns:a16="http://schemas.microsoft.com/office/drawing/2014/main" id="{3B63C338-194D-4F23-ABEC-60A7EA96F302}"/>
-              </a:ext>
-            </a:extLst>
-          </p:cNvPr>
+          <p:cNvPr id="11" name="Rectangle 10"/>
           <p:cNvSpPr/>
           <p:nvPr/>
         </p:nvSpPr>
@@ -4195,7 +3706,6 @@
               <a:buSzTx/>
               <a:buFontTx/>
               <a:buNone/>
-              <a:tabLst/>
               <a:defRPr/>
             </a:pPr>
             <a:endParaRPr kumimoji="0" lang="en-US" sz="1800" b="0" i="0" u="none" strike="noStrike" kern="1200" cap="none" spc="0" normalizeH="0" baseline="0" noProof="0">
@@ -4217,13 +3727,7 @@
       </p:sp>
       <p:sp>
         <p:nvSpPr>
-          <p:cNvPr id="2" name="Title 1">
-            <a:extLst>
-              <a:ext uri="{FF2B5EF4-FFF2-40B4-BE49-F238E27FC236}">
-                <a16:creationId xmlns:a16="http://schemas.microsoft.com/office/drawing/2014/main" id="{A0C04DCC-0E3E-4F05-9FAC-9FA6CA4B2BAE}"/>
-              </a:ext>
-            </a:extLst>
-          </p:cNvPr>
+          <p:cNvPr id="2" name="Title 1"/>
           <p:cNvSpPr>
             <a:spLocks noGrp="1"/>
           </p:cNvSpPr>
@@ -4259,13 +3763,7 @@
       </p:sp>
       <p:sp>
         <p:nvSpPr>
-          <p:cNvPr id="3" name="Picture Placeholder 2">
-            <a:extLst>
-              <a:ext uri="{FF2B5EF4-FFF2-40B4-BE49-F238E27FC236}">
-                <a16:creationId xmlns:a16="http://schemas.microsoft.com/office/drawing/2014/main" id="{EBA29649-B19F-499E-8E9A-3577EAC8F031}"/>
-              </a:ext>
-            </a:extLst>
-          </p:cNvPr>
+          <p:cNvPr id="3" name="Picture Placeholder 2"/>
           <p:cNvSpPr>
             <a:spLocks noGrp="1"/>
           </p:cNvSpPr>
@@ -4331,13 +3829,7 @@
       </p:sp>
       <p:sp>
         <p:nvSpPr>
-          <p:cNvPr id="4" name="Text Placeholder 3">
-            <a:extLst>
-              <a:ext uri="{FF2B5EF4-FFF2-40B4-BE49-F238E27FC236}">
-                <a16:creationId xmlns:a16="http://schemas.microsoft.com/office/drawing/2014/main" id="{1BC9EF2E-A8CD-41A1-B11A-0D8842797A98}"/>
-              </a:ext>
-            </a:extLst>
-          </p:cNvPr>
+          <p:cNvPr id="4" name="Text Placeholder 3"/>
           <p:cNvSpPr>
             <a:spLocks noGrp="1"/>
           </p:cNvSpPr>
@@ -4404,13 +3896,7 @@
       </p:sp>
       <p:sp>
         <p:nvSpPr>
-          <p:cNvPr id="5" name="Date Placeholder 4">
-            <a:extLst>
-              <a:ext uri="{FF2B5EF4-FFF2-40B4-BE49-F238E27FC236}">
-                <a16:creationId xmlns:a16="http://schemas.microsoft.com/office/drawing/2014/main" id="{B44257B5-0DE0-401F-9171-E8687A97DBA7}"/>
-              </a:ext>
-            </a:extLst>
-          </p:cNvPr>
+          <p:cNvPr id="5" name="Date Placeholder 4"/>
           <p:cNvSpPr>
             <a:spLocks noGrp="1"/>
           </p:cNvSpPr>
@@ -4430,7 +3916,7 @@
           <a:p>
             <a:fld id="{02AC24A9-CCB6-4F8D-B8DB-C2F3692CFA5A}" type="datetimeFigureOut">
               <a:rPr lang="en-US" smtClean="0"/>
-              <a:t>7/2/2022</a:t>
+              <a:t>7/7/2022</a:t>
             </a:fld>
             <a:endParaRPr lang="en-US"/>
           </a:p>
@@ -4438,13 +3924,7 @@
       </p:sp>
       <p:sp>
         <p:nvSpPr>
-          <p:cNvPr id="6" name="Footer Placeholder 5">
-            <a:extLst>
-              <a:ext uri="{FF2B5EF4-FFF2-40B4-BE49-F238E27FC236}">
-                <a16:creationId xmlns:a16="http://schemas.microsoft.com/office/drawing/2014/main" id="{788CD9AD-D667-4FD4-AA34-428AA0BCD09E}"/>
-              </a:ext>
-            </a:extLst>
-          </p:cNvPr>
+          <p:cNvPr id="6" name="Footer Placeholder 5"/>
           <p:cNvSpPr>
             <a:spLocks noGrp="1"/>
           </p:cNvSpPr>
@@ -4463,13 +3943,7 @@
       </p:sp>
       <p:sp>
         <p:nvSpPr>
-          <p:cNvPr id="7" name="Slide Number Placeholder 6">
-            <a:extLst>
-              <a:ext uri="{FF2B5EF4-FFF2-40B4-BE49-F238E27FC236}">
-                <a16:creationId xmlns:a16="http://schemas.microsoft.com/office/drawing/2014/main" id="{18770FB6-F273-4BA6-8B97-9835AC537871}"/>
-              </a:ext>
-            </a:extLst>
-          </p:cNvPr>
+          <p:cNvPr id="7" name="Slide Number Placeholder 6"/>
           <p:cNvSpPr>
             <a:spLocks noGrp="1"/>
           </p:cNvSpPr>
@@ -4491,11 +3965,6 @@
         </p:txBody>
       </p:sp>
     </p:spTree>
-    <p:extLst>
-      <p:ext uri="{BB962C8B-B14F-4D97-AF65-F5344CB8AC3E}">
-        <p14:creationId xmlns:p14="http://schemas.microsoft.com/office/powerpoint/2010/main" val="1237248251"/>
-      </p:ext>
-    </p:extLst>
   </p:cSld>
   <p:clrMapOvr>
     <a:masterClrMapping/>
@@ -4527,13 +3996,7 @@
       </p:grpSpPr>
       <p:sp>
         <p:nvSpPr>
-          <p:cNvPr id="2" name="Title Placeholder 1">
-            <a:extLst>
-              <a:ext uri="{FF2B5EF4-FFF2-40B4-BE49-F238E27FC236}">
-                <a16:creationId xmlns:a16="http://schemas.microsoft.com/office/drawing/2014/main" id="{BB325BDE-35A4-4AAD-960B-C1415864ADD9}"/>
-              </a:ext>
-            </a:extLst>
-          </p:cNvPr>
+          <p:cNvPr id="2" name="Title Placeholder 1"/>
           <p:cNvSpPr>
             <a:spLocks noGrp="1"/>
           </p:cNvSpPr>
@@ -4564,13 +4027,7 @@
       </p:sp>
       <p:sp>
         <p:nvSpPr>
-          <p:cNvPr id="3" name="Text Placeholder 2">
-            <a:extLst>
-              <a:ext uri="{FF2B5EF4-FFF2-40B4-BE49-F238E27FC236}">
-                <a16:creationId xmlns:a16="http://schemas.microsoft.com/office/drawing/2014/main" id="{BE459C78-0CC4-4552-93DD-49B4194D005D}"/>
-              </a:ext>
-            </a:extLst>
-          </p:cNvPr>
+          <p:cNvPr id="3" name="Text Placeholder 2"/>
           <p:cNvSpPr>
             <a:spLocks noGrp="1"/>
           </p:cNvSpPr>
@@ -4630,13 +4087,7 @@
       </p:sp>
       <p:sp>
         <p:nvSpPr>
-          <p:cNvPr id="4" name="Date Placeholder 3">
-            <a:extLst>
-              <a:ext uri="{FF2B5EF4-FFF2-40B4-BE49-F238E27FC236}">
-                <a16:creationId xmlns:a16="http://schemas.microsoft.com/office/drawing/2014/main" id="{06744A3C-9C54-46A6-B3EF-5B36362423EB}"/>
-              </a:ext>
-            </a:extLst>
-          </p:cNvPr>
+          <p:cNvPr id="4" name="Date Placeholder 3"/>
           <p:cNvSpPr>
             <a:spLocks noGrp="1"/>
           </p:cNvSpPr>
@@ -4669,7 +4120,7 @@
           <a:p>
             <a:fld id="{02AC24A9-CCB6-4F8D-B8DB-C2F3692CFA5A}" type="datetimeFigureOut">
               <a:rPr lang="en-US" smtClean="0"/>
-              <a:t>7/2/2022</a:t>
+              <a:t>7/7/2022</a:t>
             </a:fld>
             <a:endParaRPr lang="en-US"/>
           </a:p>
@@ -4677,13 +4128,7 @@
       </p:sp>
       <p:sp>
         <p:nvSpPr>
-          <p:cNvPr id="5" name="Footer Placeholder 4">
-            <a:extLst>
-              <a:ext uri="{FF2B5EF4-FFF2-40B4-BE49-F238E27FC236}">
-                <a16:creationId xmlns:a16="http://schemas.microsoft.com/office/drawing/2014/main" id="{07D5A696-7B4B-4181-A961-7D66556D507F}"/>
-              </a:ext>
-            </a:extLst>
-          </p:cNvPr>
+          <p:cNvPr id="5" name="Footer Placeholder 4"/>
           <p:cNvSpPr>
             <a:spLocks noGrp="1"/>
           </p:cNvSpPr>
@@ -4720,13 +4165,7 @@
       </p:sp>
       <p:sp>
         <p:nvSpPr>
-          <p:cNvPr id="6" name="Slide Number Placeholder 5">
-            <a:extLst>
-              <a:ext uri="{FF2B5EF4-FFF2-40B4-BE49-F238E27FC236}">
-                <a16:creationId xmlns:a16="http://schemas.microsoft.com/office/drawing/2014/main" id="{23038CB5-8F4A-401D-A3A9-B27DC15B7A81}"/>
-              </a:ext>
-            </a:extLst>
-          </p:cNvPr>
+          <p:cNvPr id="6" name="Slide Number Placeholder 5"/>
           <p:cNvSpPr>
             <a:spLocks noGrp="1"/>
           </p:cNvSpPr>
@@ -4766,25 +4205,20 @@
         </p:txBody>
       </p:sp>
     </p:spTree>
-    <p:extLst>
-      <p:ext uri="{BB962C8B-B14F-4D97-AF65-F5344CB8AC3E}">
-        <p14:creationId xmlns:p14="http://schemas.microsoft.com/office/powerpoint/2010/main" val="459479344"/>
-      </p:ext>
-    </p:extLst>
   </p:cSld>
   <p:clrMap bg1="lt1" tx1="dk1" bg2="lt2" tx2="dk2" accent1="accent1" accent2="accent2" accent3="accent3" accent4="accent4" accent5="accent5" accent6="accent6" hlink="hlink" folHlink="folHlink"/>
   <p:sldLayoutIdLst>
-    <p:sldLayoutId id="2147483668" r:id="rId1"/>
-    <p:sldLayoutId id="2147483669" r:id="rId2"/>
-    <p:sldLayoutId id="2147483670" r:id="rId3"/>
-    <p:sldLayoutId id="2147483671" r:id="rId4"/>
-    <p:sldLayoutId id="2147483672" r:id="rId5"/>
-    <p:sldLayoutId id="2147483666" r:id="rId6"/>
-    <p:sldLayoutId id="2147483662" r:id="rId7"/>
-    <p:sldLayoutId id="2147483663" r:id="rId8"/>
-    <p:sldLayoutId id="2147483664" r:id="rId9"/>
-    <p:sldLayoutId id="2147483665" r:id="rId10"/>
-    <p:sldLayoutId id="2147483667" r:id="rId11"/>
+    <p:sldLayoutId id="2147483649" r:id="rId1"/>
+    <p:sldLayoutId id="2147483650" r:id="rId2"/>
+    <p:sldLayoutId id="2147483651" r:id="rId3"/>
+    <p:sldLayoutId id="2147483652" r:id="rId4"/>
+    <p:sldLayoutId id="2147483653" r:id="rId5"/>
+    <p:sldLayoutId id="2147483654" r:id="rId6"/>
+    <p:sldLayoutId id="2147483655" r:id="rId7"/>
+    <p:sldLayoutId id="2147483656" r:id="rId8"/>
+    <p:sldLayoutId id="2147483657" r:id="rId9"/>
+    <p:sldLayoutId id="2147483658" r:id="rId10"/>
+    <p:sldLayoutId id="2147483659" r:id="rId11"/>
   </p:sldLayoutIdLst>
   <p:txStyles>
     <p:titleStyle>
@@ -5096,26 +4530,11 @@
       </p:grpSpPr>
       <p:sp useBgFill="1">
         <p:nvSpPr>
-          <p:cNvPr id="9" name="Rectangle 8">
-            <a:extLst>
-              <a:ext uri="{FF2B5EF4-FFF2-40B4-BE49-F238E27FC236}">
-                <a16:creationId xmlns:a16="http://schemas.microsoft.com/office/drawing/2014/main" id="{526E0BFB-CDF1-4990-8C11-AC849311E0A8}"/>
-              </a:ext>
-              <a:ext uri="{C183D7F6-B498-43B3-948B-1728B52AA6E4}">
-                <adec:decorative xmlns:adec="http://schemas.microsoft.com/office/drawing/2017/decorative" val="1"/>
-              </a:ext>
-            </a:extLst>
-          </p:cNvPr>
+          <p:cNvPr id="9" name="Rectangle 8"/>
           <p:cNvSpPr>
             <a:spLocks noGrp="1" noRot="1" noChangeAspect="1" noMove="1" noResize="1" noEditPoints="1" noAdjustHandles="1" noChangeArrowheads="1" noChangeShapeType="1" noTextEdit="1"/>
           </p:cNvSpPr>
-          <p:nvPr>
-            <p:extLst>
-              <p:ext uri="{386F3935-93C4-4BCD-93E2-E3B085C9AB24}">
-                <p16:designElem xmlns:p16="http://schemas.microsoft.com/office/powerpoint/2015/main" val="1"/>
-              </p:ext>
-            </p:extLst>
-          </p:nvPr>
+          <p:nvPr/>
         </p:nvSpPr>
         <p:spPr>
           <a:xfrm>
@@ -5156,13 +4575,7 @@
       </p:sp>
       <p:pic>
         <p:nvPicPr>
-          <p:cNvPr id="4" name="Picture 3" descr="抽象黑白图案">
-            <a:extLst>
-              <a:ext uri="{FF2B5EF4-FFF2-40B4-BE49-F238E27FC236}">
-                <a16:creationId xmlns:a16="http://schemas.microsoft.com/office/drawing/2014/main" id="{130A1686-5D36-CF81-6D9D-70AF25C0BE9D}"/>
-              </a:ext>
-            </a:extLst>
-          </p:cNvPr>
+          <p:cNvPr id="4" name="Picture 3" descr="抽象黑白图案"/>
           <p:cNvPicPr>
             <a:picLocks noChangeAspect="1"/>
           </p:cNvPicPr>
@@ -5171,7 +4584,9 @@
         <p:blipFill rotWithShape="1">
           <a:blip r:embed="rId2"/>
           <a:srcRect l="6785" r="4735" b="1"/>
-          <a:stretch/>
+          <a:stretch>
+            <a:fillRect/>
+          </a:stretch>
         </p:blipFill>
         <p:spPr>
           <a:xfrm>
@@ -5185,26 +4600,11 @@
       </p:pic>
       <p:sp>
         <p:nvSpPr>
-          <p:cNvPr id="11" name="Rectangle 10">
-            <a:extLst>
-              <a:ext uri="{FF2B5EF4-FFF2-40B4-BE49-F238E27FC236}">
-                <a16:creationId xmlns:a16="http://schemas.microsoft.com/office/drawing/2014/main" id="{6069A1F8-9BEB-4786-9694-FC48B2D75D21}"/>
-              </a:ext>
-              <a:ext uri="{C183D7F6-B498-43B3-948B-1728B52AA6E4}">
-                <adec:decorative xmlns:adec="http://schemas.microsoft.com/office/drawing/2017/decorative" val="1"/>
-              </a:ext>
-            </a:extLst>
-          </p:cNvPr>
+          <p:cNvPr id="11" name="Rectangle 10"/>
           <p:cNvSpPr>
             <a:spLocks noGrp="1" noRot="1" noChangeAspect="1" noMove="1" noResize="1" noEditPoints="1" noAdjustHandles="1" noChangeArrowheads="1" noChangeShapeType="1" noTextEdit="1"/>
           </p:cNvSpPr>
-          <p:nvPr>
-            <p:extLst>
-              <p:ext uri="{386F3935-93C4-4BCD-93E2-E3B085C9AB24}">
-                <p16:designElem xmlns:p16="http://schemas.microsoft.com/office/powerpoint/2015/main" val="1"/>
-              </p:ext>
-            </p:extLst>
-          </p:nvPr>
+          <p:nvPr/>
         </p:nvSpPr>
         <p:spPr>
           <a:xfrm flipH="1">
@@ -5266,13 +4666,7 @@
       </p:sp>
       <p:sp>
         <p:nvSpPr>
-          <p:cNvPr id="2" name="标题 1">
-            <a:extLst>
-              <a:ext uri="{FF2B5EF4-FFF2-40B4-BE49-F238E27FC236}">
-                <a16:creationId xmlns:a16="http://schemas.microsoft.com/office/drawing/2014/main" id="{8D99083E-8386-EB8A-838B-248E2D3AE6FE}"/>
-              </a:ext>
-            </a:extLst>
-          </p:cNvPr>
+          <p:cNvPr id="2" name="标题 1"/>
           <p:cNvSpPr>
             <a:spLocks noGrp="1"/>
           </p:cNvSpPr>
@@ -5312,13 +4706,7 @@
       </p:sp>
       <p:sp>
         <p:nvSpPr>
-          <p:cNvPr id="3" name="副标题 2">
-            <a:extLst>
-              <a:ext uri="{FF2B5EF4-FFF2-40B4-BE49-F238E27FC236}">
-                <a16:creationId xmlns:a16="http://schemas.microsoft.com/office/drawing/2014/main" id="{9D5DB8C6-A501-3793-0C14-A4ED01F08A7B}"/>
-              </a:ext>
-            </a:extLst>
-          </p:cNvPr>
+          <p:cNvPr id="3" name="副标题 2"/>
           <p:cNvSpPr>
             <a:spLocks noGrp="1"/>
           </p:cNvSpPr>
@@ -5348,26 +4736,11 @@
       </p:sp>
       <p:sp>
         <p:nvSpPr>
-          <p:cNvPr id="13" name="Rectangle 12">
-            <a:extLst>
-              <a:ext uri="{FF2B5EF4-FFF2-40B4-BE49-F238E27FC236}">
-                <a16:creationId xmlns:a16="http://schemas.microsoft.com/office/drawing/2014/main" id="{AF2F604E-43BE-4DC3-B983-E071523364F8}"/>
-              </a:ext>
-              <a:ext uri="{C183D7F6-B498-43B3-948B-1728B52AA6E4}">
-                <adec:decorative xmlns:adec="http://schemas.microsoft.com/office/drawing/2017/decorative" val="1"/>
-              </a:ext>
-            </a:extLst>
-          </p:cNvPr>
+          <p:cNvPr id="13" name="Rectangle 12"/>
           <p:cNvSpPr>
             <a:spLocks noGrp="1" noRot="1" noChangeAspect="1" noMove="1" noResize="1" noEditPoints="1" noAdjustHandles="1" noChangeArrowheads="1" noChangeShapeType="1" noTextEdit="1"/>
           </p:cNvSpPr>
-          <p:nvPr>
-            <p:extLst>
-              <p:ext uri="{386F3935-93C4-4BCD-93E2-E3B085C9AB24}">
-                <p16:designElem xmlns:p16="http://schemas.microsoft.com/office/powerpoint/2015/main" val="1"/>
-              </p:ext>
-            </p:extLst>
-          </p:nvPr>
+          <p:nvPr/>
         </p:nvSpPr>
         <p:spPr>
           <a:xfrm rot="5400000">
@@ -5418,7 +4791,6 @@
               <a:buSzTx/>
               <a:buFontTx/>
               <a:buNone/>
-              <a:tabLst/>
               <a:defRPr/>
             </a:pPr>
             <a:endParaRPr kumimoji="0" lang="en-US" sz="1800" b="0" i="0" u="none" strike="noStrike" kern="1200" cap="none" spc="0" normalizeH="0" baseline="0" noProof="0">
@@ -5440,26 +4812,11 @@
       </p:sp>
       <p:sp>
         <p:nvSpPr>
-          <p:cNvPr id="20" name="Rectangle 14">
-            <a:extLst>
-              <a:ext uri="{FF2B5EF4-FFF2-40B4-BE49-F238E27FC236}">
-                <a16:creationId xmlns:a16="http://schemas.microsoft.com/office/drawing/2014/main" id="{08C9B587-E65E-4B52-B37C-ABEBB6E87928}"/>
-              </a:ext>
-              <a:ext uri="{C183D7F6-B498-43B3-948B-1728B52AA6E4}">
-                <adec:decorative xmlns:adec="http://schemas.microsoft.com/office/drawing/2017/decorative" val="1"/>
-              </a:ext>
-            </a:extLst>
-          </p:cNvPr>
+          <p:cNvPr id="20" name="Rectangle 14"/>
           <p:cNvSpPr>
             <a:spLocks noGrp="1" noRot="1" noChangeAspect="1" noMove="1" noResize="1" noEditPoints="1" noAdjustHandles="1" noChangeArrowheads="1" noChangeShapeType="1" noTextEdit="1"/>
           </p:cNvSpPr>
-          <p:nvPr>
-            <p:extLst>
-              <p:ext uri="{386F3935-93C4-4BCD-93E2-E3B085C9AB24}">
-                <p16:designElem xmlns:p16="http://schemas.microsoft.com/office/powerpoint/2015/main" val="1"/>
-              </p:ext>
-            </p:extLst>
-          </p:nvPr>
+          <p:nvPr/>
         </p:nvSpPr>
         <p:spPr>
           <a:xfrm>
@@ -5511,7 +4868,6 @@
               <a:buSzTx/>
               <a:buFontTx/>
               <a:buNone/>
-              <a:tabLst/>
               <a:defRPr/>
             </a:pPr>
             <a:endParaRPr kumimoji="0" lang="en-US" sz="1800" b="0" i="0" u="none" strike="noStrike" kern="1200" cap="none" spc="0" normalizeH="0" baseline="0" noProof="0">
@@ -5532,11 +4888,6 @@
         </p:txBody>
       </p:sp>
     </p:spTree>
-    <p:extLst>
-      <p:ext uri="{BB962C8B-B14F-4D97-AF65-F5344CB8AC3E}">
-        <p14:creationId xmlns:p14="http://schemas.microsoft.com/office/powerpoint/2010/main" val="2551064584"/>
-      </p:ext>
-    </p:extLst>
   </p:cSld>
   <p:clrMapOvr>
     <a:overrideClrMapping bg1="dk1" tx1="lt1" bg2="dk2" tx2="lt2" accent1="accent1" accent2="accent2" accent3="accent3" accent4="accent4" accent5="accent5" accent6="accent6" hlink="hlink" folHlink="folHlink"/>
@@ -5571,26 +4922,11 @@
       </p:grpSpPr>
       <p:sp>
         <p:nvSpPr>
-          <p:cNvPr id="21" name="Rectangle 9">
-            <a:extLst>
-              <a:ext uri="{FF2B5EF4-FFF2-40B4-BE49-F238E27FC236}">
-                <a16:creationId xmlns:a16="http://schemas.microsoft.com/office/drawing/2014/main" id="{8D06CE56-3881-4ADA-8CEF-D18B02C242A3}"/>
-              </a:ext>
-              <a:ext uri="{C183D7F6-B498-43B3-948B-1728B52AA6E4}">
-                <adec:decorative xmlns:adec="http://schemas.microsoft.com/office/drawing/2017/decorative" val="1"/>
-              </a:ext>
-            </a:extLst>
-          </p:cNvPr>
+          <p:cNvPr id="21" name="Rectangle 9"/>
           <p:cNvSpPr>
             <a:spLocks noGrp="1" noRot="1" noChangeAspect="1" noMove="1" noResize="1" noEditPoints="1" noAdjustHandles="1" noChangeArrowheads="1" noChangeShapeType="1" noTextEdit="1"/>
           </p:cNvSpPr>
-          <p:nvPr>
-            <p:extLst>
-              <p:ext uri="{386F3935-93C4-4BCD-93E2-E3B085C9AB24}">
-                <p16:designElem xmlns:p16="http://schemas.microsoft.com/office/powerpoint/2015/main" val="1"/>
-              </p:ext>
-            </p:extLst>
-          </p:nvPr>
+          <p:nvPr/>
         </p:nvSpPr>
         <p:spPr>
           <a:xfrm rot="5400000">
@@ -5641,7 +4977,6 @@
               <a:buSzTx/>
               <a:buFontTx/>
               <a:buNone/>
-              <a:tabLst/>
               <a:defRPr/>
             </a:pPr>
             <a:endParaRPr kumimoji="0" lang="en-US" sz="1800" b="0" i="0" u="none" strike="noStrike" kern="1200" cap="none" spc="0" normalizeH="0" baseline="0" noProof="0">
@@ -5663,26 +4998,11 @@
       </p:sp>
       <p:sp>
         <p:nvSpPr>
-          <p:cNvPr id="23" name="Rectangle 11">
-            <a:extLst>
-              <a:ext uri="{FF2B5EF4-FFF2-40B4-BE49-F238E27FC236}">
-                <a16:creationId xmlns:a16="http://schemas.microsoft.com/office/drawing/2014/main" id="{79F3C543-62EC-4433-9C93-A2CD8764E9B4}"/>
-              </a:ext>
-              <a:ext uri="{C183D7F6-B498-43B3-948B-1728B52AA6E4}">
-                <adec:decorative xmlns:adec="http://schemas.microsoft.com/office/drawing/2017/decorative" val="1"/>
-              </a:ext>
-            </a:extLst>
-          </p:cNvPr>
+          <p:cNvPr id="23" name="Rectangle 11"/>
           <p:cNvSpPr>
             <a:spLocks noGrp="1" noRot="1" noChangeAspect="1" noMove="1" noResize="1" noEditPoints="1" noAdjustHandles="1" noChangeArrowheads="1" noChangeShapeType="1" noTextEdit="1"/>
           </p:cNvSpPr>
-          <p:nvPr>
-            <p:extLst>
-              <p:ext uri="{386F3935-93C4-4BCD-93E2-E3B085C9AB24}">
-                <p16:designElem xmlns:p16="http://schemas.microsoft.com/office/powerpoint/2015/main" val="1"/>
-              </p:ext>
-            </p:extLst>
-          </p:nvPr>
+          <p:nvPr/>
         </p:nvSpPr>
         <p:spPr>
           <a:xfrm flipV="1">
@@ -5737,7 +5057,6 @@
               <a:buSzTx/>
               <a:buFontTx/>
               <a:buNone/>
-              <a:tabLst/>
               <a:defRPr/>
             </a:pPr>
             <a:endParaRPr kumimoji="0" lang="en-US" sz="1800" b="0" i="0" u="none" strike="noStrike" kern="1200" cap="none" spc="0" normalizeH="0" baseline="0" noProof="0">
@@ -5759,26 +5078,11 @@
       </p:sp>
       <p:sp useBgFill="1">
         <p:nvSpPr>
-          <p:cNvPr id="24" name="Rectangle 13">
-            <a:extLst>
-              <a:ext uri="{FF2B5EF4-FFF2-40B4-BE49-F238E27FC236}">
-                <a16:creationId xmlns:a16="http://schemas.microsoft.com/office/drawing/2014/main" id="{5DCB5928-DC7D-4612-9922-441966E15627}"/>
-              </a:ext>
-              <a:ext uri="{C183D7F6-B498-43B3-948B-1728B52AA6E4}">
-                <adec:decorative xmlns:adec="http://schemas.microsoft.com/office/drawing/2017/decorative" val="1"/>
-              </a:ext>
-            </a:extLst>
-          </p:cNvPr>
+          <p:cNvPr id="24" name="Rectangle 13"/>
           <p:cNvSpPr>
             <a:spLocks noGrp="1" noRot="1" noChangeAspect="1" noMove="1" noResize="1" noEditPoints="1" noAdjustHandles="1" noChangeArrowheads="1" noChangeShapeType="1" noTextEdit="1"/>
           </p:cNvSpPr>
-          <p:nvPr>
-            <p:extLst>
-              <p:ext uri="{386F3935-93C4-4BCD-93E2-E3B085C9AB24}">
-                <p16:designElem xmlns:p16="http://schemas.microsoft.com/office/powerpoint/2015/main" val="1"/>
-              </p:ext>
-            </p:extLst>
-          </p:nvPr>
+          <p:nvPr/>
         </p:nvSpPr>
         <p:spPr>
           <a:xfrm>
@@ -5819,26 +5123,11 @@
       </p:sp>
       <p:sp useBgFill="1">
         <p:nvSpPr>
-          <p:cNvPr id="25" name="Freeform: Shape 15">
-            <a:extLst>
-              <a:ext uri="{FF2B5EF4-FFF2-40B4-BE49-F238E27FC236}">
-                <a16:creationId xmlns:a16="http://schemas.microsoft.com/office/drawing/2014/main" id="{682C1161-1736-45EC-99B7-33F3CAE9D517}"/>
-              </a:ext>
-              <a:ext uri="{C183D7F6-B498-43B3-948B-1728B52AA6E4}">
-                <adec:decorative xmlns:adec="http://schemas.microsoft.com/office/drawing/2017/decorative" val="1"/>
-              </a:ext>
-            </a:extLst>
-          </p:cNvPr>
+          <p:cNvPr id="25" name="Freeform: Shape 15"/>
           <p:cNvSpPr>
             <a:spLocks noGrp="1" noRot="1" noChangeAspect="1" noMove="1" noResize="1" noEditPoints="1" noAdjustHandles="1" noChangeArrowheads="1" noChangeShapeType="1" noTextEdit="1"/>
           </p:cNvSpPr>
-          <p:nvPr>
-            <p:extLst>
-              <p:ext uri="{386F3935-93C4-4BCD-93E2-E3B085C9AB24}">
-                <p16:designElem xmlns:p16="http://schemas.microsoft.com/office/powerpoint/2015/main" val="1"/>
-              </p:ext>
-            </p:extLst>
-          </p:nvPr>
+          <p:nvPr/>
         </p:nvSpPr>
         <p:spPr>
           <a:xfrm>
@@ -5972,7 +5261,6 @@
               <a:buSzTx/>
               <a:buFontTx/>
               <a:buNone/>
-              <a:tabLst/>
               <a:defRPr/>
             </a:pPr>
             <a:endParaRPr kumimoji="0" lang="en-US" sz="1800" b="0" i="0" u="none" strike="noStrike" kern="1200" cap="none" spc="0" normalizeH="0" baseline="0" noProof="0">
@@ -5994,26 +5282,11 @@
       </p:sp>
       <p:sp useBgFill="1">
         <p:nvSpPr>
-          <p:cNvPr id="26" name="Freeform: Shape 17">
-            <a:extLst>
-              <a:ext uri="{FF2B5EF4-FFF2-40B4-BE49-F238E27FC236}">
-                <a16:creationId xmlns:a16="http://schemas.microsoft.com/office/drawing/2014/main" id="{84D4DDB8-B68F-45B0-9F62-C4279996F672}"/>
-              </a:ext>
-              <a:ext uri="{C183D7F6-B498-43B3-948B-1728B52AA6E4}">
-                <adec:decorative xmlns:adec="http://schemas.microsoft.com/office/drawing/2017/decorative" val="1"/>
-              </a:ext>
-            </a:extLst>
-          </p:cNvPr>
+          <p:cNvPr id="26" name="Freeform: Shape 17"/>
           <p:cNvSpPr>
             <a:spLocks noGrp="1" noRot="1" noChangeAspect="1" noMove="1" noResize="1" noEditPoints="1" noAdjustHandles="1" noChangeArrowheads="1" noChangeShapeType="1" noTextEdit="1"/>
           </p:cNvSpPr>
-          <p:nvPr>
-            <p:extLst>
-              <p:ext uri="{386F3935-93C4-4BCD-93E2-E3B085C9AB24}">
-                <p16:designElem xmlns:p16="http://schemas.microsoft.com/office/powerpoint/2015/main" val="1"/>
-              </p:ext>
-            </p:extLst>
-          </p:nvPr>
+          <p:nvPr/>
         </p:nvSpPr>
         <p:spPr>
           <a:xfrm>
@@ -6135,7 +5408,6 @@
               <a:buSzTx/>
               <a:buFontTx/>
               <a:buNone/>
-              <a:tabLst/>
               <a:defRPr/>
             </a:pPr>
             <a:endParaRPr kumimoji="0" lang="en-US" sz="1800" b="0" i="0" u="none" strike="noStrike" kern="1200" cap="none" spc="0" normalizeH="0" baseline="0" noProof="0">
@@ -6157,13 +5429,7 @@
       </p:sp>
       <p:sp>
         <p:nvSpPr>
-          <p:cNvPr id="2" name="标题 1">
-            <a:extLst>
-              <a:ext uri="{FF2B5EF4-FFF2-40B4-BE49-F238E27FC236}">
-                <a16:creationId xmlns:a16="http://schemas.microsoft.com/office/drawing/2014/main" id="{D055B6B4-8675-EDB6-4599-D84DD09DBB8C}"/>
-              </a:ext>
-            </a:extLst>
-          </p:cNvPr>
+          <p:cNvPr id="2" name="标题 1"/>
           <p:cNvSpPr>
             <a:spLocks noGrp="1"/>
           </p:cNvSpPr>
@@ -6197,26 +5463,11 @@
       </p:sp>
       <p:sp>
         <p:nvSpPr>
-          <p:cNvPr id="20" name="Rectangle 19">
-            <a:extLst>
-              <a:ext uri="{FF2B5EF4-FFF2-40B4-BE49-F238E27FC236}">
-                <a16:creationId xmlns:a16="http://schemas.microsoft.com/office/drawing/2014/main" id="{AF2F604E-43BE-4DC3-B983-E071523364F8}"/>
-              </a:ext>
-              <a:ext uri="{C183D7F6-B498-43B3-948B-1728B52AA6E4}">
-                <adec:decorative xmlns:adec="http://schemas.microsoft.com/office/drawing/2017/decorative" val="1"/>
-              </a:ext>
-            </a:extLst>
-          </p:cNvPr>
+          <p:cNvPr id="20" name="Rectangle 19"/>
           <p:cNvSpPr>
             <a:spLocks noGrp="1" noRot="1" noChangeAspect="1" noMove="1" noResize="1" noEditPoints="1" noAdjustHandles="1" noChangeArrowheads="1" noChangeShapeType="1" noTextEdit="1"/>
           </p:cNvSpPr>
-          <p:nvPr>
-            <p:extLst>
-              <p:ext uri="{386F3935-93C4-4BCD-93E2-E3B085C9AB24}">
-                <p16:designElem xmlns:p16="http://schemas.microsoft.com/office/powerpoint/2015/main" val="1"/>
-              </p:ext>
-            </p:extLst>
-          </p:nvPr>
+          <p:nvPr/>
         </p:nvSpPr>
         <p:spPr>
           <a:xfrm rot="5400000">
@@ -6267,7 +5518,6 @@
               <a:buSzTx/>
               <a:buFontTx/>
               <a:buNone/>
-              <a:tabLst/>
               <a:defRPr/>
             </a:pPr>
             <a:endParaRPr kumimoji="0" lang="en-US" sz="1800" b="0" i="0" u="none" strike="noStrike" kern="1200" cap="none" spc="0" normalizeH="0" baseline="0" noProof="0">
@@ -6289,26 +5539,11 @@
       </p:sp>
       <p:sp>
         <p:nvSpPr>
-          <p:cNvPr id="22" name="Rectangle 21">
-            <a:extLst>
-              <a:ext uri="{FF2B5EF4-FFF2-40B4-BE49-F238E27FC236}">
-                <a16:creationId xmlns:a16="http://schemas.microsoft.com/office/drawing/2014/main" id="{08C9B587-E65E-4B52-B37C-ABEBB6E87928}"/>
-              </a:ext>
-              <a:ext uri="{C183D7F6-B498-43B3-948B-1728B52AA6E4}">
-                <adec:decorative xmlns:adec="http://schemas.microsoft.com/office/drawing/2017/decorative" val="1"/>
-              </a:ext>
-            </a:extLst>
-          </p:cNvPr>
+          <p:cNvPr id="22" name="Rectangle 21"/>
           <p:cNvSpPr>
             <a:spLocks noGrp="1" noRot="1" noChangeAspect="1" noMove="1" noResize="1" noEditPoints="1" noAdjustHandles="1" noChangeArrowheads="1" noChangeShapeType="1" noTextEdit="1"/>
           </p:cNvSpPr>
-          <p:nvPr>
-            <p:extLst>
-              <p:ext uri="{386F3935-93C4-4BCD-93E2-E3B085C9AB24}">
-                <p16:designElem xmlns:p16="http://schemas.microsoft.com/office/powerpoint/2015/main" val="1"/>
-              </p:ext>
-            </p:extLst>
-          </p:nvPr>
+          <p:nvPr/>
         </p:nvSpPr>
         <p:spPr>
           <a:xfrm>
@@ -6363,7 +5598,6 @@
               <a:buSzTx/>
               <a:buFontTx/>
               <a:buNone/>
-              <a:tabLst/>
               <a:defRPr/>
             </a:pPr>
             <a:endParaRPr kumimoji="0" lang="en-US" sz="1800" b="0" i="0" u="none" strike="noStrike" kern="1200" cap="none" spc="0" normalizeH="0" baseline="0" noProof="0">
@@ -6385,13 +5619,7 @@
       </p:sp>
       <p:pic>
         <p:nvPicPr>
-          <p:cNvPr id="5" name="图片 4" descr="图示&#10;&#10;描述已自动生成">
-            <a:extLst>
-              <a:ext uri="{FF2B5EF4-FFF2-40B4-BE49-F238E27FC236}">
-                <a16:creationId xmlns:a16="http://schemas.microsoft.com/office/drawing/2014/main" id="{F26883AB-30E6-084F-711E-FABA5D4EA36C}"/>
-              </a:ext>
-            </a:extLst>
-          </p:cNvPr>
+          <p:cNvPr id="5" name="图片 4" descr="图示&#10;&#10;描述已自动生成"/>
           <p:cNvPicPr>
             <a:picLocks noChangeAspect="1"/>
           </p:cNvPicPr>
@@ -6420,11 +5648,6 @@
         </p:spPr>
       </p:pic>
     </p:spTree>
-    <p:extLst>
-      <p:ext uri="{BB962C8B-B14F-4D97-AF65-F5344CB8AC3E}">
-        <p14:creationId xmlns:p14="http://schemas.microsoft.com/office/powerpoint/2010/main" val="3116721798"/>
-      </p:ext>
-    </p:extLst>
   </p:cSld>
   <p:clrMapOvr>
     <a:masterClrMapping/>
@@ -6451,13 +5674,7 @@
       </p:grpSpPr>
       <p:sp>
         <p:nvSpPr>
-          <p:cNvPr id="2" name="标题 1">
-            <a:extLst>
-              <a:ext uri="{FF2B5EF4-FFF2-40B4-BE49-F238E27FC236}">
-                <a16:creationId xmlns:a16="http://schemas.microsoft.com/office/drawing/2014/main" id="{D055B6B4-8675-EDB6-4599-D84DD09DBB8C}"/>
-              </a:ext>
-            </a:extLst>
-          </p:cNvPr>
+          <p:cNvPr id="2" name="标题 1"/>
           <p:cNvSpPr>
             <a:spLocks noGrp="1"/>
           </p:cNvSpPr>
@@ -6487,13 +5704,7 @@
       </p:sp>
       <p:sp>
         <p:nvSpPr>
-          <p:cNvPr id="3" name="内容占位符 2">
-            <a:extLst>
-              <a:ext uri="{FF2B5EF4-FFF2-40B4-BE49-F238E27FC236}">
-                <a16:creationId xmlns:a16="http://schemas.microsoft.com/office/drawing/2014/main" id="{55374842-D92C-703E-A2ED-77D45F98CDDE}"/>
-              </a:ext>
-            </a:extLst>
-          </p:cNvPr>
+          <p:cNvPr id="3" name="内容占位符 2"/>
           <p:cNvSpPr>
             <a:spLocks noGrp="1"/>
           </p:cNvSpPr>
@@ -6557,11 +5768,6 @@
         </p:txBody>
       </p:sp>
     </p:spTree>
-    <p:extLst>
-      <p:ext uri="{BB962C8B-B14F-4D97-AF65-F5344CB8AC3E}">
-        <p14:creationId xmlns:p14="http://schemas.microsoft.com/office/powerpoint/2010/main" val="2266102620"/>
-      </p:ext>
-    </p:extLst>
   </p:cSld>
   <p:clrMapOvr>
     <a:masterClrMapping/>
@@ -6596,26 +5802,11 @@
       </p:grpSpPr>
       <p:sp>
         <p:nvSpPr>
-          <p:cNvPr id="2055" name="Rectangle 2054">
-            <a:extLst>
-              <a:ext uri="{FF2B5EF4-FFF2-40B4-BE49-F238E27FC236}">
-                <a16:creationId xmlns:a16="http://schemas.microsoft.com/office/drawing/2014/main" id="{8D06CE56-3881-4ADA-8CEF-D18B02C242A3}"/>
-              </a:ext>
-              <a:ext uri="{C183D7F6-B498-43B3-948B-1728B52AA6E4}">
-                <adec:decorative xmlns:adec="http://schemas.microsoft.com/office/drawing/2017/decorative" val="1"/>
-              </a:ext>
-            </a:extLst>
-          </p:cNvPr>
+          <p:cNvPr id="2055" name="Rectangle 2054"/>
           <p:cNvSpPr>
             <a:spLocks noGrp="1" noRot="1" noChangeAspect="1" noMove="1" noResize="1" noEditPoints="1" noAdjustHandles="1" noChangeArrowheads="1" noChangeShapeType="1" noTextEdit="1"/>
           </p:cNvSpPr>
-          <p:nvPr>
-            <p:extLst>
-              <p:ext uri="{386F3935-93C4-4BCD-93E2-E3B085C9AB24}">
-                <p16:designElem xmlns:p16="http://schemas.microsoft.com/office/powerpoint/2015/main" val="1"/>
-              </p:ext>
-            </p:extLst>
-          </p:nvPr>
+          <p:nvPr/>
         </p:nvSpPr>
         <p:spPr>
           <a:xfrm rot="5400000">
@@ -6666,7 +5857,6 @@
               <a:buSzTx/>
               <a:buFontTx/>
               <a:buNone/>
-              <a:tabLst/>
               <a:defRPr/>
             </a:pPr>
             <a:endParaRPr kumimoji="0" lang="en-US" sz="1800" b="0" i="0" u="none" strike="noStrike" kern="1200" cap="none" spc="0" normalizeH="0" baseline="0" noProof="0">
@@ -6688,26 +5878,11 @@
       </p:sp>
       <p:sp>
         <p:nvSpPr>
-          <p:cNvPr id="2057" name="Rectangle 2056">
-            <a:extLst>
-              <a:ext uri="{FF2B5EF4-FFF2-40B4-BE49-F238E27FC236}">
-                <a16:creationId xmlns:a16="http://schemas.microsoft.com/office/drawing/2014/main" id="{79F3C543-62EC-4433-9C93-A2CD8764E9B4}"/>
-              </a:ext>
-              <a:ext uri="{C183D7F6-B498-43B3-948B-1728B52AA6E4}">
-                <adec:decorative xmlns:adec="http://schemas.microsoft.com/office/drawing/2017/decorative" val="1"/>
-              </a:ext>
-            </a:extLst>
-          </p:cNvPr>
+          <p:cNvPr id="2057" name="Rectangle 2056"/>
           <p:cNvSpPr>
             <a:spLocks noGrp="1" noRot="1" noChangeAspect="1" noMove="1" noResize="1" noEditPoints="1" noAdjustHandles="1" noChangeArrowheads="1" noChangeShapeType="1" noTextEdit="1"/>
           </p:cNvSpPr>
-          <p:nvPr>
-            <p:extLst>
-              <p:ext uri="{386F3935-93C4-4BCD-93E2-E3B085C9AB24}">
-                <p16:designElem xmlns:p16="http://schemas.microsoft.com/office/powerpoint/2015/main" val="1"/>
-              </p:ext>
-            </p:extLst>
-          </p:nvPr>
+          <p:nvPr/>
         </p:nvSpPr>
         <p:spPr>
           <a:xfrm flipV="1">
@@ -6762,7 +5937,6 @@
               <a:buSzTx/>
               <a:buFontTx/>
               <a:buNone/>
-              <a:tabLst/>
               <a:defRPr/>
             </a:pPr>
             <a:endParaRPr kumimoji="0" lang="en-US" sz="1800" b="0" i="0" u="none" strike="noStrike" kern="1200" cap="none" spc="0" normalizeH="0" baseline="0" noProof="0">
@@ -6784,26 +5958,11 @@
       </p:sp>
       <p:sp useBgFill="1">
         <p:nvSpPr>
-          <p:cNvPr id="2059" name="Rectangle 2058">
-            <a:extLst>
-              <a:ext uri="{FF2B5EF4-FFF2-40B4-BE49-F238E27FC236}">
-                <a16:creationId xmlns:a16="http://schemas.microsoft.com/office/drawing/2014/main" id="{5DCB5928-DC7D-4612-9922-441966E15627}"/>
-              </a:ext>
-              <a:ext uri="{C183D7F6-B498-43B3-948B-1728B52AA6E4}">
-                <adec:decorative xmlns:adec="http://schemas.microsoft.com/office/drawing/2017/decorative" val="1"/>
-              </a:ext>
-            </a:extLst>
-          </p:cNvPr>
+          <p:cNvPr id="2059" name="Rectangle 2058"/>
           <p:cNvSpPr>
             <a:spLocks noGrp="1" noRot="1" noChangeAspect="1" noMove="1" noResize="1" noEditPoints="1" noAdjustHandles="1" noChangeArrowheads="1" noChangeShapeType="1" noTextEdit="1"/>
           </p:cNvSpPr>
-          <p:nvPr>
-            <p:extLst>
-              <p:ext uri="{386F3935-93C4-4BCD-93E2-E3B085C9AB24}">
-                <p16:designElem xmlns:p16="http://schemas.microsoft.com/office/powerpoint/2015/main" val="1"/>
-              </p:ext>
-            </p:extLst>
-          </p:nvPr>
+          <p:nvPr/>
         </p:nvSpPr>
         <p:spPr>
           <a:xfrm>
@@ -6844,26 +6003,11 @@
       </p:sp>
       <p:sp useBgFill="1">
         <p:nvSpPr>
-          <p:cNvPr id="2061" name="Freeform: Shape 2060">
-            <a:extLst>
-              <a:ext uri="{FF2B5EF4-FFF2-40B4-BE49-F238E27FC236}">
-                <a16:creationId xmlns:a16="http://schemas.microsoft.com/office/drawing/2014/main" id="{682C1161-1736-45EC-99B7-33F3CAE9D517}"/>
-              </a:ext>
-              <a:ext uri="{C183D7F6-B498-43B3-948B-1728B52AA6E4}">
-                <adec:decorative xmlns:adec="http://schemas.microsoft.com/office/drawing/2017/decorative" val="1"/>
-              </a:ext>
-            </a:extLst>
-          </p:cNvPr>
+          <p:cNvPr id="2061" name="Freeform: Shape 2060"/>
           <p:cNvSpPr>
             <a:spLocks noGrp="1" noRot="1" noChangeAspect="1" noMove="1" noResize="1" noEditPoints="1" noAdjustHandles="1" noChangeArrowheads="1" noChangeShapeType="1" noTextEdit="1"/>
           </p:cNvSpPr>
-          <p:nvPr>
-            <p:extLst>
-              <p:ext uri="{386F3935-93C4-4BCD-93E2-E3B085C9AB24}">
-                <p16:designElem xmlns:p16="http://schemas.microsoft.com/office/powerpoint/2015/main" val="1"/>
-              </p:ext>
-            </p:extLst>
-          </p:nvPr>
+          <p:nvPr/>
         </p:nvSpPr>
         <p:spPr>
           <a:xfrm>
@@ -6997,7 +6141,6 @@
               <a:buSzTx/>
               <a:buFontTx/>
               <a:buNone/>
-              <a:tabLst/>
               <a:defRPr/>
             </a:pPr>
             <a:endParaRPr kumimoji="0" lang="en-US" sz="1800" b="0" i="0" u="none" strike="noStrike" kern="1200" cap="none" spc="0" normalizeH="0" baseline="0" noProof="0">
@@ -7019,26 +6162,11 @@
       </p:sp>
       <p:sp useBgFill="1">
         <p:nvSpPr>
-          <p:cNvPr id="2063" name="Freeform: Shape 2062">
-            <a:extLst>
-              <a:ext uri="{FF2B5EF4-FFF2-40B4-BE49-F238E27FC236}">
-                <a16:creationId xmlns:a16="http://schemas.microsoft.com/office/drawing/2014/main" id="{84D4DDB8-B68F-45B0-9F62-C4279996F672}"/>
-              </a:ext>
-              <a:ext uri="{C183D7F6-B498-43B3-948B-1728B52AA6E4}">
-                <adec:decorative xmlns:adec="http://schemas.microsoft.com/office/drawing/2017/decorative" val="1"/>
-              </a:ext>
-            </a:extLst>
-          </p:cNvPr>
+          <p:cNvPr id="2063" name="Freeform: Shape 2062"/>
           <p:cNvSpPr>
             <a:spLocks noGrp="1" noRot="1" noChangeAspect="1" noMove="1" noResize="1" noEditPoints="1" noAdjustHandles="1" noChangeArrowheads="1" noChangeShapeType="1" noTextEdit="1"/>
           </p:cNvSpPr>
-          <p:nvPr>
-            <p:extLst>
-              <p:ext uri="{386F3935-93C4-4BCD-93E2-E3B085C9AB24}">
-                <p16:designElem xmlns:p16="http://schemas.microsoft.com/office/powerpoint/2015/main" val="1"/>
-              </p:ext>
-            </p:extLst>
-          </p:nvPr>
+          <p:nvPr/>
         </p:nvSpPr>
         <p:spPr>
           <a:xfrm>
@@ -7160,7 +6288,6 @@
               <a:buSzTx/>
               <a:buFontTx/>
               <a:buNone/>
-              <a:tabLst/>
               <a:defRPr/>
             </a:pPr>
             <a:endParaRPr kumimoji="0" lang="en-US" sz="1800" b="0" i="0" u="none" strike="noStrike" kern="1200" cap="none" spc="0" normalizeH="0" baseline="0" noProof="0">
@@ -7182,13 +6309,7 @@
       </p:sp>
       <p:sp>
         <p:nvSpPr>
-          <p:cNvPr id="2" name="标题 1">
-            <a:extLst>
-              <a:ext uri="{FF2B5EF4-FFF2-40B4-BE49-F238E27FC236}">
-                <a16:creationId xmlns:a16="http://schemas.microsoft.com/office/drawing/2014/main" id="{04ACBACB-3276-17B2-E304-DCF05273CBDD}"/>
-              </a:ext>
-            </a:extLst>
-          </p:cNvPr>
+          <p:cNvPr id="2" name="标题 1"/>
           <p:cNvSpPr>
             <a:spLocks noGrp="1"/>
           </p:cNvSpPr>
@@ -7226,26 +6347,11 @@
       </p:sp>
       <p:sp>
         <p:nvSpPr>
-          <p:cNvPr id="2065" name="Rectangle 2064">
-            <a:extLst>
-              <a:ext uri="{FF2B5EF4-FFF2-40B4-BE49-F238E27FC236}">
-                <a16:creationId xmlns:a16="http://schemas.microsoft.com/office/drawing/2014/main" id="{AF2F604E-43BE-4DC3-B983-E071523364F8}"/>
-              </a:ext>
-              <a:ext uri="{C183D7F6-B498-43B3-948B-1728B52AA6E4}">
-                <adec:decorative xmlns:adec="http://schemas.microsoft.com/office/drawing/2017/decorative" val="1"/>
-              </a:ext>
-            </a:extLst>
-          </p:cNvPr>
+          <p:cNvPr id="2065" name="Rectangle 2064"/>
           <p:cNvSpPr>
             <a:spLocks noGrp="1" noRot="1" noChangeAspect="1" noMove="1" noResize="1" noEditPoints="1" noAdjustHandles="1" noChangeArrowheads="1" noChangeShapeType="1" noTextEdit="1"/>
           </p:cNvSpPr>
-          <p:nvPr>
-            <p:extLst>
-              <p:ext uri="{386F3935-93C4-4BCD-93E2-E3B085C9AB24}">
-                <p16:designElem xmlns:p16="http://schemas.microsoft.com/office/powerpoint/2015/main" val="1"/>
-              </p:ext>
-            </p:extLst>
-          </p:nvPr>
+          <p:nvPr/>
         </p:nvSpPr>
         <p:spPr>
           <a:xfrm rot="5400000">
@@ -7296,7 +6402,6 @@
               <a:buSzTx/>
               <a:buFontTx/>
               <a:buNone/>
-              <a:tabLst/>
               <a:defRPr/>
             </a:pPr>
             <a:endParaRPr kumimoji="0" lang="en-US" sz="1800" b="0" i="0" u="none" strike="noStrike" kern="1200" cap="none" spc="0" normalizeH="0" baseline="0" noProof="0">
@@ -7318,26 +6423,11 @@
       </p:sp>
       <p:sp>
         <p:nvSpPr>
-          <p:cNvPr id="2067" name="Rectangle 2066">
-            <a:extLst>
-              <a:ext uri="{FF2B5EF4-FFF2-40B4-BE49-F238E27FC236}">
-                <a16:creationId xmlns:a16="http://schemas.microsoft.com/office/drawing/2014/main" id="{08C9B587-E65E-4B52-B37C-ABEBB6E87928}"/>
-              </a:ext>
-              <a:ext uri="{C183D7F6-B498-43B3-948B-1728B52AA6E4}">
-                <adec:decorative xmlns:adec="http://schemas.microsoft.com/office/drawing/2017/decorative" val="1"/>
-              </a:ext>
-            </a:extLst>
-          </p:cNvPr>
+          <p:cNvPr id="2067" name="Rectangle 2066"/>
           <p:cNvSpPr>
             <a:spLocks noGrp="1" noRot="1" noChangeAspect="1" noMove="1" noResize="1" noEditPoints="1" noAdjustHandles="1" noChangeArrowheads="1" noChangeShapeType="1" noTextEdit="1"/>
           </p:cNvSpPr>
-          <p:nvPr>
-            <p:extLst>
-              <p:ext uri="{386F3935-93C4-4BCD-93E2-E3B085C9AB24}">
-                <p16:designElem xmlns:p16="http://schemas.microsoft.com/office/powerpoint/2015/main" val="1"/>
-              </p:ext>
-            </p:extLst>
-          </p:nvPr>
+          <p:nvPr/>
         </p:nvSpPr>
         <p:spPr>
           <a:xfrm>
@@ -7392,7 +6482,6 @@
               <a:buSzTx/>
               <a:buFontTx/>
               <a:buNone/>
-              <a:tabLst/>
               <a:defRPr/>
             </a:pPr>
             <a:endParaRPr kumimoji="0" lang="en-US" sz="1800" b="0" i="0" u="none" strike="noStrike" kern="1200" cap="none" spc="0" normalizeH="0" baseline="0" noProof="0">
@@ -7414,13 +6503,7 @@
       </p:sp>
       <p:pic>
         <p:nvPicPr>
-          <p:cNvPr id="2050" name="Picture 2">
-            <a:extLst>
-              <a:ext uri="{FF2B5EF4-FFF2-40B4-BE49-F238E27FC236}">
-                <a16:creationId xmlns:a16="http://schemas.microsoft.com/office/drawing/2014/main" id="{AA9FF5B8-466D-8012-5B55-A7FE92B72F8A}"/>
-              </a:ext>
-            </a:extLst>
-          </p:cNvPr>
+          <p:cNvPr id="2050" name="Picture 2"/>
           <p:cNvPicPr>
             <a:picLocks noChangeAspect="1" noChangeArrowheads="1"/>
           </p:cNvPicPr>
@@ -7459,11 +6542,6 @@
         </p:spPr>
       </p:pic>
     </p:spTree>
-    <p:extLst>
-      <p:ext uri="{BB962C8B-B14F-4D97-AF65-F5344CB8AC3E}">
-        <p14:creationId xmlns:p14="http://schemas.microsoft.com/office/powerpoint/2010/main" val="3737497493"/>
-      </p:ext>
-    </p:extLst>
   </p:cSld>
   <p:clrMapOvr>
     <a:masterClrMapping/>
@@ -7490,13 +6568,7 @@
       </p:grpSpPr>
       <p:sp>
         <p:nvSpPr>
-          <p:cNvPr id="2" name="标题 1">
-            <a:extLst>
-              <a:ext uri="{FF2B5EF4-FFF2-40B4-BE49-F238E27FC236}">
-                <a16:creationId xmlns:a16="http://schemas.microsoft.com/office/drawing/2014/main" id="{04ACBACB-3276-17B2-E304-DCF05273CBDD}"/>
-              </a:ext>
-            </a:extLst>
-          </p:cNvPr>
+          <p:cNvPr id="2" name="标题 1"/>
           <p:cNvSpPr>
             <a:spLocks noGrp="1"/>
           </p:cNvSpPr>
@@ -7534,13 +6606,7 @@
       </p:sp>
       <p:pic>
         <p:nvPicPr>
-          <p:cNvPr id="4" name="图片 3" descr="图示&#10;&#10;描述已自动生成">
-            <a:extLst>
-              <a:ext uri="{FF2B5EF4-FFF2-40B4-BE49-F238E27FC236}">
-                <a16:creationId xmlns:a16="http://schemas.microsoft.com/office/drawing/2014/main" id="{7DCE73EC-C7B1-5FC2-60E5-73F9BF6AC679}"/>
-              </a:ext>
-            </a:extLst>
-          </p:cNvPr>
+          <p:cNvPr id="4" name="图片 3" descr="图示&#10;&#10;描述已自动生成"/>
           <p:cNvPicPr>
             <a:picLocks noChangeAspect="1"/>
           </p:cNvPicPr>
@@ -7569,11 +6635,6 @@
         </p:spPr>
       </p:pic>
     </p:spTree>
-    <p:extLst>
-      <p:ext uri="{BB962C8B-B14F-4D97-AF65-F5344CB8AC3E}">
-        <p14:creationId xmlns:p14="http://schemas.microsoft.com/office/powerpoint/2010/main" val="1087762148"/>
-      </p:ext>
-    </p:extLst>
   </p:cSld>
   <p:clrMapOvr>
     <a:masterClrMapping/>
@@ -7600,13 +6661,7 @@
       </p:grpSpPr>
       <p:sp>
         <p:nvSpPr>
-          <p:cNvPr id="2" name="标题 1">
-            <a:extLst>
-              <a:ext uri="{FF2B5EF4-FFF2-40B4-BE49-F238E27FC236}">
-                <a16:creationId xmlns:a16="http://schemas.microsoft.com/office/drawing/2014/main" id="{04ACBACB-3276-17B2-E304-DCF05273CBDD}"/>
-              </a:ext>
-            </a:extLst>
-          </p:cNvPr>
+          <p:cNvPr id="2" name="标题 1"/>
           <p:cNvSpPr>
             <a:spLocks noGrp="1"/>
           </p:cNvSpPr>
@@ -7644,13 +6699,7 @@
       </p:sp>
       <p:pic>
         <p:nvPicPr>
-          <p:cNvPr id="4" name="图片 3" descr="图示&#10;&#10;描述已自动生成">
-            <a:extLst>
-              <a:ext uri="{FF2B5EF4-FFF2-40B4-BE49-F238E27FC236}">
-                <a16:creationId xmlns:a16="http://schemas.microsoft.com/office/drawing/2014/main" id="{7DCE73EC-C7B1-5FC2-60E5-73F9BF6AC679}"/>
-              </a:ext>
-            </a:extLst>
-          </p:cNvPr>
+          <p:cNvPr id="4" name="图片 3" descr="图示&#10;&#10;描述已自动生成"/>
           <p:cNvPicPr>
             <a:picLocks noChangeAspect="1"/>
           </p:cNvPicPr>
@@ -7679,11 +6728,6 @@
         </p:spPr>
       </p:pic>
     </p:spTree>
-    <p:extLst>
-      <p:ext uri="{BB962C8B-B14F-4D97-AF65-F5344CB8AC3E}">
-        <p14:creationId xmlns:p14="http://schemas.microsoft.com/office/powerpoint/2010/main" val="1332716781"/>
-      </p:ext>
-    </p:extLst>
   </p:cSld>
   <p:clrMapOvr>
     <a:masterClrMapping/>
@@ -7710,13 +6754,7 @@
       </p:grpSpPr>
       <p:sp>
         <p:nvSpPr>
-          <p:cNvPr id="2" name="标题 1">
-            <a:extLst>
-              <a:ext uri="{FF2B5EF4-FFF2-40B4-BE49-F238E27FC236}">
-                <a16:creationId xmlns:a16="http://schemas.microsoft.com/office/drawing/2014/main" id="{D055B6B4-8675-EDB6-4599-D84DD09DBB8C}"/>
-              </a:ext>
-            </a:extLst>
-          </p:cNvPr>
+          <p:cNvPr id="2" name="标题 1"/>
           <p:cNvSpPr>
             <a:spLocks noGrp="1"/>
           </p:cNvSpPr>
@@ -7746,13 +6784,7 @@
       </p:sp>
       <p:sp>
         <p:nvSpPr>
-          <p:cNvPr id="3" name="内容占位符 2">
-            <a:extLst>
-              <a:ext uri="{FF2B5EF4-FFF2-40B4-BE49-F238E27FC236}">
-                <a16:creationId xmlns:a16="http://schemas.microsoft.com/office/drawing/2014/main" id="{55374842-D92C-703E-A2ED-77D45F98CDDE}"/>
-              </a:ext>
-            </a:extLst>
-          </p:cNvPr>
+          <p:cNvPr id="3" name="内容占位符 2"/>
           <p:cNvSpPr>
             <a:spLocks noGrp="1"/>
           </p:cNvSpPr>
@@ -7832,11 +6864,6 @@
         </p:txBody>
       </p:sp>
     </p:spTree>
-    <p:extLst>
-      <p:ext uri="{BB962C8B-B14F-4D97-AF65-F5344CB8AC3E}">
-        <p14:creationId xmlns:p14="http://schemas.microsoft.com/office/powerpoint/2010/main" val="1234661289"/>
-      </p:ext>
-    </p:extLst>
   </p:cSld>
   <p:clrMapOvr>
     <a:masterClrMapping/>
@@ -7871,26 +6898,11 @@
       </p:grpSpPr>
       <p:sp useBgFill="1">
         <p:nvSpPr>
-          <p:cNvPr id="9" name="Rectangle 8">
-            <a:extLst>
-              <a:ext uri="{FF2B5EF4-FFF2-40B4-BE49-F238E27FC236}">
-                <a16:creationId xmlns:a16="http://schemas.microsoft.com/office/drawing/2014/main" id="{81D377EB-C9D2-4ED0-86A6-740A297E3EAC}"/>
-              </a:ext>
-              <a:ext uri="{C183D7F6-B498-43B3-948B-1728B52AA6E4}">
-                <adec:decorative xmlns:adec="http://schemas.microsoft.com/office/drawing/2017/decorative" val="1"/>
-              </a:ext>
-            </a:extLst>
-          </p:cNvPr>
+          <p:cNvPr id="9" name="Rectangle 8"/>
           <p:cNvSpPr>
             <a:spLocks noGrp="1" noRot="1" noChangeAspect="1" noMove="1" noResize="1" noEditPoints="1" noAdjustHandles="1" noChangeArrowheads="1" noChangeShapeType="1" noTextEdit="1"/>
           </p:cNvSpPr>
-          <p:nvPr>
-            <p:extLst>
-              <p:ext uri="{386F3935-93C4-4BCD-93E2-E3B085C9AB24}">
-                <p16:designElem xmlns:p16="http://schemas.microsoft.com/office/powerpoint/2015/main" val="1"/>
-              </p:ext>
-            </p:extLst>
-          </p:nvPr>
+          <p:nvPr/>
         </p:nvSpPr>
         <p:spPr>
           <a:xfrm>
@@ -7931,13 +6943,7 @@
       </p:sp>
       <p:sp>
         <p:nvSpPr>
-          <p:cNvPr id="2" name="标题 1">
-            <a:extLst>
-              <a:ext uri="{FF2B5EF4-FFF2-40B4-BE49-F238E27FC236}">
-                <a16:creationId xmlns:a16="http://schemas.microsoft.com/office/drawing/2014/main" id="{D055B6B4-8675-EDB6-4599-D84DD09DBB8C}"/>
-              </a:ext>
-            </a:extLst>
-          </p:cNvPr>
+          <p:cNvPr id="2" name="标题 1"/>
           <p:cNvSpPr>
             <a:spLocks noGrp="1"/>
           </p:cNvSpPr>
@@ -7974,26 +6980,11 @@
       </p:sp>
       <p:sp>
         <p:nvSpPr>
-          <p:cNvPr id="11" name="Rectangle 10">
-            <a:extLst>
-              <a:ext uri="{FF2B5EF4-FFF2-40B4-BE49-F238E27FC236}">
-                <a16:creationId xmlns:a16="http://schemas.microsoft.com/office/drawing/2014/main" id="{066346BE-FDB4-4772-A696-0719490ABD64}"/>
-              </a:ext>
-              <a:ext uri="{C183D7F6-B498-43B3-948B-1728B52AA6E4}">
-                <adec:decorative xmlns:adec="http://schemas.microsoft.com/office/drawing/2017/decorative" val="1"/>
-              </a:ext>
-            </a:extLst>
-          </p:cNvPr>
+          <p:cNvPr id="11" name="Rectangle 10"/>
           <p:cNvSpPr>
             <a:spLocks noGrp="1" noRot="1" noChangeAspect="1" noMove="1" noResize="1" noEditPoints="1" noAdjustHandles="1" noChangeArrowheads="1" noChangeShapeType="1" noTextEdit="1"/>
           </p:cNvSpPr>
-          <p:nvPr>
-            <p:extLst>
-              <p:ext uri="{386F3935-93C4-4BCD-93E2-E3B085C9AB24}">
-                <p16:designElem xmlns:p16="http://schemas.microsoft.com/office/powerpoint/2015/main" val="1"/>
-              </p:ext>
-            </p:extLst>
-          </p:nvPr>
+          <p:nvPr/>
         </p:nvSpPr>
         <p:spPr>
           <a:xfrm rot="5400000">
@@ -8044,7 +7035,6 @@
               <a:buSzTx/>
               <a:buFontTx/>
               <a:buNone/>
-              <a:tabLst/>
               <a:defRPr/>
             </a:pPr>
             <a:endParaRPr kumimoji="0" lang="en-US" sz="1800" b="0" i="0" u="none" strike="noStrike" kern="1200" cap="none" spc="0" normalizeH="0" baseline="0" noProof="0">
@@ -8066,26 +7056,11 @@
       </p:sp>
       <p:sp>
         <p:nvSpPr>
-          <p:cNvPr id="13" name="Rectangle 12">
-            <a:extLst>
-              <a:ext uri="{FF2B5EF4-FFF2-40B4-BE49-F238E27FC236}">
-                <a16:creationId xmlns:a16="http://schemas.microsoft.com/office/drawing/2014/main" id="{FB92FFCE-0C90-454E-AA25-D4EE9A6C39C5}"/>
-              </a:ext>
-              <a:ext uri="{C183D7F6-B498-43B3-948B-1728B52AA6E4}">
-                <adec:decorative xmlns:adec="http://schemas.microsoft.com/office/drawing/2017/decorative" val="1"/>
-              </a:ext>
-            </a:extLst>
-          </p:cNvPr>
+          <p:cNvPr id="13" name="Rectangle 12"/>
           <p:cNvSpPr>
             <a:spLocks noGrp="1" noRot="1" noChangeAspect="1" noMove="1" noResize="1" noEditPoints="1" noAdjustHandles="1" noChangeArrowheads="1" noChangeShapeType="1" noTextEdit="1"/>
           </p:cNvSpPr>
-          <p:nvPr>
-            <p:extLst>
-              <p:ext uri="{386F3935-93C4-4BCD-93E2-E3B085C9AB24}">
-                <p16:designElem xmlns:p16="http://schemas.microsoft.com/office/powerpoint/2015/main" val="1"/>
-              </p:ext>
-            </p:extLst>
-          </p:nvPr>
+          <p:nvPr/>
         </p:nvSpPr>
         <p:spPr>
           <a:xfrm>
@@ -8140,7 +7115,6 @@
               <a:buSzTx/>
               <a:buFontTx/>
               <a:buNone/>
-              <a:tabLst/>
               <a:defRPr/>
             </a:pPr>
             <a:endParaRPr kumimoji="0" lang="en-US" sz="1800" b="0" i="0" u="none" strike="noStrike" kern="1200" cap="none" spc="0" normalizeH="0" baseline="0" noProof="0">
@@ -8162,23 +7136,12 @@
       </p:sp>
       <p:graphicFrame>
         <p:nvGraphicFramePr>
-          <p:cNvPr id="4" name="内容占位符 3">
-            <a:extLst>
-              <a:ext uri="{FF2B5EF4-FFF2-40B4-BE49-F238E27FC236}">
-                <a16:creationId xmlns:a16="http://schemas.microsoft.com/office/drawing/2014/main" id="{FE12B7D5-CCA3-2607-D02C-F9284E233516}"/>
-              </a:ext>
-            </a:extLst>
-          </p:cNvPr>
+          <p:cNvPr id="4" name="内容占位符 3"/>
           <p:cNvGraphicFramePr>
             <a:graphicFrameLocks noGrp="1"/>
           </p:cNvGraphicFramePr>
           <p:nvPr>
             <p:ph idx="1"/>
-            <p:extLst>
-              <p:ext uri="{D42A27DB-BD31-4B8C-83A1-F6EECF244321}">
-                <p14:modId xmlns:p14="http://schemas.microsoft.com/office/powerpoint/2010/main" val="2539020742"/>
-              </p:ext>
-            </p:extLst>
           </p:nvPr>
         </p:nvGraphicFramePr>
         <p:xfrm>
@@ -8193,98 +7156,98 @@
                 <a:gridCol w="1118722">
                   <a:extLst>
                     <a:ext uri="{9D8B030D-6E8A-4147-A177-3AD203B41FA5}">
-                      <a16:colId xmlns:a16="http://schemas.microsoft.com/office/drawing/2014/main" val="118984951"/>
+                      <a16:colId xmlns:a16="http://schemas.microsoft.com/office/drawing/2014/main" val="20000"/>
                     </a:ext>
                   </a:extLst>
                 </a:gridCol>
                 <a:gridCol w="1068050">
                   <a:extLst>
                     <a:ext uri="{9D8B030D-6E8A-4147-A177-3AD203B41FA5}">
-                      <a16:colId xmlns:a16="http://schemas.microsoft.com/office/drawing/2014/main" val="2573483866"/>
+                      <a16:colId xmlns:a16="http://schemas.microsoft.com/office/drawing/2014/main" val="20001"/>
                     </a:ext>
                   </a:extLst>
                 </a:gridCol>
                 <a:gridCol w="469392">
                   <a:extLst>
                     <a:ext uri="{9D8B030D-6E8A-4147-A177-3AD203B41FA5}">
-                      <a16:colId xmlns:a16="http://schemas.microsoft.com/office/drawing/2014/main" val="4260550866"/>
+                      <a16:colId xmlns:a16="http://schemas.microsoft.com/office/drawing/2014/main" val="20002"/>
                     </a:ext>
                   </a:extLst>
                 </a:gridCol>
                 <a:gridCol w="469392">
                   <a:extLst>
                     <a:ext uri="{9D8B030D-6E8A-4147-A177-3AD203B41FA5}">
-                      <a16:colId xmlns:a16="http://schemas.microsoft.com/office/drawing/2014/main" val="2936545867"/>
+                      <a16:colId xmlns:a16="http://schemas.microsoft.com/office/drawing/2014/main" val="20003"/>
                     </a:ext>
                   </a:extLst>
                 </a:gridCol>
                 <a:gridCol w="469392">
                   <a:extLst>
                     <a:ext uri="{9D8B030D-6E8A-4147-A177-3AD203B41FA5}">
-                      <a16:colId xmlns:a16="http://schemas.microsoft.com/office/drawing/2014/main" val="862526357"/>
+                      <a16:colId xmlns:a16="http://schemas.microsoft.com/office/drawing/2014/main" val="20004"/>
                     </a:ext>
                   </a:extLst>
                 </a:gridCol>
                 <a:gridCol w="469392">
                   <a:extLst>
                     <a:ext uri="{9D8B030D-6E8A-4147-A177-3AD203B41FA5}">
-                      <a16:colId xmlns:a16="http://schemas.microsoft.com/office/drawing/2014/main" val="3743520479"/>
+                      <a16:colId xmlns:a16="http://schemas.microsoft.com/office/drawing/2014/main" val="20005"/>
                     </a:ext>
                   </a:extLst>
                 </a:gridCol>
                 <a:gridCol w="469392">
                   <a:extLst>
                     <a:ext uri="{9D8B030D-6E8A-4147-A177-3AD203B41FA5}">
-                      <a16:colId xmlns:a16="http://schemas.microsoft.com/office/drawing/2014/main" val="947318469"/>
+                      <a16:colId xmlns:a16="http://schemas.microsoft.com/office/drawing/2014/main" val="20006"/>
                     </a:ext>
                   </a:extLst>
                 </a:gridCol>
                 <a:gridCol w="469392">
                   <a:extLst>
                     <a:ext uri="{9D8B030D-6E8A-4147-A177-3AD203B41FA5}">
-                      <a16:colId xmlns:a16="http://schemas.microsoft.com/office/drawing/2014/main" val="3189464662"/>
+                      <a16:colId xmlns:a16="http://schemas.microsoft.com/office/drawing/2014/main" val="20007"/>
                     </a:ext>
                   </a:extLst>
                 </a:gridCol>
                 <a:gridCol w="469392">
                   <a:extLst>
                     <a:ext uri="{9D8B030D-6E8A-4147-A177-3AD203B41FA5}">
-                      <a16:colId xmlns:a16="http://schemas.microsoft.com/office/drawing/2014/main" val="2070399586"/>
+                      <a16:colId xmlns:a16="http://schemas.microsoft.com/office/drawing/2014/main" val="20008"/>
                     </a:ext>
                   </a:extLst>
                 </a:gridCol>
                 <a:gridCol w="469392">
                   <a:extLst>
                     <a:ext uri="{9D8B030D-6E8A-4147-A177-3AD203B41FA5}">
-                      <a16:colId xmlns:a16="http://schemas.microsoft.com/office/drawing/2014/main" val="1359187769"/>
+                      <a16:colId xmlns:a16="http://schemas.microsoft.com/office/drawing/2014/main" val="20009"/>
                     </a:ext>
                   </a:extLst>
                 </a:gridCol>
                 <a:gridCol w="469392">
                   <a:extLst>
                     <a:ext uri="{9D8B030D-6E8A-4147-A177-3AD203B41FA5}">
-                      <a16:colId xmlns:a16="http://schemas.microsoft.com/office/drawing/2014/main" val="3753649434"/>
+                      <a16:colId xmlns:a16="http://schemas.microsoft.com/office/drawing/2014/main" val="20010"/>
                     </a:ext>
                   </a:extLst>
                 </a:gridCol>
                 <a:gridCol w="469392">
                   <a:extLst>
                     <a:ext uri="{9D8B030D-6E8A-4147-A177-3AD203B41FA5}">
-                      <a16:colId xmlns:a16="http://schemas.microsoft.com/office/drawing/2014/main" val="1132251325"/>
+                      <a16:colId xmlns:a16="http://schemas.microsoft.com/office/drawing/2014/main" val="20011"/>
                     </a:ext>
                   </a:extLst>
                 </a:gridCol>
                 <a:gridCol w="469392">
                   <a:extLst>
                     <a:ext uri="{9D8B030D-6E8A-4147-A177-3AD203B41FA5}">
-                      <a16:colId xmlns:a16="http://schemas.microsoft.com/office/drawing/2014/main" val="3602724565"/>
+                      <a16:colId xmlns:a16="http://schemas.microsoft.com/office/drawing/2014/main" val="20012"/>
                     </a:ext>
                   </a:extLst>
                 </a:gridCol>
                 <a:gridCol w="469392">
                   <a:extLst>
                     <a:ext uri="{9D8B030D-6E8A-4147-A177-3AD203B41FA5}">
-                      <a16:colId xmlns:a16="http://schemas.microsoft.com/office/drawing/2014/main" val="1790528293"/>
+                      <a16:colId xmlns:a16="http://schemas.microsoft.com/office/drawing/2014/main" val="20013"/>
                     </a:ext>
                   </a:extLst>
                 </a:gridCol>
@@ -9211,7 +8174,7 @@
                 </a:tc>
                 <a:extLst>
                   <a:ext uri="{0D108BD9-81ED-4DB2-BD59-A6C34878D82A}">
-                    <a16:rowId xmlns:a16="http://schemas.microsoft.com/office/drawing/2014/main" val="1766404485"/>
+                    <a16:rowId xmlns:a16="http://schemas.microsoft.com/office/drawing/2014/main" val="10000"/>
                   </a:ext>
                 </a:extLst>
               </a:tr>
@@ -9838,7 +8801,7 @@
                 </a:tc>
                 <a:extLst>
                   <a:ext uri="{0D108BD9-81ED-4DB2-BD59-A6C34878D82A}">
-                    <a16:rowId xmlns:a16="http://schemas.microsoft.com/office/drawing/2014/main" val="780974705"/>
+                    <a16:rowId xmlns:a16="http://schemas.microsoft.com/office/drawing/2014/main" val="10001"/>
                   </a:ext>
                 </a:extLst>
               </a:tr>
@@ -10005,7 +8968,7 @@
                     <a:bodyPr/>
                     <a:lstStyle/>
                     <a:p>
-                      <a:endParaRPr lang="zh-CN" altLang="en-US"/>
+                      <a:endParaRPr lang="zh-CN"/>
                     </a:p>
                   </a:txBody>
                   <a:tcPr/>
@@ -10087,7 +9050,7 @@
                     <a:bodyPr/>
                     <a:lstStyle/>
                     <a:p>
-                      <a:endParaRPr lang="zh-CN" altLang="en-US"/>
+                      <a:endParaRPr lang="zh-CN"/>
                     </a:p>
                   </a:txBody>
                   <a:tcPr/>
@@ -10166,7 +9129,7 @@
                     <a:bodyPr/>
                     <a:lstStyle/>
                     <a:p>
-                      <a:endParaRPr lang="zh-CN" altLang="en-US"/>
+                      <a:endParaRPr lang="zh-CN"/>
                     </a:p>
                   </a:txBody>
                   <a:tcPr/>
@@ -10245,7 +9208,7 @@
                     <a:bodyPr/>
                     <a:lstStyle/>
                     <a:p>
-                      <a:endParaRPr lang="zh-CN" altLang="en-US"/>
+                      <a:endParaRPr lang="zh-CN"/>
                     </a:p>
                   </a:txBody>
                   <a:tcPr/>
@@ -10324,7 +9287,7 @@
                     <a:bodyPr/>
                     <a:lstStyle/>
                     <a:p>
-                      <a:endParaRPr lang="zh-CN" altLang="en-US"/>
+                      <a:endParaRPr lang="zh-CN"/>
                     </a:p>
                   </a:txBody>
                   <a:tcPr/>
@@ -10403,14 +9366,14 @@
                     <a:bodyPr/>
                     <a:lstStyle/>
                     <a:p>
-                      <a:endParaRPr lang="zh-CN" altLang="en-US"/>
+                      <a:endParaRPr lang="zh-CN"/>
                     </a:p>
                   </a:txBody>
                   <a:tcPr/>
                 </a:tc>
                 <a:extLst>
                   <a:ext uri="{0D108BD9-81ED-4DB2-BD59-A6C34878D82A}">
-                    <a16:rowId xmlns:a16="http://schemas.microsoft.com/office/drawing/2014/main" val="4229588900"/>
+                    <a16:rowId xmlns:a16="http://schemas.microsoft.com/office/drawing/2014/main" val="10002"/>
                   </a:ext>
                 </a:extLst>
               </a:tr>
@@ -11037,7 +10000,7 @@
                 </a:tc>
                 <a:extLst>
                   <a:ext uri="{0D108BD9-81ED-4DB2-BD59-A6C34878D82A}">
-                    <a16:rowId xmlns:a16="http://schemas.microsoft.com/office/drawing/2014/main" val="3673093539"/>
+                    <a16:rowId xmlns:a16="http://schemas.microsoft.com/office/drawing/2014/main" val="10003"/>
                   </a:ext>
                 </a:extLst>
               </a:tr>
@@ -11204,7 +10167,7 @@
                     <a:bodyPr/>
                     <a:lstStyle/>
                     <a:p>
-                      <a:endParaRPr lang="zh-CN" altLang="en-US"/>
+                      <a:endParaRPr lang="zh-CN"/>
                     </a:p>
                   </a:txBody>
                   <a:tcPr/>
@@ -11214,7 +10177,7 @@
                     <a:bodyPr/>
                     <a:lstStyle/>
                     <a:p>
-                      <a:endParaRPr lang="zh-CN" altLang="en-US"/>
+                      <a:endParaRPr lang="zh-CN"/>
                     </a:p>
                   </a:txBody>
                   <a:tcPr/>
@@ -11224,7 +10187,7 @@
                     <a:bodyPr/>
                     <a:lstStyle/>
                     <a:p>
-                      <a:endParaRPr lang="zh-CN" altLang="en-US"/>
+                      <a:endParaRPr lang="zh-CN"/>
                     </a:p>
                   </a:txBody>
                   <a:tcPr/>
@@ -11303,7 +10266,7 @@
                     <a:bodyPr/>
                     <a:lstStyle/>
                     <a:p>
-                      <a:endParaRPr lang="zh-CN" altLang="en-US"/>
+                      <a:endParaRPr lang="zh-CN"/>
                     </a:p>
                   </a:txBody>
                   <a:tcPr/>
@@ -11313,7 +10276,7 @@
                     <a:bodyPr/>
                     <a:lstStyle/>
                     <a:p>
-                      <a:endParaRPr lang="zh-CN" altLang="en-US"/>
+                      <a:endParaRPr lang="zh-CN"/>
                     </a:p>
                   </a:txBody>
                   <a:tcPr/>
@@ -11323,7 +10286,7 @@
                     <a:bodyPr/>
                     <a:lstStyle/>
                     <a:p>
-                      <a:endParaRPr lang="zh-CN" altLang="en-US"/>
+                      <a:endParaRPr lang="zh-CN"/>
                     </a:p>
                   </a:txBody>
                   <a:tcPr/>
@@ -11402,7 +10365,7 @@
                     <a:bodyPr/>
                     <a:lstStyle/>
                     <a:p>
-                      <a:endParaRPr lang="zh-CN" altLang="en-US"/>
+                      <a:endParaRPr lang="zh-CN"/>
                     </a:p>
                   </a:txBody>
                   <a:tcPr/>
@@ -11412,7 +10375,7 @@
                     <a:bodyPr/>
                     <a:lstStyle/>
                     <a:p>
-                      <a:endParaRPr lang="zh-CN" altLang="en-US"/>
+                      <a:endParaRPr lang="zh-CN"/>
                     </a:p>
                   </a:txBody>
                   <a:tcPr/>
@@ -11422,14 +10385,14 @@
                     <a:bodyPr/>
                     <a:lstStyle/>
                     <a:p>
-                      <a:endParaRPr lang="zh-CN" altLang="en-US"/>
+                      <a:endParaRPr lang="zh-CN"/>
                     </a:p>
                   </a:txBody>
                   <a:tcPr/>
                 </a:tc>
                 <a:extLst>
                   <a:ext uri="{0D108BD9-81ED-4DB2-BD59-A6C34878D82A}">
-                    <a16:rowId xmlns:a16="http://schemas.microsoft.com/office/drawing/2014/main" val="2021920163"/>
+                    <a16:rowId xmlns:a16="http://schemas.microsoft.com/office/drawing/2014/main" val="10004"/>
                   </a:ext>
                 </a:extLst>
               </a:tr>
@@ -11438,11 +10401,6 @@
         </a:graphic>
       </p:graphicFrame>
     </p:spTree>
-    <p:extLst>
-      <p:ext uri="{BB962C8B-B14F-4D97-AF65-F5344CB8AC3E}">
-        <p14:creationId xmlns:p14="http://schemas.microsoft.com/office/powerpoint/2010/main" val="472274205"/>
-      </p:ext>
-    </p:extLst>
   </p:cSld>
   <p:clrMapOvr>
     <a:masterClrMapping/>
@@ -11469,13 +10427,7 @@
       </p:grpSpPr>
       <p:sp>
         <p:nvSpPr>
-          <p:cNvPr id="2" name="标题 1">
-            <a:extLst>
-              <a:ext uri="{FF2B5EF4-FFF2-40B4-BE49-F238E27FC236}">
-                <a16:creationId xmlns:a16="http://schemas.microsoft.com/office/drawing/2014/main" id="{D055B6B4-8675-EDB6-4599-D84DD09DBB8C}"/>
-              </a:ext>
-            </a:extLst>
-          </p:cNvPr>
+          <p:cNvPr id="2" name="标题 1"/>
           <p:cNvSpPr>
             <a:spLocks noGrp="1"/>
           </p:cNvSpPr>
@@ -11489,35 +10441,504 @@
           <a:lstStyle/>
           <a:p>
             <a:r>
+              <a:rPr lang="zh-CN" altLang="en-US" dirty="0"/>
+              <a:t>以</a:t>
+            </a:r>
+            <a:r>
               <a:rPr lang="en-US" altLang="zh-CN" dirty="0"/>
-              <a:t>LED</a:t>
-            </a:r>
+              <a:t>QP</a:t>
+            </a:r>
+            <a:r>
+              <a:rPr lang="zh-CN" altLang="en-US" dirty="0">
+                <a:ea typeface="宋体" panose="02010600030101010101" pitchFamily="2" charset="-122"/>
+              </a:rPr>
+              <a:t>为核心的嵌入式软件架构</a:t>
+            </a:r>
+          </a:p>
+        </p:txBody>
+      </p:sp>
+      <p:sp>
+        <p:nvSpPr>
+          <p:cNvPr id="4" name="矩形 3"/>
+          <p:cNvSpPr/>
+          <p:nvPr/>
+        </p:nvSpPr>
+        <p:spPr>
+          <a:xfrm>
+            <a:off x="9622790" y="2787650"/>
+            <a:ext cx="2038350" cy="2234565"/>
+          </a:xfrm>
+          <a:prstGeom prst="rect">
+            <a:avLst/>
+          </a:prstGeom>
+        </p:spPr>
+        <p:style>
+          <a:lnRef idx="2">
+            <a:schemeClr val="accent6">
+              <a:shade val="50000"/>
+            </a:schemeClr>
+          </a:lnRef>
+          <a:fillRef idx="1">
+            <a:schemeClr val="accent6"/>
+          </a:fillRef>
+          <a:effectRef idx="0">
+            <a:schemeClr val="accent6"/>
+          </a:effectRef>
+          <a:fontRef idx="minor">
+            <a:schemeClr val="lt1"/>
+          </a:fontRef>
+        </p:style>
+        <p:txBody>
+          <a:bodyPr rtlCol="0" anchor="ctr"/>
+          <a:lstStyle/>
+          <a:p>
+            <a:pPr algn="ctr"/>
+            <a:r>
+              <a:rPr lang="en-US" altLang="zh-CN" dirty="0"/>
+              <a:t>QP</a:t>
+            </a:r>
+          </a:p>
+        </p:txBody>
+      </p:sp>
+      <p:sp>
+        <p:nvSpPr>
+          <p:cNvPr id="5" name="矩形 4"/>
+          <p:cNvSpPr/>
+          <p:nvPr/>
+        </p:nvSpPr>
+        <p:spPr>
+          <a:xfrm>
+            <a:off x="693420" y="2299970"/>
+            <a:ext cx="10967720" cy="314960"/>
+          </a:xfrm>
+          <a:prstGeom prst="rect">
+            <a:avLst/>
+          </a:prstGeom>
+        </p:spPr>
+        <p:style>
+          <a:lnRef idx="2">
+            <a:schemeClr val="accent1">
+              <a:shade val="50000"/>
+            </a:schemeClr>
+          </a:lnRef>
+          <a:fillRef idx="1">
+            <a:schemeClr val="accent1"/>
+          </a:fillRef>
+          <a:effectRef idx="0">
+            <a:schemeClr val="accent1"/>
+          </a:effectRef>
+          <a:fontRef idx="minor">
+            <a:schemeClr val="lt1"/>
+          </a:fontRef>
+        </p:style>
+        <p:txBody>
+          <a:bodyPr rtlCol="0" anchor="ctr"/>
+          <a:lstStyle/>
+          <a:p>
+            <a:pPr algn="ctr"/>
+            <a:r>
+              <a:rPr lang="zh-CN" altLang="en-US">
+                <a:ea typeface="宋体" panose="02010600030101010101" pitchFamily="2" charset="-122"/>
+              </a:rPr>
+              <a:t>应用层</a:t>
+            </a:r>
+          </a:p>
+        </p:txBody>
+      </p:sp>
+      <p:sp>
+        <p:nvSpPr>
+          <p:cNvPr id="6" name="矩形 5"/>
+          <p:cNvSpPr/>
+          <p:nvPr/>
+        </p:nvSpPr>
+        <p:spPr>
+          <a:xfrm>
+            <a:off x="664845" y="5145405"/>
+            <a:ext cx="8601075" cy="308610"/>
+          </a:xfrm>
+          <a:prstGeom prst="rect">
+            <a:avLst/>
+          </a:prstGeom>
+        </p:spPr>
+        <p:style>
+          <a:lnRef idx="2">
+            <a:schemeClr val="accent4">
+              <a:shade val="50000"/>
+            </a:schemeClr>
+          </a:lnRef>
+          <a:fillRef idx="1">
+            <a:schemeClr val="accent4"/>
+          </a:fillRef>
+          <a:effectRef idx="0">
+            <a:schemeClr val="accent4"/>
+          </a:effectRef>
+          <a:fontRef idx="minor">
+            <a:schemeClr val="lt1"/>
+          </a:fontRef>
+        </p:style>
+        <p:txBody>
+          <a:bodyPr rtlCol="0" anchor="ctr"/>
+          <a:lstStyle/>
+          <a:p>
+            <a:pPr algn="ctr"/>
+            <a:r>
+              <a:rPr lang="zh-CN" altLang="en-US">
+                <a:ea typeface="宋体" panose="02010600030101010101" pitchFamily="2" charset="-122"/>
+              </a:rPr>
+              <a:t>驱动层</a:t>
+            </a:r>
+          </a:p>
+        </p:txBody>
+      </p:sp>
+      <p:sp>
+        <p:nvSpPr>
+          <p:cNvPr id="7" name="矩形 6"/>
+          <p:cNvSpPr/>
+          <p:nvPr/>
+        </p:nvSpPr>
+        <p:spPr>
+          <a:xfrm>
+            <a:off x="678815" y="5626735"/>
+            <a:ext cx="10996295" cy="361950"/>
+          </a:xfrm>
+          <a:prstGeom prst="rect">
+            <a:avLst/>
+          </a:prstGeom>
+        </p:spPr>
+        <p:style>
+          <a:lnRef idx="2">
+            <a:schemeClr val="dk1">
+              <a:shade val="50000"/>
+            </a:schemeClr>
+          </a:lnRef>
+          <a:fillRef idx="1">
+            <a:schemeClr val="dk1"/>
+          </a:fillRef>
+          <a:effectRef idx="0">
+            <a:schemeClr val="dk1"/>
+          </a:effectRef>
+          <a:fontRef idx="minor">
+            <a:schemeClr val="lt1"/>
+          </a:fontRef>
+        </p:style>
+        <p:txBody>
+          <a:bodyPr rtlCol="0" anchor="ctr"/>
+          <a:lstStyle/>
+          <a:p>
+            <a:pPr algn="ctr"/>
+            <a:r>
+              <a:rPr lang="zh-CN" altLang="en-US">
+                <a:ea typeface="宋体" panose="02010600030101010101" pitchFamily="2" charset="-122"/>
+              </a:rPr>
+              <a:t>硬件</a:t>
+            </a:r>
+          </a:p>
+        </p:txBody>
+      </p:sp>
+      <p:sp>
+        <p:nvSpPr>
+          <p:cNvPr id="8" name="矩形 7"/>
+          <p:cNvSpPr/>
+          <p:nvPr/>
+        </p:nvSpPr>
+        <p:spPr>
+          <a:xfrm>
+            <a:off x="682625" y="4691380"/>
+            <a:ext cx="8600440" cy="330835"/>
+          </a:xfrm>
+          <a:prstGeom prst="rect">
+            <a:avLst/>
+          </a:prstGeom>
+        </p:spPr>
+        <p:style>
+          <a:lnRef idx="2">
+            <a:schemeClr val="accent2">
+              <a:shade val="50000"/>
+            </a:schemeClr>
+          </a:lnRef>
+          <a:fillRef idx="1">
+            <a:schemeClr val="accent2"/>
+          </a:fillRef>
+          <a:effectRef idx="0">
+            <a:schemeClr val="accent2"/>
+          </a:effectRef>
+          <a:fontRef idx="minor">
+            <a:schemeClr val="lt1"/>
+          </a:fontRef>
+        </p:style>
+        <p:txBody>
+          <a:bodyPr rtlCol="0" anchor="ctr"/>
+          <a:lstStyle/>
+          <a:p>
+            <a:pPr algn="ctr"/>
+            <a:r>
+              <a:rPr lang="en-US" altLang="zh-CN"/>
+              <a:t>IO</a:t>
+            </a:r>
+            <a:r>
+              <a:rPr lang="zh-CN" altLang="en-US">
+                <a:ea typeface="宋体" panose="02010600030101010101" pitchFamily="2" charset="-122"/>
+              </a:rPr>
+              <a:t>框架</a:t>
+            </a:r>
+          </a:p>
+        </p:txBody>
+      </p:sp>
+      <p:sp>
+        <p:nvSpPr>
+          <p:cNvPr id="9" name="矩形 8"/>
+          <p:cNvSpPr/>
+          <p:nvPr/>
+        </p:nvSpPr>
+        <p:spPr>
+          <a:xfrm>
+            <a:off x="693420" y="2787650"/>
+            <a:ext cx="4386580" cy="1710055"/>
+          </a:xfrm>
+          <a:prstGeom prst="rect">
+            <a:avLst/>
+          </a:prstGeom>
+        </p:spPr>
+        <p:style>
+          <a:lnRef idx="2">
+            <a:schemeClr val="accent2">
+              <a:shade val="50000"/>
+            </a:schemeClr>
+          </a:lnRef>
+          <a:fillRef idx="1">
+            <a:schemeClr val="accent2"/>
+          </a:fillRef>
+          <a:effectRef idx="0">
+            <a:schemeClr val="accent2"/>
+          </a:effectRef>
+          <a:fontRef idx="minor">
+            <a:schemeClr val="lt1"/>
+          </a:fontRef>
+        </p:style>
+        <p:txBody>
+          <a:bodyPr rtlCol="0" anchor="ctr"/>
+          <a:lstStyle/>
+          <a:p>
+            <a:pPr algn="ctr"/>
+            <a:r>
+              <a:rPr lang="zh-CN" altLang="en-US" dirty="0">
+                <a:ea typeface="宋体" panose="02010600030101010101" pitchFamily="2" charset="-122"/>
+              </a:rPr>
+              <a:t>组件</a:t>
+            </a:r>
+            <a:endParaRPr lang="en-US" altLang="zh-CN" dirty="0"/>
+          </a:p>
+          <a:p>
+            <a:pPr algn="ctr"/>
+            <a:r>
+              <a:rPr lang="en-US" altLang="zh-CN" dirty="0"/>
+              <a:t>Shell, </a:t>
+            </a:r>
+            <a:r>
+              <a:rPr lang="en-US" altLang="zh-CN" dirty="0">
+                <a:ea typeface="宋体" panose="02010600030101010101" pitchFamily="2" charset="-122"/>
+              </a:rPr>
+              <a:t>Log, DB, Debug, Trace,</a:t>
+            </a:r>
+            <a:r>
+              <a:rPr lang="zh-CN" altLang="en-US" dirty="0">
+                <a:ea typeface="宋体" panose="02010600030101010101" pitchFamily="2" charset="-122"/>
+              </a:rPr>
+              <a:t> </a:t>
+            </a:r>
+            <a:r>
+              <a:rPr lang="en-US" altLang="zh-CN" dirty="0">
+                <a:ea typeface="宋体" panose="02010600030101010101" pitchFamily="2" charset="-122"/>
+              </a:rPr>
+              <a:t>OTA,</a:t>
+            </a:r>
+            <a:r>
+              <a:rPr lang="zh-CN" altLang="en-US" dirty="0">
+                <a:ea typeface="宋体" panose="02010600030101010101" pitchFamily="2" charset="-122"/>
+              </a:rPr>
+              <a:t> 加密库</a:t>
+            </a:r>
+            <a:endParaRPr lang="en-US" altLang="zh-CN" dirty="0">
+              <a:ea typeface="宋体" panose="02010600030101010101" pitchFamily="2" charset="-122"/>
+            </a:endParaRPr>
+          </a:p>
+        </p:txBody>
+      </p:sp>
+      <p:sp>
+        <p:nvSpPr>
+          <p:cNvPr id="10" name="矩形 9"/>
+          <p:cNvSpPr/>
+          <p:nvPr/>
+        </p:nvSpPr>
+        <p:spPr>
+          <a:xfrm>
+            <a:off x="7552267" y="2808606"/>
+            <a:ext cx="1730798" cy="1693862"/>
+          </a:xfrm>
+          <a:prstGeom prst="rect">
+            <a:avLst/>
+          </a:prstGeom>
+        </p:spPr>
+        <p:style>
+          <a:lnRef idx="2">
+            <a:schemeClr val="accent2">
+              <a:shade val="50000"/>
+            </a:schemeClr>
+          </a:lnRef>
+          <a:fillRef idx="1">
+            <a:schemeClr val="accent2"/>
+          </a:fillRef>
+          <a:effectRef idx="0">
+            <a:schemeClr val="accent2"/>
+          </a:effectRef>
+          <a:fontRef idx="minor">
+            <a:schemeClr val="lt1"/>
+          </a:fontRef>
+        </p:style>
+        <p:txBody>
+          <a:bodyPr rtlCol="0" anchor="ctr"/>
+          <a:lstStyle/>
+          <a:p>
+            <a:pPr algn="ctr"/>
             <a:r>
               <a:rPr lang="zh-CN" altLang="en-US" dirty="0"/>
-              <a:t>灯，嵌入式的</a:t>
-            </a:r>
-            <a:r>
-              <a:rPr lang="en-US" altLang="zh-CN" dirty="0"/>
-              <a:t>Hello World</a:t>
-            </a:r>
-            <a:endParaRPr lang="zh-CN" altLang="en-US" dirty="0"/>
+              <a:t>设备框架</a:t>
+            </a:r>
           </a:p>
         </p:txBody>
       </p:sp>
       <p:sp>
         <p:nvSpPr>
-          <p:cNvPr id="3" name="内容占位符 2">
+          <p:cNvPr id="12" name="矩形 11"/>
+          <p:cNvSpPr/>
+          <p:nvPr/>
+        </p:nvSpPr>
+        <p:spPr>
+          <a:xfrm>
+            <a:off x="5381519" y="2803842"/>
+            <a:ext cx="1933258" cy="1693862"/>
+          </a:xfrm>
+          <a:prstGeom prst="rect">
+            <a:avLst/>
+          </a:prstGeom>
+        </p:spPr>
+        <p:style>
+          <a:lnRef idx="2">
+            <a:schemeClr val="accent2">
+              <a:shade val="50000"/>
+            </a:schemeClr>
+          </a:lnRef>
+          <a:fillRef idx="1">
+            <a:schemeClr val="accent2"/>
+          </a:fillRef>
+          <a:effectRef idx="0">
+            <a:schemeClr val="accent2"/>
+          </a:effectRef>
+          <a:fontRef idx="minor">
+            <a:schemeClr val="lt1"/>
+          </a:fontRef>
+        </p:style>
+        <p:txBody>
+          <a:bodyPr rtlCol="0" anchor="ctr"/>
+          <a:lstStyle/>
+          <a:p>
+            <a:pPr algn="ctr"/>
+            <a:r>
+              <a:rPr lang="zh-CN" altLang="en-US">
+                <a:ea typeface="宋体" panose="02010600030101010101" pitchFamily="2" charset="-122"/>
+              </a:rPr>
+              <a:t>产品框架</a:t>
+            </a:r>
+          </a:p>
+        </p:txBody>
+      </p:sp>
+      <p:sp>
+        <p:nvSpPr>
+          <p:cNvPr id="20" name="矩形 19">
             <a:extLst>
               <a:ext uri="{FF2B5EF4-FFF2-40B4-BE49-F238E27FC236}">
-                <a16:creationId xmlns:a16="http://schemas.microsoft.com/office/drawing/2014/main" id="{55374842-D92C-703E-A2ED-77D45F98CDDE}"/>
+                <a16:creationId xmlns:a16="http://schemas.microsoft.com/office/drawing/2014/main" id="{4A5C700F-107E-FEE8-EDBA-11A5180FE3F0}"/>
               </a:ext>
             </a:extLst>
           </p:cNvPr>
+          <p:cNvSpPr/>
+          <p:nvPr/>
+        </p:nvSpPr>
+        <p:spPr>
+          <a:xfrm>
+            <a:off x="9622790" y="5145404"/>
+            <a:ext cx="2038350" cy="308610"/>
+          </a:xfrm>
+          <a:prstGeom prst="rect">
+            <a:avLst/>
+          </a:prstGeom>
+        </p:spPr>
+        <p:style>
+          <a:lnRef idx="2">
+            <a:schemeClr val="accent4">
+              <a:shade val="50000"/>
+            </a:schemeClr>
+          </a:lnRef>
+          <a:fillRef idx="1">
+            <a:schemeClr val="accent4"/>
+          </a:fillRef>
+          <a:effectRef idx="0">
+            <a:schemeClr val="accent4"/>
+          </a:effectRef>
+          <a:fontRef idx="minor">
+            <a:schemeClr val="lt1"/>
+          </a:fontRef>
+        </p:style>
+        <p:txBody>
+          <a:bodyPr rtlCol="0" anchor="ctr"/>
+          <a:lstStyle/>
+          <a:p>
+            <a:pPr algn="ctr"/>
+            <a:r>
+              <a:rPr lang="en-US" altLang="zh-CN" dirty="0">
+                <a:ea typeface="宋体" panose="02010600030101010101" pitchFamily="2" charset="-122"/>
+              </a:rPr>
+              <a:t>QP Port</a:t>
+            </a:r>
+            <a:endParaRPr lang="zh-CN" altLang="en-US" dirty="0">
+              <a:ea typeface="宋体" panose="02010600030101010101" pitchFamily="2" charset="-122"/>
+            </a:endParaRPr>
+          </a:p>
+        </p:txBody>
+      </p:sp>
+    </p:spTree>
+  </p:cSld>
+  <p:clrMapOvr>
+    <a:masterClrMapping/>
+  </p:clrMapOvr>
+</p:sld>
+</file>
+
+<file path=ppt/slides/slide18.xml><?xml version="1.0" encoding="utf-8"?>
+<p:sld xmlns:a="http://schemas.openxmlformats.org/drawingml/2006/main" xmlns:r="http://schemas.openxmlformats.org/officeDocument/2006/relationships" xmlns:p="http://schemas.openxmlformats.org/presentationml/2006/main">
+  <p:cSld>
+    <p:spTree>
+      <p:nvGrpSpPr>
+        <p:cNvPr id="1" name=""/>
+        <p:cNvGrpSpPr/>
+        <p:nvPr/>
+      </p:nvGrpSpPr>
+      <p:grpSpPr>
+        <a:xfrm>
+          <a:off x="0" y="0"/>
+          <a:ext cx="0" cy="0"/>
+          <a:chOff x="0" y="0"/>
+          <a:chExt cx="0" cy="0"/>
+        </a:xfrm>
+      </p:grpSpPr>
+      <p:sp>
+        <p:nvSpPr>
+          <p:cNvPr id="2" name="标题 1"/>
           <p:cNvSpPr>
             <a:spLocks noGrp="1"/>
           </p:cNvSpPr>
           <p:nvPr>
-            <p:ph idx="1"/>
+            <p:ph type="title"/>
           </p:nvPr>
         </p:nvSpPr>
         <p:spPr/>
@@ -11525,14 +10946,1168 @@
           <a:bodyPr/>
           <a:lstStyle/>
           <a:p>
-            <a:endParaRPr lang="zh-CN" altLang="en-US" dirty="0"/>
+            <a:r>
+              <a:rPr lang="zh-CN" altLang="en-US" dirty="0"/>
+              <a:t>以</a:t>
+            </a:r>
+            <a:r>
+              <a:rPr lang="en-US" altLang="zh-CN" dirty="0"/>
+              <a:t>QP</a:t>
+            </a:r>
+            <a:r>
+              <a:rPr lang="zh-CN" altLang="en-US" dirty="0">
+                <a:ea typeface="宋体" panose="02010600030101010101" pitchFamily="2" charset="-122"/>
+              </a:rPr>
+              <a:t>为核心的嵌入式软件架构</a:t>
+            </a:r>
+          </a:p>
+        </p:txBody>
+      </p:sp>
+      <p:grpSp>
+        <p:nvGrpSpPr>
+          <p:cNvPr id="3" name="组合 2">
+            <a:extLst>
+              <a:ext uri="{FF2B5EF4-FFF2-40B4-BE49-F238E27FC236}">
+                <a16:creationId xmlns:a16="http://schemas.microsoft.com/office/drawing/2014/main" id="{AE46287B-F7AE-DE04-B716-070647F755EE}"/>
+              </a:ext>
+            </a:extLst>
+          </p:cNvPr>
+          <p:cNvGrpSpPr/>
+          <p:nvPr/>
+        </p:nvGrpSpPr>
+        <p:grpSpPr>
+          <a:xfrm>
+            <a:off x="580219" y="2333262"/>
+            <a:ext cx="6641888" cy="2509097"/>
+            <a:chOff x="664845" y="2299970"/>
+            <a:chExt cx="11010265" cy="3688715"/>
+          </a:xfrm>
+        </p:grpSpPr>
+        <p:sp>
+          <p:nvSpPr>
+            <p:cNvPr id="4" name="矩形 3"/>
+            <p:cNvSpPr/>
+            <p:nvPr/>
+          </p:nvSpPr>
+          <p:spPr>
+            <a:xfrm>
+              <a:off x="9622790" y="2787650"/>
+              <a:ext cx="2038350" cy="2656840"/>
+            </a:xfrm>
+            <a:prstGeom prst="rect">
+              <a:avLst/>
+            </a:prstGeom>
+          </p:spPr>
+          <p:style>
+            <a:lnRef idx="2">
+              <a:schemeClr val="accent6">
+                <a:shade val="50000"/>
+              </a:schemeClr>
+            </a:lnRef>
+            <a:fillRef idx="1">
+              <a:schemeClr val="accent6"/>
+            </a:fillRef>
+            <a:effectRef idx="0">
+              <a:schemeClr val="accent6"/>
+            </a:effectRef>
+            <a:fontRef idx="minor">
+              <a:schemeClr val="lt1"/>
+            </a:fontRef>
+          </p:style>
+          <p:txBody>
+            <a:bodyPr rtlCol="0" anchor="ctr"/>
+            <a:lstStyle/>
+            <a:p>
+              <a:pPr algn="ctr"/>
+              <a:r>
+                <a:rPr lang="en-US" altLang="zh-CN" dirty="0"/>
+                <a:t>QP</a:t>
+              </a:r>
+            </a:p>
+          </p:txBody>
+        </p:sp>
+        <p:sp>
+          <p:nvSpPr>
+            <p:cNvPr id="5" name="矩形 4"/>
+            <p:cNvSpPr/>
+            <p:nvPr/>
+          </p:nvSpPr>
+          <p:spPr>
+            <a:xfrm>
+              <a:off x="693420" y="2299970"/>
+              <a:ext cx="10967720" cy="314960"/>
+            </a:xfrm>
+            <a:prstGeom prst="rect">
+              <a:avLst/>
+            </a:prstGeom>
+          </p:spPr>
+          <p:style>
+            <a:lnRef idx="2">
+              <a:schemeClr val="accent1">
+                <a:shade val="50000"/>
+              </a:schemeClr>
+            </a:lnRef>
+            <a:fillRef idx="1">
+              <a:schemeClr val="accent1"/>
+            </a:fillRef>
+            <a:effectRef idx="0">
+              <a:schemeClr val="accent1"/>
+            </a:effectRef>
+            <a:fontRef idx="minor">
+              <a:schemeClr val="lt1"/>
+            </a:fontRef>
+          </p:style>
+          <p:txBody>
+            <a:bodyPr rtlCol="0" anchor="ctr"/>
+            <a:lstStyle/>
+            <a:p>
+              <a:pPr algn="ctr"/>
+              <a:r>
+                <a:rPr lang="zh-CN" altLang="en-US">
+                  <a:ea typeface="宋体" panose="02010600030101010101" pitchFamily="2" charset="-122"/>
+                </a:rPr>
+                <a:t>应用层</a:t>
+              </a:r>
+            </a:p>
+          </p:txBody>
+        </p:sp>
+        <p:sp>
+          <p:nvSpPr>
+            <p:cNvPr id="6" name="矩形 5"/>
+            <p:cNvSpPr/>
+            <p:nvPr/>
+          </p:nvSpPr>
+          <p:spPr>
+            <a:xfrm>
+              <a:off x="664845" y="5145405"/>
+              <a:ext cx="8601075" cy="308610"/>
+            </a:xfrm>
+            <a:prstGeom prst="rect">
+              <a:avLst/>
+            </a:prstGeom>
+          </p:spPr>
+          <p:style>
+            <a:lnRef idx="2">
+              <a:schemeClr val="accent4">
+                <a:shade val="50000"/>
+              </a:schemeClr>
+            </a:lnRef>
+            <a:fillRef idx="1">
+              <a:schemeClr val="accent4"/>
+            </a:fillRef>
+            <a:effectRef idx="0">
+              <a:schemeClr val="accent4"/>
+            </a:effectRef>
+            <a:fontRef idx="minor">
+              <a:schemeClr val="lt1"/>
+            </a:fontRef>
+          </p:style>
+          <p:txBody>
+            <a:bodyPr rtlCol="0" anchor="ctr"/>
+            <a:lstStyle/>
+            <a:p>
+              <a:pPr algn="ctr"/>
+              <a:r>
+                <a:rPr lang="zh-CN" altLang="en-US">
+                  <a:ea typeface="宋体" panose="02010600030101010101" pitchFamily="2" charset="-122"/>
+                </a:rPr>
+                <a:t>驱动层</a:t>
+              </a:r>
+            </a:p>
+          </p:txBody>
+        </p:sp>
+        <p:sp>
+          <p:nvSpPr>
+            <p:cNvPr id="7" name="矩形 6"/>
+            <p:cNvSpPr/>
+            <p:nvPr/>
+          </p:nvSpPr>
+          <p:spPr>
+            <a:xfrm>
+              <a:off x="678815" y="5626735"/>
+              <a:ext cx="10996295" cy="361950"/>
+            </a:xfrm>
+            <a:prstGeom prst="rect">
+              <a:avLst/>
+            </a:prstGeom>
+          </p:spPr>
+          <p:style>
+            <a:lnRef idx="2">
+              <a:schemeClr val="dk1">
+                <a:shade val="50000"/>
+              </a:schemeClr>
+            </a:lnRef>
+            <a:fillRef idx="1">
+              <a:schemeClr val="dk1"/>
+            </a:fillRef>
+            <a:effectRef idx="0">
+              <a:schemeClr val="dk1"/>
+            </a:effectRef>
+            <a:fontRef idx="minor">
+              <a:schemeClr val="lt1"/>
+            </a:fontRef>
+          </p:style>
+          <p:txBody>
+            <a:bodyPr rtlCol="0" anchor="ctr"/>
+            <a:lstStyle/>
+            <a:p>
+              <a:pPr algn="ctr"/>
+              <a:r>
+                <a:rPr lang="zh-CN" altLang="en-US">
+                  <a:ea typeface="宋体" panose="02010600030101010101" pitchFamily="2" charset="-122"/>
+                </a:rPr>
+                <a:t>硬件</a:t>
+              </a:r>
+            </a:p>
+          </p:txBody>
+        </p:sp>
+        <p:sp>
+          <p:nvSpPr>
+            <p:cNvPr id="8" name="矩形 7"/>
+            <p:cNvSpPr/>
+            <p:nvPr/>
+          </p:nvSpPr>
+          <p:spPr>
+            <a:xfrm>
+              <a:off x="682625" y="4691380"/>
+              <a:ext cx="8600440" cy="330835"/>
+            </a:xfrm>
+            <a:prstGeom prst="rect">
+              <a:avLst/>
+            </a:prstGeom>
+          </p:spPr>
+          <p:style>
+            <a:lnRef idx="2">
+              <a:schemeClr val="accent2">
+                <a:shade val="50000"/>
+              </a:schemeClr>
+            </a:lnRef>
+            <a:fillRef idx="1">
+              <a:schemeClr val="accent2"/>
+            </a:fillRef>
+            <a:effectRef idx="0">
+              <a:schemeClr val="accent2"/>
+            </a:effectRef>
+            <a:fontRef idx="minor">
+              <a:schemeClr val="lt1"/>
+            </a:fontRef>
+          </p:style>
+          <p:txBody>
+            <a:bodyPr rtlCol="0" anchor="ctr"/>
+            <a:lstStyle/>
+            <a:p>
+              <a:pPr algn="ctr"/>
+              <a:r>
+                <a:rPr lang="en-US" altLang="zh-CN"/>
+                <a:t>IO</a:t>
+              </a:r>
+              <a:r>
+                <a:rPr lang="zh-CN" altLang="en-US">
+                  <a:ea typeface="宋体" panose="02010600030101010101" pitchFamily="2" charset="-122"/>
+                </a:rPr>
+                <a:t>框架</a:t>
+              </a:r>
+            </a:p>
+          </p:txBody>
+        </p:sp>
+        <p:sp>
+          <p:nvSpPr>
+            <p:cNvPr id="9" name="矩形 8"/>
+            <p:cNvSpPr/>
+            <p:nvPr/>
+          </p:nvSpPr>
+          <p:spPr>
+            <a:xfrm>
+              <a:off x="693420" y="2787650"/>
+              <a:ext cx="4386580" cy="1710055"/>
+            </a:xfrm>
+            <a:prstGeom prst="rect">
+              <a:avLst/>
+            </a:prstGeom>
+          </p:spPr>
+          <p:style>
+            <a:lnRef idx="2">
+              <a:schemeClr val="accent2">
+                <a:shade val="50000"/>
+              </a:schemeClr>
+            </a:lnRef>
+            <a:fillRef idx="1">
+              <a:schemeClr val="accent2"/>
+            </a:fillRef>
+            <a:effectRef idx="0">
+              <a:schemeClr val="accent2"/>
+            </a:effectRef>
+            <a:fontRef idx="minor">
+              <a:schemeClr val="lt1"/>
+            </a:fontRef>
+          </p:style>
+          <p:txBody>
+            <a:bodyPr rtlCol="0" anchor="ctr"/>
+            <a:lstStyle/>
+            <a:p>
+              <a:pPr algn="ctr"/>
+              <a:r>
+                <a:rPr lang="zh-CN" altLang="en-US" dirty="0">
+                  <a:ea typeface="宋体" panose="02010600030101010101" pitchFamily="2" charset="-122"/>
+                </a:rPr>
+                <a:t>组件</a:t>
+              </a:r>
+              <a:endParaRPr lang="en-US" altLang="zh-CN" dirty="0"/>
+            </a:p>
+            <a:p>
+              <a:pPr algn="ctr"/>
+              <a:r>
+                <a:rPr lang="en-US" altLang="zh-CN" dirty="0"/>
+                <a:t>Shell, </a:t>
+              </a:r>
+              <a:r>
+                <a:rPr lang="en-US" altLang="zh-CN" dirty="0">
+                  <a:ea typeface="宋体" panose="02010600030101010101" pitchFamily="2" charset="-122"/>
+                </a:rPr>
+                <a:t>Log, DB, Debug, Trace,</a:t>
+              </a:r>
+              <a:r>
+                <a:rPr lang="zh-CN" altLang="en-US" dirty="0">
+                  <a:ea typeface="宋体" panose="02010600030101010101" pitchFamily="2" charset="-122"/>
+                </a:rPr>
+                <a:t> </a:t>
+              </a:r>
+              <a:r>
+                <a:rPr lang="en-US" altLang="zh-CN" dirty="0">
+                  <a:ea typeface="宋体" panose="02010600030101010101" pitchFamily="2" charset="-122"/>
+                </a:rPr>
+                <a:t>OTA,</a:t>
+              </a:r>
+              <a:r>
+                <a:rPr lang="zh-CN" altLang="en-US" dirty="0">
+                  <a:ea typeface="宋体" panose="02010600030101010101" pitchFamily="2" charset="-122"/>
+                </a:rPr>
+                <a:t> 加密库</a:t>
+              </a:r>
+              <a:endParaRPr lang="en-US" altLang="zh-CN" dirty="0">
+                <a:ea typeface="宋体" panose="02010600030101010101" pitchFamily="2" charset="-122"/>
+              </a:endParaRPr>
+            </a:p>
+          </p:txBody>
+        </p:sp>
+        <p:sp>
+          <p:nvSpPr>
+            <p:cNvPr id="10" name="矩形 9"/>
+            <p:cNvSpPr/>
+            <p:nvPr/>
+          </p:nvSpPr>
+          <p:spPr>
+            <a:xfrm>
+              <a:off x="7552267" y="2808606"/>
+              <a:ext cx="1730798" cy="1693862"/>
+            </a:xfrm>
+            <a:prstGeom prst="rect">
+              <a:avLst/>
+            </a:prstGeom>
+          </p:spPr>
+          <p:style>
+            <a:lnRef idx="2">
+              <a:schemeClr val="accent2">
+                <a:shade val="50000"/>
+              </a:schemeClr>
+            </a:lnRef>
+            <a:fillRef idx="1">
+              <a:schemeClr val="accent2"/>
+            </a:fillRef>
+            <a:effectRef idx="0">
+              <a:schemeClr val="accent2"/>
+            </a:effectRef>
+            <a:fontRef idx="minor">
+              <a:schemeClr val="lt1"/>
+            </a:fontRef>
+          </p:style>
+          <p:txBody>
+            <a:bodyPr rtlCol="0" anchor="ctr"/>
+            <a:lstStyle/>
+            <a:p>
+              <a:pPr algn="ctr"/>
+              <a:r>
+                <a:rPr lang="zh-CN" altLang="en-US" dirty="0"/>
+                <a:t>设备框架</a:t>
+              </a:r>
+            </a:p>
+          </p:txBody>
+        </p:sp>
+        <p:sp>
+          <p:nvSpPr>
+            <p:cNvPr id="12" name="矩形 11"/>
+            <p:cNvSpPr/>
+            <p:nvPr/>
+          </p:nvSpPr>
+          <p:spPr>
+            <a:xfrm>
+              <a:off x="5381519" y="2803842"/>
+              <a:ext cx="1933258" cy="1693862"/>
+            </a:xfrm>
+            <a:prstGeom prst="rect">
+              <a:avLst/>
+            </a:prstGeom>
+          </p:spPr>
+          <p:style>
+            <a:lnRef idx="2">
+              <a:schemeClr val="accent2">
+                <a:shade val="50000"/>
+              </a:schemeClr>
+            </a:lnRef>
+            <a:fillRef idx="1">
+              <a:schemeClr val="accent2"/>
+            </a:fillRef>
+            <a:effectRef idx="0">
+              <a:schemeClr val="accent2"/>
+            </a:effectRef>
+            <a:fontRef idx="minor">
+              <a:schemeClr val="lt1"/>
+            </a:fontRef>
+          </p:style>
+          <p:txBody>
+            <a:bodyPr rtlCol="0" anchor="ctr"/>
+            <a:lstStyle/>
+            <a:p>
+              <a:pPr algn="ctr"/>
+              <a:r>
+                <a:rPr lang="zh-CN" altLang="en-US">
+                  <a:ea typeface="宋体" panose="02010600030101010101" pitchFamily="2" charset="-122"/>
+                </a:rPr>
+                <a:t>产品框架</a:t>
+              </a:r>
+            </a:p>
+          </p:txBody>
+        </p:sp>
+      </p:grpSp>
+      <p:cxnSp>
+        <p:nvCxnSpPr>
+          <p:cNvPr id="13" name="直接箭头连接符 12">
+            <a:extLst>
+              <a:ext uri="{FF2B5EF4-FFF2-40B4-BE49-F238E27FC236}">
+                <a16:creationId xmlns:a16="http://schemas.microsoft.com/office/drawing/2014/main" id="{26138DB0-EFE1-599C-9C59-B27C8EDEAC7E}"/>
+              </a:ext>
+            </a:extLst>
+          </p:cNvPr>
+          <p:cNvCxnSpPr>
+            <a:cxnSpLocks/>
+          </p:cNvCxnSpPr>
+          <p:nvPr/>
+        </p:nvCxnSpPr>
+        <p:spPr>
+          <a:xfrm>
+            <a:off x="7310607" y="3551465"/>
+            <a:ext cx="1531490" cy="297956"/>
+          </a:xfrm>
+          <a:prstGeom prst="straightConnector1">
+            <a:avLst/>
+          </a:prstGeom>
+          <a:ln w="38100">
+            <a:tailEnd type="triangle"/>
+          </a:ln>
+        </p:spPr>
+        <p:style>
+          <a:lnRef idx="1">
+            <a:schemeClr val="accent1"/>
+          </a:lnRef>
+          <a:fillRef idx="0">
+            <a:schemeClr val="accent1"/>
+          </a:fillRef>
+          <a:effectRef idx="0">
+            <a:schemeClr val="accent1"/>
+          </a:effectRef>
+          <a:fontRef idx="minor">
+            <a:schemeClr val="tx1"/>
+          </a:fontRef>
+        </p:style>
+      </p:cxnSp>
+      <p:sp>
+        <p:nvSpPr>
+          <p:cNvPr id="14" name="文本框 13">
+            <a:extLst>
+              <a:ext uri="{FF2B5EF4-FFF2-40B4-BE49-F238E27FC236}">
+                <a16:creationId xmlns:a16="http://schemas.microsoft.com/office/drawing/2014/main" id="{26AB3CD5-565E-CBD9-764B-19B209B09D11}"/>
+              </a:ext>
+            </a:extLst>
+          </p:cNvPr>
+          <p:cNvSpPr txBox="1"/>
+          <p:nvPr/>
+        </p:nvSpPr>
+        <p:spPr>
+          <a:xfrm>
+            <a:off x="8842097" y="3604690"/>
+            <a:ext cx="1981200" cy="523220"/>
+          </a:xfrm>
+          <a:prstGeom prst="rect">
+            <a:avLst/>
+          </a:prstGeom>
+          <a:noFill/>
+        </p:spPr>
+        <p:txBody>
+          <a:bodyPr wrap="square" rtlCol="0">
+            <a:spAutoFit/>
+          </a:bodyPr>
+          <a:lstStyle/>
+          <a:p>
+            <a:r>
+              <a:rPr lang="zh-CN" altLang="en-US" sz="2800" b="1" dirty="0"/>
+              <a:t>基础设施！</a:t>
+            </a:r>
+          </a:p>
+        </p:txBody>
+      </p:sp>
+      <p:sp>
+        <p:nvSpPr>
+          <p:cNvPr id="16" name="文本框 15">
+            <a:extLst>
+              <a:ext uri="{FF2B5EF4-FFF2-40B4-BE49-F238E27FC236}">
+                <a16:creationId xmlns:a16="http://schemas.microsoft.com/office/drawing/2014/main" id="{ECF2E99E-28DD-28CC-B296-743A8BF6C629}"/>
+              </a:ext>
+            </a:extLst>
+          </p:cNvPr>
+          <p:cNvSpPr txBox="1"/>
+          <p:nvPr/>
+        </p:nvSpPr>
+        <p:spPr>
+          <a:xfrm>
+            <a:off x="580219" y="5560977"/>
+            <a:ext cx="10444970" cy="523220"/>
+          </a:xfrm>
+          <a:prstGeom prst="rect">
+            <a:avLst/>
+          </a:prstGeom>
+          <a:noFill/>
+        </p:spPr>
+        <p:txBody>
+          <a:bodyPr wrap="square" rtlCol="0">
+            <a:spAutoFit/>
+          </a:bodyPr>
+          <a:lstStyle/>
+          <a:p>
+            <a:r>
+              <a:rPr lang="zh-CN" altLang="en-US" sz="2800" b="1" dirty="0"/>
+              <a:t>整个软件架构，不是围绕状态机，而是围绕事件！事件是关键！</a:t>
+            </a:r>
           </a:p>
         </p:txBody>
       </p:sp>
     </p:spTree>
     <p:extLst>
       <p:ext uri="{BB962C8B-B14F-4D97-AF65-F5344CB8AC3E}">
-        <p14:creationId xmlns:p14="http://schemas.microsoft.com/office/powerpoint/2010/main" val="2807428299"/>
+        <p14:creationId xmlns:p14="http://schemas.microsoft.com/office/powerpoint/2010/main" val="2632682615"/>
+      </p:ext>
+    </p:extLst>
+  </p:cSld>
+  <p:clrMapOvr>
+    <a:masterClrMapping/>
+  </p:clrMapOvr>
+</p:sld>
+</file>
+
+<file path=ppt/slides/slide19.xml><?xml version="1.0" encoding="utf-8"?>
+<p:sld xmlns:a="http://schemas.openxmlformats.org/drawingml/2006/main" xmlns:r="http://schemas.openxmlformats.org/officeDocument/2006/relationships" xmlns:p="http://schemas.openxmlformats.org/presentationml/2006/main">
+  <p:cSld>
+    <p:spTree>
+      <p:nvGrpSpPr>
+        <p:cNvPr id="1" name=""/>
+        <p:cNvGrpSpPr/>
+        <p:nvPr/>
+      </p:nvGrpSpPr>
+      <p:grpSpPr>
+        <a:xfrm>
+          <a:off x="0" y="0"/>
+          <a:ext cx="0" cy="0"/>
+          <a:chOff x="0" y="0"/>
+          <a:chExt cx="0" cy="0"/>
+        </a:xfrm>
+      </p:grpSpPr>
+      <p:sp>
+        <p:nvSpPr>
+          <p:cNvPr id="2" name="标题 1"/>
+          <p:cNvSpPr>
+            <a:spLocks noGrp="1"/>
+          </p:cNvSpPr>
+          <p:nvPr>
+            <p:ph type="title"/>
+          </p:nvPr>
+        </p:nvSpPr>
+        <p:spPr/>
+        <p:txBody>
+          <a:bodyPr/>
+          <a:lstStyle/>
+          <a:p>
+            <a:r>
+              <a:rPr lang="zh-CN" altLang="en-US" dirty="0"/>
+              <a:t>以</a:t>
+            </a:r>
+            <a:r>
+              <a:rPr lang="en-US" altLang="zh-CN" dirty="0"/>
+              <a:t>QP</a:t>
+            </a:r>
+            <a:r>
+              <a:rPr lang="zh-CN" altLang="en-US" dirty="0">
+                <a:ea typeface="宋体" panose="02010600030101010101" pitchFamily="2" charset="-122"/>
+              </a:rPr>
+              <a:t>为核心的嵌入式软件架构</a:t>
+            </a:r>
+          </a:p>
+        </p:txBody>
+      </p:sp>
+      <p:grpSp>
+        <p:nvGrpSpPr>
+          <p:cNvPr id="3" name="组合 2">
+            <a:extLst>
+              <a:ext uri="{FF2B5EF4-FFF2-40B4-BE49-F238E27FC236}">
+                <a16:creationId xmlns:a16="http://schemas.microsoft.com/office/drawing/2014/main" id="{E3A35DBE-6C68-97B8-1D6A-1E3B3B6E55FA}"/>
+              </a:ext>
+            </a:extLst>
+          </p:cNvPr>
+          <p:cNvGrpSpPr/>
+          <p:nvPr/>
+        </p:nvGrpSpPr>
+        <p:grpSpPr>
+          <a:xfrm>
+            <a:off x="1363133" y="2384636"/>
+            <a:ext cx="10337377" cy="3688715"/>
+            <a:chOff x="690245" y="2384636"/>
+            <a:chExt cx="11010265" cy="3688715"/>
+          </a:xfrm>
+        </p:grpSpPr>
+        <p:sp>
+          <p:nvSpPr>
+            <p:cNvPr id="4" name="矩形 3"/>
+            <p:cNvSpPr/>
+            <p:nvPr/>
+          </p:nvSpPr>
+          <p:spPr>
+            <a:xfrm>
+              <a:off x="9648190" y="2872316"/>
+              <a:ext cx="2038350" cy="2234565"/>
+            </a:xfrm>
+            <a:prstGeom prst="rect">
+              <a:avLst/>
+            </a:prstGeom>
+          </p:spPr>
+          <p:style>
+            <a:lnRef idx="2">
+              <a:schemeClr val="accent6">
+                <a:shade val="50000"/>
+              </a:schemeClr>
+            </a:lnRef>
+            <a:fillRef idx="1">
+              <a:schemeClr val="accent6"/>
+            </a:fillRef>
+            <a:effectRef idx="0">
+              <a:schemeClr val="accent6"/>
+            </a:effectRef>
+            <a:fontRef idx="minor">
+              <a:schemeClr val="lt1"/>
+            </a:fontRef>
+          </p:style>
+          <p:txBody>
+            <a:bodyPr rtlCol="0" anchor="ctr"/>
+            <a:lstStyle/>
+            <a:p>
+              <a:pPr algn="ctr"/>
+              <a:r>
+                <a:rPr lang="en-US" altLang="zh-CN" dirty="0"/>
+                <a:t>QP</a:t>
+              </a:r>
+            </a:p>
+          </p:txBody>
+        </p:sp>
+        <p:sp>
+          <p:nvSpPr>
+            <p:cNvPr id="5" name="矩形 4"/>
+            <p:cNvSpPr/>
+            <p:nvPr/>
+          </p:nvSpPr>
+          <p:spPr>
+            <a:xfrm>
+              <a:off x="718820" y="2384636"/>
+              <a:ext cx="10967720" cy="314960"/>
+            </a:xfrm>
+            <a:prstGeom prst="rect">
+              <a:avLst/>
+            </a:prstGeom>
+          </p:spPr>
+          <p:style>
+            <a:lnRef idx="2">
+              <a:schemeClr val="accent1">
+                <a:shade val="50000"/>
+              </a:schemeClr>
+            </a:lnRef>
+            <a:fillRef idx="1">
+              <a:schemeClr val="accent1"/>
+            </a:fillRef>
+            <a:effectRef idx="0">
+              <a:schemeClr val="accent1"/>
+            </a:effectRef>
+            <a:fontRef idx="minor">
+              <a:schemeClr val="lt1"/>
+            </a:fontRef>
+          </p:style>
+          <p:txBody>
+            <a:bodyPr rtlCol="0" anchor="ctr"/>
+            <a:lstStyle/>
+            <a:p>
+              <a:pPr algn="ctr"/>
+              <a:r>
+                <a:rPr lang="zh-CN" altLang="en-US">
+                  <a:ea typeface="宋体" panose="02010600030101010101" pitchFamily="2" charset="-122"/>
+                </a:rPr>
+                <a:t>应用层</a:t>
+              </a:r>
+            </a:p>
+          </p:txBody>
+        </p:sp>
+        <p:sp>
+          <p:nvSpPr>
+            <p:cNvPr id="6" name="矩形 5"/>
+            <p:cNvSpPr/>
+            <p:nvPr/>
+          </p:nvSpPr>
+          <p:spPr>
+            <a:xfrm>
+              <a:off x="690245" y="5230071"/>
+              <a:ext cx="8601075" cy="308610"/>
+            </a:xfrm>
+            <a:prstGeom prst="rect">
+              <a:avLst/>
+            </a:prstGeom>
+          </p:spPr>
+          <p:style>
+            <a:lnRef idx="2">
+              <a:schemeClr val="accent4">
+                <a:shade val="50000"/>
+              </a:schemeClr>
+            </a:lnRef>
+            <a:fillRef idx="1">
+              <a:schemeClr val="accent4"/>
+            </a:fillRef>
+            <a:effectRef idx="0">
+              <a:schemeClr val="accent4"/>
+            </a:effectRef>
+            <a:fontRef idx="minor">
+              <a:schemeClr val="lt1"/>
+            </a:fontRef>
+          </p:style>
+          <p:txBody>
+            <a:bodyPr rtlCol="0" anchor="ctr"/>
+            <a:lstStyle/>
+            <a:p>
+              <a:pPr algn="ctr"/>
+              <a:r>
+                <a:rPr lang="zh-CN" altLang="en-US">
+                  <a:ea typeface="宋体" panose="02010600030101010101" pitchFamily="2" charset="-122"/>
+                </a:rPr>
+                <a:t>驱动层</a:t>
+              </a:r>
+            </a:p>
+          </p:txBody>
+        </p:sp>
+        <p:sp>
+          <p:nvSpPr>
+            <p:cNvPr id="7" name="矩形 6"/>
+            <p:cNvSpPr/>
+            <p:nvPr/>
+          </p:nvSpPr>
+          <p:spPr>
+            <a:xfrm>
+              <a:off x="704215" y="5711401"/>
+              <a:ext cx="10996295" cy="361950"/>
+            </a:xfrm>
+            <a:prstGeom prst="rect">
+              <a:avLst/>
+            </a:prstGeom>
+          </p:spPr>
+          <p:style>
+            <a:lnRef idx="2">
+              <a:schemeClr val="dk1">
+                <a:shade val="50000"/>
+              </a:schemeClr>
+            </a:lnRef>
+            <a:fillRef idx="1">
+              <a:schemeClr val="dk1"/>
+            </a:fillRef>
+            <a:effectRef idx="0">
+              <a:schemeClr val="dk1"/>
+            </a:effectRef>
+            <a:fontRef idx="minor">
+              <a:schemeClr val="lt1"/>
+            </a:fontRef>
+          </p:style>
+          <p:txBody>
+            <a:bodyPr rtlCol="0" anchor="ctr"/>
+            <a:lstStyle/>
+            <a:p>
+              <a:pPr algn="ctr"/>
+              <a:r>
+                <a:rPr lang="zh-CN" altLang="en-US">
+                  <a:ea typeface="宋体" panose="02010600030101010101" pitchFamily="2" charset="-122"/>
+                </a:rPr>
+                <a:t>硬件</a:t>
+              </a:r>
+            </a:p>
+          </p:txBody>
+        </p:sp>
+        <p:sp>
+          <p:nvSpPr>
+            <p:cNvPr id="8" name="矩形 7"/>
+            <p:cNvSpPr/>
+            <p:nvPr/>
+          </p:nvSpPr>
+          <p:spPr>
+            <a:xfrm>
+              <a:off x="708025" y="4776046"/>
+              <a:ext cx="8600440" cy="330835"/>
+            </a:xfrm>
+            <a:prstGeom prst="rect">
+              <a:avLst/>
+            </a:prstGeom>
+          </p:spPr>
+          <p:style>
+            <a:lnRef idx="2">
+              <a:schemeClr val="accent2">
+                <a:shade val="50000"/>
+              </a:schemeClr>
+            </a:lnRef>
+            <a:fillRef idx="1">
+              <a:schemeClr val="accent2"/>
+            </a:fillRef>
+            <a:effectRef idx="0">
+              <a:schemeClr val="accent2"/>
+            </a:effectRef>
+            <a:fontRef idx="minor">
+              <a:schemeClr val="lt1"/>
+            </a:fontRef>
+          </p:style>
+          <p:txBody>
+            <a:bodyPr rtlCol="0" anchor="ctr"/>
+            <a:lstStyle/>
+            <a:p>
+              <a:pPr algn="ctr"/>
+              <a:r>
+                <a:rPr lang="en-US" altLang="zh-CN"/>
+                <a:t>IO</a:t>
+              </a:r>
+              <a:r>
+                <a:rPr lang="zh-CN" altLang="en-US">
+                  <a:ea typeface="宋体" panose="02010600030101010101" pitchFamily="2" charset="-122"/>
+                </a:rPr>
+                <a:t>框架</a:t>
+              </a:r>
+            </a:p>
+          </p:txBody>
+        </p:sp>
+        <p:sp>
+          <p:nvSpPr>
+            <p:cNvPr id="9" name="矩形 8"/>
+            <p:cNvSpPr/>
+            <p:nvPr/>
+          </p:nvSpPr>
+          <p:spPr>
+            <a:xfrm>
+              <a:off x="718820" y="2872316"/>
+              <a:ext cx="4386580" cy="1710055"/>
+            </a:xfrm>
+            <a:prstGeom prst="rect">
+              <a:avLst/>
+            </a:prstGeom>
+          </p:spPr>
+          <p:style>
+            <a:lnRef idx="2">
+              <a:schemeClr val="accent2">
+                <a:shade val="50000"/>
+              </a:schemeClr>
+            </a:lnRef>
+            <a:fillRef idx="1">
+              <a:schemeClr val="accent2"/>
+            </a:fillRef>
+            <a:effectRef idx="0">
+              <a:schemeClr val="accent2"/>
+            </a:effectRef>
+            <a:fontRef idx="minor">
+              <a:schemeClr val="lt1"/>
+            </a:fontRef>
+          </p:style>
+          <p:txBody>
+            <a:bodyPr rtlCol="0" anchor="ctr"/>
+            <a:lstStyle/>
+            <a:p>
+              <a:pPr algn="ctr"/>
+              <a:r>
+                <a:rPr lang="zh-CN" altLang="en-US" dirty="0">
+                  <a:ea typeface="宋体" panose="02010600030101010101" pitchFamily="2" charset="-122"/>
+                </a:rPr>
+                <a:t>组件</a:t>
+              </a:r>
+              <a:endParaRPr lang="en-US" altLang="zh-CN" dirty="0"/>
+            </a:p>
+            <a:p>
+              <a:pPr algn="ctr"/>
+              <a:r>
+                <a:rPr lang="en-US" altLang="zh-CN" dirty="0"/>
+                <a:t>Shell, </a:t>
+              </a:r>
+              <a:r>
+                <a:rPr lang="en-US" altLang="zh-CN" dirty="0">
+                  <a:ea typeface="宋体" panose="02010600030101010101" pitchFamily="2" charset="-122"/>
+                </a:rPr>
+                <a:t>Log, DB, Debug, Trace,</a:t>
+              </a:r>
+              <a:r>
+                <a:rPr lang="zh-CN" altLang="en-US" dirty="0">
+                  <a:ea typeface="宋体" panose="02010600030101010101" pitchFamily="2" charset="-122"/>
+                </a:rPr>
+                <a:t> </a:t>
+              </a:r>
+              <a:r>
+                <a:rPr lang="en-US" altLang="zh-CN" dirty="0">
+                  <a:ea typeface="宋体" panose="02010600030101010101" pitchFamily="2" charset="-122"/>
+                </a:rPr>
+                <a:t>OTA,</a:t>
+              </a:r>
+              <a:r>
+                <a:rPr lang="zh-CN" altLang="en-US" dirty="0">
+                  <a:ea typeface="宋体" panose="02010600030101010101" pitchFamily="2" charset="-122"/>
+                </a:rPr>
+                <a:t> 加密库</a:t>
+              </a:r>
+              <a:endParaRPr lang="en-US" altLang="zh-CN" dirty="0">
+                <a:ea typeface="宋体" panose="02010600030101010101" pitchFamily="2" charset="-122"/>
+              </a:endParaRPr>
+            </a:p>
+          </p:txBody>
+        </p:sp>
+        <p:sp>
+          <p:nvSpPr>
+            <p:cNvPr id="10" name="矩形 9"/>
+            <p:cNvSpPr/>
+            <p:nvPr/>
+          </p:nvSpPr>
+          <p:spPr>
+            <a:xfrm>
+              <a:off x="7577667" y="2893272"/>
+              <a:ext cx="1730798" cy="1693862"/>
+            </a:xfrm>
+            <a:prstGeom prst="rect">
+              <a:avLst/>
+            </a:prstGeom>
+          </p:spPr>
+          <p:style>
+            <a:lnRef idx="2">
+              <a:schemeClr val="accent2">
+                <a:shade val="50000"/>
+              </a:schemeClr>
+            </a:lnRef>
+            <a:fillRef idx="1">
+              <a:schemeClr val="accent2"/>
+            </a:fillRef>
+            <a:effectRef idx="0">
+              <a:schemeClr val="accent2"/>
+            </a:effectRef>
+            <a:fontRef idx="minor">
+              <a:schemeClr val="lt1"/>
+            </a:fontRef>
+          </p:style>
+          <p:txBody>
+            <a:bodyPr rtlCol="0" anchor="ctr"/>
+            <a:lstStyle/>
+            <a:p>
+              <a:pPr algn="ctr"/>
+              <a:r>
+                <a:rPr lang="zh-CN" altLang="en-US" dirty="0"/>
+                <a:t>设备框架</a:t>
+              </a:r>
+            </a:p>
+          </p:txBody>
+        </p:sp>
+        <p:sp>
+          <p:nvSpPr>
+            <p:cNvPr id="12" name="矩形 11"/>
+            <p:cNvSpPr/>
+            <p:nvPr/>
+          </p:nvSpPr>
+          <p:spPr>
+            <a:xfrm>
+              <a:off x="5406919" y="2888508"/>
+              <a:ext cx="1933258" cy="1693862"/>
+            </a:xfrm>
+            <a:prstGeom prst="rect">
+              <a:avLst/>
+            </a:prstGeom>
+          </p:spPr>
+          <p:style>
+            <a:lnRef idx="2">
+              <a:schemeClr val="accent2">
+                <a:shade val="50000"/>
+              </a:schemeClr>
+            </a:lnRef>
+            <a:fillRef idx="1">
+              <a:schemeClr val="accent2"/>
+            </a:fillRef>
+            <a:effectRef idx="0">
+              <a:schemeClr val="accent2"/>
+            </a:effectRef>
+            <a:fontRef idx="minor">
+              <a:schemeClr val="lt1"/>
+            </a:fontRef>
+          </p:style>
+          <p:txBody>
+            <a:bodyPr rtlCol="0" anchor="ctr"/>
+            <a:lstStyle/>
+            <a:p>
+              <a:pPr algn="ctr"/>
+              <a:r>
+                <a:rPr lang="zh-CN" altLang="en-US">
+                  <a:ea typeface="宋体" panose="02010600030101010101" pitchFamily="2" charset="-122"/>
+                </a:rPr>
+                <a:t>产品框架</a:t>
+              </a:r>
+            </a:p>
+          </p:txBody>
+        </p:sp>
+        <p:sp>
+          <p:nvSpPr>
+            <p:cNvPr id="11" name="矩形 10">
+              <a:extLst>
+                <a:ext uri="{FF2B5EF4-FFF2-40B4-BE49-F238E27FC236}">
+                  <a16:creationId xmlns:a16="http://schemas.microsoft.com/office/drawing/2014/main" id="{679EF2B3-03F7-18A9-0EDA-F85A04C5DF55}"/>
+                </a:ext>
+              </a:extLst>
+            </p:cNvPr>
+            <p:cNvSpPr/>
+            <p:nvPr/>
+          </p:nvSpPr>
+          <p:spPr>
+            <a:xfrm>
+              <a:off x="9648191" y="5230071"/>
+              <a:ext cx="2038350" cy="308610"/>
+            </a:xfrm>
+            <a:prstGeom prst="rect">
+              <a:avLst/>
+            </a:prstGeom>
+          </p:spPr>
+          <p:style>
+            <a:lnRef idx="2">
+              <a:schemeClr val="accent4">
+                <a:shade val="50000"/>
+              </a:schemeClr>
+            </a:lnRef>
+            <a:fillRef idx="1">
+              <a:schemeClr val="accent4"/>
+            </a:fillRef>
+            <a:effectRef idx="0">
+              <a:schemeClr val="accent4"/>
+            </a:effectRef>
+            <a:fontRef idx="minor">
+              <a:schemeClr val="lt1"/>
+            </a:fontRef>
+          </p:style>
+          <p:txBody>
+            <a:bodyPr rtlCol="0" anchor="ctr"/>
+            <a:lstStyle/>
+            <a:p>
+              <a:pPr algn="ctr"/>
+              <a:r>
+                <a:rPr lang="en-US" altLang="zh-CN" dirty="0">
+                  <a:ea typeface="宋体" panose="02010600030101010101" pitchFamily="2" charset="-122"/>
+                </a:rPr>
+                <a:t>QP Port</a:t>
+              </a:r>
+              <a:endParaRPr lang="zh-CN" altLang="en-US" dirty="0">
+                <a:ea typeface="宋体" panose="02010600030101010101" pitchFamily="2" charset="-122"/>
+              </a:endParaRPr>
+            </a:p>
+          </p:txBody>
+        </p:sp>
+      </p:grpSp>
+      <p:sp>
+        <p:nvSpPr>
+          <p:cNvPr id="13" name="左大括号 12">
+            <a:extLst>
+              <a:ext uri="{FF2B5EF4-FFF2-40B4-BE49-F238E27FC236}">
+                <a16:creationId xmlns:a16="http://schemas.microsoft.com/office/drawing/2014/main" id="{44C00C95-8FD0-2F39-E7CE-D7901D7BE7C5}"/>
+              </a:ext>
+            </a:extLst>
+          </p:cNvPr>
+          <p:cNvSpPr/>
+          <p:nvPr/>
+        </p:nvSpPr>
+        <p:spPr>
+          <a:xfrm>
+            <a:off x="741994" y="2888508"/>
+            <a:ext cx="424992" cy="2257469"/>
+          </a:xfrm>
+          <a:prstGeom prst="leftBrace">
+            <a:avLst/>
+          </a:prstGeom>
+          <a:ln w="38100">
+            <a:tailEnd type="triangle"/>
+          </a:ln>
+        </p:spPr>
+        <p:style>
+          <a:lnRef idx="1">
+            <a:schemeClr val="accent1"/>
+          </a:lnRef>
+          <a:fillRef idx="0">
+            <a:schemeClr val="accent1"/>
+          </a:fillRef>
+          <a:effectRef idx="0">
+            <a:schemeClr val="accent1"/>
+          </a:effectRef>
+          <a:fontRef idx="minor">
+            <a:schemeClr val="tx1"/>
+          </a:fontRef>
+        </p:style>
+        <p:txBody>
+          <a:bodyPr rtlCol="0" anchor="ctr"/>
+          <a:lstStyle/>
+          <a:p>
+            <a:pPr algn="ctr"/>
+            <a:endParaRPr lang="zh-CN" altLang="en-US"/>
+          </a:p>
+        </p:txBody>
+      </p:sp>
+      <p:sp>
+        <p:nvSpPr>
+          <p:cNvPr id="14" name="文本框 13">
+            <a:extLst>
+              <a:ext uri="{FF2B5EF4-FFF2-40B4-BE49-F238E27FC236}">
+                <a16:creationId xmlns:a16="http://schemas.microsoft.com/office/drawing/2014/main" id="{9943EBBA-B304-E38B-ADDD-EEE3282E5ECD}"/>
+              </a:ext>
+            </a:extLst>
+          </p:cNvPr>
+          <p:cNvSpPr txBox="1"/>
+          <p:nvPr/>
+        </p:nvSpPr>
+        <p:spPr>
+          <a:xfrm>
+            <a:off x="59733" y="3735439"/>
+            <a:ext cx="540716" cy="523220"/>
+          </a:xfrm>
+          <a:prstGeom prst="rect">
+            <a:avLst/>
+          </a:prstGeom>
+          <a:noFill/>
+        </p:spPr>
+        <p:txBody>
+          <a:bodyPr wrap="square" rtlCol="0">
+            <a:spAutoFit/>
+          </a:bodyPr>
+          <a:lstStyle/>
+          <a:p>
+            <a:r>
+              <a:rPr lang="zh-CN" altLang="en-US" sz="2800" b="1" dirty="0"/>
+              <a:t>厚</a:t>
+            </a:r>
+          </a:p>
+        </p:txBody>
+      </p:sp>
+    </p:spTree>
+    <p:extLst>
+      <p:ext uri="{BB962C8B-B14F-4D97-AF65-F5344CB8AC3E}">
+        <p14:creationId xmlns:p14="http://schemas.microsoft.com/office/powerpoint/2010/main" val="538819665"/>
       </p:ext>
     </p:extLst>
   </p:cSld>
@@ -11561,13 +12136,7 @@
       </p:grpSpPr>
       <p:sp>
         <p:nvSpPr>
-          <p:cNvPr id="2" name="标题 1">
-            <a:extLst>
-              <a:ext uri="{FF2B5EF4-FFF2-40B4-BE49-F238E27FC236}">
-                <a16:creationId xmlns:a16="http://schemas.microsoft.com/office/drawing/2014/main" id="{D055B6B4-8675-EDB6-4599-D84DD09DBB8C}"/>
-              </a:ext>
-            </a:extLst>
-          </p:cNvPr>
+          <p:cNvPr id="2" name="标题 1"/>
           <p:cNvSpPr>
             <a:spLocks noGrp="1"/>
           </p:cNvSpPr>
@@ -11593,13 +12162,7 @@
       </p:sp>
       <p:sp>
         <p:nvSpPr>
-          <p:cNvPr id="3" name="内容占位符 2">
-            <a:extLst>
-              <a:ext uri="{FF2B5EF4-FFF2-40B4-BE49-F238E27FC236}">
-                <a16:creationId xmlns:a16="http://schemas.microsoft.com/office/drawing/2014/main" id="{55374842-D92C-703E-A2ED-77D45F98CDDE}"/>
-              </a:ext>
-            </a:extLst>
-          </p:cNvPr>
+          <p:cNvPr id="3" name="内容占位符 2"/>
           <p:cNvSpPr>
             <a:spLocks noGrp="1"/>
           </p:cNvSpPr>
@@ -11627,11 +12190,6 @@
         </p:txBody>
       </p:sp>
     </p:spTree>
-    <p:extLst>
-      <p:ext uri="{BB962C8B-B14F-4D97-AF65-F5344CB8AC3E}">
-        <p14:creationId xmlns:p14="http://schemas.microsoft.com/office/powerpoint/2010/main" val="2019229662"/>
-      </p:ext>
-    </p:extLst>
   </p:cSld>
   <p:clrMapOvr>
     <a:masterClrMapping/>
@@ -11658,13 +12216,7 @@
       </p:grpSpPr>
       <p:sp>
         <p:nvSpPr>
-          <p:cNvPr id="2" name="标题 1">
-            <a:extLst>
-              <a:ext uri="{FF2B5EF4-FFF2-40B4-BE49-F238E27FC236}">
-                <a16:creationId xmlns:a16="http://schemas.microsoft.com/office/drawing/2014/main" id="{D055B6B4-8675-EDB6-4599-D84DD09DBB8C}"/>
-              </a:ext>
-            </a:extLst>
-          </p:cNvPr>
+          <p:cNvPr id="2" name="标题 1"/>
           <p:cNvSpPr>
             <a:spLocks noGrp="1"/>
           </p:cNvSpPr>
@@ -11686,13 +12238,7 @@
       </p:sp>
       <p:sp>
         <p:nvSpPr>
-          <p:cNvPr id="3" name="内容占位符 2">
-            <a:extLst>
-              <a:ext uri="{FF2B5EF4-FFF2-40B4-BE49-F238E27FC236}">
-                <a16:creationId xmlns:a16="http://schemas.microsoft.com/office/drawing/2014/main" id="{55374842-D92C-703E-A2ED-77D45F98CDDE}"/>
-              </a:ext>
-            </a:extLst>
-          </p:cNvPr>
+          <p:cNvPr id="3" name="内容占位符 2"/>
           <p:cNvSpPr>
             <a:spLocks noGrp="1"/>
           </p:cNvSpPr>
@@ -11787,11 +12333,6 @@
         </p:txBody>
       </p:sp>
     </p:spTree>
-    <p:extLst>
-      <p:ext uri="{BB962C8B-B14F-4D97-AF65-F5344CB8AC3E}">
-        <p14:creationId xmlns:p14="http://schemas.microsoft.com/office/powerpoint/2010/main" val="3292248009"/>
-      </p:ext>
-    </p:extLst>
   </p:cSld>
   <p:clrMapOvr>
     <a:masterClrMapping/>
@@ -11818,13 +12359,7 @@
       </p:grpSpPr>
       <p:sp>
         <p:nvSpPr>
-          <p:cNvPr id="2" name="标题 1">
-            <a:extLst>
-              <a:ext uri="{FF2B5EF4-FFF2-40B4-BE49-F238E27FC236}">
-                <a16:creationId xmlns:a16="http://schemas.microsoft.com/office/drawing/2014/main" id="{D055B6B4-8675-EDB6-4599-D84DD09DBB8C}"/>
-              </a:ext>
-            </a:extLst>
-          </p:cNvPr>
+          <p:cNvPr id="2" name="标题 1"/>
           <p:cNvSpPr>
             <a:spLocks noGrp="1"/>
           </p:cNvSpPr>
@@ -11850,13 +12385,7 @@
       </p:sp>
       <p:sp>
         <p:nvSpPr>
-          <p:cNvPr id="3" name="内容占位符 2">
-            <a:extLst>
-              <a:ext uri="{FF2B5EF4-FFF2-40B4-BE49-F238E27FC236}">
-                <a16:creationId xmlns:a16="http://schemas.microsoft.com/office/drawing/2014/main" id="{55374842-D92C-703E-A2ED-77D45F98CDDE}"/>
-              </a:ext>
-            </a:extLst>
-          </p:cNvPr>
+          <p:cNvPr id="3" name="内容占位符 2"/>
           <p:cNvSpPr>
             <a:spLocks noGrp="1"/>
           </p:cNvSpPr>
@@ -11929,11 +12458,6 @@
         </p:txBody>
       </p:sp>
     </p:spTree>
-    <p:extLst>
-      <p:ext uri="{BB962C8B-B14F-4D97-AF65-F5344CB8AC3E}">
-        <p14:creationId xmlns:p14="http://schemas.microsoft.com/office/powerpoint/2010/main" val="408817286"/>
-      </p:ext>
-    </p:extLst>
   </p:cSld>
   <p:clrMapOvr>
     <a:masterClrMapping/>
@@ -11960,13 +12484,7 @@
       </p:grpSpPr>
       <p:sp>
         <p:nvSpPr>
-          <p:cNvPr id="2" name="标题 1">
-            <a:extLst>
-              <a:ext uri="{FF2B5EF4-FFF2-40B4-BE49-F238E27FC236}">
-                <a16:creationId xmlns:a16="http://schemas.microsoft.com/office/drawing/2014/main" id="{D055B6B4-8675-EDB6-4599-D84DD09DBB8C}"/>
-              </a:ext>
-            </a:extLst>
-          </p:cNvPr>
+          <p:cNvPr id="2" name="标题 1"/>
           <p:cNvSpPr>
             <a:spLocks noGrp="1"/>
           </p:cNvSpPr>
@@ -11988,13 +12506,7 @@
       </p:sp>
       <p:sp>
         <p:nvSpPr>
-          <p:cNvPr id="3" name="内容占位符 2">
-            <a:extLst>
-              <a:ext uri="{FF2B5EF4-FFF2-40B4-BE49-F238E27FC236}">
-                <a16:creationId xmlns:a16="http://schemas.microsoft.com/office/drawing/2014/main" id="{55374842-D92C-703E-A2ED-77D45F98CDDE}"/>
-              </a:ext>
-            </a:extLst>
-          </p:cNvPr>
+          <p:cNvPr id="3" name="内容占位符 2"/>
           <p:cNvSpPr>
             <a:spLocks noGrp="1"/>
           </p:cNvSpPr>
@@ -12067,11 +12579,6 @@
         </p:txBody>
       </p:sp>
     </p:spTree>
-    <p:extLst>
-      <p:ext uri="{BB962C8B-B14F-4D97-AF65-F5344CB8AC3E}">
-        <p14:creationId xmlns:p14="http://schemas.microsoft.com/office/powerpoint/2010/main" val="4156225488"/>
-      </p:ext>
-    </p:extLst>
   </p:cSld>
   <p:clrMapOvr>
     <a:masterClrMapping/>
@@ -12106,26 +12613,11 @@
       </p:grpSpPr>
       <p:sp>
         <p:nvSpPr>
-          <p:cNvPr id="1045" name="Rectangle 1030">
-            <a:extLst>
-              <a:ext uri="{FF2B5EF4-FFF2-40B4-BE49-F238E27FC236}">
-                <a16:creationId xmlns:a16="http://schemas.microsoft.com/office/drawing/2014/main" id="{8D06CE56-3881-4ADA-8CEF-D18B02C242A3}"/>
-              </a:ext>
-              <a:ext uri="{C183D7F6-B498-43B3-948B-1728B52AA6E4}">
-                <adec:decorative xmlns:adec="http://schemas.microsoft.com/office/drawing/2017/decorative" val="1"/>
-              </a:ext>
-            </a:extLst>
-          </p:cNvPr>
+          <p:cNvPr id="1045" name="Rectangle 1030"/>
           <p:cNvSpPr>
             <a:spLocks noGrp="1" noRot="1" noChangeAspect="1" noMove="1" noResize="1" noEditPoints="1" noAdjustHandles="1" noChangeArrowheads="1" noChangeShapeType="1" noTextEdit="1"/>
           </p:cNvSpPr>
-          <p:nvPr>
-            <p:extLst>
-              <p:ext uri="{386F3935-93C4-4BCD-93E2-E3B085C9AB24}">
-                <p16:designElem xmlns:p16="http://schemas.microsoft.com/office/powerpoint/2015/main" val="1"/>
-              </p:ext>
-            </p:extLst>
-          </p:nvPr>
+          <p:nvPr/>
         </p:nvSpPr>
         <p:spPr>
           <a:xfrm rot="5400000">
@@ -12176,7 +12668,6 @@
               <a:buSzTx/>
               <a:buFontTx/>
               <a:buNone/>
-              <a:tabLst/>
               <a:defRPr/>
             </a:pPr>
             <a:endParaRPr kumimoji="0" lang="en-US" sz="1800" b="0" i="0" u="none" strike="noStrike" kern="1200" cap="none" spc="0" normalizeH="0" baseline="0" noProof="0">
@@ -12198,26 +12689,11 @@
       </p:sp>
       <p:sp>
         <p:nvSpPr>
-          <p:cNvPr id="1046" name="Rectangle 1032">
-            <a:extLst>
-              <a:ext uri="{FF2B5EF4-FFF2-40B4-BE49-F238E27FC236}">
-                <a16:creationId xmlns:a16="http://schemas.microsoft.com/office/drawing/2014/main" id="{79F3C543-62EC-4433-9C93-A2CD8764E9B4}"/>
-              </a:ext>
-              <a:ext uri="{C183D7F6-B498-43B3-948B-1728B52AA6E4}">
-                <adec:decorative xmlns:adec="http://schemas.microsoft.com/office/drawing/2017/decorative" val="1"/>
-              </a:ext>
-            </a:extLst>
-          </p:cNvPr>
+          <p:cNvPr id="1046" name="Rectangle 1032"/>
           <p:cNvSpPr>
             <a:spLocks noGrp="1" noRot="1" noChangeAspect="1" noMove="1" noResize="1" noEditPoints="1" noAdjustHandles="1" noChangeArrowheads="1" noChangeShapeType="1" noTextEdit="1"/>
           </p:cNvSpPr>
-          <p:nvPr>
-            <p:extLst>
-              <p:ext uri="{386F3935-93C4-4BCD-93E2-E3B085C9AB24}">
-                <p16:designElem xmlns:p16="http://schemas.microsoft.com/office/powerpoint/2015/main" val="1"/>
-              </p:ext>
-            </p:extLst>
-          </p:nvPr>
+          <p:nvPr/>
         </p:nvSpPr>
         <p:spPr>
           <a:xfrm flipV="1">
@@ -12272,7 +12748,6 @@
               <a:buSzTx/>
               <a:buFontTx/>
               <a:buNone/>
-              <a:tabLst/>
               <a:defRPr/>
             </a:pPr>
             <a:endParaRPr kumimoji="0" lang="en-US" sz="1800" b="0" i="0" u="none" strike="noStrike" kern="1200" cap="none" spc="0" normalizeH="0" baseline="0" noProof="0">
@@ -12294,26 +12769,11 @@
       </p:sp>
       <p:sp useBgFill="1">
         <p:nvSpPr>
-          <p:cNvPr id="1047" name="Rectangle 1034">
-            <a:extLst>
-              <a:ext uri="{FF2B5EF4-FFF2-40B4-BE49-F238E27FC236}">
-                <a16:creationId xmlns:a16="http://schemas.microsoft.com/office/drawing/2014/main" id="{5DCB5928-DC7D-4612-9922-441966E15627}"/>
-              </a:ext>
-              <a:ext uri="{C183D7F6-B498-43B3-948B-1728B52AA6E4}">
-                <adec:decorative xmlns:adec="http://schemas.microsoft.com/office/drawing/2017/decorative" val="1"/>
-              </a:ext>
-            </a:extLst>
-          </p:cNvPr>
+          <p:cNvPr id="1047" name="Rectangle 1034"/>
           <p:cNvSpPr>
             <a:spLocks noGrp="1" noRot="1" noChangeAspect="1" noMove="1" noResize="1" noEditPoints="1" noAdjustHandles="1" noChangeArrowheads="1" noChangeShapeType="1" noTextEdit="1"/>
           </p:cNvSpPr>
-          <p:nvPr>
-            <p:extLst>
-              <p:ext uri="{386F3935-93C4-4BCD-93E2-E3B085C9AB24}">
-                <p16:designElem xmlns:p16="http://schemas.microsoft.com/office/powerpoint/2015/main" val="1"/>
-              </p:ext>
-            </p:extLst>
-          </p:nvPr>
+          <p:nvPr/>
         </p:nvSpPr>
         <p:spPr>
           <a:xfrm>
@@ -12354,26 +12814,11 @@
       </p:sp>
       <p:sp useBgFill="1">
         <p:nvSpPr>
-          <p:cNvPr id="1048" name="Freeform: Shape 1036">
-            <a:extLst>
-              <a:ext uri="{FF2B5EF4-FFF2-40B4-BE49-F238E27FC236}">
-                <a16:creationId xmlns:a16="http://schemas.microsoft.com/office/drawing/2014/main" id="{682C1161-1736-45EC-99B7-33F3CAE9D517}"/>
-              </a:ext>
-              <a:ext uri="{C183D7F6-B498-43B3-948B-1728B52AA6E4}">
-                <adec:decorative xmlns:adec="http://schemas.microsoft.com/office/drawing/2017/decorative" val="1"/>
-              </a:ext>
-            </a:extLst>
-          </p:cNvPr>
+          <p:cNvPr id="1048" name="Freeform: Shape 1036"/>
           <p:cNvSpPr>
             <a:spLocks noGrp="1" noRot="1" noChangeAspect="1" noMove="1" noResize="1" noEditPoints="1" noAdjustHandles="1" noChangeArrowheads="1" noChangeShapeType="1" noTextEdit="1"/>
           </p:cNvSpPr>
-          <p:nvPr>
-            <p:extLst>
-              <p:ext uri="{386F3935-93C4-4BCD-93E2-E3B085C9AB24}">
-                <p16:designElem xmlns:p16="http://schemas.microsoft.com/office/powerpoint/2015/main" val="1"/>
-              </p:ext>
-            </p:extLst>
-          </p:nvPr>
+          <p:nvPr/>
         </p:nvSpPr>
         <p:spPr>
           <a:xfrm>
@@ -12507,7 +12952,6 @@
               <a:buSzTx/>
               <a:buFontTx/>
               <a:buNone/>
-              <a:tabLst/>
               <a:defRPr/>
             </a:pPr>
             <a:endParaRPr kumimoji="0" lang="en-US" sz="1800" b="0" i="0" u="none" strike="noStrike" kern="1200" cap="none" spc="0" normalizeH="0" baseline="0" noProof="0">
@@ -12529,26 +12973,11 @@
       </p:sp>
       <p:sp useBgFill="1">
         <p:nvSpPr>
-          <p:cNvPr id="1049" name="Freeform: Shape 1038">
-            <a:extLst>
-              <a:ext uri="{FF2B5EF4-FFF2-40B4-BE49-F238E27FC236}">
-                <a16:creationId xmlns:a16="http://schemas.microsoft.com/office/drawing/2014/main" id="{84D4DDB8-B68F-45B0-9F62-C4279996F672}"/>
-              </a:ext>
-              <a:ext uri="{C183D7F6-B498-43B3-948B-1728B52AA6E4}">
-                <adec:decorative xmlns:adec="http://schemas.microsoft.com/office/drawing/2017/decorative" val="1"/>
-              </a:ext>
-            </a:extLst>
-          </p:cNvPr>
+          <p:cNvPr id="1049" name="Freeform: Shape 1038"/>
           <p:cNvSpPr>
             <a:spLocks noGrp="1" noRot="1" noChangeAspect="1" noMove="1" noResize="1" noEditPoints="1" noAdjustHandles="1" noChangeArrowheads="1" noChangeShapeType="1" noTextEdit="1"/>
           </p:cNvSpPr>
-          <p:nvPr>
-            <p:extLst>
-              <p:ext uri="{386F3935-93C4-4BCD-93E2-E3B085C9AB24}">
-                <p16:designElem xmlns:p16="http://schemas.microsoft.com/office/powerpoint/2015/main" val="1"/>
-              </p:ext>
-            </p:extLst>
-          </p:nvPr>
+          <p:nvPr/>
         </p:nvSpPr>
         <p:spPr>
           <a:xfrm>
@@ -12670,7 +13099,6 @@
               <a:buSzTx/>
               <a:buFontTx/>
               <a:buNone/>
-              <a:tabLst/>
               <a:defRPr/>
             </a:pPr>
             <a:endParaRPr kumimoji="0" lang="en-US" sz="1800" b="0" i="0" u="none" strike="noStrike" kern="1200" cap="none" spc="0" normalizeH="0" baseline="0" noProof="0">
@@ -12692,13 +13120,7 @@
       </p:sp>
       <p:sp>
         <p:nvSpPr>
-          <p:cNvPr id="2" name="标题 1">
-            <a:extLst>
-              <a:ext uri="{FF2B5EF4-FFF2-40B4-BE49-F238E27FC236}">
-                <a16:creationId xmlns:a16="http://schemas.microsoft.com/office/drawing/2014/main" id="{D055B6B4-8675-EDB6-4599-D84DD09DBB8C}"/>
-              </a:ext>
-            </a:extLst>
-          </p:cNvPr>
+          <p:cNvPr id="2" name="标题 1"/>
           <p:cNvSpPr>
             <a:spLocks noGrp="1"/>
           </p:cNvSpPr>
@@ -12746,26 +13168,11 @@
       </p:sp>
       <p:sp>
         <p:nvSpPr>
-          <p:cNvPr id="1050" name="Rectangle 1040">
-            <a:extLst>
-              <a:ext uri="{FF2B5EF4-FFF2-40B4-BE49-F238E27FC236}">
-                <a16:creationId xmlns:a16="http://schemas.microsoft.com/office/drawing/2014/main" id="{AF2F604E-43BE-4DC3-B983-E071523364F8}"/>
-              </a:ext>
-              <a:ext uri="{C183D7F6-B498-43B3-948B-1728B52AA6E4}">
-                <adec:decorative xmlns:adec="http://schemas.microsoft.com/office/drawing/2017/decorative" val="1"/>
-              </a:ext>
-            </a:extLst>
-          </p:cNvPr>
+          <p:cNvPr id="1050" name="Rectangle 1040"/>
           <p:cNvSpPr>
             <a:spLocks noGrp="1" noRot="1" noChangeAspect="1" noMove="1" noResize="1" noEditPoints="1" noAdjustHandles="1" noChangeArrowheads="1" noChangeShapeType="1" noTextEdit="1"/>
           </p:cNvSpPr>
-          <p:nvPr>
-            <p:extLst>
-              <p:ext uri="{386F3935-93C4-4BCD-93E2-E3B085C9AB24}">
-                <p16:designElem xmlns:p16="http://schemas.microsoft.com/office/powerpoint/2015/main" val="1"/>
-              </p:ext>
-            </p:extLst>
-          </p:nvPr>
+          <p:nvPr/>
         </p:nvSpPr>
         <p:spPr>
           <a:xfrm rot="5400000">
@@ -12816,7 +13223,6 @@
               <a:buSzTx/>
               <a:buFontTx/>
               <a:buNone/>
-              <a:tabLst/>
               <a:defRPr/>
             </a:pPr>
             <a:endParaRPr kumimoji="0" lang="en-US" sz="1800" b="0" i="0" u="none" strike="noStrike" kern="1200" cap="none" spc="0" normalizeH="0" baseline="0" noProof="0">
@@ -12838,26 +13244,11 @@
       </p:sp>
       <p:sp>
         <p:nvSpPr>
-          <p:cNvPr id="1051" name="Rectangle 1042">
-            <a:extLst>
-              <a:ext uri="{FF2B5EF4-FFF2-40B4-BE49-F238E27FC236}">
-                <a16:creationId xmlns:a16="http://schemas.microsoft.com/office/drawing/2014/main" id="{08C9B587-E65E-4B52-B37C-ABEBB6E87928}"/>
-              </a:ext>
-              <a:ext uri="{C183D7F6-B498-43B3-948B-1728B52AA6E4}">
-                <adec:decorative xmlns:adec="http://schemas.microsoft.com/office/drawing/2017/decorative" val="1"/>
-              </a:ext>
-            </a:extLst>
-          </p:cNvPr>
+          <p:cNvPr id="1051" name="Rectangle 1042"/>
           <p:cNvSpPr>
             <a:spLocks noGrp="1" noRot="1" noChangeAspect="1" noMove="1" noResize="1" noEditPoints="1" noAdjustHandles="1" noChangeArrowheads="1" noChangeShapeType="1" noTextEdit="1"/>
           </p:cNvSpPr>
-          <p:nvPr>
-            <p:extLst>
-              <p:ext uri="{386F3935-93C4-4BCD-93E2-E3B085C9AB24}">
-                <p16:designElem xmlns:p16="http://schemas.microsoft.com/office/powerpoint/2015/main" val="1"/>
-              </p:ext>
-            </p:extLst>
-          </p:nvPr>
+          <p:nvPr/>
         </p:nvSpPr>
         <p:spPr>
           <a:xfrm>
@@ -12912,7 +13303,6 @@
               <a:buSzTx/>
               <a:buFontTx/>
               <a:buNone/>
-              <a:tabLst/>
               <a:defRPr/>
             </a:pPr>
             <a:endParaRPr kumimoji="0" lang="en-US" sz="1800" b="0" i="0" u="none" strike="noStrike" kern="1200" cap="none" spc="0" normalizeH="0" baseline="0" noProof="0">
@@ -12934,13 +13324,7 @@
       </p:sp>
       <p:pic>
         <p:nvPicPr>
-          <p:cNvPr id="5" name="图片 4" descr="图示&#10;&#10;描述已自动生成">
-            <a:extLst>
-              <a:ext uri="{FF2B5EF4-FFF2-40B4-BE49-F238E27FC236}">
-                <a16:creationId xmlns:a16="http://schemas.microsoft.com/office/drawing/2014/main" id="{EDE03C3F-23EC-E16E-EDA2-D59324322359}"/>
-              </a:ext>
-            </a:extLst>
-          </p:cNvPr>
+          <p:cNvPr id="5" name="图片 4" descr="图示&#10;&#10;描述已自动生成"/>
           <p:cNvPicPr>
             <a:picLocks noChangeAspect="1"/>
           </p:cNvPicPr>
@@ -12969,11 +13353,6 @@
         </p:spPr>
       </p:pic>
     </p:spTree>
-    <p:extLst>
-      <p:ext uri="{BB962C8B-B14F-4D97-AF65-F5344CB8AC3E}">
-        <p14:creationId xmlns:p14="http://schemas.microsoft.com/office/powerpoint/2010/main" val="3211703659"/>
-      </p:ext>
-    </p:extLst>
   </p:cSld>
   <p:clrMapOvr>
     <a:masterClrMapping/>
@@ -13000,13 +13379,7 @@
       </p:grpSpPr>
       <p:sp>
         <p:nvSpPr>
-          <p:cNvPr id="2" name="标题 1">
-            <a:extLst>
-              <a:ext uri="{FF2B5EF4-FFF2-40B4-BE49-F238E27FC236}">
-                <a16:creationId xmlns:a16="http://schemas.microsoft.com/office/drawing/2014/main" id="{D055B6B4-8675-EDB6-4599-D84DD09DBB8C}"/>
-              </a:ext>
-            </a:extLst>
-          </p:cNvPr>
+          <p:cNvPr id="2" name="标题 1"/>
           <p:cNvSpPr>
             <a:spLocks noGrp="1"/>
           </p:cNvSpPr>
@@ -13054,13 +13427,7 @@
       </p:sp>
       <p:pic>
         <p:nvPicPr>
-          <p:cNvPr id="1026" name="Picture 2" descr="9f2f070828381f30e47cb316ab014c086e06f023-2">
-            <a:extLst>
-              <a:ext uri="{FF2B5EF4-FFF2-40B4-BE49-F238E27FC236}">
-                <a16:creationId xmlns:a16="http://schemas.microsoft.com/office/drawing/2014/main" id="{709F685A-F850-EAD0-545D-025B650A7102}"/>
-              </a:ext>
-            </a:extLst>
-          </p:cNvPr>
+          <p:cNvPr id="1026" name="Picture 2" descr="9f2f070828381f30e47cb316ab014c086e06f023-2"/>
           <p:cNvPicPr>
             <a:picLocks noChangeAspect="1" noChangeArrowheads="1"/>
           </p:cNvPicPr>
@@ -13099,11 +13466,6 @@
         </p:spPr>
       </p:pic>
     </p:spTree>
-    <p:extLst>
-      <p:ext uri="{BB962C8B-B14F-4D97-AF65-F5344CB8AC3E}">
-        <p14:creationId xmlns:p14="http://schemas.microsoft.com/office/powerpoint/2010/main" val="2241970033"/>
-      </p:ext>
-    </p:extLst>
   </p:cSld>
   <p:clrMapOvr>
     <a:masterClrMapping/>
@@ -13130,13 +13492,7 @@
       </p:grpSpPr>
       <p:sp>
         <p:nvSpPr>
-          <p:cNvPr id="2" name="标题 1">
-            <a:extLst>
-              <a:ext uri="{FF2B5EF4-FFF2-40B4-BE49-F238E27FC236}">
-                <a16:creationId xmlns:a16="http://schemas.microsoft.com/office/drawing/2014/main" id="{D055B6B4-8675-EDB6-4599-D84DD09DBB8C}"/>
-              </a:ext>
-            </a:extLst>
-          </p:cNvPr>
+          <p:cNvPr id="2" name="标题 1"/>
           <p:cNvSpPr>
             <a:spLocks noGrp="1"/>
           </p:cNvSpPr>
@@ -13184,13 +13540,7 @@
       </p:sp>
       <p:pic>
         <p:nvPicPr>
-          <p:cNvPr id="4" name="图片 3" descr="图示&#10;&#10;描述已自动生成">
-            <a:extLst>
-              <a:ext uri="{FF2B5EF4-FFF2-40B4-BE49-F238E27FC236}">
-                <a16:creationId xmlns:a16="http://schemas.microsoft.com/office/drawing/2014/main" id="{76D1CB63-6995-C874-E846-6350BCC73695}"/>
-              </a:ext>
-            </a:extLst>
-          </p:cNvPr>
+          <p:cNvPr id="4" name="图片 3" descr="图示&#10;&#10;描述已自动生成"/>
           <p:cNvPicPr>
             <a:picLocks noChangeAspect="1"/>
           </p:cNvPicPr>
@@ -13219,11 +13569,6 @@
         </p:spPr>
       </p:pic>
     </p:spTree>
-    <p:extLst>
-      <p:ext uri="{BB962C8B-B14F-4D97-AF65-F5344CB8AC3E}">
-        <p14:creationId xmlns:p14="http://schemas.microsoft.com/office/powerpoint/2010/main" val="4265956923"/>
-      </p:ext>
-    </p:extLst>
   </p:cSld>
   <p:clrMapOvr>
     <a:masterClrMapping/>
@@ -13250,13 +13595,7 @@
       </p:grpSpPr>
       <p:sp>
         <p:nvSpPr>
-          <p:cNvPr id="2" name="标题 1">
-            <a:extLst>
-              <a:ext uri="{FF2B5EF4-FFF2-40B4-BE49-F238E27FC236}">
-                <a16:creationId xmlns:a16="http://schemas.microsoft.com/office/drawing/2014/main" id="{D055B6B4-8675-EDB6-4599-D84DD09DBB8C}"/>
-              </a:ext>
-            </a:extLst>
-          </p:cNvPr>
+          <p:cNvPr id="2" name="标题 1"/>
           <p:cNvSpPr>
             <a:spLocks noGrp="1"/>
           </p:cNvSpPr>
@@ -13291,13 +13630,7 @@
       </p:sp>
       <p:pic>
         <p:nvPicPr>
-          <p:cNvPr id="4" name="图片 3" descr="图示&#10;&#10;描述已自动生成">
-            <a:extLst>
-              <a:ext uri="{FF2B5EF4-FFF2-40B4-BE49-F238E27FC236}">
-                <a16:creationId xmlns:a16="http://schemas.microsoft.com/office/drawing/2014/main" id="{F3801DD3-B38C-98D8-7DD8-EB933B1A5E8C}"/>
-              </a:ext>
-            </a:extLst>
-          </p:cNvPr>
+          <p:cNvPr id="4" name="图片 3" descr="图示&#10;&#10;描述已自动生成"/>
           <p:cNvPicPr>
             <a:picLocks noChangeAspect="1"/>
           </p:cNvPicPr>
@@ -13326,16 +13659,17 @@
         </p:spPr>
       </p:pic>
     </p:spTree>
-    <p:extLst>
-      <p:ext uri="{BB962C8B-B14F-4D97-AF65-F5344CB8AC3E}">
-        <p14:creationId xmlns:p14="http://schemas.microsoft.com/office/powerpoint/2010/main" val="3223164802"/>
-      </p:ext>
-    </p:extLst>
   </p:cSld>
   <p:clrMapOvr>
     <a:masterClrMapping/>
   </p:clrMapOvr>
 </p:sld>
+</file>
+
+<file path=ppt/tags/tag1.xml><?xml version="1.0" encoding="utf-8"?>
+<p:tagLst xmlns:a="http://schemas.openxmlformats.org/drawingml/2006/main" xmlns:r="http://schemas.openxmlformats.org/officeDocument/2006/relationships" xmlns:p="http://schemas.openxmlformats.org/presentationml/2006/main">
+  <p:tag name="COMMONDATA" val="eyJoZGlkIjoiYzQyMTdkOWZjYzI4OWFlN2ViYTRhNzIzMzM1ZDM2ODAifQ=="/>
+</p:tagLst>
 </file>
 
 <file path=ppt/theme/theme1.xml><?xml version="1.0" encoding="utf-8"?>
@@ -13529,11 +13863,62 @@
       </a:bgFillStyleLst>
     </a:fmtScheme>
   </a:themeElements>
-  <a:objectDefaults/>
+  <a:objectDefaults>
+    <a:spDef>
+      <a:spPr>
+        <a:ln w="38100">
+          <a:tailEnd type="triangle"/>
+        </a:ln>
+      </a:spPr>
+      <a:bodyPr rtlCol="0" anchor="ctr"/>
+      <a:lstStyle>
+        <a:defPPr algn="ctr">
+          <a:defRPr/>
+        </a:defPPr>
+      </a:lstStyle>
+      <a:style>
+        <a:lnRef idx="1">
+          <a:schemeClr val="accent1"/>
+        </a:lnRef>
+        <a:fillRef idx="0">
+          <a:schemeClr val="accent1"/>
+        </a:fillRef>
+        <a:effectRef idx="0">
+          <a:schemeClr val="accent1"/>
+        </a:effectRef>
+        <a:fontRef idx="minor">
+          <a:schemeClr val="tx1"/>
+        </a:fontRef>
+      </a:style>
+    </a:spDef>
+    <a:lnDef>
+      <a:spPr>
+        <a:ln>
+          <a:tailEnd type="triangle"/>
+        </a:ln>
+      </a:spPr>
+      <a:bodyPr/>
+      <a:lstStyle/>
+      <a:style>
+        <a:lnRef idx="1">
+          <a:schemeClr val="accent1"/>
+        </a:lnRef>
+        <a:fillRef idx="0">
+          <a:schemeClr val="accent1"/>
+        </a:fillRef>
+        <a:effectRef idx="0">
+          <a:schemeClr val="accent1"/>
+        </a:effectRef>
+        <a:fontRef idx="minor">
+          <a:schemeClr val="tx1"/>
+        </a:fontRef>
+      </a:style>
+    </a:lnDef>
+  </a:objectDefaults>
   <a:extraClrSchemeLst/>
   <a:extLst>
     <a:ext uri="{05A4C25C-085E-4340-85A3-A5531E510DB2}">
-      <thm15:themeFamily xmlns:thm15="http://schemas.microsoft.com/office/thememl/2012/main" name="AccentBoxVTI" id="{9F778A78-DC9A-453A-A82D-A75CAD503E15}" vid="{EA961113-7CC4-4569-8A6A-7BC2C1E2F401}"/>
+      <thm15:themeFamily xmlns:thm15="http://schemas.microsoft.com/office/thememl/2012/main" name="Office Theme" id="{62F939B6-93AF-4DB8-9C6B-D6C7DFDC589F}" vid="{4A3C46E8-61CC-4603-A589-7422A47A8E4A}"/>
     </a:ext>
   </a:extLst>
 </a:theme>

--- a/资料/PPT.pptx
+++ b/资料/PPT.pptx
@@ -18,17 +18,16 @@
     <p:sldId id="264" r:id="rId12"/>
     <p:sldId id="265" r:id="rId13"/>
     <p:sldId id="268" r:id="rId14"/>
-    <p:sldId id="271" r:id="rId15"/>
-    <p:sldId id="262" r:id="rId16"/>
-    <p:sldId id="272" r:id="rId17"/>
-    <p:sldId id="261" r:id="rId18"/>
-    <p:sldId id="273" r:id="rId19"/>
-    <p:sldId id="274" r:id="rId20"/>
+    <p:sldId id="262" r:id="rId15"/>
+    <p:sldId id="272" r:id="rId16"/>
+    <p:sldId id="261" r:id="rId17"/>
+    <p:sldId id="273" r:id="rId18"/>
+    <p:sldId id="274" r:id="rId19"/>
   </p:sldIdLst>
   <p:sldSz cx="12192000" cy="6858000"/>
   <p:notesSz cx="6858000" cy="9144000"/>
   <p:custDataLst>
-    <p:tags r:id="rId21"/>
+    <p:tags r:id="rId20"/>
   </p:custDataLst>
   <p:defaultTextStyle>
     <a:defPPr>
@@ -269,7 +268,7 @@
           <a:p>
             <a:fld id="{02AC24A9-CCB6-4F8D-B8DB-C2F3692CFA5A}" type="datetimeFigureOut">
               <a:rPr lang="en-US" smtClean="0"/>
-              <a:t>7/7/2022</a:t>
+              <a:t>7/9/2022</a:t>
             </a:fld>
             <a:endParaRPr lang="en-US" dirty="0"/>
           </a:p>
@@ -590,7 +589,7 @@
           <a:p>
             <a:fld id="{02AC24A9-CCB6-4F8D-B8DB-C2F3692CFA5A}" type="datetimeFigureOut">
               <a:rPr lang="en-US" smtClean="0"/>
-              <a:t>7/7/2022</a:t>
+              <a:t>7/9/2022</a:t>
             </a:fld>
             <a:endParaRPr lang="en-US"/>
           </a:p>
@@ -764,7 +763,7 @@
           <a:p>
             <a:fld id="{02AC24A9-CCB6-4F8D-B8DB-C2F3692CFA5A}" type="datetimeFigureOut">
               <a:rPr lang="en-US" smtClean="0"/>
-              <a:t>7/7/2022</a:t>
+              <a:t>7/9/2022</a:t>
             </a:fld>
             <a:endParaRPr lang="en-US"/>
           </a:p>
@@ -1178,7 +1177,7 @@
           <a:p>
             <a:fld id="{02AC24A9-CCB6-4F8D-B8DB-C2F3692CFA5A}" type="datetimeFigureOut">
               <a:rPr lang="en-US" smtClean="0"/>
-              <a:t>7/7/2022</a:t>
+              <a:t>7/9/2022</a:t>
             </a:fld>
             <a:endParaRPr lang="en-US"/>
           </a:p>
@@ -1583,7 +1582,7 @@
           <a:p>
             <a:fld id="{02AC24A9-CCB6-4F8D-B8DB-C2F3692CFA5A}" type="datetimeFigureOut">
               <a:rPr lang="en-US" smtClean="0"/>
-              <a:t>7/7/2022</a:t>
+              <a:t>7/9/2022</a:t>
             </a:fld>
             <a:endParaRPr lang="en-US"/>
           </a:p>
@@ -2053,7 +2052,7 @@
           <a:p>
             <a:fld id="{02AC24A9-CCB6-4F8D-B8DB-C2F3692CFA5A}" type="datetimeFigureOut">
               <a:rPr lang="en-US" smtClean="0"/>
-              <a:t>7/7/2022</a:t>
+              <a:t>7/9/2022</a:t>
             </a:fld>
             <a:endParaRPr lang="en-US"/>
           </a:p>
@@ -2678,7 +2677,7 @@
           <a:p>
             <a:fld id="{02AC24A9-CCB6-4F8D-B8DB-C2F3692CFA5A}" type="datetimeFigureOut">
               <a:rPr lang="en-US" smtClean="0"/>
-              <a:t>7/7/2022</a:t>
+              <a:t>7/9/2022</a:t>
             </a:fld>
             <a:endParaRPr lang="en-US"/>
           </a:p>
@@ -2964,7 +2963,7 @@
           <a:p>
             <a:fld id="{02AC24A9-CCB6-4F8D-B8DB-C2F3692CFA5A}" type="datetimeFigureOut">
               <a:rPr lang="en-US" smtClean="0"/>
-              <a:t>7/7/2022</a:t>
+              <a:t>7/9/2022</a:t>
             </a:fld>
             <a:endParaRPr lang="en-US"/>
           </a:p>
@@ -3054,7 +3053,7 @@
           <a:p>
             <a:fld id="{02AC24A9-CCB6-4F8D-B8DB-C2F3692CFA5A}" type="datetimeFigureOut">
               <a:rPr lang="en-US" smtClean="0"/>
-              <a:t>7/7/2022</a:t>
+              <a:t>7/9/2022</a:t>
             </a:fld>
             <a:endParaRPr lang="en-US"/>
           </a:p>
@@ -3494,7 +3493,7 @@
           <a:p>
             <a:fld id="{02AC24A9-CCB6-4F8D-B8DB-C2F3692CFA5A}" type="datetimeFigureOut">
               <a:rPr lang="en-US" smtClean="0"/>
-              <a:t>7/7/2022</a:t>
+              <a:t>7/9/2022</a:t>
             </a:fld>
             <a:endParaRPr lang="en-US" dirty="0"/>
           </a:p>
@@ -3916,7 +3915,7 @@
           <a:p>
             <a:fld id="{02AC24A9-CCB6-4F8D-B8DB-C2F3692CFA5A}" type="datetimeFigureOut">
               <a:rPr lang="en-US" smtClean="0"/>
-              <a:t>7/7/2022</a:t>
+              <a:t>7/9/2022</a:t>
             </a:fld>
             <a:endParaRPr lang="en-US"/>
           </a:p>
@@ -4120,7 +4119,7 @@
           <a:p>
             <a:fld id="{02AC24A9-CCB6-4F8D-B8DB-C2F3692CFA5A}" type="datetimeFigureOut">
               <a:rPr lang="en-US" smtClean="0"/>
-              <a:t>7/7/2022</a:t>
+              <a:t>7/9/2022</a:t>
             </a:fld>
             <a:endParaRPr lang="en-US"/>
           </a:p>
@@ -6669,64 +6668,107 @@
             <p:ph type="title"/>
           </p:nvPr>
         </p:nvSpPr>
-        <p:spPr>
-          <a:xfrm>
-            <a:off x="477981" y="1122363"/>
-            <a:ext cx="4023360" cy="3204134"/>
-          </a:xfrm>
-        </p:spPr>
-        <p:txBody>
-          <a:bodyPr vert="horz" lIns="91440" tIns="45720" rIns="91440" bIns="45720" rtlCol="0" anchor="b">
-            <a:normAutofit/>
-          </a:bodyPr>
+        <p:spPr/>
+        <p:txBody>
+          <a:bodyPr/>
           <a:lstStyle/>
           <a:p>
-            <a:pPr>
-              <a:lnSpc>
-                <a:spcPct val="90000"/>
-              </a:lnSpc>
-            </a:pPr>
-            <a:r>
-              <a:rPr lang="en-US" altLang="zh-CN" sz="4800" dirty="0"/>
-              <a:t>Actor</a:t>
-            </a:r>
-            <a:r>
-              <a:rPr lang="zh-CN" altLang="en-US" sz="4800" dirty="0"/>
-              <a:t>模型</a:t>
-            </a:r>
-          </a:p>
-        </p:txBody>
-      </p:sp>
-      <p:pic>
-        <p:nvPicPr>
-          <p:cNvPr id="4" name="图片 3" descr="图示&#10;&#10;描述已自动生成"/>
-          <p:cNvPicPr>
-            <a:picLocks noChangeAspect="1"/>
-          </p:cNvPicPr>
-          <p:nvPr/>
-        </p:nvPicPr>
-        <p:blipFill>
-          <a:blip r:embed="rId2">
-            <a:extLst>
-              <a:ext uri="{28A0092B-C50C-407E-A947-70E740481C1C}">
-                <a14:useLocalDpi xmlns:a14="http://schemas.microsoft.com/office/drawing/2010/main" val="0"/>
-              </a:ext>
-            </a:extLst>
-          </a:blip>
-          <a:stretch>
-            <a:fillRect/>
-          </a:stretch>
-        </p:blipFill>
-        <p:spPr>
-          <a:xfrm>
-            <a:off x="3595955" y="1434955"/>
-            <a:ext cx="8118064" cy="4242818"/>
-          </a:xfrm>
-          <a:prstGeom prst="rect">
-            <a:avLst/>
-          </a:prstGeom>
-        </p:spPr>
-      </p:pic>
+            <a:r>
+              <a:rPr lang="zh-CN" altLang="en-US" dirty="0"/>
+              <a:t>面向对象</a:t>
+            </a:r>
+            <a:r>
+              <a:rPr lang="en-US" altLang="zh-CN" dirty="0"/>
+              <a:t>——QP</a:t>
+            </a:r>
+            <a:r>
+              <a:rPr lang="zh-CN" altLang="en-US" dirty="0"/>
+              <a:t>的基石</a:t>
+            </a:r>
+          </a:p>
+        </p:txBody>
+      </p:sp>
+      <p:sp>
+        <p:nvSpPr>
+          <p:cNvPr id="3" name="内容占位符 2"/>
+          <p:cNvSpPr>
+            <a:spLocks noGrp="1"/>
+          </p:cNvSpPr>
+          <p:nvPr>
+            <p:ph idx="1"/>
+          </p:nvPr>
+        </p:nvSpPr>
+        <p:spPr/>
+        <p:txBody>
+          <a:bodyPr/>
+          <a:lstStyle/>
+          <a:p>
+            <a:r>
+              <a:rPr lang="zh-CN" altLang="en-US" dirty="0"/>
+              <a:t>面向对象的三大特性</a:t>
+            </a:r>
+            <a:endParaRPr lang="en-US" altLang="zh-CN" dirty="0"/>
+          </a:p>
+          <a:p>
+            <a:pPr lvl="1"/>
+            <a:r>
+              <a:rPr lang="zh-CN" altLang="en-US" b="1" dirty="0">
+                <a:solidFill>
+                  <a:srgbClr val="FF0000"/>
+                </a:solidFill>
+              </a:rPr>
+              <a:t>封装</a:t>
+            </a:r>
+            <a:endParaRPr lang="en-US" altLang="zh-CN" b="1" dirty="0">
+              <a:solidFill>
+                <a:srgbClr val="FF0000"/>
+              </a:solidFill>
+            </a:endParaRPr>
+          </a:p>
+          <a:p>
+            <a:pPr lvl="1"/>
+            <a:r>
+              <a:rPr lang="zh-CN" altLang="en-US" b="1" dirty="0">
+                <a:solidFill>
+                  <a:srgbClr val="FF0000"/>
+                </a:solidFill>
+              </a:rPr>
+              <a:t>继承</a:t>
+            </a:r>
+            <a:endParaRPr lang="en-US" altLang="zh-CN" b="1" dirty="0">
+              <a:solidFill>
+                <a:srgbClr val="FF0000"/>
+              </a:solidFill>
+            </a:endParaRPr>
+          </a:p>
+          <a:p>
+            <a:pPr lvl="1"/>
+            <a:r>
+              <a:rPr lang="zh-CN" altLang="en-US" dirty="0"/>
+              <a:t>多态</a:t>
+            </a:r>
+            <a:endParaRPr lang="en-US" altLang="zh-CN" dirty="0"/>
+          </a:p>
+          <a:p>
+            <a:r>
+              <a:rPr lang="en-US" altLang="zh-CN" dirty="0">
+                <a:hlinkClick r:id="rId2"/>
+              </a:rPr>
+              <a:t>QP</a:t>
+            </a:r>
+            <a:r>
+              <a:rPr lang="zh-CN" altLang="en-US" dirty="0">
+                <a:hlinkClick r:id="rId2"/>
+              </a:rPr>
+              <a:t>相关链接</a:t>
+            </a:r>
+            <a:endParaRPr lang="en-US" altLang="zh-CN" dirty="0"/>
+          </a:p>
+          <a:p>
+            <a:endParaRPr lang="en-US" altLang="zh-CN" dirty="0"/>
+          </a:p>
+        </p:txBody>
+      </p:sp>
     </p:spTree>
   </p:cSld>
   <p:clrMapOvr>
@@ -6736,142 +6778,6 @@
 </file>
 
 <file path=ppt/slides/slide15.xml><?xml version="1.0" encoding="utf-8"?>
-<p:sld xmlns:a="http://schemas.openxmlformats.org/drawingml/2006/main" xmlns:r="http://schemas.openxmlformats.org/officeDocument/2006/relationships" xmlns:p="http://schemas.openxmlformats.org/presentationml/2006/main">
-  <p:cSld>
-    <p:spTree>
-      <p:nvGrpSpPr>
-        <p:cNvPr id="1" name=""/>
-        <p:cNvGrpSpPr/>
-        <p:nvPr/>
-      </p:nvGrpSpPr>
-      <p:grpSpPr>
-        <a:xfrm>
-          <a:off x="0" y="0"/>
-          <a:ext cx="0" cy="0"/>
-          <a:chOff x="0" y="0"/>
-          <a:chExt cx="0" cy="0"/>
-        </a:xfrm>
-      </p:grpSpPr>
-      <p:sp>
-        <p:nvSpPr>
-          <p:cNvPr id="2" name="标题 1"/>
-          <p:cNvSpPr>
-            <a:spLocks noGrp="1"/>
-          </p:cNvSpPr>
-          <p:nvPr>
-            <p:ph type="title"/>
-          </p:nvPr>
-        </p:nvSpPr>
-        <p:spPr/>
-        <p:txBody>
-          <a:bodyPr/>
-          <a:lstStyle/>
-          <a:p>
-            <a:r>
-              <a:rPr lang="zh-CN" altLang="en-US" dirty="0"/>
-              <a:t>面向对象</a:t>
-            </a:r>
-            <a:r>
-              <a:rPr lang="en-US" altLang="zh-CN" dirty="0"/>
-              <a:t>——QP</a:t>
-            </a:r>
-            <a:r>
-              <a:rPr lang="zh-CN" altLang="en-US" dirty="0"/>
-              <a:t>的基石</a:t>
-            </a:r>
-          </a:p>
-        </p:txBody>
-      </p:sp>
-      <p:sp>
-        <p:nvSpPr>
-          <p:cNvPr id="3" name="内容占位符 2"/>
-          <p:cNvSpPr>
-            <a:spLocks noGrp="1"/>
-          </p:cNvSpPr>
-          <p:nvPr>
-            <p:ph idx="1"/>
-          </p:nvPr>
-        </p:nvSpPr>
-        <p:spPr/>
-        <p:txBody>
-          <a:bodyPr/>
-          <a:lstStyle/>
-          <a:p>
-            <a:r>
-              <a:rPr lang="zh-CN" altLang="en-US" dirty="0"/>
-              <a:t>面向对象的三大特性</a:t>
-            </a:r>
-            <a:endParaRPr lang="en-US" altLang="zh-CN" dirty="0"/>
-          </a:p>
-          <a:p>
-            <a:pPr lvl="1"/>
-            <a:r>
-              <a:rPr lang="zh-CN" altLang="en-US" b="1" dirty="0">
-                <a:solidFill>
-                  <a:srgbClr val="FF0000"/>
-                </a:solidFill>
-              </a:rPr>
-              <a:t>封装</a:t>
-            </a:r>
-            <a:endParaRPr lang="en-US" altLang="zh-CN" b="1" dirty="0">
-              <a:solidFill>
-                <a:srgbClr val="FF0000"/>
-              </a:solidFill>
-            </a:endParaRPr>
-          </a:p>
-          <a:p>
-            <a:pPr lvl="1"/>
-            <a:r>
-              <a:rPr lang="zh-CN" altLang="en-US" b="1" dirty="0">
-                <a:solidFill>
-                  <a:srgbClr val="FF0000"/>
-                </a:solidFill>
-              </a:rPr>
-              <a:t>继承</a:t>
-            </a:r>
-            <a:endParaRPr lang="en-US" altLang="zh-CN" b="1" dirty="0">
-              <a:solidFill>
-                <a:srgbClr val="FF0000"/>
-              </a:solidFill>
-            </a:endParaRPr>
-          </a:p>
-          <a:p>
-            <a:pPr lvl="1"/>
-            <a:r>
-              <a:rPr lang="zh-CN" altLang="en-US" dirty="0"/>
-              <a:t>多态</a:t>
-            </a:r>
-            <a:endParaRPr lang="en-US" altLang="zh-CN" dirty="0"/>
-          </a:p>
-          <a:p>
-            <a:r>
-              <a:rPr lang="en-US" altLang="zh-CN" dirty="0">
-                <a:hlinkClick r:id="rId2"/>
-              </a:rPr>
-              <a:t>QP</a:t>
-            </a:r>
-            <a:r>
-              <a:rPr lang="zh-CN" altLang="en-US" dirty="0">
-                <a:hlinkClick r:id="rId2"/>
-              </a:rPr>
-              <a:t>相关链接</a:t>
-            </a:r>
-            <a:endParaRPr lang="en-US" altLang="zh-CN" dirty="0"/>
-          </a:p>
-          <a:p>
-            <a:endParaRPr lang="en-US" altLang="zh-CN" dirty="0"/>
-          </a:p>
-        </p:txBody>
-      </p:sp>
-    </p:spTree>
-  </p:cSld>
-  <p:clrMapOvr>
-    <a:masterClrMapping/>
-  </p:clrMapOvr>
-</p:sld>
-</file>
-
-<file path=ppt/slides/slide16.xml><?xml version="1.0" encoding="utf-8"?>
 <p:sld xmlns:a="http://schemas.openxmlformats.org/drawingml/2006/main" xmlns:r="http://schemas.openxmlformats.org/officeDocument/2006/relationships" xmlns:p="http://schemas.openxmlformats.org/presentationml/2006/main">
   <p:cSld>
     <p:bg>
@@ -10408,7 +10314,7 @@
 </p:sld>
 </file>
 
-<file path=ppt/slides/slide17.xml><?xml version="1.0" encoding="utf-8"?>
+<file path=ppt/slides/slide16.xml><?xml version="1.0" encoding="utf-8"?>
 <p:sld xmlns:a="http://schemas.openxmlformats.org/drawingml/2006/main" xmlns:r="http://schemas.openxmlformats.org/officeDocument/2006/relationships" xmlns:p="http://schemas.openxmlformats.org/presentationml/2006/main">
   <p:cSld>
     <p:spTree>
@@ -10914,7 +10820,7 @@
 </p:sld>
 </file>
 
-<file path=ppt/slides/slide18.xml><?xml version="1.0" encoding="utf-8"?>
+<file path=ppt/slides/slide17.xml><?xml version="1.0" encoding="utf-8"?>
 <p:sld xmlns:a="http://schemas.openxmlformats.org/drawingml/2006/main" xmlns:r="http://schemas.openxmlformats.org/officeDocument/2006/relationships" xmlns:p="http://schemas.openxmlformats.org/presentationml/2006/main">
   <p:cSld>
     <p:spTree>
@@ -11503,7 +11409,7 @@
 </p:sld>
 </file>
 
-<file path=ppt/slides/slide19.xml><?xml version="1.0" encoding="utf-8"?>
+<file path=ppt/slides/slide18.xml><?xml version="1.0" encoding="utf-8"?>
 <p:sld xmlns:a="http://schemas.openxmlformats.org/drawingml/2006/main" xmlns:r="http://schemas.openxmlformats.org/officeDocument/2006/relationships" xmlns:p="http://schemas.openxmlformats.org/presentationml/2006/main">
   <p:cSld>
     <p:spTree>

--- a/资料/PPT.pptx
+++ b/资料/PPT.pptx
@@ -268,7 +268,7 @@
           <a:p>
             <a:fld id="{02AC24A9-CCB6-4F8D-B8DB-C2F3692CFA5A}" type="datetimeFigureOut">
               <a:rPr lang="en-US" smtClean="0"/>
-              <a:t>7/9/2022</a:t>
+              <a:t>7/10/2022</a:t>
             </a:fld>
             <a:endParaRPr lang="en-US" dirty="0"/>
           </a:p>
@@ -589,7 +589,7 @@
           <a:p>
             <a:fld id="{02AC24A9-CCB6-4F8D-B8DB-C2F3692CFA5A}" type="datetimeFigureOut">
               <a:rPr lang="en-US" smtClean="0"/>
-              <a:t>7/9/2022</a:t>
+              <a:t>7/10/2022</a:t>
             </a:fld>
             <a:endParaRPr lang="en-US"/>
           </a:p>
@@ -763,7 +763,7 @@
           <a:p>
             <a:fld id="{02AC24A9-CCB6-4F8D-B8DB-C2F3692CFA5A}" type="datetimeFigureOut">
               <a:rPr lang="en-US" smtClean="0"/>
-              <a:t>7/9/2022</a:t>
+              <a:t>7/10/2022</a:t>
             </a:fld>
             <a:endParaRPr lang="en-US"/>
           </a:p>
@@ -1177,7 +1177,7 @@
           <a:p>
             <a:fld id="{02AC24A9-CCB6-4F8D-B8DB-C2F3692CFA5A}" type="datetimeFigureOut">
               <a:rPr lang="en-US" smtClean="0"/>
-              <a:t>7/9/2022</a:t>
+              <a:t>7/10/2022</a:t>
             </a:fld>
             <a:endParaRPr lang="en-US"/>
           </a:p>
@@ -1582,7 +1582,7 @@
           <a:p>
             <a:fld id="{02AC24A9-CCB6-4F8D-B8DB-C2F3692CFA5A}" type="datetimeFigureOut">
               <a:rPr lang="en-US" smtClean="0"/>
-              <a:t>7/9/2022</a:t>
+              <a:t>7/10/2022</a:t>
             </a:fld>
             <a:endParaRPr lang="en-US"/>
           </a:p>
@@ -2052,7 +2052,7 @@
           <a:p>
             <a:fld id="{02AC24A9-CCB6-4F8D-B8DB-C2F3692CFA5A}" type="datetimeFigureOut">
               <a:rPr lang="en-US" smtClean="0"/>
-              <a:t>7/9/2022</a:t>
+              <a:t>7/10/2022</a:t>
             </a:fld>
             <a:endParaRPr lang="en-US"/>
           </a:p>
@@ -2677,7 +2677,7 @@
           <a:p>
             <a:fld id="{02AC24A9-CCB6-4F8D-B8DB-C2F3692CFA5A}" type="datetimeFigureOut">
               <a:rPr lang="en-US" smtClean="0"/>
-              <a:t>7/9/2022</a:t>
+              <a:t>7/10/2022</a:t>
             </a:fld>
             <a:endParaRPr lang="en-US"/>
           </a:p>
@@ -2963,7 +2963,7 @@
           <a:p>
             <a:fld id="{02AC24A9-CCB6-4F8D-B8DB-C2F3692CFA5A}" type="datetimeFigureOut">
               <a:rPr lang="en-US" smtClean="0"/>
-              <a:t>7/9/2022</a:t>
+              <a:t>7/10/2022</a:t>
             </a:fld>
             <a:endParaRPr lang="en-US"/>
           </a:p>
@@ -3053,7 +3053,7 @@
           <a:p>
             <a:fld id="{02AC24A9-CCB6-4F8D-B8DB-C2F3692CFA5A}" type="datetimeFigureOut">
               <a:rPr lang="en-US" smtClean="0"/>
-              <a:t>7/9/2022</a:t>
+              <a:t>7/10/2022</a:t>
             </a:fld>
             <a:endParaRPr lang="en-US"/>
           </a:p>
@@ -3493,7 +3493,7 @@
           <a:p>
             <a:fld id="{02AC24A9-CCB6-4F8D-B8DB-C2F3692CFA5A}" type="datetimeFigureOut">
               <a:rPr lang="en-US" smtClean="0"/>
-              <a:t>7/9/2022</a:t>
+              <a:t>7/10/2022</a:t>
             </a:fld>
             <a:endParaRPr lang="en-US" dirty="0"/>
           </a:p>
@@ -3915,7 +3915,7 @@
           <a:p>
             <a:fld id="{02AC24A9-CCB6-4F8D-B8DB-C2F3692CFA5A}" type="datetimeFigureOut">
               <a:rPr lang="en-US" smtClean="0"/>
-              <a:t>7/9/2022</a:t>
+              <a:t>7/10/2022</a:t>
             </a:fld>
             <a:endParaRPr lang="en-US"/>
           </a:p>
@@ -4119,7 +4119,7 @@
           <a:p>
             <a:fld id="{02AC24A9-CCB6-4F8D-B8DB-C2F3692CFA5A}" type="datetimeFigureOut">
               <a:rPr lang="en-US" smtClean="0"/>
-              <a:t>7/9/2022</a:t>
+              <a:t>7/10/2022</a:t>
             </a:fld>
             <a:endParaRPr lang="en-US"/>
           </a:p>
@@ -10599,7 +10599,7 @@
         <p:spPr>
           <a:xfrm>
             <a:off x="693420" y="2787650"/>
-            <a:ext cx="4386580" cy="1710055"/>
+            <a:ext cx="2253852" cy="1710055"/>
           </a:xfrm>
           <a:prstGeom prst="rect">
             <a:avLst/>
@@ -10721,8 +10721,8 @@
         </p:nvSpPr>
         <p:spPr>
           <a:xfrm>
-            <a:off x="5381519" y="2803842"/>
-            <a:ext cx="1933258" cy="1693862"/>
+            <a:off x="3170967" y="2803842"/>
+            <a:ext cx="4143810" cy="1693862"/>
           </a:xfrm>
           <a:prstGeom prst="rect">
             <a:avLst/>
@@ -10750,7 +10750,7 @@
           <a:p>
             <a:pPr algn="ctr"/>
             <a:r>
-              <a:rPr lang="zh-CN" altLang="en-US">
+              <a:rPr lang="zh-CN" altLang="en-US" dirty="0">
                 <a:ea typeface="宋体" panose="02010600030101010101" pitchFamily="2" charset="-122"/>
               </a:rPr>
               <a:t>产品框架</a:t>
@@ -11714,7 +11714,7 @@
           <p:spPr>
             <a:xfrm>
               <a:off x="718820" y="2872316"/>
-              <a:ext cx="4386580" cy="1710055"/>
+              <a:ext cx="2419424" cy="1710055"/>
             </a:xfrm>
             <a:prstGeom prst="rect">
               <a:avLst/>
@@ -11836,8 +11836,8 @@
           </p:nvSpPr>
           <p:spPr>
             <a:xfrm>
-              <a:off x="5406919" y="2888508"/>
-              <a:ext cx="1933258" cy="1693862"/>
+              <a:off x="3439199" y="2888508"/>
+              <a:ext cx="3900978" cy="1693862"/>
             </a:xfrm>
             <a:prstGeom prst="rect">
               <a:avLst/>

--- a/资料/PPT.pptx
+++ b/资料/PPT.pptx
@@ -13,21 +13,25 @@
     <p:sldId id="259" r:id="rId7"/>
     <p:sldId id="266" r:id="rId8"/>
     <p:sldId id="269" r:id="rId9"/>
-    <p:sldId id="267" r:id="rId10"/>
-    <p:sldId id="270" r:id="rId11"/>
-    <p:sldId id="264" r:id="rId12"/>
-    <p:sldId id="265" r:id="rId13"/>
-    <p:sldId id="268" r:id="rId14"/>
-    <p:sldId id="262" r:id="rId15"/>
-    <p:sldId id="272" r:id="rId16"/>
-    <p:sldId id="261" r:id="rId17"/>
-    <p:sldId id="273" r:id="rId18"/>
-    <p:sldId id="274" r:id="rId19"/>
+    <p:sldId id="262" r:id="rId10"/>
+    <p:sldId id="267" r:id="rId11"/>
+    <p:sldId id="270" r:id="rId12"/>
+    <p:sldId id="264" r:id="rId13"/>
+    <p:sldId id="265" r:id="rId14"/>
+    <p:sldId id="275" r:id="rId15"/>
+    <p:sldId id="268" r:id="rId16"/>
+    <p:sldId id="276" r:id="rId17"/>
+    <p:sldId id="277" r:id="rId18"/>
+    <p:sldId id="278" r:id="rId19"/>
+    <p:sldId id="272" r:id="rId20"/>
+    <p:sldId id="261" r:id="rId21"/>
+    <p:sldId id="273" r:id="rId22"/>
+    <p:sldId id="274" r:id="rId23"/>
   </p:sldIdLst>
   <p:sldSz cx="12192000" cy="6858000"/>
   <p:notesSz cx="6858000" cy="9144000"/>
   <p:custDataLst>
-    <p:tags r:id="rId20"/>
+    <p:tags r:id="rId24"/>
   </p:custDataLst>
   <p:defaultTextStyle>
     <a:defPPr>
@@ -4705,36 +4709,6 @@
       </p:sp>
       <p:sp>
         <p:nvSpPr>
-          <p:cNvPr id="3" name="副标题 2"/>
-          <p:cNvSpPr>
-            <a:spLocks noGrp="1"/>
-          </p:cNvSpPr>
-          <p:nvPr>
-            <p:ph type="subTitle" idx="1"/>
-          </p:nvPr>
-        </p:nvSpPr>
-        <p:spPr>
-          <a:xfrm>
-            <a:off x="7848600" y="4872922"/>
-            <a:ext cx="4023360" cy="1208141"/>
-          </a:xfrm>
-        </p:spPr>
-        <p:txBody>
-          <a:bodyPr>
-            <a:normAutofit/>
-          </a:bodyPr>
-          <a:lstStyle/>
-          <a:p>
-            <a:r>
-              <a:rPr lang="zh-CN" altLang="en-US" sz="2000" dirty="0"/>
-              <a:t>入门</a:t>
-            </a:r>
-            <a:endParaRPr lang="en-US" altLang="zh-CN" sz="2000" dirty="0"/>
-          </a:p>
-        </p:txBody>
-      </p:sp>
-      <p:sp>
-        <p:nvSpPr>
           <p:cNvPr id="13" name="Rectangle 12"/>
           <p:cNvSpPr>
             <a:spLocks noGrp="1" noRot="1" noChangeAspect="1" noMove="1" noResize="1" noEditPoints="1" noAdjustHandles="1" noChangeArrowheads="1" noChangeShapeType="1" noTextEdit="1"/>
@@ -4886,6 +4860,31 @@
           </a:p>
         </p:txBody>
       </p:sp>
+      <p:sp>
+        <p:nvSpPr>
+          <p:cNvPr id="6" name="副标题 5">
+            <a:extLst>
+              <a:ext uri="{FF2B5EF4-FFF2-40B4-BE49-F238E27FC236}">
+                <a16:creationId xmlns:a16="http://schemas.microsoft.com/office/drawing/2014/main" id="{B67C6AED-EB0D-0EDE-DF36-8E58E89B78C8}"/>
+              </a:ext>
+            </a:extLst>
+          </p:cNvPr>
+          <p:cNvSpPr>
+            <a:spLocks noGrp="1"/>
+          </p:cNvSpPr>
+          <p:nvPr>
+            <p:ph type="subTitle" idx="1"/>
+          </p:nvPr>
+        </p:nvSpPr>
+        <p:spPr/>
+        <p:txBody>
+          <a:bodyPr/>
+          <a:lstStyle/>
+          <a:p>
+            <a:endParaRPr lang="zh-CN" altLang="en-US"/>
+          </a:p>
+        </p:txBody>
+      </p:sp>
     </p:spTree>
   </p:cSld>
   <p:clrMapOvr>
@@ -4895,6 +4894,96 @@
 </file>
 
 <file path=ppt/slides/slide10.xml><?xml version="1.0" encoding="utf-8"?>
+<p:sld xmlns:a="http://schemas.openxmlformats.org/drawingml/2006/main" xmlns:r="http://schemas.openxmlformats.org/officeDocument/2006/relationships" xmlns:p="http://schemas.openxmlformats.org/presentationml/2006/main">
+  <p:cSld>
+    <p:spTree>
+      <p:nvGrpSpPr>
+        <p:cNvPr id="1" name=""/>
+        <p:cNvGrpSpPr/>
+        <p:nvPr/>
+      </p:nvGrpSpPr>
+      <p:grpSpPr>
+        <a:xfrm>
+          <a:off x="0" y="0"/>
+          <a:ext cx="0" cy="0"/>
+          <a:chOff x="0" y="0"/>
+          <a:chExt cx="0" cy="0"/>
+        </a:xfrm>
+      </p:grpSpPr>
+      <p:sp>
+        <p:nvSpPr>
+          <p:cNvPr id="2" name="标题 1"/>
+          <p:cNvSpPr>
+            <a:spLocks noGrp="1"/>
+          </p:cNvSpPr>
+          <p:nvPr>
+            <p:ph type="title"/>
+          </p:nvPr>
+        </p:nvSpPr>
+        <p:spPr>
+          <a:xfrm>
+            <a:off x="477981" y="1122363"/>
+            <a:ext cx="4023360" cy="3204134"/>
+          </a:xfrm>
+        </p:spPr>
+        <p:txBody>
+          <a:bodyPr vert="horz" lIns="91440" tIns="45720" rIns="91440" bIns="45720" rtlCol="0" anchor="b">
+            <a:normAutofit/>
+          </a:bodyPr>
+          <a:lstStyle/>
+          <a:p>
+            <a:pPr>
+              <a:lnSpc>
+                <a:spcPct val="90000"/>
+              </a:lnSpc>
+            </a:pPr>
+            <a:r>
+              <a:rPr lang="zh-CN" altLang="en-US" sz="4800" dirty="0"/>
+              <a:t>事件总线</a:t>
+            </a:r>
+            <a:endParaRPr lang="zh-CN" altLang="en-US" sz="2400" dirty="0"/>
+          </a:p>
+        </p:txBody>
+      </p:sp>
+      <p:pic>
+        <p:nvPicPr>
+          <p:cNvPr id="4" name="图片 3" descr="图示&#10;&#10;描述已自动生成"/>
+          <p:cNvPicPr>
+            <a:picLocks noChangeAspect="1"/>
+          </p:cNvPicPr>
+          <p:nvPr/>
+        </p:nvPicPr>
+        <p:blipFill>
+          <a:blip r:embed="rId2">
+            <a:extLst>
+              <a:ext uri="{28A0092B-C50C-407E-A947-70E740481C1C}">
+                <a14:useLocalDpi xmlns:a14="http://schemas.microsoft.com/office/drawing/2010/main" val="0"/>
+              </a:ext>
+            </a:extLst>
+          </a:blip>
+          <a:stretch>
+            <a:fillRect/>
+          </a:stretch>
+        </p:blipFill>
+        <p:spPr>
+          <a:xfrm>
+            <a:off x="3262488" y="1122363"/>
+            <a:ext cx="8510181" cy="4785277"/>
+          </a:xfrm>
+          <a:prstGeom prst="rect">
+            <a:avLst/>
+          </a:prstGeom>
+        </p:spPr>
+      </p:pic>
+    </p:spTree>
+  </p:cSld>
+  <p:clrMapOvr>
+    <a:masterClrMapping/>
+  </p:clrMapOvr>
+</p:sld>
+</file>
+
+<file path=ppt/slides/slide11.xml><?xml version="1.0" encoding="utf-8"?>
 <p:sld xmlns:a="http://schemas.openxmlformats.org/drawingml/2006/main" xmlns:r="http://schemas.openxmlformats.org/officeDocument/2006/relationships" xmlns:p="http://schemas.openxmlformats.org/presentationml/2006/main">
   <p:cSld>
     <p:bg>
@@ -5654,7 +5743,7 @@
 </p:sld>
 </file>
 
-<file path=ppt/slides/slide11.xml><?xml version="1.0" encoding="utf-8"?>
+<file path=ppt/slides/slide12.xml><?xml version="1.0" encoding="utf-8"?>
 <p:sld xmlns:a="http://schemas.openxmlformats.org/drawingml/2006/main" xmlns:r="http://schemas.openxmlformats.org/officeDocument/2006/relationships" xmlns:p="http://schemas.openxmlformats.org/presentationml/2006/main">
   <p:cSld>
     <p:spTree>
@@ -5774,7 +5863,7 @@
 </p:sld>
 </file>
 
-<file path=ppt/slides/slide12.xml><?xml version="1.0" encoding="utf-8"?>
+<file path=ppt/slides/slide13.xml><?xml version="1.0" encoding="utf-8"?>
 <p:sld xmlns:a="http://schemas.openxmlformats.org/drawingml/2006/main" xmlns:r="http://schemas.openxmlformats.org/officeDocument/2006/relationships" xmlns:p="http://schemas.openxmlformats.org/presentationml/2006/main">
   <p:cSld>
     <p:bg>
@@ -6548,7 +6637,824 @@
 </p:sld>
 </file>
 
-<file path=ppt/slides/slide13.xml><?xml version="1.0" encoding="utf-8"?>
+<file path=ppt/slides/slide14.xml><?xml version="1.0" encoding="utf-8"?>
+<p:sld xmlns:a="http://schemas.openxmlformats.org/drawingml/2006/main" xmlns:r="http://schemas.openxmlformats.org/officeDocument/2006/relationships" xmlns:p="http://schemas.openxmlformats.org/presentationml/2006/main">
+  <p:cSld>
+    <p:bg>
+      <p:bgPr>
+        <a:solidFill>
+          <a:schemeClr val="bg1"/>
+        </a:solidFill>
+        <a:effectLst/>
+      </p:bgPr>
+    </p:bg>
+    <p:spTree>
+      <p:nvGrpSpPr>
+        <p:cNvPr id="1" name=""/>
+        <p:cNvGrpSpPr/>
+        <p:nvPr/>
+      </p:nvGrpSpPr>
+      <p:grpSpPr>
+        <a:xfrm>
+          <a:off x="0" y="0"/>
+          <a:ext cx="0" cy="0"/>
+          <a:chOff x="0" y="0"/>
+          <a:chExt cx="0" cy="0"/>
+        </a:xfrm>
+      </p:grpSpPr>
+      <p:sp>
+        <p:nvSpPr>
+          <p:cNvPr id="2055" name="Rectangle 2054"/>
+          <p:cNvSpPr>
+            <a:spLocks noGrp="1" noRot="1" noChangeAspect="1" noMove="1" noResize="1" noEditPoints="1" noAdjustHandles="1" noChangeArrowheads="1" noChangeShapeType="1" noTextEdit="1"/>
+          </p:cNvSpPr>
+          <p:nvPr/>
+        </p:nvSpPr>
+        <p:spPr>
+          <a:xfrm rot="5400000">
+            <a:off x="857544" y="346791"/>
+            <a:ext cx="146304" cy="704088"/>
+          </a:xfrm>
+          <a:prstGeom prst="rect">
+            <a:avLst/>
+          </a:prstGeom>
+          <a:solidFill>
+            <a:schemeClr val="accent1"/>
+          </a:solidFill>
+          <a:ln>
+            <a:noFill/>
+          </a:ln>
+        </p:spPr>
+        <p:style>
+          <a:lnRef idx="2">
+            <a:schemeClr val="accent1">
+              <a:shade val="50000"/>
+            </a:schemeClr>
+          </a:lnRef>
+          <a:fillRef idx="1">
+            <a:schemeClr val="accent1"/>
+          </a:fillRef>
+          <a:effectRef idx="0">
+            <a:schemeClr val="accent1"/>
+          </a:effectRef>
+          <a:fontRef idx="minor">
+            <a:schemeClr val="lt1"/>
+          </a:fontRef>
+        </p:style>
+        <p:txBody>
+          <a:bodyPr rtlCol="0" anchor="ctr"/>
+          <a:lstStyle/>
+          <a:p>
+            <a:pPr marL="0" marR="0" lvl="0" indent="0" algn="ctr" defTabSz="914400" rtl="0" eaLnBrk="1" fontAlgn="auto" latinLnBrk="0" hangingPunct="1">
+              <a:lnSpc>
+                <a:spcPct val="100000"/>
+              </a:lnSpc>
+              <a:spcBef>
+                <a:spcPts val="0"/>
+              </a:spcBef>
+              <a:spcAft>
+                <a:spcPts val="0"/>
+              </a:spcAft>
+              <a:buClrTx/>
+              <a:buSzTx/>
+              <a:buFontTx/>
+              <a:buNone/>
+              <a:defRPr/>
+            </a:pPr>
+            <a:endParaRPr kumimoji="0" lang="en-US" sz="1800" b="0" i="0" u="none" strike="noStrike" kern="1200" cap="none" spc="0" normalizeH="0" baseline="0" noProof="0">
+              <a:ln>
+                <a:noFill/>
+              </a:ln>
+              <a:solidFill>
+                <a:prstClr val="white"/>
+              </a:solidFill>
+              <a:effectLst/>
+              <a:uLnTx/>
+              <a:uFillTx/>
+              <a:latin typeface="Calibri" panose="020F0502020204030204"/>
+              <a:ea typeface="+mn-ea"/>
+              <a:cs typeface="+mn-cs"/>
+            </a:endParaRPr>
+          </a:p>
+        </p:txBody>
+      </p:sp>
+      <p:sp>
+        <p:nvSpPr>
+          <p:cNvPr id="2057" name="Rectangle 2056"/>
+          <p:cNvSpPr>
+            <a:spLocks noGrp="1" noRot="1" noChangeAspect="1" noMove="1" noResize="1" noEditPoints="1" noAdjustHandles="1" noChangeArrowheads="1" noChangeShapeType="1" noTextEdit="1"/>
+          </p:cNvSpPr>
+          <p:nvPr/>
+        </p:nvSpPr>
+        <p:spPr>
+          <a:xfrm flipV="1">
+            <a:off x="578652" y="4501201"/>
+            <a:ext cx="11034696" cy="18288"/>
+          </a:xfrm>
+          <a:prstGeom prst="rect">
+            <a:avLst/>
+          </a:prstGeom>
+          <a:solidFill>
+            <a:schemeClr val="tx2">
+              <a:lumMod val="25000"/>
+              <a:lumOff val="75000"/>
+            </a:schemeClr>
+          </a:solidFill>
+          <a:ln w="3175">
+            <a:noFill/>
+          </a:ln>
+          <a:effectLst/>
+        </p:spPr>
+        <p:style>
+          <a:lnRef idx="2">
+            <a:schemeClr val="accent1">
+              <a:shade val="50000"/>
+            </a:schemeClr>
+          </a:lnRef>
+          <a:fillRef idx="1">
+            <a:schemeClr val="accent1"/>
+          </a:fillRef>
+          <a:effectRef idx="0">
+            <a:schemeClr val="accent1"/>
+          </a:effectRef>
+          <a:fontRef idx="minor">
+            <a:schemeClr val="lt1"/>
+          </a:fontRef>
+        </p:style>
+        <p:txBody>
+          <a:bodyPr rtlCol="0" anchor="ctr"/>
+          <a:lstStyle/>
+          <a:p>
+            <a:pPr marL="0" marR="0" lvl="0" indent="0" algn="ctr" defTabSz="914400" rtl="0" eaLnBrk="1" fontAlgn="auto" latinLnBrk="0" hangingPunct="1">
+              <a:lnSpc>
+                <a:spcPct val="100000"/>
+              </a:lnSpc>
+              <a:spcBef>
+                <a:spcPts val="0"/>
+              </a:spcBef>
+              <a:spcAft>
+                <a:spcPts val="0"/>
+              </a:spcAft>
+              <a:buClrTx/>
+              <a:buSzTx/>
+              <a:buFontTx/>
+              <a:buNone/>
+              <a:defRPr/>
+            </a:pPr>
+            <a:endParaRPr kumimoji="0" lang="en-US" sz="1800" b="0" i="0" u="none" strike="noStrike" kern="1200" cap="none" spc="0" normalizeH="0" baseline="0" noProof="0">
+              <a:ln>
+                <a:noFill/>
+              </a:ln>
+              <a:solidFill>
+                <a:prstClr val="white"/>
+              </a:solidFill>
+              <a:effectLst/>
+              <a:uLnTx/>
+              <a:uFillTx/>
+              <a:latin typeface="Calibri" panose="020F0502020204030204"/>
+              <a:ea typeface="+mn-ea"/>
+              <a:cs typeface="+mn-cs"/>
+            </a:endParaRPr>
+          </a:p>
+        </p:txBody>
+      </p:sp>
+      <p:sp useBgFill="1">
+        <p:nvSpPr>
+          <p:cNvPr id="2059" name="Rectangle 2058"/>
+          <p:cNvSpPr>
+            <a:spLocks noGrp="1" noRot="1" noChangeAspect="1" noMove="1" noResize="1" noEditPoints="1" noAdjustHandles="1" noChangeArrowheads="1" noChangeShapeType="1" noTextEdit="1"/>
+          </p:cNvSpPr>
+          <p:nvPr/>
+        </p:nvSpPr>
+        <p:spPr>
+          <a:xfrm>
+            <a:off x="0" y="0"/>
+            <a:ext cx="12192000" cy="6858000"/>
+          </a:xfrm>
+          <a:prstGeom prst="rect">
+            <a:avLst/>
+          </a:prstGeom>
+          <a:ln>
+            <a:noFill/>
+          </a:ln>
+        </p:spPr>
+        <p:style>
+          <a:lnRef idx="2">
+            <a:schemeClr val="accent1">
+              <a:shade val="50000"/>
+            </a:schemeClr>
+          </a:lnRef>
+          <a:fillRef idx="1">
+            <a:schemeClr val="accent1"/>
+          </a:fillRef>
+          <a:effectRef idx="0">
+            <a:schemeClr val="accent1"/>
+          </a:effectRef>
+          <a:fontRef idx="minor">
+            <a:schemeClr val="lt1"/>
+          </a:fontRef>
+        </p:style>
+        <p:txBody>
+          <a:bodyPr rtlCol="0" anchor="ctr"/>
+          <a:lstStyle/>
+          <a:p>
+            <a:pPr algn="ctr"/>
+            <a:endParaRPr lang="en-US"/>
+          </a:p>
+        </p:txBody>
+      </p:sp>
+      <p:sp useBgFill="1">
+        <p:nvSpPr>
+          <p:cNvPr id="2061" name="Freeform: Shape 2060"/>
+          <p:cNvSpPr>
+            <a:spLocks noGrp="1" noRot="1" noChangeAspect="1" noMove="1" noResize="1" noEditPoints="1" noAdjustHandles="1" noChangeArrowheads="1" noChangeShapeType="1" noTextEdit="1"/>
+          </p:cNvSpPr>
+          <p:nvPr/>
+        </p:nvSpPr>
+        <p:spPr>
+          <a:xfrm>
+            <a:off x="0" y="0"/>
+            <a:ext cx="4959047" cy="6858000"/>
+          </a:xfrm>
+          <a:custGeom>
+            <a:avLst/>
+            <a:gdLst>
+              <a:gd name="connsiteX0" fmla="*/ 0 w 4959047"/>
+              <a:gd name="connsiteY0" fmla="*/ 0 h 6858000"/>
+              <a:gd name="connsiteX1" fmla="*/ 4110127 w 4959047"/>
+              <a:gd name="connsiteY1" fmla="*/ 0 h 6858000"/>
+              <a:gd name="connsiteX2" fmla="*/ 4179024 w 4959047"/>
+              <a:gd name="connsiteY2" fmla="*/ 123368 h 6858000"/>
+              <a:gd name="connsiteX3" fmla="*/ 4959047 w 4959047"/>
+              <a:gd name="connsiteY3" fmla="*/ 3429000 h 6858000"/>
+              <a:gd name="connsiteX4" fmla="*/ 4179024 w 4959047"/>
+              <a:gd name="connsiteY4" fmla="*/ 6734633 h 6858000"/>
+              <a:gd name="connsiteX5" fmla="*/ 4110127 w 4959047"/>
+              <a:gd name="connsiteY5" fmla="*/ 6858000 h 6858000"/>
+              <a:gd name="connsiteX6" fmla="*/ 0 w 4959047"/>
+              <a:gd name="connsiteY6" fmla="*/ 6858000 h 6858000"/>
+            </a:gdLst>
+            <a:ahLst/>
+            <a:cxnLst>
+              <a:cxn ang="0">
+                <a:pos x="connsiteX0" y="connsiteY0"/>
+              </a:cxn>
+              <a:cxn ang="0">
+                <a:pos x="connsiteX1" y="connsiteY1"/>
+              </a:cxn>
+              <a:cxn ang="0">
+                <a:pos x="connsiteX2" y="connsiteY2"/>
+              </a:cxn>
+              <a:cxn ang="0">
+                <a:pos x="connsiteX3" y="connsiteY3"/>
+              </a:cxn>
+              <a:cxn ang="0">
+                <a:pos x="connsiteX4" y="connsiteY4"/>
+              </a:cxn>
+              <a:cxn ang="0">
+                <a:pos x="connsiteX5" y="connsiteY5"/>
+              </a:cxn>
+              <a:cxn ang="0">
+                <a:pos x="connsiteX6" y="connsiteY6"/>
+              </a:cxn>
+            </a:cxnLst>
+            <a:rect l="l" t="t" r="r" b="b"/>
+            <a:pathLst>
+              <a:path w="4959047" h="6858000">
+                <a:moveTo>
+                  <a:pt x="0" y="0"/>
+                </a:moveTo>
+                <a:lnTo>
+                  <a:pt x="4110127" y="0"/>
+                </a:lnTo>
+                <a:lnTo>
+                  <a:pt x="4179024" y="123368"/>
+                </a:lnTo>
+                <a:cubicBezTo>
+                  <a:pt x="4668929" y="1045156"/>
+                  <a:pt x="4959047" y="2189404"/>
+                  <a:pt x="4959047" y="3429000"/>
+                </a:cubicBezTo>
+                <a:cubicBezTo>
+                  <a:pt x="4959047" y="4668597"/>
+                  <a:pt x="4668929" y="5812845"/>
+                  <a:pt x="4179024" y="6734633"/>
+                </a:cubicBezTo>
+                <a:lnTo>
+                  <a:pt x="4110127" y="6858000"/>
+                </a:lnTo>
+                <a:lnTo>
+                  <a:pt x="0" y="6858000"/>
+                </a:lnTo>
+                <a:close/>
+              </a:path>
+            </a:pathLst>
+          </a:custGeom>
+          <a:ln w="9525">
+            <a:solidFill>
+              <a:schemeClr val="tx2">
+                <a:lumMod val="10000"/>
+                <a:lumOff val="90000"/>
+              </a:schemeClr>
+            </a:solidFill>
+          </a:ln>
+          <a:effectLst>
+            <a:outerShdw blurRad="50800" dist="38100" algn="l" rotWithShape="0">
+              <a:schemeClr val="bg1">
+                <a:lumMod val="85000"/>
+                <a:alpha val="30000"/>
+              </a:schemeClr>
+            </a:outerShdw>
+          </a:effectLst>
+        </p:spPr>
+        <p:style>
+          <a:lnRef idx="2">
+            <a:schemeClr val="accent1">
+              <a:shade val="50000"/>
+            </a:schemeClr>
+          </a:lnRef>
+          <a:fillRef idx="1">
+            <a:schemeClr val="accent1"/>
+          </a:fillRef>
+          <a:effectRef idx="0">
+            <a:schemeClr val="accent1"/>
+          </a:effectRef>
+          <a:fontRef idx="minor">
+            <a:schemeClr val="lt1"/>
+          </a:fontRef>
+        </p:style>
+        <p:txBody>
+          <a:bodyPr wrap="square" rtlCol="0" anchor="ctr">
+            <a:noAutofit/>
+          </a:bodyPr>
+          <a:lstStyle/>
+          <a:p>
+            <a:pPr marL="0" marR="0" lvl="0" indent="0" algn="ctr" defTabSz="914400" rtl="0" eaLnBrk="1" fontAlgn="auto" latinLnBrk="0" hangingPunct="1">
+              <a:lnSpc>
+                <a:spcPct val="100000"/>
+              </a:lnSpc>
+              <a:spcBef>
+                <a:spcPts val="0"/>
+              </a:spcBef>
+              <a:spcAft>
+                <a:spcPts val="0"/>
+              </a:spcAft>
+              <a:buClrTx/>
+              <a:buSzTx/>
+              <a:buFontTx/>
+              <a:buNone/>
+              <a:defRPr/>
+            </a:pPr>
+            <a:endParaRPr kumimoji="0" lang="en-US" sz="1800" b="0" i="0" u="none" strike="noStrike" kern="1200" cap="none" spc="0" normalizeH="0" baseline="0" noProof="0">
+              <a:ln>
+                <a:noFill/>
+              </a:ln>
+              <a:solidFill>
+                <a:prstClr val="white"/>
+              </a:solidFill>
+              <a:effectLst/>
+              <a:uLnTx/>
+              <a:uFillTx/>
+              <a:latin typeface="Calibri" panose="020F0502020204030204"/>
+              <a:ea typeface="+mn-ea"/>
+              <a:cs typeface="+mn-cs"/>
+            </a:endParaRPr>
+          </a:p>
+        </p:txBody>
+      </p:sp>
+      <p:sp useBgFill="1">
+        <p:nvSpPr>
+          <p:cNvPr id="2063" name="Freeform: Shape 2062"/>
+          <p:cNvSpPr>
+            <a:spLocks noGrp="1" noRot="1" noChangeAspect="1" noMove="1" noResize="1" noEditPoints="1" noAdjustHandles="1" noChangeArrowheads="1" noChangeShapeType="1" noTextEdit="1"/>
+          </p:cNvSpPr>
+          <p:nvPr/>
+        </p:nvSpPr>
+        <p:spPr>
+          <a:xfrm>
+            <a:off x="0" y="0"/>
+            <a:ext cx="4948887" cy="6858000"/>
+          </a:xfrm>
+          <a:custGeom>
+            <a:avLst/>
+            <a:gdLst>
+              <a:gd name="connsiteX0" fmla="*/ 0 w 4948887"/>
+              <a:gd name="connsiteY0" fmla="*/ 0 h 6858000"/>
+              <a:gd name="connsiteX1" fmla="*/ 4099967 w 4948887"/>
+              <a:gd name="connsiteY1" fmla="*/ 0 h 6858000"/>
+              <a:gd name="connsiteX2" fmla="*/ 4168864 w 4948887"/>
+              <a:gd name="connsiteY2" fmla="*/ 123368 h 6858000"/>
+              <a:gd name="connsiteX3" fmla="*/ 4948887 w 4948887"/>
+              <a:gd name="connsiteY3" fmla="*/ 3429000 h 6858000"/>
+              <a:gd name="connsiteX4" fmla="*/ 4168864 w 4948887"/>
+              <a:gd name="connsiteY4" fmla="*/ 6734633 h 6858000"/>
+              <a:gd name="connsiteX5" fmla="*/ 4099967 w 4948887"/>
+              <a:gd name="connsiteY5" fmla="*/ 6858000 h 6858000"/>
+              <a:gd name="connsiteX6" fmla="*/ 0 w 4948887"/>
+              <a:gd name="connsiteY6" fmla="*/ 6858000 h 6858000"/>
+            </a:gdLst>
+            <a:ahLst/>
+            <a:cxnLst>
+              <a:cxn ang="0">
+                <a:pos x="connsiteX0" y="connsiteY0"/>
+              </a:cxn>
+              <a:cxn ang="0">
+                <a:pos x="connsiteX1" y="connsiteY1"/>
+              </a:cxn>
+              <a:cxn ang="0">
+                <a:pos x="connsiteX2" y="connsiteY2"/>
+              </a:cxn>
+              <a:cxn ang="0">
+                <a:pos x="connsiteX3" y="connsiteY3"/>
+              </a:cxn>
+              <a:cxn ang="0">
+                <a:pos x="connsiteX4" y="connsiteY4"/>
+              </a:cxn>
+              <a:cxn ang="0">
+                <a:pos x="connsiteX5" y="connsiteY5"/>
+              </a:cxn>
+              <a:cxn ang="0">
+                <a:pos x="connsiteX6" y="connsiteY6"/>
+              </a:cxn>
+            </a:cxnLst>
+            <a:rect l="l" t="t" r="r" b="b"/>
+            <a:pathLst>
+              <a:path w="4948887" h="6858000">
+                <a:moveTo>
+                  <a:pt x="0" y="0"/>
+                </a:moveTo>
+                <a:lnTo>
+                  <a:pt x="4099967" y="0"/>
+                </a:lnTo>
+                <a:lnTo>
+                  <a:pt x="4168864" y="123368"/>
+                </a:lnTo>
+                <a:cubicBezTo>
+                  <a:pt x="4658769" y="1045156"/>
+                  <a:pt x="4948887" y="2189404"/>
+                  <a:pt x="4948887" y="3429000"/>
+                </a:cubicBezTo>
+                <a:cubicBezTo>
+                  <a:pt x="4948887" y="4668597"/>
+                  <a:pt x="4658769" y="5812845"/>
+                  <a:pt x="4168864" y="6734633"/>
+                </a:cubicBezTo>
+                <a:lnTo>
+                  <a:pt x="4099967" y="6858000"/>
+                </a:lnTo>
+                <a:lnTo>
+                  <a:pt x="0" y="6858000"/>
+                </a:lnTo>
+                <a:close/>
+              </a:path>
+            </a:pathLst>
+          </a:custGeom>
+          <a:ln w="9525">
+            <a:noFill/>
+          </a:ln>
+          <a:effectLst/>
+        </p:spPr>
+        <p:style>
+          <a:lnRef idx="2">
+            <a:schemeClr val="accent1">
+              <a:shade val="50000"/>
+            </a:schemeClr>
+          </a:lnRef>
+          <a:fillRef idx="1">
+            <a:schemeClr val="accent1"/>
+          </a:fillRef>
+          <a:effectRef idx="0">
+            <a:schemeClr val="accent1"/>
+          </a:effectRef>
+          <a:fontRef idx="minor">
+            <a:schemeClr val="lt1"/>
+          </a:fontRef>
+        </p:style>
+        <p:txBody>
+          <a:bodyPr wrap="square" rtlCol="0" anchor="ctr">
+            <a:noAutofit/>
+          </a:bodyPr>
+          <a:lstStyle/>
+          <a:p>
+            <a:pPr marL="0" marR="0" lvl="0" indent="0" algn="ctr" defTabSz="914400" rtl="0" eaLnBrk="1" fontAlgn="auto" latinLnBrk="0" hangingPunct="1">
+              <a:lnSpc>
+                <a:spcPct val="100000"/>
+              </a:lnSpc>
+              <a:spcBef>
+                <a:spcPts val="0"/>
+              </a:spcBef>
+              <a:spcAft>
+                <a:spcPts val="0"/>
+              </a:spcAft>
+              <a:buClrTx/>
+              <a:buSzTx/>
+              <a:buFontTx/>
+              <a:buNone/>
+              <a:defRPr/>
+            </a:pPr>
+            <a:endParaRPr kumimoji="0" lang="en-US" sz="1800" b="0" i="0" u="none" strike="noStrike" kern="1200" cap="none" spc="0" normalizeH="0" baseline="0" noProof="0">
+              <a:ln>
+                <a:noFill/>
+              </a:ln>
+              <a:solidFill>
+                <a:prstClr val="white"/>
+              </a:solidFill>
+              <a:effectLst/>
+              <a:uLnTx/>
+              <a:uFillTx/>
+              <a:latin typeface="Calibri" panose="020F0502020204030204"/>
+              <a:ea typeface="+mn-ea"/>
+              <a:cs typeface="+mn-cs"/>
+            </a:endParaRPr>
+          </a:p>
+        </p:txBody>
+      </p:sp>
+      <p:sp>
+        <p:nvSpPr>
+          <p:cNvPr id="2" name="标题 1"/>
+          <p:cNvSpPr>
+            <a:spLocks noGrp="1"/>
+          </p:cNvSpPr>
+          <p:nvPr>
+            <p:ph type="title"/>
+          </p:nvPr>
+        </p:nvSpPr>
+        <p:spPr>
+          <a:xfrm>
+            <a:off x="477981" y="1122363"/>
+            <a:ext cx="4023360" cy="3204134"/>
+          </a:xfrm>
+        </p:spPr>
+        <p:txBody>
+          <a:bodyPr vert="horz" lIns="91440" tIns="45720" rIns="91440" bIns="45720" rtlCol="0" anchor="b">
+            <a:normAutofit/>
+          </a:bodyPr>
+          <a:lstStyle/>
+          <a:p>
+            <a:pPr>
+              <a:lnSpc>
+                <a:spcPct val="90000"/>
+              </a:lnSpc>
+            </a:pPr>
+            <a:r>
+              <a:rPr lang="en-US" altLang="zh-CN" sz="4800" dirty="0"/>
+              <a:t>Actor</a:t>
+            </a:r>
+            <a:r>
+              <a:rPr lang="zh-CN" altLang="en-US" sz="4800" dirty="0"/>
+              <a:t>模型</a:t>
+            </a:r>
+            <a:br>
+              <a:rPr lang="en-US" altLang="zh-CN" sz="4800" dirty="0"/>
+            </a:br>
+            <a:r>
+              <a:rPr lang="zh-CN" altLang="en-US" sz="4800" dirty="0"/>
+              <a:t>理念</a:t>
+            </a:r>
+          </a:p>
+        </p:txBody>
+      </p:sp>
+      <p:sp>
+        <p:nvSpPr>
+          <p:cNvPr id="2065" name="Rectangle 2064"/>
+          <p:cNvSpPr>
+            <a:spLocks noGrp="1" noRot="1" noChangeAspect="1" noMove="1" noResize="1" noEditPoints="1" noAdjustHandles="1" noChangeArrowheads="1" noChangeShapeType="1" noTextEdit="1"/>
+          </p:cNvSpPr>
+          <p:nvPr/>
+        </p:nvSpPr>
+        <p:spPr>
+          <a:xfrm rot="5400000">
+            <a:off x="759921" y="346791"/>
+            <a:ext cx="146304" cy="704088"/>
+          </a:xfrm>
+          <a:prstGeom prst="rect">
+            <a:avLst/>
+          </a:prstGeom>
+          <a:solidFill>
+            <a:schemeClr val="accent1"/>
+          </a:solidFill>
+          <a:ln>
+            <a:noFill/>
+          </a:ln>
+        </p:spPr>
+        <p:style>
+          <a:lnRef idx="2">
+            <a:schemeClr val="accent1">
+              <a:shade val="50000"/>
+            </a:schemeClr>
+          </a:lnRef>
+          <a:fillRef idx="1">
+            <a:schemeClr val="accent1"/>
+          </a:fillRef>
+          <a:effectRef idx="0">
+            <a:schemeClr val="accent1"/>
+          </a:effectRef>
+          <a:fontRef idx="minor">
+            <a:schemeClr val="lt1"/>
+          </a:fontRef>
+        </p:style>
+        <p:txBody>
+          <a:bodyPr rtlCol="0" anchor="ctr"/>
+          <a:lstStyle/>
+          <a:p>
+            <a:pPr marL="0" marR="0" lvl="0" indent="0" algn="ctr" defTabSz="914400" rtl="0" eaLnBrk="1" fontAlgn="auto" latinLnBrk="0" hangingPunct="1">
+              <a:lnSpc>
+                <a:spcPct val="100000"/>
+              </a:lnSpc>
+              <a:spcBef>
+                <a:spcPts val="0"/>
+              </a:spcBef>
+              <a:spcAft>
+                <a:spcPts val="0"/>
+              </a:spcAft>
+              <a:buClrTx/>
+              <a:buSzTx/>
+              <a:buFontTx/>
+              <a:buNone/>
+              <a:defRPr/>
+            </a:pPr>
+            <a:endParaRPr kumimoji="0" lang="en-US" sz="1800" b="0" i="0" u="none" strike="noStrike" kern="1200" cap="none" spc="0" normalizeH="0" baseline="0" noProof="0">
+              <a:ln>
+                <a:noFill/>
+              </a:ln>
+              <a:solidFill>
+                <a:prstClr val="white"/>
+              </a:solidFill>
+              <a:effectLst/>
+              <a:uLnTx/>
+              <a:uFillTx/>
+              <a:latin typeface="Calibri" panose="020F0502020204030204"/>
+              <a:ea typeface="+mn-ea"/>
+              <a:cs typeface="+mn-cs"/>
+            </a:endParaRPr>
+          </a:p>
+        </p:txBody>
+      </p:sp>
+      <p:sp>
+        <p:nvSpPr>
+          <p:cNvPr id="2067" name="Rectangle 2066"/>
+          <p:cNvSpPr>
+            <a:spLocks noGrp="1" noRot="1" noChangeAspect="1" noMove="1" noResize="1" noEditPoints="1" noAdjustHandles="1" noChangeArrowheads="1" noChangeShapeType="1" noTextEdit="1"/>
+          </p:cNvSpPr>
+          <p:nvPr/>
+        </p:nvSpPr>
+        <p:spPr>
+          <a:xfrm>
+            <a:off x="481029" y="4546920"/>
+            <a:ext cx="4023360" cy="18288"/>
+          </a:xfrm>
+          <a:prstGeom prst="rect">
+            <a:avLst/>
+          </a:prstGeom>
+          <a:solidFill>
+            <a:schemeClr val="tx2">
+              <a:lumMod val="25000"/>
+              <a:lumOff val="75000"/>
+            </a:schemeClr>
+          </a:solidFill>
+          <a:ln w="3175">
+            <a:noFill/>
+          </a:ln>
+          <a:effectLst/>
+        </p:spPr>
+        <p:style>
+          <a:lnRef idx="2">
+            <a:schemeClr val="accent1">
+              <a:shade val="50000"/>
+            </a:schemeClr>
+          </a:lnRef>
+          <a:fillRef idx="1">
+            <a:schemeClr val="accent1"/>
+          </a:fillRef>
+          <a:effectRef idx="0">
+            <a:schemeClr val="accent1"/>
+          </a:effectRef>
+          <a:fontRef idx="minor">
+            <a:schemeClr val="lt1"/>
+          </a:fontRef>
+        </p:style>
+        <p:txBody>
+          <a:bodyPr rtlCol="0" anchor="ctr"/>
+          <a:lstStyle/>
+          <a:p>
+            <a:pPr marL="0" marR="0" lvl="0" indent="0" algn="ctr" defTabSz="914400" rtl="0" eaLnBrk="1" fontAlgn="auto" latinLnBrk="0" hangingPunct="1">
+              <a:lnSpc>
+                <a:spcPct val="100000"/>
+              </a:lnSpc>
+              <a:spcBef>
+                <a:spcPts val="0"/>
+              </a:spcBef>
+              <a:spcAft>
+                <a:spcPts val="0"/>
+              </a:spcAft>
+              <a:buClrTx/>
+              <a:buSzTx/>
+              <a:buFontTx/>
+              <a:buNone/>
+              <a:defRPr/>
+            </a:pPr>
+            <a:endParaRPr kumimoji="0" lang="en-US" sz="1800" b="0" i="0" u="none" strike="noStrike" kern="1200" cap="none" spc="0" normalizeH="0" baseline="0" noProof="0">
+              <a:ln>
+                <a:noFill/>
+              </a:ln>
+              <a:solidFill>
+                <a:prstClr val="white"/>
+              </a:solidFill>
+              <a:effectLst/>
+              <a:uLnTx/>
+              <a:uFillTx/>
+              <a:latin typeface="Calibri" panose="020F0502020204030204"/>
+              <a:ea typeface="+mn-ea"/>
+              <a:cs typeface="+mn-cs"/>
+            </a:endParaRPr>
+          </a:p>
+        </p:txBody>
+      </p:sp>
+      <p:sp>
+        <p:nvSpPr>
+          <p:cNvPr id="11" name="标题 1">
+            <a:extLst>
+              <a:ext uri="{FF2B5EF4-FFF2-40B4-BE49-F238E27FC236}">
+                <a16:creationId xmlns:a16="http://schemas.microsoft.com/office/drawing/2014/main" id="{1D0EB058-4DC0-694F-B09E-02AB46D48777}"/>
+              </a:ext>
+            </a:extLst>
+          </p:cNvPr>
+          <p:cNvSpPr txBox="1">
+            <a:spLocks/>
+          </p:cNvSpPr>
+          <p:nvPr/>
+        </p:nvSpPr>
+        <p:spPr>
+          <a:xfrm>
+            <a:off x="5548347" y="2592956"/>
+            <a:ext cx="6338854" cy="1672087"/>
+          </a:xfrm>
+          <a:prstGeom prst="rect">
+            <a:avLst/>
+          </a:prstGeom>
+        </p:spPr>
+        <p:txBody>
+          <a:bodyPr vert="horz" lIns="91440" tIns="45720" rIns="91440" bIns="45720" rtlCol="0" anchor="b">
+            <a:normAutofit fontScale="92500"/>
+          </a:bodyPr>
+          <a:lstStyle>
+            <a:lvl1pPr algn="l" defTabSz="914400" rtl="0" eaLnBrk="1" latinLnBrk="0" hangingPunct="1">
+              <a:lnSpc>
+                <a:spcPct val="105000"/>
+              </a:lnSpc>
+              <a:spcBef>
+                <a:spcPct val="0"/>
+              </a:spcBef>
+              <a:buNone/>
+              <a:defRPr sz="4000" kern="1200" spc="100">
+                <a:solidFill>
+                  <a:schemeClr val="tx1"/>
+                </a:solidFill>
+                <a:latin typeface="+mj-lt"/>
+                <a:ea typeface="+mj-ea"/>
+                <a:cs typeface="+mj-cs"/>
+              </a:defRPr>
+            </a:lvl1pPr>
+          </a:lstStyle>
+          <a:p>
+            <a:pPr>
+              <a:lnSpc>
+                <a:spcPct val="90000"/>
+              </a:lnSpc>
+            </a:pPr>
+            <a:r>
+              <a:rPr lang="zh-CN" altLang="en-US" sz="4800" dirty="0"/>
+              <a:t>宁可基于通信实现共享，</a:t>
+            </a:r>
+            <a:endParaRPr lang="en-US" altLang="zh-CN" sz="4800" dirty="0"/>
+          </a:p>
+          <a:p>
+            <a:pPr>
+              <a:lnSpc>
+                <a:spcPct val="90000"/>
+              </a:lnSpc>
+            </a:pPr>
+            <a:r>
+              <a:rPr lang="zh-CN" altLang="en-US" sz="4800" dirty="0"/>
+              <a:t>绝不基于共享实现通信。</a:t>
+            </a:r>
+          </a:p>
+        </p:txBody>
+      </p:sp>
+    </p:spTree>
+    <p:extLst>
+      <p:ext uri="{BB962C8B-B14F-4D97-AF65-F5344CB8AC3E}">
+        <p14:creationId xmlns:p14="http://schemas.microsoft.com/office/powerpoint/2010/main" val="2680468097"/>
+      </p:ext>
+    </p:extLst>
+  </p:cSld>
+  <p:clrMapOvr>
+    <a:masterClrMapping/>
+  </p:clrMapOvr>
+</p:sld>
+</file>
+
+<file path=ppt/slides/slide15.xml><?xml version="1.0" encoding="utf-8"?>
 <p:sld xmlns:a="http://schemas.openxmlformats.org/drawingml/2006/main" xmlns:r="http://schemas.openxmlformats.org/officeDocument/2006/relationships" xmlns:p="http://schemas.openxmlformats.org/presentationml/2006/main">
   <p:cSld>
     <p:spTree>
@@ -6641,7 +7547,7 @@
 </p:sld>
 </file>
 
-<file path=ppt/slides/slide14.xml><?xml version="1.0" encoding="utf-8"?>
+<file path=ppt/slides/slide16.xml><?xml version="1.0" encoding="utf-8"?>
 <p:sld xmlns:a="http://schemas.openxmlformats.org/drawingml/2006/main" xmlns:r="http://schemas.openxmlformats.org/officeDocument/2006/relationships" xmlns:p="http://schemas.openxmlformats.org/presentationml/2006/main">
   <p:cSld>
     <p:spTree>
@@ -6668,108 +7574,158 @@
             <p:ph type="title"/>
           </p:nvPr>
         </p:nvSpPr>
-        <p:spPr/>
-        <p:txBody>
-          <a:bodyPr/>
+        <p:spPr>
+          <a:xfrm>
+            <a:off x="1026620" y="731518"/>
+            <a:ext cx="4023360" cy="727289"/>
+          </a:xfrm>
+        </p:spPr>
+        <p:txBody>
+          <a:bodyPr vert="horz" lIns="91440" tIns="45720" rIns="91440" bIns="45720" rtlCol="0" anchor="b">
+            <a:normAutofit fontScale="90000"/>
+          </a:bodyPr>
           <a:lstStyle/>
           <a:p>
-            <a:r>
-              <a:rPr lang="zh-CN" altLang="en-US" dirty="0"/>
-              <a:t>面向对象</a:t>
-            </a:r>
-            <a:r>
-              <a:rPr lang="en-US" altLang="zh-CN" dirty="0"/>
-              <a:t>——QP</a:t>
-            </a:r>
-            <a:r>
-              <a:rPr lang="zh-CN" altLang="en-US" dirty="0"/>
-              <a:t>的基石</a:t>
+            <a:pPr>
+              <a:lnSpc>
+                <a:spcPct val="90000"/>
+              </a:lnSpc>
+            </a:pPr>
+            <a:r>
+              <a:rPr lang="en-US" altLang="zh-CN" sz="4800" dirty="0"/>
+              <a:t>Actor</a:t>
+            </a:r>
+            <a:r>
+              <a:rPr lang="zh-CN" altLang="en-US" sz="4800" dirty="0"/>
+              <a:t>划分原则</a:t>
             </a:r>
           </a:p>
         </p:txBody>
       </p:sp>
       <p:sp>
         <p:nvSpPr>
-          <p:cNvPr id="3" name="内容占位符 2"/>
-          <p:cNvSpPr>
-            <a:spLocks noGrp="1"/>
+          <p:cNvPr id="5" name="标题 1">
+            <a:extLst>
+              <a:ext uri="{FF2B5EF4-FFF2-40B4-BE49-F238E27FC236}">
+                <a16:creationId xmlns:a16="http://schemas.microsoft.com/office/drawing/2014/main" id="{130224E9-4653-68D0-687B-400A6916F6AD}"/>
+              </a:ext>
+            </a:extLst>
+          </p:cNvPr>
+          <p:cNvSpPr txBox="1">
+            <a:spLocks/>
           </p:cNvSpPr>
-          <p:nvPr>
-            <p:ph idx="1"/>
-          </p:nvPr>
-        </p:nvSpPr>
-        <p:spPr/>
-        <p:txBody>
-          <a:bodyPr/>
-          <a:lstStyle/>
-          <a:p>
-            <a:r>
-              <a:rPr lang="zh-CN" altLang="en-US" dirty="0"/>
-              <a:t>面向对象的三大特性</a:t>
-            </a:r>
-            <a:endParaRPr lang="en-US" altLang="zh-CN" dirty="0"/>
-          </a:p>
-          <a:p>
-            <a:pPr lvl="1"/>
-            <a:r>
-              <a:rPr lang="zh-CN" altLang="en-US" b="1" dirty="0">
+          <p:nvPr/>
+        </p:nvSpPr>
+        <p:spPr>
+          <a:xfrm>
+            <a:off x="1026620" y="2585498"/>
+            <a:ext cx="5326472" cy="727289"/>
+          </a:xfrm>
+          <a:prstGeom prst="rect">
+            <a:avLst/>
+          </a:prstGeom>
+        </p:spPr>
+        <p:txBody>
+          <a:bodyPr vert="horz" lIns="91440" tIns="45720" rIns="91440" bIns="45720" rtlCol="0" anchor="b">
+            <a:normAutofit fontScale="97500" lnSpcReduction="10000"/>
+          </a:bodyPr>
+          <a:lstStyle>
+            <a:lvl1pPr algn="l" defTabSz="914400" rtl="0" eaLnBrk="1" latinLnBrk="0" hangingPunct="1">
+              <a:lnSpc>
+                <a:spcPct val="105000"/>
+              </a:lnSpc>
+              <a:spcBef>
+                <a:spcPct val="0"/>
+              </a:spcBef>
+              <a:buNone/>
+              <a:defRPr sz="4000" kern="1200" spc="100">
                 <a:solidFill>
-                  <a:srgbClr val="FF0000"/>
+                  <a:schemeClr val="tx1"/>
                 </a:solidFill>
-              </a:rPr>
-              <a:t>封装</a:t>
-            </a:r>
-            <a:endParaRPr lang="en-US" altLang="zh-CN" b="1" dirty="0">
-              <a:solidFill>
-                <a:srgbClr val="FF0000"/>
-              </a:solidFill>
-            </a:endParaRPr>
-          </a:p>
-          <a:p>
-            <a:pPr lvl="1"/>
-            <a:r>
-              <a:rPr lang="zh-CN" altLang="en-US" b="1" dirty="0">
+                <a:latin typeface="+mj-lt"/>
+                <a:ea typeface="+mj-ea"/>
+                <a:cs typeface="+mj-cs"/>
+              </a:defRPr>
+            </a:lvl1pPr>
+          </a:lstStyle>
+          <a:p>
+            <a:pPr>
+              <a:lnSpc>
+                <a:spcPct val="90000"/>
+              </a:lnSpc>
+            </a:pPr>
+            <a:r>
+              <a:rPr lang="zh-CN" altLang="en-US" sz="4800" dirty="0"/>
+              <a:t>耦合最小原则。</a:t>
+            </a:r>
+          </a:p>
+        </p:txBody>
+      </p:sp>
+      <p:sp>
+        <p:nvSpPr>
+          <p:cNvPr id="6" name="标题 1">
+            <a:extLst>
+              <a:ext uri="{FF2B5EF4-FFF2-40B4-BE49-F238E27FC236}">
+                <a16:creationId xmlns:a16="http://schemas.microsoft.com/office/drawing/2014/main" id="{34C55BF3-F1A7-FE8B-6974-2FD4ACA414BC}"/>
+              </a:ext>
+            </a:extLst>
+          </p:cNvPr>
+          <p:cNvSpPr txBox="1">
+            <a:spLocks/>
+          </p:cNvSpPr>
+          <p:nvPr/>
+        </p:nvSpPr>
+        <p:spPr>
+          <a:xfrm>
+            <a:off x="1026620" y="3750878"/>
+            <a:ext cx="5326472" cy="727289"/>
+          </a:xfrm>
+          <a:prstGeom prst="rect">
+            <a:avLst/>
+          </a:prstGeom>
+        </p:spPr>
+        <p:txBody>
+          <a:bodyPr vert="horz" lIns="91440" tIns="45720" rIns="91440" bIns="45720" rtlCol="0" anchor="b">
+            <a:normAutofit fontScale="97500" lnSpcReduction="10000"/>
+          </a:bodyPr>
+          <a:lstStyle>
+            <a:lvl1pPr algn="l" defTabSz="914400" rtl="0" eaLnBrk="1" latinLnBrk="0" hangingPunct="1">
+              <a:lnSpc>
+                <a:spcPct val="105000"/>
+              </a:lnSpc>
+              <a:spcBef>
+                <a:spcPct val="0"/>
+              </a:spcBef>
+              <a:buNone/>
+              <a:defRPr sz="4000" kern="1200" spc="100">
                 <a:solidFill>
-                  <a:srgbClr val="FF0000"/>
+                  <a:schemeClr val="tx1"/>
                 </a:solidFill>
-              </a:rPr>
-              <a:t>继承</a:t>
-            </a:r>
-            <a:endParaRPr lang="en-US" altLang="zh-CN" b="1" dirty="0">
-              <a:solidFill>
-                <a:srgbClr val="FF0000"/>
-              </a:solidFill>
-            </a:endParaRPr>
-          </a:p>
-          <a:p>
-            <a:pPr lvl="1"/>
-            <a:r>
-              <a:rPr lang="zh-CN" altLang="en-US" dirty="0"/>
-              <a:t>多态</a:t>
-            </a:r>
-            <a:endParaRPr lang="en-US" altLang="zh-CN" dirty="0"/>
-          </a:p>
-          <a:p>
-            <a:r>
-              <a:rPr lang="en-US" altLang="zh-CN" dirty="0">
-                <a:hlinkClick r:id="rId2"/>
-              </a:rPr>
-              <a:t>QP</a:t>
-            </a:r>
-            <a:r>
-              <a:rPr lang="zh-CN" altLang="en-US" dirty="0">
-                <a:hlinkClick r:id="rId2"/>
-              </a:rPr>
-              <a:t>相关链接</a:t>
-            </a:r>
-            <a:endParaRPr lang="en-US" altLang="zh-CN" dirty="0"/>
-          </a:p>
-          <a:p>
-            <a:endParaRPr lang="en-US" altLang="zh-CN" dirty="0"/>
+                <a:latin typeface="+mj-lt"/>
+                <a:ea typeface="+mj-ea"/>
+                <a:cs typeface="+mj-cs"/>
+              </a:defRPr>
+            </a:lvl1pPr>
+          </a:lstStyle>
+          <a:p>
+            <a:pPr>
+              <a:lnSpc>
+                <a:spcPct val="90000"/>
+              </a:lnSpc>
+            </a:pPr>
+            <a:r>
+              <a:rPr lang="zh-CN" altLang="en-US" sz="4800" dirty="0"/>
+              <a:t>事件最少化原则。</a:t>
+            </a:r>
           </a:p>
         </p:txBody>
       </p:sp>
     </p:spTree>
+    <p:extLst>
+      <p:ext uri="{BB962C8B-B14F-4D97-AF65-F5344CB8AC3E}">
+        <p14:creationId xmlns:p14="http://schemas.microsoft.com/office/powerpoint/2010/main" val="3527777271"/>
+      </p:ext>
+    </p:extLst>
   </p:cSld>
   <p:clrMapOvr>
     <a:masterClrMapping/>
@@ -6777,7 +7733,339 @@
 </p:sld>
 </file>
 
-<file path=ppt/slides/slide15.xml><?xml version="1.0" encoding="utf-8"?>
+<file path=ppt/slides/slide17.xml><?xml version="1.0" encoding="utf-8"?>
+<p:sld xmlns:a="http://schemas.openxmlformats.org/drawingml/2006/main" xmlns:r="http://schemas.openxmlformats.org/officeDocument/2006/relationships" xmlns:p="http://schemas.openxmlformats.org/presentationml/2006/main">
+  <p:cSld>
+    <p:spTree>
+      <p:nvGrpSpPr>
+        <p:cNvPr id="1" name=""/>
+        <p:cNvGrpSpPr/>
+        <p:nvPr/>
+      </p:nvGrpSpPr>
+      <p:grpSpPr>
+        <a:xfrm>
+          <a:off x="0" y="0"/>
+          <a:ext cx="0" cy="0"/>
+          <a:chOff x="0" y="0"/>
+          <a:chExt cx="0" cy="0"/>
+        </a:xfrm>
+      </p:grpSpPr>
+      <p:sp>
+        <p:nvSpPr>
+          <p:cNvPr id="2" name="标题 1"/>
+          <p:cNvSpPr>
+            <a:spLocks noGrp="1"/>
+          </p:cNvSpPr>
+          <p:nvPr>
+            <p:ph type="title"/>
+          </p:nvPr>
+        </p:nvSpPr>
+        <p:spPr>
+          <a:xfrm>
+            <a:off x="1026620" y="731518"/>
+            <a:ext cx="4023360" cy="727289"/>
+          </a:xfrm>
+        </p:spPr>
+        <p:txBody>
+          <a:bodyPr vert="horz" lIns="91440" tIns="45720" rIns="91440" bIns="45720" rtlCol="0" anchor="b">
+            <a:normAutofit fontScale="90000"/>
+          </a:bodyPr>
+          <a:lstStyle/>
+          <a:p>
+            <a:pPr>
+              <a:lnSpc>
+                <a:spcPct val="90000"/>
+              </a:lnSpc>
+            </a:pPr>
+            <a:r>
+              <a:rPr lang="zh-CN" altLang="en-US" sz="4800" dirty="0"/>
+              <a:t>同步与异步</a:t>
+            </a:r>
+          </a:p>
+        </p:txBody>
+      </p:sp>
+      <p:sp>
+        <p:nvSpPr>
+          <p:cNvPr id="5" name="标题 1">
+            <a:extLst>
+              <a:ext uri="{FF2B5EF4-FFF2-40B4-BE49-F238E27FC236}">
+                <a16:creationId xmlns:a16="http://schemas.microsoft.com/office/drawing/2014/main" id="{130224E9-4653-68D0-687B-400A6916F6AD}"/>
+              </a:ext>
+            </a:extLst>
+          </p:cNvPr>
+          <p:cNvSpPr txBox="1">
+            <a:spLocks/>
+          </p:cNvSpPr>
+          <p:nvPr/>
+        </p:nvSpPr>
+        <p:spPr>
+          <a:xfrm>
+            <a:off x="1026620" y="2585498"/>
+            <a:ext cx="7544886" cy="727289"/>
+          </a:xfrm>
+          <a:prstGeom prst="rect">
+            <a:avLst/>
+          </a:prstGeom>
+        </p:spPr>
+        <p:txBody>
+          <a:bodyPr vert="horz" lIns="91440" tIns="45720" rIns="91440" bIns="45720" rtlCol="0" anchor="b">
+            <a:normAutofit fontScale="97500" lnSpcReduction="10000"/>
+          </a:bodyPr>
+          <a:lstStyle>
+            <a:lvl1pPr algn="l" defTabSz="914400" rtl="0" eaLnBrk="1" latinLnBrk="0" hangingPunct="1">
+              <a:lnSpc>
+                <a:spcPct val="105000"/>
+              </a:lnSpc>
+              <a:spcBef>
+                <a:spcPct val="0"/>
+              </a:spcBef>
+              <a:buNone/>
+              <a:defRPr sz="4000" kern="1200" spc="100">
+                <a:solidFill>
+                  <a:schemeClr val="tx1"/>
+                </a:solidFill>
+                <a:latin typeface="+mj-lt"/>
+                <a:ea typeface="+mj-ea"/>
+                <a:cs typeface="+mj-cs"/>
+              </a:defRPr>
+            </a:lvl1pPr>
+          </a:lstStyle>
+          <a:p>
+            <a:pPr>
+              <a:lnSpc>
+                <a:spcPct val="90000"/>
+              </a:lnSpc>
+            </a:pPr>
+            <a:r>
+              <a:rPr lang="zh-CN" altLang="en-US" sz="4800" dirty="0"/>
+              <a:t>嵌入式系统是一个异步系统。</a:t>
+            </a:r>
+          </a:p>
+        </p:txBody>
+      </p:sp>
+      <p:sp>
+        <p:nvSpPr>
+          <p:cNvPr id="7" name="标题 1">
+            <a:extLst>
+              <a:ext uri="{FF2B5EF4-FFF2-40B4-BE49-F238E27FC236}">
+                <a16:creationId xmlns:a16="http://schemas.microsoft.com/office/drawing/2014/main" id="{21C8ED9D-2925-8971-98D6-4B64F3A27278}"/>
+              </a:ext>
+            </a:extLst>
+          </p:cNvPr>
+          <p:cNvSpPr txBox="1">
+            <a:spLocks/>
+          </p:cNvSpPr>
+          <p:nvPr/>
+        </p:nvSpPr>
+        <p:spPr>
+          <a:xfrm>
+            <a:off x="1026620" y="3628444"/>
+            <a:ext cx="7544886" cy="727289"/>
+          </a:xfrm>
+          <a:prstGeom prst="rect">
+            <a:avLst/>
+          </a:prstGeom>
+        </p:spPr>
+        <p:txBody>
+          <a:bodyPr vert="horz" lIns="91440" tIns="45720" rIns="91440" bIns="45720" rtlCol="0" anchor="b">
+            <a:normAutofit fontScale="97500" lnSpcReduction="10000"/>
+          </a:bodyPr>
+          <a:lstStyle>
+            <a:lvl1pPr algn="l" defTabSz="914400" rtl="0" eaLnBrk="1" latinLnBrk="0" hangingPunct="1">
+              <a:lnSpc>
+                <a:spcPct val="105000"/>
+              </a:lnSpc>
+              <a:spcBef>
+                <a:spcPct val="0"/>
+              </a:spcBef>
+              <a:buNone/>
+              <a:defRPr sz="4000" kern="1200" spc="100">
+                <a:solidFill>
+                  <a:schemeClr val="tx1"/>
+                </a:solidFill>
+                <a:latin typeface="+mj-lt"/>
+                <a:ea typeface="+mj-ea"/>
+                <a:cs typeface="+mj-cs"/>
+              </a:defRPr>
+            </a:lvl1pPr>
+          </a:lstStyle>
+          <a:p>
+            <a:pPr>
+              <a:lnSpc>
+                <a:spcPct val="90000"/>
+              </a:lnSpc>
+            </a:pPr>
+            <a:r>
+              <a:rPr lang="en-US" altLang="zh-CN" sz="4800" dirty="0"/>
+              <a:t>RTOS</a:t>
+            </a:r>
+            <a:r>
+              <a:rPr lang="zh-CN" altLang="en-US" sz="4800" dirty="0"/>
+              <a:t>的基本手段是同步。</a:t>
+            </a:r>
+          </a:p>
+        </p:txBody>
+      </p:sp>
+      <p:sp>
+        <p:nvSpPr>
+          <p:cNvPr id="8" name="标题 1">
+            <a:extLst>
+              <a:ext uri="{FF2B5EF4-FFF2-40B4-BE49-F238E27FC236}">
+                <a16:creationId xmlns:a16="http://schemas.microsoft.com/office/drawing/2014/main" id="{352A91ED-F0D0-DC56-A240-7CBB4AA5FA74}"/>
+              </a:ext>
+            </a:extLst>
+          </p:cNvPr>
+          <p:cNvSpPr txBox="1">
+            <a:spLocks/>
+          </p:cNvSpPr>
+          <p:nvPr/>
+        </p:nvSpPr>
+        <p:spPr>
+          <a:xfrm>
+            <a:off x="1026620" y="4671390"/>
+            <a:ext cx="7544886" cy="727289"/>
+          </a:xfrm>
+          <a:prstGeom prst="rect">
+            <a:avLst/>
+          </a:prstGeom>
+        </p:spPr>
+        <p:txBody>
+          <a:bodyPr vert="horz" lIns="91440" tIns="45720" rIns="91440" bIns="45720" rtlCol="0" anchor="b">
+            <a:normAutofit fontScale="97500" lnSpcReduction="10000"/>
+          </a:bodyPr>
+          <a:lstStyle>
+            <a:lvl1pPr algn="l" defTabSz="914400" rtl="0" eaLnBrk="1" latinLnBrk="0" hangingPunct="1">
+              <a:lnSpc>
+                <a:spcPct val="105000"/>
+              </a:lnSpc>
+              <a:spcBef>
+                <a:spcPct val="0"/>
+              </a:spcBef>
+              <a:buNone/>
+              <a:defRPr sz="4000" kern="1200" spc="100">
+                <a:solidFill>
+                  <a:schemeClr val="tx1"/>
+                </a:solidFill>
+                <a:latin typeface="+mj-lt"/>
+                <a:ea typeface="+mj-ea"/>
+                <a:cs typeface="+mj-cs"/>
+              </a:defRPr>
+            </a:lvl1pPr>
+          </a:lstStyle>
+          <a:p>
+            <a:pPr>
+              <a:lnSpc>
+                <a:spcPct val="90000"/>
+              </a:lnSpc>
+            </a:pPr>
+            <a:r>
+              <a:rPr lang="en-US" altLang="zh-CN" sz="4800" dirty="0"/>
+              <a:t>QP</a:t>
+            </a:r>
+            <a:r>
+              <a:rPr lang="zh-CN" altLang="en-US" sz="4800" dirty="0"/>
+              <a:t>的基本手段是异步。</a:t>
+            </a:r>
+          </a:p>
+        </p:txBody>
+      </p:sp>
+    </p:spTree>
+    <p:extLst>
+      <p:ext uri="{BB962C8B-B14F-4D97-AF65-F5344CB8AC3E}">
+        <p14:creationId xmlns:p14="http://schemas.microsoft.com/office/powerpoint/2010/main" val="879720034"/>
+      </p:ext>
+    </p:extLst>
+  </p:cSld>
+  <p:clrMapOvr>
+    <a:masterClrMapping/>
+  </p:clrMapOvr>
+</p:sld>
+</file>
+
+<file path=ppt/slides/slide18.xml><?xml version="1.0" encoding="utf-8"?>
+<p:sld xmlns:a="http://schemas.openxmlformats.org/drawingml/2006/main" xmlns:r="http://schemas.openxmlformats.org/officeDocument/2006/relationships" xmlns:p="http://schemas.openxmlformats.org/presentationml/2006/main">
+  <p:cSld>
+    <p:spTree>
+      <p:nvGrpSpPr>
+        <p:cNvPr id="1" name=""/>
+        <p:cNvGrpSpPr/>
+        <p:nvPr/>
+      </p:nvGrpSpPr>
+      <p:grpSpPr>
+        <a:xfrm>
+          <a:off x="0" y="0"/>
+          <a:ext cx="0" cy="0"/>
+          <a:chOff x="0" y="0"/>
+          <a:chExt cx="0" cy="0"/>
+        </a:xfrm>
+      </p:grpSpPr>
+      <p:sp>
+        <p:nvSpPr>
+          <p:cNvPr id="2" name="标题 1">
+            <a:extLst>
+              <a:ext uri="{FF2B5EF4-FFF2-40B4-BE49-F238E27FC236}">
+                <a16:creationId xmlns:a16="http://schemas.microsoft.com/office/drawing/2014/main" id="{CE2A5FDE-E438-50EF-9FAA-AAEF24007A3C}"/>
+              </a:ext>
+            </a:extLst>
+          </p:cNvPr>
+          <p:cNvSpPr>
+            <a:spLocks noGrp="1"/>
+          </p:cNvSpPr>
+          <p:nvPr>
+            <p:ph type="title"/>
+          </p:nvPr>
+        </p:nvSpPr>
+        <p:spPr/>
+        <p:txBody>
+          <a:bodyPr/>
+          <a:lstStyle/>
+          <a:p>
+            <a:r>
+              <a:rPr lang="zh-CN" altLang="en-US" dirty="0"/>
+              <a:t>同步还是异步</a:t>
+            </a:r>
+          </a:p>
+        </p:txBody>
+      </p:sp>
+      <p:sp>
+        <p:nvSpPr>
+          <p:cNvPr id="3" name="内容占位符 2">
+            <a:extLst>
+              <a:ext uri="{FF2B5EF4-FFF2-40B4-BE49-F238E27FC236}">
+                <a16:creationId xmlns:a16="http://schemas.microsoft.com/office/drawing/2014/main" id="{CCC9A397-D325-C548-2AD3-91936E304B51}"/>
+              </a:ext>
+            </a:extLst>
+          </p:cNvPr>
+          <p:cNvSpPr>
+            <a:spLocks noGrp="1"/>
+          </p:cNvSpPr>
+          <p:nvPr>
+            <p:ph idx="1"/>
+          </p:nvPr>
+        </p:nvSpPr>
+        <p:spPr/>
+        <p:txBody>
+          <a:bodyPr/>
+          <a:lstStyle/>
+          <a:p>
+            <a:endParaRPr lang="zh-CN" altLang="en-US"/>
+          </a:p>
+        </p:txBody>
+      </p:sp>
+    </p:spTree>
+    <p:extLst>
+      <p:ext uri="{BB962C8B-B14F-4D97-AF65-F5344CB8AC3E}">
+        <p14:creationId xmlns:p14="http://schemas.microsoft.com/office/powerpoint/2010/main" val="515310025"/>
+      </p:ext>
+    </p:extLst>
+  </p:cSld>
+  <p:clrMapOvr>
+    <a:masterClrMapping/>
+  </p:clrMapOvr>
+</p:sld>
+</file>
+
+<file path=ppt/slides/slide19.xml><?xml version="1.0" encoding="utf-8"?>
 <p:sld xmlns:a="http://schemas.openxmlformats.org/drawingml/2006/main" xmlns:r="http://schemas.openxmlformats.org/officeDocument/2006/relationships" xmlns:p="http://schemas.openxmlformats.org/presentationml/2006/main">
   <p:cSld>
     <p:bg>
@@ -10314,7 +11602,87 @@
 </p:sld>
 </file>
 
-<file path=ppt/slides/slide16.xml><?xml version="1.0" encoding="utf-8"?>
+<file path=ppt/slides/slide2.xml><?xml version="1.0" encoding="utf-8"?>
+<p:sld xmlns:a="http://schemas.openxmlformats.org/drawingml/2006/main" xmlns:r="http://schemas.openxmlformats.org/officeDocument/2006/relationships" xmlns:p="http://schemas.openxmlformats.org/presentationml/2006/main">
+  <p:cSld>
+    <p:spTree>
+      <p:nvGrpSpPr>
+        <p:cNvPr id="1" name=""/>
+        <p:cNvGrpSpPr/>
+        <p:nvPr/>
+      </p:nvGrpSpPr>
+      <p:grpSpPr>
+        <a:xfrm>
+          <a:off x="0" y="0"/>
+          <a:ext cx="0" cy="0"/>
+          <a:chOff x="0" y="0"/>
+          <a:chExt cx="0" cy="0"/>
+        </a:xfrm>
+      </p:grpSpPr>
+      <p:sp>
+        <p:nvSpPr>
+          <p:cNvPr id="2" name="标题 1"/>
+          <p:cNvSpPr>
+            <a:spLocks noGrp="1"/>
+          </p:cNvSpPr>
+          <p:nvPr>
+            <p:ph type="title"/>
+          </p:nvPr>
+        </p:nvSpPr>
+        <p:spPr/>
+        <p:txBody>
+          <a:bodyPr/>
+          <a:lstStyle/>
+          <a:p>
+            <a:r>
+              <a:rPr lang="en-US" altLang="zh-CN" dirty="0"/>
+              <a:t>QPC</a:t>
+            </a:r>
+            <a:r>
+              <a:rPr lang="zh-CN" altLang="en-US" dirty="0"/>
+              <a:t>是什么</a:t>
+            </a:r>
+          </a:p>
+        </p:txBody>
+      </p:sp>
+      <p:sp>
+        <p:nvSpPr>
+          <p:cNvPr id="3" name="内容占位符 2"/>
+          <p:cNvSpPr>
+            <a:spLocks noGrp="1"/>
+          </p:cNvSpPr>
+          <p:nvPr>
+            <p:ph idx="1"/>
+          </p:nvPr>
+        </p:nvSpPr>
+        <p:spPr/>
+        <p:txBody>
+          <a:bodyPr/>
+          <a:lstStyle/>
+          <a:p>
+            <a:r>
+              <a:rPr lang="zh-CN" altLang="en-US" dirty="0"/>
+              <a:t>事件驱动的嵌入式状态机框架</a:t>
+            </a:r>
+            <a:endParaRPr lang="en-US" altLang="zh-CN" dirty="0"/>
+          </a:p>
+          <a:p>
+            <a:r>
+              <a:rPr lang="zh-CN" altLang="en-US" dirty="0"/>
+              <a:t>技术服务</a:t>
+            </a:r>
+          </a:p>
+        </p:txBody>
+      </p:sp>
+    </p:spTree>
+  </p:cSld>
+  <p:clrMapOvr>
+    <a:masterClrMapping/>
+  </p:clrMapOvr>
+</p:sld>
+</file>
+
+<file path=ppt/slides/slide20.xml><?xml version="1.0" encoding="utf-8"?>
 <p:sld xmlns:a="http://schemas.openxmlformats.org/drawingml/2006/main" xmlns:r="http://schemas.openxmlformats.org/officeDocument/2006/relationships" xmlns:p="http://schemas.openxmlformats.org/presentationml/2006/main">
   <p:cSld>
     <p:spTree>
@@ -10820,7 +12188,7 @@
 </p:sld>
 </file>
 
-<file path=ppt/slides/slide17.xml><?xml version="1.0" encoding="utf-8"?>
+<file path=ppt/slides/slide21.xml><?xml version="1.0" encoding="utf-8"?>
 <p:sld xmlns:a="http://schemas.openxmlformats.org/drawingml/2006/main" xmlns:r="http://schemas.openxmlformats.org/officeDocument/2006/relationships" xmlns:p="http://schemas.openxmlformats.org/presentationml/2006/main">
   <p:cSld>
     <p:spTree>
@@ -11409,7 +12777,7 @@
 </p:sld>
 </file>
 
-<file path=ppt/slides/slide18.xml><?xml version="1.0" encoding="utf-8"?>
+<file path=ppt/slides/slide22.xml><?xml version="1.0" encoding="utf-8"?>
 <p:sld xmlns:a="http://schemas.openxmlformats.org/drawingml/2006/main" xmlns:r="http://schemas.openxmlformats.org/officeDocument/2006/relationships" xmlns:p="http://schemas.openxmlformats.org/presentationml/2006/main">
   <p:cSld>
     <p:spTree>
@@ -12023,86 +13391,6 @@
 </p:sld>
 </file>
 
-<file path=ppt/slides/slide2.xml><?xml version="1.0" encoding="utf-8"?>
-<p:sld xmlns:a="http://schemas.openxmlformats.org/drawingml/2006/main" xmlns:r="http://schemas.openxmlformats.org/officeDocument/2006/relationships" xmlns:p="http://schemas.openxmlformats.org/presentationml/2006/main">
-  <p:cSld>
-    <p:spTree>
-      <p:nvGrpSpPr>
-        <p:cNvPr id="1" name=""/>
-        <p:cNvGrpSpPr/>
-        <p:nvPr/>
-      </p:nvGrpSpPr>
-      <p:grpSpPr>
-        <a:xfrm>
-          <a:off x="0" y="0"/>
-          <a:ext cx="0" cy="0"/>
-          <a:chOff x="0" y="0"/>
-          <a:chExt cx="0" cy="0"/>
-        </a:xfrm>
-      </p:grpSpPr>
-      <p:sp>
-        <p:nvSpPr>
-          <p:cNvPr id="2" name="标题 1"/>
-          <p:cNvSpPr>
-            <a:spLocks noGrp="1"/>
-          </p:cNvSpPr>
-          <p:nvPr>
-            <p:ph type="title"/>
-          </p:nvPr>
-        </p:nvSpPr>
-        <p:spPr/>
-        <p:txBody>
-          <a:bodyPr/>
-          <a:lstStyle/>
-          <a:p>
-            <a:r>
-              <a:rPr lang="en-US" altLang="zh-CN" dirty="0"/>
-              <a:t>QPC</a:t>
-            </a:r>
-            <a:r>
-              <a:rPr lang="zh-CN" altLang="en-US" dirty="0"/>
-              <a:t>是什么</a:t>
-            </a:r>
-          </a:p>
-        </p:txBody>
-      </p:sp>
-      <p:sp>
-        <p:nvSpPr>
-          <p:cNvPr id="3" name="内容占位符 2"/>
-          <p:cNvSpPr>
-            <a:spLocks noGrp="1"/>
-          </p:cNvSpPr>
-          <p:nvPr>
-            <p:ph idx="1"/>
-          </p:nvPr>
-        </p:nvSpPr>
-        <p:spPr/>
-        <p:txBody>
-          <a:bodyPr/>
-          <a:lstStyle/>
-          <a:p>
-            <a:r>
-              <a:rPr lang="zh-CN" altLang="en-US" dirty="0"/>
-              <a:t>事件驱动的嵌入式状态机框架</a:t>
-            </a:r>
-            <a:endParaRPr lang="en-US" altLang="zh-CN" dirty="0"/>
-          </a:p>
-          <a:p>
-            <a:r>
-              <a:rPr lang="zh-CN" altLang="en-US" dirty="0"/>
-              <a:t>技术服务</a:t>
-            </a:r>
-          </a:p>
-        </p:txBody>
-      </p:sp>
-    </p:spTree>
-  </p:cSld>
-  <p:clrMapOvr>
-    <a:masterClrMapping/>
-  </p:clrMapOvr>
-</p:sld>
-</file>
-
 <file path=ppt/slides/slide3.xml><?xml version="1.0" encoding="utf-8"?>
 <p:sld xmlns:a="http://schemas.openxmlformats.org/drawingml/2006/main" xmlns:r="http://schemas.openxmlformats.org/officeDocument/2006/relationships" xmlns:p="http://schemas.openxmlformats.org/presentationml/2006/main">
   <p:cSld>
@@ -13509,61 +14797,107 @@
             <p:ph type="title"/>
           </p:nvPr>
         </p:nvSpPr>
-        <p:spPr>
-          <a:xfrm>
-            <a:off x="477981" y="1122363"/>
-            <a:ext cx="4023360" cy="3204134"/>
-          </a:xfrm>
-        </p:spPr>
-        <p:txBody>
-          <a:bodyPr vert="horz" lIns="91440" tIns="45720" rIns="91440" bIns="45720" rtlCol="0" anchor="b">
-            <a:normAutofit/>
-          </a:bodyPr>
+        <p:spPr/>
+        <p:txBody>
+          <a:bodyPr/>
           <a:lstStyle/>
           <a:p>
-            <a:pPr>
-              <a:lnSpc>
-                <a:spcPct val="90000"/>
-              </a:lnSpc>
-            </a:pPr>
-            <a:r>
-              <a:rPr lang="zh-CN" altLang="en-US" sz="4800" dirty="0"/>
-              <a:t>事件总线</a:t>
-            </a:r>
-            <a:endParaRPr lang="zh-CN" altLang="en-US" sz="2400" dirty="0"/>
-          </a:p>
-        </p:txBody>
-      </p:sp>
-      <p:pic>
-        <p:nvPicPr>
-          <p:cNvPr id="4" name="图片 3" descr="图示&#10;&#10;描述已自动生成"/>
-          <p:cNvPicPr>
-            <a:picLocks noChangeAspect="1"/>
-          </p:cNvPicPr>
-          <p:nvPr/>
-        </p:nvPicPr>
-        <p:blipFill>
-          <a:blip r:embed="rId2">
-            <a:extLst>
-              <a:ext uri="{28A0092B-C50C-407E-A947-70E740481C1C}">
-                <a14:useLocalDpi xmlns:a14="http://schemas.microsoft.com/office/drawing/2010/main" val="0"/>
-              </a:ext>
-            </a:extLst>
-          </a:blip>
-          <a:stretch>
-            <a:fillRect/>
-          </a:stretch>
-        </p:blipFill>
-        <p:spPr>
-          <a:xfrm>
-            <a:off x="3262488" y="1122363"/>
-            <a:ext cx="8510181" cy="4785277"/>
-          </a:xfrm>
-          <a:prstGeom prst="rect">
-            <a:avLst/>
-          </a:prstGeom>
-        </p:spPr>
-      </p:pic>
+            <a:r>
+              <a:rPr lang="zh-CN" altLang="en-US" dirty="0"/>
+              <a:t>面向对象</a:t>
+            </a:r>
+            <a:r>
+              <a:rPr lang="en-US" altLang="zh-CN" dirty="0"/>
+              <a:t>——QP</a:t>
+            </a:r>
+            <a:r>
+              <a:rPr lang="zh-CN" altLang="en-US" dirty="0"/>
+              <a:t>的基石</a:t>
+            </a:r>
+          </a:p>
+        </p:txBody>
+      </p:sp>
+      <p:sp>
+        <p:nvSpPr>
+          <p:cNvPr id="3" name="内容占位符 2"/>
+          <p:cNvSpPr>
+            <a:spLocks noGrp="1"/>
+          </p:cNvSpPr>
+          <p:nvPr>
+            <p:ph idx="1"/>
+          </p:nvPr>
+        </p:nvSpPr>
+        <p:spPr/>
+        <p:txBody>
+          <a:bodyPr/>
+          <a:lstStyle/>
+          <a:p>
+            <a:r>
+              <a:rPr lang="zh-CN" altLang="en-US" dirty="0"/>
+              <a:t>面向对象的三大特性</a:t>
+            </a:r>
+            <a:endParaRPr lang="en-US" altLang="zh-CN" dirty="0"/>
+          </a:p>
+          <a:p>
+            <a:pPr lvl="1"/>
+            <a:r>
+              <a:rPr lang="zh-CN" altLang="en-US" b="1" dirty="0">
+                <a:solidFill>
+                  <a:srgbClr val="FF0000"/>
+                </a:solidFill>
+              </a:rPr>
+              <a:t>封装</a:t>
+            </a:r>
+            <a:endParaRPr lang="en-US" altLang="zh-CN" b="1" dirty="0">
+              <a:solidFill>
+                <a:srgbClr val="FF0000"/>
+              </a:solidFill>
+            </a:endParaRPr>
+          </a:p>
+          <a:p>
+            <a:pPr lvl="1"/>
+            <a:r>
+              <a:rPr lang="zh-CN" altLang="en-US" b="1" dirty="0">
+                <a:solidFill>
+                  <a:srgbClr val="FF0000"/>
+                </a:solidFill>
+              </a:rPr>
+              <a:t>继承</a:t>
+            </a:r>
+            <a:endParaRPr lang="en-US" altLang="zh-CN" b="1" dirty="0">
+              <a:solidFill>
+                <a:srgbClr val="FF0000"/>
+              </a:solidFill>
+            </a:endParaRPr>
+          </a:p>
+          <a:p>
+            <a:pPr lvl="1"/>
+            <a:r>
+              <a:rPr lang="zh-CN" altLang="en-US" dirty="0"/>
+              <a:t>多态</a:t>
+            </a:r>
+            <a:endParaRPr lang="en-US" altLang="zh-CN" dirty="0"/>
+          </a:p>
+          <a:p>
+            <a:r>
+              <a:rPr lang="en-US" altLang="zh-CN" dirty="0">
+                <a:hlinkClick r:id="rId2"/>
+              </a:rPr>
+              <a:t>QP</a:t>
+            </a:r>
+            <a:r>
+              <a:rPr lang="zh-CN" altLang="en-US" dirty="0">
+                <a:hlinkClick r:id="rId2"/>
+              </a:rPr>
+              <a:t>相关链接</a:t>
+            </a:r>
+            <a:endParaRPr lang="en-US" altLang="zh-CN" dirty="0"/>
+          </a:p>
+          <a:p>
+            <a:endParaRPr lang="en-US" altLang="zh-CN" dirty="0"/>
+          </a:p>
+        </p:txBody>
+      </p:sp>
     </p:spTree>
   </p:cSld>
   <p:clrMapOvr>
